--- a/C++/Tutoring/Lectures/Script.pptx
+++ b/C++/Tutoring/Lectures/Script.pptx
@@ -22,6 +22,23 @@
     <p:sldId id="272" r:id="rId16"/>
     <p:sldId id="273" r:id="rId17"/>
     <p:sldId id="269" r:id="rId18"/>
+    <p:sldId id="274" r:id="rId19"/>
+    <p:sldId id="277" r:id="rId20"/>
+    <p:sldId id="276" r:id="rId21"/>
+    <p:sldId id="281" r:id="rId22"/>
+    <p:sldId id="282" r:id="rId23"/>
+    <p:sldId id="283" r:id="rId24"/>
+    <p:sldId id="279" r:id="rId25"/>
+    <p:sldId id="284" r:id="rId26"/>
+    <p:sldId id="285" r:id="rId27"/>
+    <p:sldId id="286" r:id="rId28"/>
+    <p:sldId id="287" r:id="rId29"/>
+    <p:sldId id="288" r:id="rId30"/>
+    <p:sldId id="289" r:id="rId31"/>
+    <p:sldId id="290" r:id="rId32"/>
+    <p:sldId id="280" r:id="rId33"/>
+    <p:sldId id="291" r:id="rId34"/>
+    <p:sldId id="292" r:id="rId35"/>
   </p:sldIdLst>
   <p:sldSz cx="12192000" cy="6858000"/>
   <p:notesSz cx="6858000" cy="9144000"/>
@@ -128,6 +145,412 @@
 </p:presentation>
 </file>
 
+<file path=ppt/ink/ink1.xml><?xml version="1.0" encoding="utf-8"?>
+<inkml:ink xmlns:inkml="http://www.w3.org/2003/InkML">
+  <inkml:definitions>
+    <inkml:context xml:id="ctx0">
+      <inkml:inkSource xml:id="inkSrc0">
+        <inkml:traceFormat>
+          <inkml:channel name="X" type="integer" min="-2.14748E9" max="2.14748E9" units="cm"/>
+          <inkml:channel name="Y" type="integer" min="-2.14748E9" max="2.14748E9" units="cm"/>
+        </inkml:traceFormat>
+        <inkml:channelProperties>
+          <inkml:channelProperty channel="X" name="resolution" value="1000" units="1/cm"/>
+          <inkml:channelProperty channel="Y" name="resolution" value="1000" units="1/cm"/>
+        </inkml:channelProperties>
+      </inkml:inkSource>
+      <inkml:timestamp xml:id="ts0" timeString="2024-04-05T16:29:13.392"/>
+    </inkml:context>
+    <inkml:brush xml:id="br0">
+      <inkml:brushProperty name="width" value="0.3" units="cm"/>
+      <inkml:brushProperty name="height" value="0.6" units="cm"/>
+      <inkml:brushProperty name="color" value="#FFFC00"/>
+      <inkml:brushProperty name="tip" value="rectangle"/>
+      <inkml:brushProperty name="rasterOp" value="maskPen"/>
+      <inkml:brushProperty name="ignorePressure" value="1"/>
+    </inkml:brush>
+  </inkml:definitions>
+  <inkml:trace contextRef="#ctx0" brushRef="#br0">1 162,'8'-1,"0"-1,0 1,0-1,0-1,0 1,11-7,16-4,16-2,-16 3,1 2,0 1,1 2,63-4,367 13,-445-3,0-2,0 0,0-2,36-12,14-3,-37 14,-1 0,1 3,0 1,64 4,-31 5,101 25,-117-22,0-1,74 1,107-11,-86-2,367 3,-493 0</inkml:trace>
+</inkml:ink>
+</file>
+
+<file path=ppt/ink/ink10.xml><?xml version="1.0" encoding="utf-8"?>
+<inkml:ink xmlns:inkml="http://www.w3.org/2003/InkML">
+  <inkml:definitions>
+    <inkml:context xml:id="ctx0">
+      <inkml:inkSource xml:id="inkSrc0">
+        <inkml:traceFormat>
+          <inkml:channel name="X" type="integer" min="-2.14748E9" max="2.14748E9" units="cm"/>
+          <inkml:channel name="Y" type="integer" min="-2.14748E9" max="2.14748E9" units="cm"/>
+        </inkml:traceFormat>
+        <inkml:channelProperties>
+          <inkml:channelProperty channel="X" name="resolution" value="1000" units="1/cm"/>
+          <inkml:channelProperty channel="Y" name="resolution" value="1000" units="1/cm"/>
+        </inkml:channelProperties>
+      </inkml:inkSource>
+      <inkml:timestamp xml:id="ts0" timeString="2024-04-05T16:29:48.521"/>
+    </inkml:context>
+    <inkml:brush xml:id="br0">
+      <inkml:brushProperty name="width" value="0.3" units="cm"/>
+      <inkml:brushProperty name="height" value="0.6" units="cm"/>
+      <inkml:brushProperty name="color" value="#FFACD5"/>
+      <inkml:brushProperty name="tip" value="rectangle"/>
+      <inkml:brushProperty name="rasterOp" value="maskPen"/>
+      <inkml:brushProperty name="ignorePressure" value="1"/>
+    </inkml:brush>
+  </inkml:definitions>
+  <inkml:trace contextRef="#ctx0" brushRef="#br0">1 1,'83'4,"145"26,-106-5,-78-14,0-2,1-2,58 2,466-10,-560 1,-1 0,0-1,0 0,0-1,0 0,0 0,0 0,-1-1,1 0,13-8,-4 1,1 2,28-9,-31 12</inkml:trace>
+</inkml:ink>
+</file>
+
+<file path=ppt/ink/ink11.xml><?xml version="1.0" encoding="utf-8"?>
+<inkml:ink xmlns:inkml="http://www.w3.org/2003/InkML">
+  <inkml:definitions>
+    <inkml:context xml:id="ctx0">
+      <inkml:inkSource xml:id="inkSrc0">
+        <inkml:traceFormat>
+          <inkml:channel name="X" type="integer" min="-2.14748E9" max="2.14748E9" units="cm"/>
+          <inkml:channel name="Y" type="integer" min="-2.14748E9" max="2.14748E9" units="cm"/>
+        </inkml:traceFormat>
+        <inkml:channelProperties>
+          <inkml:channelProperty channel="X" name="resolution" value="1000" units="1/cm"/>
+          <inkml:channelProperty channel="Y" name="resolution" value="1000" units="1/cm"/>
+        </inkml:channelProperties>
+      </inkml:inkSource>
+      <inkml:timestamp xml:id="ts0" timeString="2024-04-05T16:29:50.917"/>
+    </inkml:context>
+    <inkml:brush xml:id="br0">
+      <inkml:brushProperty name="width" value="0.3" units="cm"/>
+      <inkml:brushProperty name="height" value="0.6" units="cm"/>
+      <inkml:brushProperty name="color" value="#FFACD5"/>
+      <inkml:brushProperty name="tip" value="rectangle"/>
+      <inkml:brushProperty name="rasterOp" value="maskPen"/>
+      <inkml:brushProperty name="ignorePressure" value="1"/>
+    </inkml:brush>
+  </inkml:definitions>
+  <inkml:trace contextRef="#ctx0" brushRef="#br0">1 0,'94'5,"173"30,-89-7,-97-22,122-6,-79-3,-86 3,0 2,0 1,0 2,0 2,-1 1,37 13,-36-9,57 9,18 5,-97-21</inkml:trace>
+</inkml:ink>
+</file>
+
+<file path=ppt/ink/ink12.xml><?xml version="1.0" encoding="utf-8"?>
+<inkml:ink xmlns:inkml="http://www.w3.org/2003/InkML">
+  <inkml:definitions>
+    <inkml:context xml:id="ctx0">
+      <inkml:inkSource xml:id="inkSrc0">
+        <inkml:traceFormat>
+          <inkml:channel name="X" type="integer" min="-2.14748E9" max="2.14748E9" units="cm"/>
+          <inkml:channel name="Y" type="integer" min="-2.14748E9" max="2.14748E9" units="cm"/>
+        </inkml:traceFormat>
+        <inkml:channelProperties>
+          <inkml:channelProperty channel="X" name="resolution" value="1000" units="1/cm"/>
+          <inkml:channelProperty channel="Y" name="resolution" value="1000" units="1/cm"/>
+        </inkml:channelProperties>
+      </inkml:inkSource>
+      <inkml:timestamp xml:id="ts0" timeString="2024-04-05T16:29:58.502"/>
+    </inkml:context>
+    <inkml:brush xml:id="br0">
+      <inkml:brushProperty name="width" value="0.3" units="cm"/>
+      <inkml:brushProperty name="height" value="0.6" units="cm"/>
+      <inkml:brushProperty name="color" value="#FFACD5"/>
+      <inkml:brushProperty name="tip" value="rectangle"/>
+      <inkml:brushProperty name="rasterOp" value="maskPen"/>
+      <inkml:brushProperty name="ignorePressure" value="1"/>
+    </inkml:brush>
+  </inkml:definitions>
+  <inkml:trace contextRef="#ctx0" brushRef="#br0">0 0,'1717'0,"-1696"0</inkml:trace>
+</inkml:ink>
+</file>
+
+<file path=ppt/ink/ink13.xml><?xml version="1.0" encoding="utf-8"?>
+<inkml:ink xmlns:inkml="http://www.w3.org/2003/InkML">
+  <inkml:definitions>
+    <inkml:context xml:id="ctx0">
+      <inkml:inkSource xml:id="inkSrc0">
+        <inkml:traceFormat>
+          <inkml:channel name="X" type="integer" min="-2.14748E9" max="2.14748E9" units="cm"/>
+          <inkml:channel name="Y" type="integer" min="-2.14748E9" max="2.14748E9" units="cm"/>
+        </inkml:traceFormat>
+        <inkml:channelProperties>
+          <inkml:channelProperty channel="X" name="resolution" value="1000" units="1/cm"/>
+          <inkml:channelProperty channel="Y" name="resolution" value="1000" units="1/cm"/>
+        </inkml:channelProperties>
+      </inkml:inkSource>
+      <inkml:timestamp xml:id="ts0" timeString="2024-04-05T16:30:04.666"/>
+    </inkml:context>
+    <inkml:brush xml:id="br0">
+      <inkml:brushProperty name="width" value="0.3" units="cm"/>
+      <inkml:brushProperty name="height" value="0.6" units="cm"/>
+      <inkml:brushProperty name="color" value="#FFACD5"/>
+      <inkml:brushProperty name="tip" value="rectangle"/>
+      <inkml:brushProperty name="rasterOp" value="maskPen"/>
+      <inkml:brushProperty name="ignorePressure" value="1"/>
+    </inkml:brush>
+  </inkml:definitions>
+  <inkml:trace contextRef="#ctx0" brushRef="#br0">0 73,'46'0,"332"-14,-236 4,154 9,-133 3,-129-2,2 1,0-1,0-2,0-2,62-13,-66 8,1 3,0 0,49-1,104 8,-73 1,-10-2,-82 0</inkml:trace>
+</inkml:ink>
+</file>
+
+<file path=ppt/ink/ink14.xml><?xml version="1.0" encoding="utf-8"?>
+<inkml:ink xmlns:inkml="http://www.w3.org/2003/InkML">
+  <inkml:definitions>
+    <inkml:context xml:id="ctx0">
+      <inkml:inkSource xml:id="inkSrc0">
+        <inkml:traceFormat>
+          <inkml:channel name="X" type="integer" min="-2.14748E9" max="2.14748E9" units="cm"/>
+          <inkml:channel name="Y" type="integer" min="-2.14748E9" max="2.14748E9" units="cm"/>
+        </inkml:traceFormat>
+        <inkml:channelProperties>
+          <inkml:channelProperty channel="X" name="resolution" value="1000" units="1/cm"/>
+          <inkml:channelProperty channel="Y" name="resolution" value="1000" units="1/cm"/>
+        </inkml:channelProperties>
+      </inkml:inkSource>
+      <inkml:timestamp xml:id="ts0" timeString="2024-04-05T16:30:06.598"/>
+    </inkml:context>
+    <inkml:brush xml:id="br0">
+      <inkml:brushProperty name="width" value="0.3" units="cm"/>
+      <inkml:brushProperty name="height" value="0.6" units="cm"/>
+      <inkml:brushProperty name="color" value="#FFACD5"/>
+      <inkml:brushProperty name="tip" value="rectangle"/>
+      <inkml:brushProperty name="rasterOp" value="maskPen"/>
+      <inkml:brushProperty name="ignorePressure" value="1"/>
+    </inkml:brush>
+  </inkml:definitions>
+  <inkml:trace contextRef="#ctx0" brushRef="#br0">0 1,'15'1,"-1"1,26 5,4 2,167 32,-16-3,195 39,-342-69,0-2,1-3,0-1,49-5,1 1,-58 2,-1 2,59 10,-48-6,-1-1,96-5,-61-2,-65 2</inkml:trace>
+</inkml:ink>
+</file>
+
+<file path=ppt/ink/ink2.xml><?xml version="1.0" encoding="utf-8"?>
+<inkml:ink xmlns:inkml="http://www.w3.org/2003/InkML">
+  <inkml:definitions>
+    <inkml:context xml:id="ctx0">
+      <inkml:inkSource xml:id="inkSrc0">
+        <inkml:traceFormat>
+          <inkml:channel name="X" type="integer" min="-2.14748E9" max="2.14748E9" units="cm"/>
+          <inkml:channel name="Y" type="integer" min="-2.14748E9" max="2.14748E9" units="cm"/>
+        </inkml:traceFormat>
+        <inkml:channelProperties>
+          <inkml:channelProperty channel="X" name="resolution" value="1000" units="1/cm"/>
+          <inkml:channelProperty channel="Y" name="resolution" value="1000" units="1/cm"/>
+        </inkml:channelProperties>
+      </inkml:inkSource>
+      <inkml:timestamp xml:id="ts0" timeString="2024-04-05T16:29:16.067"/>
+    </inkml:context>
+    <inkml:brush xml:id="br0">
+      <inkml:brushProperty name="width" value="0.3" units="cm"/>
+      <inkml:brushProperty name="height" value="0.6" units="cm"/>
+      <inkml:brushProperty name="color" value="#FFFC00"/>
+      <inkml:brushProperty name="tip" value="rectangle"/>
+      <inkml:brushProperty name="rasterOp" value="maskPen"/>
+      <inkml:brushProperty name="ignorePressure" value="1"/>
+    </inkml:brush>
+  </inkml:definitions>
+  <inkml:trace contextRef="#ctx0" brushRef="#br0">1 26,'608'-14,"108"3,-451 13,765-2,-1002 1,1 2,28 7,11 0,-21-2,78 22,-109-25</inkml:trace>
+</inkml:ink>
+</file>
+
+<file path=ppt/ink/ink3.xml><?xml version="1.0" encoding="utf-8"?>
+<inkml:ink xmlns:inkml="http://www.w3.org/2003/InkML">
+  <inkml:definitions>
+    <inkml:context xml:id="ctx0">
+      <inkml:inkSource xml:id="inkSrc0">
+        <inkml:traceFormat>
+          <inkml:channel name="X" type="integer" min="-2.14748E9" max="2.14748E9" units="cm"/>
+          <inkml:channel name="Y" type="integer" min="-2.14748E9" max="2.14748E9" units="cm"/>
+        </inkml:traceFormat>
+        <inkml:channelProperties>
+          <inkml:channelProperty channel="X" name="resolution" value="1000" units="1/cm"/>
+          <inkml:channelProperty channel="Y" name="resolution" value="1000" units="1/cm"/>
+        </inkml:channelProperties>
+      </inkml:inkSource>
+      <inkml:timestamp xml:id="ts0" timeString="2024-04-05T16:29:20.755"/>
+    </inkml:context>
+    <inkml:brush xml:id="br0">
+      <inkml:brushProperty name="width" value="0.3" units="cm"/>
+      <inkml:brushProperty name="height" value="0.6" units="cm"/>
+      <inkml:brushProperty name="color" value="#FFFC00"/>
+      <inkml:brushProperty name="tip" value="rectangle"/>
+      <inkml:brushProperty name="rasterOp" value="maskPen"/>
+      <inkml:brushProperty name="ignorePressure" value="1"/>
+    </inkml:brush>
+  </inkml:definitions>
+  <inkml:trace contextRef="#ctx0" brushRef="#br0">0 66,'210'1,"462"-16,-542-1,49-3,345 3,1 37,-511-19,286 18,-278-20</inkml:trace>
+</inkml:ink>
+</file>
+
+<file path=ppt/ink/ink4.xml><?xml version="1.0" encoding="utf-8"?>
+<inkml:ink xmlns:inkml="http://www.w3.org/2003/InkML">
+  <inkml:definitions>
+    <inkml:context xml:id="ctx0">
+      <inkml:inkSource xml:id="inkSrc0">
+        <inkml:traceFormat>
+          <inkml:channel name="X" type="integer" min="-2.14748E9" max="2.14748E9" units="cm"/>
+          <inkml:channel name="Y" type="integer" min="-2.14748E9" max="2.14748E9" units="cm"/>
+        </inkml:traceFormat>
+        <inkml:channelProperties>
+          <inkml:channelProperty channel="X" name="resolution" value="1000" units="1/cm"/>
+          <inkml:channelProperty channel="Y" name="resolution" value="1000" units="1/cm"/>
+        </inkml:channelProperties>
+      </inkml:inkSource>
+      <inkml:timestamp xml:id="ts0" timeString="2024-04-05T16:29:27.167"/>
+    </inkml:context>
+    <inkml:brush xml:id="br0">
+      <inkml:brushProperty name="width" value="0.3" units="cm"/>
+      <inkml:brushProperty name="height" value="0.6" units="cm"/>
+      <inkml:brushProperty name="color" value="#00FDFF"/>
+      <inkml:brushProperty name="tip" value="rectangle"/>
+      <inkml:brushProperty name="rasterOp" value="maskPen"/>
+      <inkml:brushProperty name="ignorePressure" value="1"/>
+    </inkml:brush>
+  </inkml:definitions>
+  <inkml:trace contextRef="#ctx0" brushRef="#br0">0 95,'58'3,"0"3,95 21,-95-14,0-3,89 4,-103-14,85 12,-67-4,0-4,106-5,-58-1,-35 4,84-4,-138-2,-1 0,0-1,0-1,27-12,37-12,-66 26,29-7,-44 10,0 0,0 0,-1 0,1-1,0 1,-1 0,1-1,-1 0,1 1,-1-1,3-3,-5 4,0 1,1-1,-1 1,0 0,0-1,0 1,0-1,0 1,-1 0,1-1,0 1,0-1,0 1,0 0,0-1,0 1,-1 0,1-1,0 1,0 0,-1-1,1 1,0 0,0-1,-1 1,1 0,0 0,-1 0,1-1,0 1,-1 0,1 0,0 0,-1 0,1-1,-1 1,1 0,0 0,-1 0,0 0,-20-6,18 5,-54-10,-100-6,69 10,-142 1,41 3,103-8,57 6,-50-2,-435 8,492-1</inkml:trace>
+</inkml:ink>
+</file>
+
+<file path=ppt/ink/ink5.xml><?xml version="1.0" encoding="utf-8"?>
+<inkml:ink xmlns:inkml="http://www.w3.org/2003/InkML">
+  <inkml:definitions>
+    <inkml:context xml:id="ctx0">
+      <inkml:inkSource xml:id="inkSrc0">
+        <inkml:traceFormat>
+          <inkml:channel name="X" type="integer" min="-2.14748E9" max="2.14748E9" units="cm"/>
+          <inkml:channel name="Y" type="integer" min="-2.14748E9" max="2.14748E9" units="cm"/>
+        </inkml:traceFormat>
+        <inkml:channelProperties>
+          <inkml:channelProperty channel="X" name="resolution" value="1000" units="1/cm"/>
+          <inkml:channelProperty channel="Y" name="resolution" value="1000" units="1/cm"/>
+        </inkml:channelProperties>
+      </inkml:inkSource>
+      <inkml:timestamp xml:id="ts0" timeString="2024-04-05T16:29:28.933"/>
+    </inkml:context>
+    <inkml:brush xml:id="br0">
+      <inkml:brushProperty name="width" value="0.3" units="cm"/>
+      <inkml:brushProperty name="height" value="0.6" units="cm"/>
+      <inkml:brushProperty name="color" value="#00FDFF"/>
+      <inkml:brushProperty name="tip" value="rectangle"/>
+      <inkml:brushProperty name="rasterOp" value="maskPen"/>
+      <inkml:brushProperty name="ignorePressure" value="1"/>
+    </inkml:brush>
+  </inkml:definitions>
+  <inkml:trace contextRef="#ctx0" brushRef="#br0">1 70,'317'-12,"19"0,-280 12,111-14,-116 9,1 1,69 5,51-3,-56-18,-95 18</inkml:trace>
+</inkml:ink>
+</file>
+
+<file path=ppt/ink/ink6.xml><?xml version="1.0" encoding="utf-8"?>
+<inkml:ink xmlns:inkml="http://www.w3.org/2003/InkML">
+  <inkml:definitions>
+    <inkml:context xml:id="ctx0">
+      <inkml:inkSource xml:id="inkSrc0">
+        <inkml:traceFormat>
+          <inkml:channel name="X" type="integer" min="-2.14748E9" max="2.14748E9" units="cm"/>
+          <inkml:channel name="Y" type="integer" min="-2.14748E9" max="2.14748E9" units="cm"/>
+        </inkml:traceFormat>
+        <inkml:channelProperties>
+          <inkml:channelProperty channel="X" name="resolution" value="1000" units="1/cm"/>
+          <inkml:channelProperty channel="Y" name="resolution" value="1000" units="1/cm"/>
+        </inkml:channelProperties>
+      </inkml:inkSource>
+      <inkml:timestamp xml:id="ts0" timeString="2024-04-05T16:29:30.769"/>
+    </inkml:context>
+    <inkml:brush xml:id="br0">
+      <inkml:brushProperty name="width" value="0.3" units="cm"/>
+      <inkml:brushProperty name="height" value="0.6" units="cm"/>
+      <inkml:brushProperty name="color" value="#00FDFF"/>
+      <inkml:brushProperty name="tip" value="rectangle"/>
+      <inkml:brushProperty name="rasterOp" value="maskPen"/>
+      <inkml:brushProperty name="ignorePressure" value="1"/>
+    </inkml:brush>
+  </inkml:definitions>
+  <inkml:trace contextRef="#ctx0" brushRef="#br0">0 25,'822'0,"-791"-1,50-10,-48 6,36-2,238 7,-146 1,-139-1</inkml:trace>
+</inkml:ink>
+</file>
+
+<file path=ppt/ink/ink7.xml><?xml version="1.0" encoding="utf-8"?>
+<inkml:ink xmlns:inkml="http://www.w3.org/2003/InkML">
+  <inkml:definitions>
+    <inkml:context xml:id="ctx0">
+      <inkml:inkSource xml:id="inkSrc0">
+        <inkml:traceFormat>
+          <inkml:channel name="X" type="integer" min="-2.14748E9" max="2.14748E9" units="cm"/>
+          <inkml:channel name="Y" type="integer" min="-2.14748E9" max="2.14748E9" units="cm"/>
+        </inkml:traceFormat>
+        <inkml:channelProperties>
+          <inkml:channelProperty channel="X" name="resolution" value="1000" units="1/cm"/>
+          <inkml:channelProperty channel="Y" name="resolution" value="1000" units="1/cm"/>
+        </inkml:channelProperties>
+      </inkml:inkSource>
+      <inkml:timestamp xml:id="ts0" timeString="2024-04-05T16:29:33.389"/>
+    </inkml:context>
+    <inkml:brush xml:id="br0">
+      <inkml:brushProperty name="width" value="0.3" units="cm"/>
+      <inkml:brushProperty name="height" value="0.6" units="cm"/>
+      <inkml:brushProperty name="color" value="#00FDFF"/>
+      <inkml:brushProperty name="tip" value="rectangle"/>
+      <inkml:brushProperty name="rasterOp" value="maskPen"/>
+      <inkml:brushProperty name="ignorePressure" value="1"/>
+    </inkml:brush>
+  </inkml:definitions>
+  <inkml:trace contextRef="#ctx0" brushRef="#br0">1 167,'157'1,"175"-3,-286-2,81-18,-9 0,-79 16,-1-2,-1-2,0-1,45-21,-48 21,-1 2,2 1,-1 2,64-5,282 5,-218 8,-154-1,0 0,0 0,0 0,0 1,0 0,0 1,0 0,-1 0,1 0,-1 1,0 0,0 1,0 0,-1 0,0 0,0 0,0 1,9 12,2 4</inkml:trace>
+</inkml:ink>
+</file>
+
+<file path=ppt/ink/ink8.xml><?xml version="1.0" encoding="utf-8"?>
+<inkml:ink xmlns:inkml="http://www.w3.org/2003/InkML">
+  <inkml:definitions>
+    <inkml:context xml:id="ctx0">
+      <inkml:inkSource xml:id="inkSrc0">
+        <inkml:traceFormat>
+          <inkml:channel name="X" type="integer" min="-2.14748E9" max="2.14748E9" units="cm"/>
+          <inkml:channel name="Y" type="integer" min="-2.14748E9" max="2.14748E9" units="cm"/>
+        </inkml:traceFormat>
+        <inkml:channelProperties>
+          <inkml:channelProperty channel="X" name="resolution" value="1000" units="1/cm"/>
+          <inkml:channelProperty channel="Y" name="resolution" value="1000" units="1/cm"/>
+        </inkml:channelProperties>
+      </inkml:inkSource>
+      <inkml:timestamp xml:id="ts0" timeString="2024-04-05T16:29:35.269"/>
+    </inkml:context>
+    <inkml:brush xml:id="br0">
+      <inkml:brushProperty name="width" value="0.3" units="cm"/>
+      <inkml:brushProperty name="height" value="0.6" units="cm"/>
+      <inkml:brushProperty name="color" value="#00FDFF"/>
+      <inkml:brushProperty name="tip" value="rectangle"/>
+      <inkml:brushProperty name="rasterOp" value="maskPen"/>
+      <inkml:brushProperty name="ignorePressure" value="1"/>
+    </inkml:brush>
+  </inkml:definitions>
+  <inkml:trace contextRef="#ctx0" brushRef="#br0">0 94,'1041'0,"-1019"-2,0 0,-1-1,1-2,23-7,-17 5,46-8,3 12,-61 4,1-1,-1 0,0-2,0 0,-1-1,1 0,22-9,18-8,-38 16</inkml:trace>
+</inkml:ink>
+</file>
+
+<file path=ppt/ink/ink9.xml><?xml version="1.0" encoding="utf-8"?>
+<inkml:ink xmlns:inkml="http://www.w3.org/2003/InkML">
+  <inkml:definitions>
+    <inkml:context xml:id="ctx0">
+      <inkml:inkSource xml:id="inkSrc0">
+        <inkml:traceFormat>
+          <inkml:channel name="X" type="integer" min="-2.14748E9" max="2.14748E9" units="cm"/>
+          <inkml:channel name="Y" type="integer" min="-2.14748E9" max="2.14748E9" units="cm"/>
+        </inkml:traceFormat>
+        <inkml:channelProperties>
+          <inkml:channelProperty channel="X" name="resolution" value="1000" units="1/cm"/>
+          <inkml:channelProperty channel="Y" name="resolution" value="1000" units="1/cm"/>
+        </inkml:channelProperties>
+      </inkml:inkSource>
+      <inkml:timestamp xml:id="ts0" timeString="2024-04-05T16:29:38.822"/>
+    </inkml:context>
+    <inkml:brush xml:id="br0">
+      <inkml:brushProperty name="width" value="0.3" units="cm"/>
+      <inkml:brushProperty name="height" value="0.6" units="cm"/>
+      <inkml:brushProperty name="color" value="#00FDFF"/>
+      <inkml:brushProperty name="tip" value="rectangle"/>
+      <inkml:brushProperty name="rasterOp" value="maskPen"/>
+      <inkml:brushProperty name="ignorePressure" value="1"/>
+    </inkml:brush>
+  </inkml:definitions>
+  <inkml:trace contextRef="#ctx0" brushRef="#br0">0 118,'109'-5,"212"-40,-87 8,197 8,2 27,-397 2,6 3,0 1,56 14,-52-9,73 6,-28-16,26 2,-57 10,7 0,57-11,25 1,-33 19,-96-18</inkml:trace>
+</inkml:ink>
+</file>
+
 <file path=ppt/slideLayouts/slideLayout1.xml><?xml version="1.0" encoding="utf-8"?>
 <p:sldLayout xmlns:a="http://schemas.openxmlformats.org/drawingml/2006/main" xmlns:r="http://schemas.openxmlformats.org/officeDocument/2006/relationships" xmlns:p="http://schemas.openxmlformats.org/presentationml/2006/main" showMasterSp="0" type="title" preserve="1">
   <p:cSld name="Title Slide">
@@ -531,7 +954,7 @@
           <a:p>
             <a:fld id="{0531EBD0-97ED-4A12-B0C8-E7A5E7F3144B}" type="datetimeFigureOut">
               <a:rPr lang="en-DE" smtClean="0"/>
-              <a:t>30/03/2024</a:t>
+              <a:t>05/04/2024</a:t>
             </a:fld>
             <a:endParaRPr lang="en-DE"/>
           </a:p>
@@ -710,7 +1133,7 @@
           <a:p>
             <a:fld id="{0531EBD0-97ED-4A12-B0C8-E7A5E7F3144B}" type="datetimeFigureOut">
               <a:rPr lang="en-DE" smtClean="0"/>
-              <a:t>30/03/2024</a:t>
+              <a:t>05/04/2024</a:t>
             </a:fld>
             <a:endParaRPr lang="en-DE"/>
           </a:p>
@@ -890,7 +1313,7 @@
           <a:p>
             <a:fld id="{0531EBD0-97ED-4A12-B0C8-E7A5E7F3144B}" type="datetimeFigureOut">
               <a:rPr lang="en-DE" smtClean="0"/>
-              <a:t>30/03/2024</a:t>
+              <a:t>05/04/2024</a:t>
             </a:fld>
             <a:endParaRPr lang="en-DE"/>
           </a:p>
@@ -1060,7 +1483,7 @@
           <a:p>
             <a:fld id="{0531EBD0-97ED-4A12-B0C8-E7A5E7F3144B}" type="datetimeFigureOut">
               <a:rPr lang="en-DE" smtClean="0"/>
-              <a:t>30/03/2024</a:t>
+              <a:t>05/04/2024</a:t>
             </a:fld>
             <a:endParaRPr lang="en-DE"/>
           </a:p>
@@ -1373,7 +1796,7 @@
           <a:p>
             <a:fld id="{0531EBD0-97ED-4A12-B0C8-E7A5E7F3144B}" type="datetimeFigureOut">
               <a:rPr lang="en-DE" smtClean="0"/>
-              <a:t>30/03/2024</a:t>
+              <a:t>05/04/2024</a:t>
             </a:fld>
             <a:endParaRPr lang="en-DE"/>
           </a:p>
@@ -1759,7 +2182,7 @@
           <a:p>
             <a:fld id="{0531EBD0-97ED-4A12-B0C8-E7A5E7F3144B}" type="datetimeFigureOut">
               <a:rPr lang="en-DE" smtClean="0"/>
-              <a:t>30/03/2024</a:t>
+              <a:t>05/04/2024</a:t>
             </a:fld>
             <a:endParaRPr lang="en-DE"/>
           </a:p>
@@ -2193,7 +2616,7 @@
           <a:p>
             <a:fld id="{0531EBD0-97ED-4A12-B0C8-E7A5E7F3144B}" type="datetimeFigureOut">
               <a:rPr lang="en-DE" smtClean="0"/>
-              <a:t>30/03/2024</a:t>
+              <a:t>05/04/2024</a:t>
             </a:fld>
             <a:endParaRPr lang="en-DE"/>
           </a:p>
@@ -2311,7 +2734,7 @@
           <a:p>
             <a:fld id="{0531EBD0-97ED-4A12-B0C8-E7A5E7F3144B}" type="datetimeFigureOut">
               <a:rPr lang="en-DE" smtClean="0"/>
-              <a:t>30/03/2024</a:t>
+              <a:t>05/04/2024</a:t>
             </a:fld>
             <a:endParaRPr lang="en-DE"/>
           </a:p>
@@ -2406,7 +2829,7 @@
           <a:p>
             <a:fld id="{0531EBD0-97ED-4A12-B0C8-E7A5E7F3144B}" type="datetimeFigureOut">
               <a:rPr lang="en-DE" smtClean="0"/>
-              <a:t>30/03/2024</a:t>
+              <a:t>05/04/2024</a:t>
             </a:fld>
             <a:endParaRPr lang="en-DE"/>
           </a:p>
@@ -2756,7 +3179,7 @@
           <a:p>
             <a:fld id="{0531EBD0-97ED-4A12-B0C8-E7A5E7F3144B}" type="datetimeFigureOut">
               <a:rPr lang="en-DE" smtClean="0"/>
-              <a:t>30/03/2024</a:t>
+              <a:t>05/04/2024</a:t>
             </a:fld>
             <a:endParaRPr lang="en-DE"/>
           </a:p>
@@ -3181,7 +3604,7 @@
           <a:p>
             <a:fld id="{0531EBD0-97ED-4A12-B0C8-E7A5E7F3144B}" type="datetimeFigureOut">
               <a:rPr lang="en-DE" smtClean="0"/>
-              <a:t>30/03/2024</a:t>
+              <a:t>05/04/2024</a:t>
             </a:fld>
             <a:endParaRPr lang="en-DE"/>
           </a:p>
@@ -3462,7 +3885,7 @@
           <a:p>
             <a:fld id="{0531EBD0-97ED-4A12-B0C8-E7A5E7F3144B}" type="datetimeFigureOut">
               <a:rPr lang="en-DE" smtClean="0"/>
-              <a:t>30/03/2024</a:t>
+              <a:t>05/04/2024</a:t>
             </a:fld>
             <a:endParaRPr lang="en-DE"/>
           </a:p>
@@ -5393,6 +5816,1373 @@
 </p:sld>
 </file>
 
+<file path=ppt/slides/slide18.xml><?xml version="1.0" encoding="utf-8"?>
+<p:sld xmlns:a="http://schemas.openxmlformats.org/drawingml/2006/main" xmlns:r="http://schemas.openxmlformats.org/officeDocument/2006/relationships" xmlns:p="http://schemas.openxmlformats.org/presentationml/2006/main">
+  <p:cSld>
+    <p:bg>
+      <p:bgPr>
+        <a:solidFill>
+          <a:schemeClr val="bg1"/>
+        </a:solidFill>
+        <a:effectLst/>
+      </p:bgPr>
+    </p:bg>
+    <p:spTree>
+      <p:nvGrpSpPr>
+        <p:cNvPr id="1" name=""/>
+        <p:cNvGrpSpPr/>
+        <p:nvPr/>
+      </p:nvGrpSpPr>
+      <p:grpSpPr>
+        <a:xfrm>
+          <a:off x="0" y="0"/>
+          <a:ext cx="0" cy="0"/>
+          <a:chOff x="0" y="0"/>
+          <a:chExt cx="0" cy="0"/>
+        </a:xfrm>
+      </p:grpSpPr>
+      <p:sp>
+        <p:nvSpPr>
+          <p:cNvPr id="11" name="Rectangle 10">
+            <a:extLst>
+              <a:ext uri="{FF2B5EF4-FFF2-40B4-BE49-F238E27FC236}">
+                <a16:creationId xmlns:a16="http://schemas.microsoft.com/office/drawing/2014/main" id="{7049A7D3-684C-4C59-A4B6-7B308A6AD34D}"/>
+              </a:ext>
+              <a:ext uri="{C183D7F6-B498-43B3-948B-1728B52AA6E4}">
+                <adec:decorative xmlns:adec="http://schemas.microsoft.com/office/drawing/2017/decorative" val="1"/>
+              </a:ext>
+            </a:extLst>
+          </p:cNvPr>
+          <p:cNvSpPr>
+            <a:spLocks noGrp="1" noRot="1" noChangeAspect="1" noMove="1" noResize="1" noEditPoints="1" noAdjustHandles="1" noChangeArrowheads="1" noChangeShapeType="1" noTextEdit="1"/>
+          </p:cNvSpPr>
+          <p:nvPr>
+            <p:extLst>
+              <p:ext uri="{386F3935-93C4-4BCD-93E2-E3B085C9AB24}">
+                <p16:designElem xmlns:p16="http://schemas.microsoft.com/office/powerpoint/2015/main" val="1"/>
+              </p:ext>
+            </p:extLst>
+          </p:nvPr>
+        </p:nvSpPr>
+        <p:spPr>
+          <a:xfrm>
+            <a:off x="920834" y="1346946"/>
+            <a:ext cx="10222992" cy="80683"/>
+          </a:xfrm>
+          <a:prstGeom prst="rect">
+            <a:avLst/>
+          </a:prstGeom>
+          <a:blipFill dpi="0" rotWithShape="1">
+            <a:blip r:embed="rId2">
+              <a:alphaModFix amt="85000"/>
+              <a:lum bright="70000" contrast="-70000"/>
+              <a:extLst>
+                <a:ext uri="{BEBA8EAE-BF5A-486C-A8C5-ECC9F3942E4B}">
+                  <a14:imgProps xmlns:a14="http://schemas.microsoft.com/office/drawing/2010/main">
+                    <a14:imgLayer r:embed="rId3">
+                      <a14:imgEffect>
+                        <a14:sharpenSoften amount="61000"/>
+                      </a14:imgEffect>
+                    </a14:imgLayer>
+                  </a14:imgProps>
+                </a:ext>
+                <a:ext uri="{28A0092B-C50C-407E-A947-70E740481C1C}">
+                  <a14:useLocalDpi xmlns:a14="http://schemas.microsoft.com/office/drawing/2010/main" val="0"/>
+                </a:ext>
+              </a:extLst>
+            </a:blip>
+            <a:srcRect/>
+            <a:tile tx="0" ty="-762000" sx="92000" sy="89000" flip="xy" algn="ctr"/>
+          </a:blipFill>
+          <a:ln>
+            <a:noFill/>
+          </a:ln>
+        </p:spPr>
+        <p:style>
+          <a:lnRef idx="2">
+            <a:schemeClr val="accent1">
+              <a:shade val="50000"/>
+            </a:schemeClr>
+          </a:lnRef>
+          <a:fillRef idx="1">
+            <a:schemeClr val="accent1"/>
+          </a:fillRef>
+          <a:effectRef idx="0">
+            <a:schemeClr val="accent1"/>
+          </a:effectRef>
+          <a:fontRef idx="minor">
+            <a:schemeClr val="lt1"/>
+          </a:fontRef>
+        </p:style>
+        <p:txBody>
+          <a:bodyPr rtlCol="0" anchor="ctr"/>
+          <a:lstStyle/>
+          <a:p>
+            <a:pPr algn="ctr"/>
+            <a:endParaRPr lang="en-US"/>
+          </a:p>
+        </p:txBody>
+      </p:sp>
+      <p:sp>
+        <p:nvSpPr>
+          <p:cNvPr id="13" name="Rectangle 12">
+            <a:extLst>
+              <a:ext uri="{FF2B5EF4-FFF2-40B4-BE49-F238E27FC236}">
+                <a16:creationId xmlns:a16="http://schemas.microsoft.com/office/drawing/2014/main" id="{D7B1087B-C592-40E7-B532-60B453A2FE6A}"/>
+              </a:ext>
+              <a:ext uri="{C183D7F6-B498-43B3-948B-1728B52AA6E4}">
+                <adec:decorative xmlns:adec="http://schemas.microsoft.com/office/drawing/2017/decorative" val="1"/>
+              </a:ext>
+            </a:extLst>
+          </p:cNvPr>
+          <p:cNvSpPr>
+            <a:spLocks noGrp="1" noRot="1" noChangeAspect="1" noMove="1" noResize="1" noEditPoints="1" noAdjustHandles="1" noChangeArrowheads="1" noChangeShapeType="1" noTextEdit="1"/>
+          </p:cNvSpPr>
+          <p:nvPr>
+            <p:extLst>
+              <p:ext uri="{386F3935-93C4-4BCD-93E2-E3B085C9AB24}">
+                <p16:designElem xmlns:p16="http://schemas.microsoft.com/office/powerpoint/2015/main" val="1"/>
+              </p:ext>
+            </p:extLst>
+          </p:nvPr>
+        </p:nvSpPr>
+        <p:spPr>
+          <a:xfrm>
+            <a:off x="920834" y="4299696"/>
+            <a:ext cx="10222992" cy="80683"/>
+          </a:xfrm>
+          <a:prstGeom prst="rect">
+            <a:avLst/>
+          </a:prstGeom>
+          <a:blipFill dpi="0" rotWithShape="1">
+            <a:blip r:embed="rId2">
+              <a:alphaModFix amt="85000"/>
+              <a:lum bright="70000" contrast="-70000"/>
+              <a:extLst>
+                <a:ext uri="{BEBA8EAE-BF5A-486C-A8C5-ECC9F3942E4B}">
+                  <a14:imgProps xmlns:a14="http://schemas.microsoft.com/office/drawing/2010/main">
+                    <a14:imgLayer r:embed="rId3">
+                      <a14:imgEffect>
+                        <a14:sharpenSoften amount="61000"/>
+                      </a14:imgEffect>
+                    </a14:imgLayer>
+                  </a14:imgProps>
+                </a:ext>
+                <a:ext uri="{28A0092B-C50C-407E-A947-70E740481C1C}">
+                  <a14:useLocalDpi xmlns:a14="http://schemas.microsoft.com/office/drawing/2010/main" val="0"/>
+                </a:ext>
+              </a:extLst>
+            </a:blip>
+            <a:srcRect/>
+            <a:tile tx="0" ty="-717550" sx="92000" sy="89000" flip="xy" algn="ctr"/>
+          </a:blipFill>
+          <a:ln>
+            <a:noFill/>
+          </a:ln>
+        </p:spPr>
+        <p:style>
+          <a:lnRef idx="2">
+            <a:schemeClr val="accent1">
+              <a:shade val="50000"/>
+            </a:schemeClr>
+          </a:lnRef>
+          <a:fillRef idx="1">
+            <a:schemeClr val="accent1"/>
+          </a:fillRef>
+          <a:effectRef idx="0">
+            <a:schemeClr val="accent1"/>
+          </a:effectRef>
+          <a:fontRef idx="minor">
+            <a:schemeClr val="lt1"/>
+          </a:fontRef>
+        </p:style>
+        <p:txBody>
+          <a:bodyPr rtlCol="0" anchor="ctr"/>
+          <a:lstStyle/>
+          <a:p>
+            <a:pPr algn="ctr"/>
+            <a:endParaRPr lang="en-US"/>
+          </a:p>
+        </p:txBody>
+      </p:sp>
+      <p:sp>
+        <p:nvSpPr>
+          <p:cNvPr id="15" name="Rectangle 14">
+            <a:extLst>
+              <a:ext uri="{FF2B5EF4-FFF2-40B4-BE49-F238E27FC236}">
+                <a16:creationId xmlns:a16="http://schemas.microsoft.com/office/drawing/2014/main" id="{14AE7447-E8F8-4A0F-9E3D-94842BFF886E}"/>
+              </a:ext>
+              <a:ext uri="{C183D7F6-B498-43B3-948B-1728B52AA6E4}">
+                <adec:decorative xmlns:adec="http://schemas.microsoft.com/office/drawing/2017/decorative" val="1"/>
+              </a:ext>
+            </a:extLst>
+          </p:cNvPr>
+          <p:cNvSpPr>
+            <a:spLocks noGrp="1" noRot="1" noChangeAspect="1" noMove="1" noResize="1" noEditPoints="1" noAdjustHandles="1" noChangeArrowheads="1" noChangeShapeType="1" noTextEdit="1"/>
+          </p:cNvSpPr>
+          <p:nvPr>
+            <p:extLst>
+              <p:ext uri="{386F3935-93C4-4BCD-93E2-E3B085C9AB24}">
+                <p16:designElem xmlns:p16="http://schemas.microsoft.com/office/powerpoint/2015/main" val="1"/>
+              </p:ext>
+            </p:extLst>
+          </p:nvPr>
+        </p:nvSpPr>
+        <p:spPr>
+          <a:xfrm>
+            <a:off x="920834" y="1484779"/>
+            <a:ext cx="10222992" cy="2743200"/>
+          </a:xfrm>
+          <a:prstGeom prst="rect">
+            <a:avLst/>
+          </a:prstGeom>
+          <a:blipFill dpi="0" rotWithShape="1">
+            <a:blip r:embed="rId2">
+              <a:alphaModFix amt="85000"/>
+              <a:lum bright="70000" contrast="-70000"/>
+              <a:extLst>
+                <a:ext uri="{BEBA8EAE-BF5A-486C-A8C5-ECC9F3942E4B}">
+                  <a14:imgProps xmlns:a14="http://schemas.microsoft.com/office/drawing/2010/main">
+                    <a14:imgLayer r:embed="rId3">
+                      <a14:imgEffect>
+                        <a14:sharpenSoften amount="61000"/>
+                      </a14:imgEffect>
+                    </a14:imgLayer>
+                  </a14:imgProps>
+                </a:ext>
+                <a:ext uri="{28A0092B-C50C-407E-A947-70E740481C1C}">
+                  <a14:useLocalDpi xmlns:a14="http://schemas.microsoft.com/office/drawing/2010/main" val="0"/>
+                </a:ext>
+              </a:extLst>
+            </a:blip>
+            <a:srcRect/>
+            <a:tile tx="0" ty="-704850" sx="92000" sy="89000" flip="xy" algn="ctr"/>
+          </a:blipFill>
+          <a:ln>
+            <a:noFill/>
+          </a:ln>
+        </p:spPr>
+        <p:style>
+          <a:lnRef idx="2">
+            <a:schemeClr val="accent1">
+              <a:shade val="50000"/>
+            </a:schemeClr>
+          </a:lnRef>
+          <a:fillRef idx="1">
+            <a:schemeClr val="accent1"/>
+          </a:fillRef>
+          <a:effectRef idx="0">
+            <a:schemeClr val="accent1"/>
+          </a:effectRef>
+          <a:fontRef idx="minor">
+            <a:schemeClr val="lt1"/>
+          </a:fontRef>
+        </p:style>
+        <p:txBody>
+          <a:bodyPr rtlCol="0" anchor="ctr"/>
+          <a:lstStyle/>
+          <a:p>
+            <a:pPr algn="ctr"/>
+            <a:endParaRPr lang="en-US"/>
+          </a:p>
+        </p:txBody>
+      </p:sp>
+      <p:grpSp>
+        <p:nvGrpSpPr>
+          <p:cNvPr id="17" name="Group 16">
+            <a:extLst>
+              <a:ext uri="{FF2B5EF4-FFF2-40B4-BE49-F238E27FC236}">
+                <a16:creationId xmlns:a16="http://schemas.microsoft.com/office/drawing/2014/main" id="{85981F80-69EE-4E2B-82A8-47FDFD7720AC}"/>
+              </a:ext>
+              <a:ext uri="{C183D7F6-B498-43B3-948B-1728B52AA6E4}">
+                <adec:decorative xmlns:adec="http://schemas.microsoft.com/office/drawing/2017/decorative" val="1"/>
+              </a:ext>
+            </a:extLst>
+          </p:cNvPr>
+          <p:cNvGrpSpPr>
+            <a:grpSpLocks noGrp="1" noUngrp="1" noRot="1" noChangeAspect="1" noMove="1" noResize="1"/>
+          </p:cNvGrpSpPr>
+          <p:nvPr>
+            <p:extLst>
+              <p:ext uri="{386F3935-93C4-4BCD-93E2-E3B085C9AB24}">
+                <p16:designElem xmlns:p16="http://schemas.microsoft.com/office/powerpoint/2015/main" val="1"/>
+              </p:ext>
+            </p:extLst>
+          </p:nvPr>
+        </p:nvGrpSpPr>
+        <p:grpSpPr>
+          <a:xfrm>
+            <a:off x="9649215" y="4068923"/>
+            <a:ext cx="1080904" cy="1080902"/>
+            <a:chOff x="9685338" y="4460675"/>
+            <a:chExt cx="1080904" cy="1080902"/>
+          </a:xfrm>
+        </p:grpSpPr>
+        <p:sp>
+          <p:nvSpPr>
+            <p:cNvPr id="18" name="Oval 17">
+              <a:extLst>
+                <a:ext uri="{FF2B5EF4-FFF2-40B4-BE49-F238E27FC236}">
+                  <a16:creationId xmlns:a16="http://schemas.microsoft.com/office/drawing/2014/main" id="{46CE0473-0B07-47EE-A016-EBD87F2C8C9C}"/>
+                </a:ext>
+                <a:ext uri="{C183D7F6-B498-43B3-948B-1728B52AA6E4}">
+                  <adec:decorative xmlns:adec="http://schemas.microsoft.com/office/drawing/2017/decorative" val="1"/>
+                </a:ext>
+              </a:extLst>
+            </p:cNvPr>
+            <p:cNvSpPr/>
+            <p:nvPr>
+              <p:extLst>
+                <p:ext uri="{386F3935-93C4-4BCD-93E2-E3B085C9AB24}">
+                  <p16:designElem xmlns:p16="http://schemas.microsoft.com/office/powerpoint/2015/main" val="1"/>
+                </p:ext>
+              </p:extLst>
+            </p:nvPr>
+          </p:nvSpPr>
+          <p:spPr>
+            <a:xfrm>
+              <a:off x="9685338" y="4460675"/>
+              <a:ext cx="1080904" cy="1080902"/>
+            </a:xfrm>
+            <a:prstGeom prst="ellipse">
+              <a:avLst/>
+            </a:prstGeom>
+            <a:blipFill dpi="0" rotWithShape="1">
+              <a:blip r:embed="rId4">
+                <a:duotone>
+                  <a:schemeClr val="accent1">
+                    <a:shade val="45000"/>
+                    <a:satMod val="135000"/>
+                  </a:schemeClr>
+                  <a:prstClr val="white"/>
+                </a:duotone>
+                <a:extLst>
+                  <a:ext uri="{BEBA8EAE-BF5A-486C-A8C5-ECC9F3942E4B}">
+                    <a14:imgProps xmlns:a14="http://schemas.microsoft.com/office/drawing/2010/main">
+                      <a14:imgLayer r:embed="rId5">
+                        <a14:imgEffect>
+                          <a14:saturation sat="95000"/>
+                        </a14:imgEffect>
+                      </a14:imgLayer>
+                    </a14:imgProps>
+                  </a:ext>
+                </a:extLst>
+              </a:blip>
+              <a:srcRect/>
+              <a:tile tx="0" ty="0" sx="85000" sy="85000" flip="none" algn="tl"/>
+            </a:blipFill>
+            <a:ln w="25400" cap="flat" cmpd="sng" algn="ctr">
+              <a:noFill/>
+              <a:prstDash val="solid"/>
+            </a:ln>
+            <a:effectLst/>
+          </p:spPr>
+          <p:txBody>
+            <a:bodyPr lIns="0" tIns="0" rIns="0" bIns="0" rtlCol="0" anchor="ctr"/>
+            <a:lstStyle/>
+            <a:p>
+              <a:pPr marL="0" marR="0" lvl="0" indent="0" algn="ctr" defTabSz="914400" eaLnBrk="1" fontAlgn="auto" latinLnBrk="0" hangingPunct="1">
+                <a:lnSpc>
+                  <a:spcPct val="100000"/>
+                </a:lnSpc>
+                <a:spcBef>
+                  <a:spcPts val="0"/>
+                </a:spcBef>
+                <a:spcAft>
+                  <a:spcPts val="0"/>
+                </a:spcAft>
+                <a:buClrTx/>
+                <a:buSzTx/>
+                <a:buFontTx/>
+                <a:buNone/>
+                <a:tabLst/>
+                <a:defRPr/>
+              </a:pPr>
+              <a:endParaRPr kumimoji="0" lang="en-US" sz="2000" b="0" i="0" u="none" strike="noStrike" kern="0" cap="none" spc="0" normalizeH="0" baseline="0" noProof="0" dirty="0">
+                <a:ln>
+                  <a:noFill/>
+                </a:ln>
+                <a:solidFill>
+                  <a:prstClr val="white"/>
+                </a:solidFill>
+                <a:effectLst/>
+                <a:uLnTx/>
+                <a:uFillTx/>
+                <a:latin typeface="Rockwell Extra Bold" pitchFamily="18" charset="0"/>
+                <a:ea typeface="+mn-ea"/>
+                <a:cs typeface="+mn-cs"/>
+              </a:endParaRPr>
+            </a:p>
+          </p:txBody>
+        </p:sp>
+        <p:sp>
+          <p:nvSpPr>
+            <p:cNvPr id="19" name="Oval 18">
+              <a:extLst>
+                <a:ext uri="{FF2B5EF4-FFF2-40B4-BE49-F238E27FC236}">
+                  <a16:creationId xmlns:a16="http://schemas.microsoft.com/office/drawing/2014/main" id="{EDD0D1E4-DFCA-4DF0-9D37-571A5F529F0A}"/>
+                </a:ext>
+                <a:ext uri="{C183D7F6-B498-43B3-948B-1728B52AA6E4}">
+                  <adec:decorative xmlns:adec="http://schemas.microsoft.com/office/drawing/2017/decorative" val="1"/>
+                </a:ext>
+              </a:extLst>
+            </p:cNvPr>
+            <p:cNvSpPr/>
+            <p:nvPr>
+              <p:extLst>
+                <p:ext uri="{386F3935-93C4-4BCD-93E2-E3B085C9AB24}">
+                  <p16:designElem xmlns:p16="http://schemas.microsoft.com/office/powerpoint/2015/main" val="1"/>
+                </p:ext>
+              </p:extLst>
+            </p:nvPr>
+          </p:nvSpPr>
+          <p:spPr>
+            <a:xfrm>
+              <a:off x="9793429" y="4568765"/>
+              <a:ext cx="864723" cy="864722"/>
+            </a:xfrm>
+            <a:prstGeom prst="ellipse">
+              <a:avLst/>
+            </a:prstGeom>
+            <a:noFill/>
+            <a:ln w="25400" cap="flat" cmpd="sng" algn="ctr">
+              <a:solidFill>
+                <a:sysClr val="window" lastClr="FFFFFF"/>
+              </a:solidFill>
+              <a:prstDash val="solid"/>
+            </a:ln>
+            <a:effectLst/>
+          </p:spPr>
+          <p:txBody>
+            <a:bodyPr rtlCol="0" anchor="ctr"/>
+            <a:lstStyle/>
+            <a:p>
+              <a:pPr marL="0" marR="0" lvl="0" indent="0" algn="ctr" defTabSz="914400" eaLnBrk="1" fontAlgn="auto" latinLnBrk="0" hangingPunct="1">
+                <a:lnSpc>
+                  <a:spcPct val="100000"/>
+                </a:lnSpc>
+                <a:spcBef>
+                  <a:spcPts val="0"/>
+                </a:spcBef>
+                <a:spcAft>
+                  <a:spcPts val="0"/>
+                </a:spcAft>
+                <a:buClrTx/>
+                <a:buSzTx/>
+                <a:buFontTx/>
+                <a:buNone/>
+                <a:tabLst/>
+                <a:defRPr/>
+              </a:pPr>
+              <a:endParaRPr kumimoji="0" lang="en-US" sz="1800" b="0" i="0" u="none" strike="noStrike" kern="0" cap="none" spc="0" normalizeH="0" baseline="0" noProof="0" dirty="0">
+                <a:ln>
+                  <a:noFill/>
+                </a:ln>
+                <a:solidFill>
+                  <a:prstClr val="white"/>
+                </a:solidFill>
+                <a:effectLst/>
+                <a:uLnTx/>
+                <a:uFillTx/>
+                <a:latin typeface="Calibri"/>
+                <a:ea typeface="+mn-ea"/>
+                <a:cs typeface="+mn-cs"/>
+              </a:endParaRPr>
+            </a:p>
+          </p:txBody>
+        </p:sp>
+      </p:grpSp>
+      <p:sp>
+        <p:nvSpPr>
+          <p:cNvPr id="21" name="Rectangle 20">
+            <a:extLst>
+              <a:ext uri="{FF2B5EF4-FFF2-40B4-BE49-F238E27FC236}">
+                <a16:creationId xmlns:a16="http://schemas.microsoft.com/office/drawing/2014/main" id="{0680B5D0-24EC-465A-A0E6-C4DF951E0043}"/>
+              </a:ext>
+              <a:ext uri="{C183D7F6-B498-43B3-948B-1728B52AA6E4}">
+                <adec:decorative xmlns:adec="http://schemas.microsoft.com/office/drawing/2017/decorative" val="1"/>
+              </a:ext>
+            </a:extLst>
+          </p:cNvPr>
+          <p:cNvSpPr>
+            <a:spLocks noGrp="1" noRot="1" noChangeAspect="1" noMove="1" noResize="1" noEditPoints="1" noAdjustHandles="1" noChangeArrowheads="1" noChangeShapeType="1" noTextEdit="1"/>
+          </p:cNvSpPr>
+          <p:nvPr>
+            <p:extLst>
+              <p:ext uri="{386F3935-93C4-4BCD-93E2-E3B085C9AB24}">
+                <p16:designElem xmlns:p16="http://schemas.microsoft.com/office/powerpoint/2015/main" val="1"/>
+              </p:ext>
+            </p:extLst>
+          </p:nvPr>
+        </p:nvSpPr>
+        <p:spPr bwMode="white">
+          <a:xfrm>
+            <a:off x="0" y="0"/>
+            <a:ext cx="12188952" cy="6858001"/>
+          </a:xfrm>
+          <a:prstGeom prst="rect">
+            <a:avLst/>
+          </a:prstGeom>
+          <a:solidFill>
+            <a:schemeClr val="bg1"/>
+          </a:solidFill>
+          <a:ln>
+            <a:noFill/>
+          </a:ln>
+        </p:spPr>
+        <p:style>
+          <a:lnRef idx="2">
+            <a:schemeClr val="accent1">
+              <a:shade val="50000"/>
+            </a:schemeClr>
+          </a:lnRef>
+          <a:fillRef idx="1">
+            <a:schemeClr val="accent1"/>
+          </a:fillRef>
+          <a:effectRef idx="0">
+            <a:schemeClr val="accent1"/>
+          </a:effectRef>
+          <a:fontRef idx="minor">
+            <a:schemeClr val="lt1"/>
+          </a:fontRef>
+        </p:style>
+        <p:txBody>
+          <a:bodyPr rot="0" spcFirstLastPara="0" vert="horz" wrap="square" lIns="91440" tIns="45720" rIns="91440" bIns="45720" numCol="1" spcCol="0" rtlCol="0" fromWordArt="0" anchor="ctr" anchorCtr="0" forceAA="0" compatLnSpc="1">
+            <a:prstTxWarp prst="textNoShape">
+              <a:avLst/>
+            </a:prstTxWarp>
+            <a:noAutofit/>
+          </a:bodyPr>
+          <a:lstStyle>
+            <a:defPPr>
+              <a:defRPr lang="en-US"/>
+            </a:defPPr>
+            <a:lvl1pPr marL="0" algn="l" defTabSz="914400" rtl="0" eaLnBrk="1" latinLnBrk="0" hangingPunct="1">
+              <a:defRPr sz="1800" kern="1200">
+                <a:solidFill>
+                  <a:schemeClr val="lt1"/>
+                </a:solidFill>
+                <a:latin typeface="+mn-lt"/>
+                <a:ea typeface="+mn-ea"/>
+                <a:cs typeface="+mn-cs"/>
+              </a:defRPr>
+            </a:lvl1pPr>
+            <a:lvl2pPr marL="457200" algn="l" defTabSz="914400" rtl="0" eaLnBrk="1" latinLnBrk="0" hangingPunct="1">
+              <a:defRPr sz="1800" kern="1200">
+                <a:solidFill>
+                  <a:schemeClr val="lt1"/>
+                </a:solidFill>
+                <a:latin typeface="+mn-lt"/>
+                <a:ea typeface="+mn-ea"/>
+                <a:cs typeface="+mn-cs"/>
+              </a:defRPr>
+            </a:lvl2pPr>
+            <a:lvl3pPr marL="914400" algn="l" defTabSz="914400" rtl="0" eaLnBrk="1" latinLnBrk="0" hangingPunct="1">
+              <a:defRPr sz="1800" kern="1200">
+                <a:solidFill>
+                  <a:schemeClr val="lt1"/>
+                </a:solidFill>
+                <a:latin typeface="+mn-lt"/>
+                <a:ea typeface="+mn-ea"/>
+                <a:cs typeface="+mn-cs"/>
+              </a:defRPr>
+            </a:lvl3pPr>
+            <a:lvl4pPr marL="1371600" algn="l" defTabSz="914400" rtl="0" eaLnBrk="1" latinLnBrk="0" hangingPunct="1">
+              <a:defRPr sz="1800" kern="1200">
+                <a:solidFill>
+                  <a:schemeClr val="lt1"/>
+                </a:solidFill>
+                <a:latin typeface="+mn-lt"/>
+                <a:ea typeface="+mn-ea"/>
+                <a:cs typeface="+mn-cs"/>
+              </a:defRPr>
+            </a:lvl4pPr>
+            <a:lvl5pPr marL="1828800" algn="l" defTabSz="914400" rtl="0" eaLnBrk="1" latinLnBrk="0" hangingPunct="1">
+              <a:defRPr sz="1800" kern="1200">
+                <a:solidFill>
+                  <a:schemeClr val="lt1"/>
+                </a:solidFill>
+                <a:latin typeface="+mn-lt"/>
+                <a:ea typeface="+mn-ea"/>
+                <a:cs typeface="+mn-cs"/>
+              </a:defRPr>
+            </a:lvl5pPr>
+            <a:lvl6pPr marL="2286000" algn="l" defTabSz="914400" rtl="0" eaLnBrk="1" latinLnBrk="0" hangingPunct="1">
+              <a:defRPr sz="1800" kern="1200">
+                <a:solidFill>
+                  <a:schemeClr val="lt1"/>
+                </a:solidFill>
+                <a:latin typeface="+mn-lt"/>
+                <a:ea typeface="+mn-ea"/>
+                <a:cs typeface="+mn-cs"/>
+              </a:defRPr>
+            </a:lvl6pPr>
+            <a:lvl7pPr marL="2743200" algn="l" defTabSz="914400" rtl="0" eaLnBrk="1" latinLnBrk="0" hangingPunct="1">
+              <a:defRPr sz="1800" kern="1200">
+                <a:solidFill>
+                  <a:schemeClr val="lt1"/>
+                </a:solidFill>
+                <a:latin typeface="+mn-lt"/>
+                <a:ea typeface="+mn-ea"/>
+                <a:cs typeface="+mn-cs"/>
+              </a:defRPr>
+            </a:lvl7pPr>
+            <a:lvl8pPr marL="3200400" algn="l" defTabSz="914400" rtl="0" eaLnBrk="1" latinLnBrk="0" hangingPunct="1">
+              <a:defRPr sz="1800" kern="1200">
+                <a:solidFill>
+                  <a:schemeClr val="lt1"/>
+                </a:solidFill>
+                <a:latin typeface="+mn-lt"/>
+                <a:ea typeface="+mn-ea"/>
+                <a:cs typeface="+mn-cs"/>
+              </a:defRPr>
+            </a:lvl8pPr>
+            <a:lvl9pPr marL="3657600" algn="l" defTabSz="914400" rtl="0" eaLnBrk="1" latinLnBrk="0" hangingPunct="1">
+              <a:defRPr sz="1800" kern="1200">
+                <a:solidFill>
+                  <a:schemeClr val="lt1"/>
+                </a:solidFill>
+                <a:latin typeface="+mn-lt"/>
+                <a:ea typeface="+mn-ea"/>
+                <a:cs typeface="+mn-cs"/>
+              </a:defRPr>
+            </a:lvl9pPr>
+          </a:lstStyle>
+          <a:p>
+            <a:pPr algn="ctr"/>
+            <a:endParaRPr lang="en-US"/>
+          </a:p>
+        </p:txBody>
+      </p:sp>
+      <p:sp>
+        <p:nvSpPr>
+          <p:cNvPr id="23" name="Rectangle 22">
+            <a:extLst>
+              <a:ext uri="{FF2B5EF4-FFF2-40B4-BE49-F238E27FC236}">
+                <a16:creationId xmlns:a16="http://schemas.microsoft.com/office/drawing/2014/main" id="{30BF1B50-A83E-4ED6-A2AA-C943C1F89F85}"/>
+              </a:ext>
+              <a:ext uri="{C183D7F6-B498-43B3-948B-1728B52AA6E4}">
+                <adec:decorative xmlns:adec="http://schemas.microsoft.com/office/drawing/2017/decorative" val="1"/>
+              </a:ext>
+            </a:extLst>
+          </p:cNvPr>
+          <p:cNvSpPr>
+            <a:spLocks noGrp="1" noRot="1" noChangeAspect="1" noMove="1" noResize="1" noEditPoints="1" noAdjustHandles="1" noChangeArrowheads="1" noChangeShapeType="1" noTextEdit="1"/>
+          </p:cNvSpPr>
+          <p:nvPr>
+            <p:extLst>
+              <p:ext uri="{386F3935-93C4-4BCD-93E2-E3B085C9AB24}">
+                <p16:designElem xmlns:p16="http://schemas.microsoft.com/office/powerpoint/2015/main" val="1"/>
+              </p:ext>
+            </p:extLst>
+          </p:nvPr>
+        </p:nvSpPr>
+        <p:spPr>
+          <a:xfrm>
+            <a:off x="920834" y="928117"/>
+            <a:ext cx="10351008" cy="80683"/>
+          </a:xfrm>
+          <a:prstGeom prst="rect">
+            <a:avLst/>
+          </a:prstGeom>
+          <a:blipFill dpi="0" rotWithShape="1">
+            <a:blip r:embed="rId2">
+              <a:alphaModFix amt="85000"/>
+              <a:lum bright="70000" contrast="-70000"/>
+              <a:extLst>
+                <a:ext uri="{BEBA8EAE-BF5A-486C-A8C5-ECC9F3942E4B}">
+                  <a14:imgProps xmlns:a14="http://schemas.microsoft.com/office/drawing/2010/main">
+                    <a14:imgLayer r:embed="rId3">
+                      <a14:imgEffect>
+                        <a14:sharpenSoften amount="61000"/>
+                      </a14:imgEffect>
+                    </a14:imgLayer>
+                  </a14:imgProps>
+                </a:ext>
+                <a:ext uri="{28A0092B-C50C-407E-A947-70E740481C1C}">
+                  <a14:useLocalDpi xmlns:a14="http://schemas.microsoft.com/office/drawing/2010/main" val="0"/>
+                </a:ext>
+              </a:extLst>
+            </a:blip>
+            <a:srcRect/>
+            <a:tile tx="0" ty="-762000" sx="92000" sy="89000" flip="xy" algn="ctr"/>
+          </a:blipFill>
+          <a:ln>
+            <a:noFill/>
+          </a:ln>
+        </p:spPr>
+        <p:style>
+          <a:lnRef idx="2">
+            <a:schemeClr val="accent1">
+              <a:shade val="50000"/>
+            </a:schemeClr>
+          </a:lnRef>
+          <a:fillRef idx="1">
+            <a:schemeClr val="accent1"/>
+          </a:fillRef>
+          <a:effectRef idx="0">
+            <a:schemeClr val="accent1"/>
+          </a:effectRef>
+          <a:fontRef idx="minor">
+            <a:schemeClr val="lt1"/>
+          </a:fontRef>
+        </p:style>
+        <p:txBody>
+          <a:bodyPr rtlCol="0" anchor="ctr"/>
+          <a:lstStyle/>
+          <a:p>
+            <a:pPr algn="ctr"/>
+            <a:endParaRPr lang="en-US"/>
+          </a:p>
+        </p:txBody>
+      </p:sp>
+      <p:sp>
+        <p:nvSpPr>
+          <p:cNvPr id="25" name="Rectangle 24">
+            <a:extLst>
+              <a:ext uri="{FF2B5EF4-FFF2-40B4-BE49-F238E27FC236}">
+                <a16:creationId xmlns:a16="http://schemas.microsoft.com/office/drawing/2014/main" id="{1F31E8B2-210B-4B90-83BB-3B180732EF38}"/>
+              </a:ext>
+              <a:ext uri="{C183D7F6-B498-43B3-948B-1728B52AA6E4}">
+                <adec:decorative xmlns:adec="http://schemas.microsoft.com/office/drawing/2017/decorative" val="1"/>
+              </a:ext>
+            </a:extLst>
+          </p:cNvPr>
+          <p:cNvSpPr>
+            <a:spLocks noGrp="1" noRot="1" noChangeAspect="1" noMove="1" noResize="1" noEditPoints="1" noAdjustHandles="1" noChangeArrowheads="1" noChangeShapeType="1" noTextEdit="1"/>
+          </p:cNvSpPr>
+          <p:nvPr>
+            <p:extLst>
+              <p:ext uri="{386F3935-93C4-4BCD-93E2-E3B085C9AB24}">
+                <p16:designElem xmlns:p16="http://schemas.microsoft.com/office/powerpoint/2015/main" val="1"/>
+              </p:ext>
+            </p:extLst>
+          </p:nvPr>
+        </p:nvSpPr>
+        <p:spPr>
+          <a:xfrm>
+            <a:off x="7885470" y="1110053"/>
+            <a:ext cx="3386371" cy="4580301"/>
+          </a:xfrm>
+          <a:prstGeom prst="rect">
+            <a:avLst/>
+          </a:prstGeom>
+          <a:blipFill dpi="0" rotWithShape="1">
+            <a:blip r:embed="rId2">
+              <a:alphaModFix amt="85000"/>
+              <a:lum bright="70000" contrast="-70000"/>
+              <a:extLst>
+                <a:ext uri="{BEBA8EAE-BF5A-486C-A8C5-ECC9F3942E4B}">
+                  <a14:imgProps xmlns:a14="http://schemas.microsoft.com/office/drawing/2010/main">
+                    <a14:imgLayer r:embed="rId3">
+                      <a14:imgEffect>
+                        <a14:sharpenSoften amount="61000"/>
+                      </a14:imgEffect>
+                    </a14:imgLayer>
+                  </a14:imgProps>
+                </a:ext>
+                <a:ext uri="{28A0092B-C50C-407E-A947-70E740481C1C}">
+                  <a14:useLocalDpi xmlns:a14="http://schemas.microsoft.com/office/drawing/2010/main" val="0"/>
+                </a:ext>
+              </a:extLst>
+            </a:blip>
+            <a:srcRect/>
+            <a:tile tx="0" ty="-704850" sx="92000" sy="89000" flip="xy" algn="ctr"/>
+          </a:blipFill>
+          <a:ln>
+            <a:noFill/>
+          </a:ln>
+        </p:spPr>
+        <p:style>
+          <a:lnRef idx="2">
+            <a:schemeClr val="accent1">
+              <a:shade val="50000"/>
+            </a:schemeClr>
+          </a:lnRef>
+          <a:fillRef idx="1">
+            <a:schemeClr val="accent1"/>
+          </a:fillRef>
+          <a:effectRef idx="0">
+            <a:schemeClr val="accent1"/>
+          </a:effectRef>
+          <a:fontRef idx="minor">
+            <a:schemeClr val="lt1"/>
+          </a:fontRef>
+        </p:style>
+        <p:txBody>
+          <a:bodyPr rtlCol="0" anchor="ctr"/>
+          <a:lstStyle/>
+          <a:p>
+            <a:pPr algn="ctr"/>
+            <a:endParaRPr lang="en-US"/>
+          </a:p>
+        </p:txBody>
+      </p:sp>
+      <p:sp>
+        <p:nvSpPr>
+          <p:cNvPr id="2" name="Title 1">
+            <a:extLst>
+              <a:ext uri="{FF2B5EF4-FFF2-40B4-BE49-F238E27FC236}">
+                <a16:creationId xmlns:a16="http://schemas.microsoft.com/office/drawing/2014/main" id="{9D2C7CB9-FC4A-A5CB-89C9-EFCD496CF88C}"/>
+              </a:ext>
+            </a:extLst>
+          </p:cNvPr>
+          <p:cNvSpPr>
+            <a:spLocks noGrp="1"/>
+          </p:cNvSpPr>
+          <p:nvPr>
+            <p:ph type="title"/>
+          </p:nvPr>
+        </p:nvSpPr>
+        <p:spPr>
+          <a:xfrm>
+            <a:off x="8200102" y="1432223"/>
+            <a:ext cx="2818417" cy="3357976"/>
+          </a:xfrm>
+        </p:spPr>
+        <p:txBody>
+          <a:bodyPr vert="horz" lIns="91440" tIns="45720" rIns="91440" bIns="45720" rtlCol="0" anchor="ctr">
+            <a:normAutofit/>
+          </a:bodyPr>
+          <a:lstStyle/>
+          <a:p>
+            <a:pPr>
+              <a:lnSpc>
+                <a:spcPct val="80000"/>
+              </a:lnSpc>
+            </a:pPr>
+            <a:r>
+              <a:rPr lang="en-US" sz="6000">
+                <a:blipFill dpi="0" rotWithShape="1">
+                  <a:blip r:embed="rId4"/>
+                  <a:srcRect/>
+                  <a:tile tx="6350" ty="-127000" sx="65000" sy="64000" flip="none" algn="tl"/>
+                </a:blipFill>
+              </a:rPr>
+              <a:t>Day 2 – Classes and Objects</a:t>
+            </a:r>
+          </a:p>
+        </p:txBody>
+      </p:sp>
+      <p:sp>
+        <p:nvSpPr>
+          <p:cNvPr id="27" name="Rectangle 26">
+            <a:extLst>
+              <a:ext uri="{FF2B5EF4-FFF2-40B4-BE49-F238E27FC236}">
+                <a16:creationId xmlns:a16="http://schemas.microsoft.com/office/drawing/2014/main" id="{6B387409-2B98-40F8-A65F-EF7CF989512F}"/>
+              </a:ext>
+              <a:ext uri="{C183D7F6-B498-43B3-948B-1728B52AA6E4}">
+                <adec:decorative xmlns:adec="http://schemas.microsoft.com/office/drawing/2017/decorative" val="1"/>
+              </a:ext>
+            </a:extLst>
+          </p:cNvPr>
+          <p:cNvSpPr>
+            <a:spLocks noGrp="1" noRot="1" noChangeAspect="1" noMove="1" noResize="1" noEditPoints="1" noAdjustHandles="1" noChangeArrowheads="1" noChangeShapeType="1" noTextEdit="1"/>
+          </p:cNvSpPr>
+          <p:nvPr>
+            <p:extLst>
+              <p:ext uri="{386F3935-93C4-4BCD-93E2-E3B085C9AB24}">
+                <p16:designElem xmlns:p16="http://schemas.microsoft.com/office/powerpoint/2015/main" val="1"/>
+              </p:ext>
+            </p:extLst>
+          </p:nvPr>
+        </p:nvSpPr>
+        <p:spPr>
+          <a:xfrm>
+            <a:off x="920834" y="5780565"/>
+            <a:ext cx="10351008" cy="80683"/>
+          </a:xfrm>
+          <a:prstGeom prst="rect">
+            <a:avLst/>
+          </a:prstGeom>
+          <a:blipFill dpi="0" rotWithShape="1">
+            <a:blip r:embed="rId2">
+              <a:alphaModFix amt="85000"/>
+              <a:lum bright="70000" contrast="-70000"/>
+              <a:extLst>
+                <a:ext uri="{BEBA8EAE-BF5A-486C-A8C5-ECC9F3942E4B}">
+                  <a14:imgProps xmlns:a14="http://schemas.microsoft.com/office/drawing/2010/main">
+                    <a14:imgLayer r:embed="rId3">
+                      <a14:imgEffect>
+                        <a14:sharpenSoften amount="61000"/>
+                      </a14:imgEffect>
+                    </a14:imgLayer>
+                  </a14:imgProps>
+                </a:ext>
+                <a:ext uri="{28A0092B-C50C-407E-A947-70E740481C1C}">
+                  <a14:useLocalDpi xmlns:a14="http://schemas.microsoft.com/office/drawing/2010/main" val="0"/>
+                </a:ext>
+              </a:extLst>
+            </a:blip>
+            <a:srcRect/>
+            <a:tile tx="0" ty="-717550" sx="92000" sy="89000" flip="xy" algn="ctr"/>
+          </a:blipFill>
+          <a:ln>
+            <a:noFill/>
+          </a:ln>
+        </p:spPr>
+        <p:style>
+          <a:lnRef idx="2">
+            <a:schemeClr val="accent1">
+              <a:shade val="50000"/>
+            </a:schemeClr>
+          </a:lnRef>
+          <a:fillRef idx="1">
+            <a:schemeClr val="accent1"/>
+          </a:fillRef>
+          <a:effectRef idx="0">
+            <a:schemeClr val="accent1"/>
+          </a:effectRef>
+          <a:fontRef idx="minor">
+            <a:schemeClr val="lt1"/>
+          </a:fontRef>
+        </p:style>
+        <p:txBody>
+          <a:bodyPr rtlCol="0" anchor="ctr"/>
+          <a:lstStyle/>
+          <a:p>
+            <a:pPr algn="ctr"/>
+            <a:endParaRPr lang="en-US"/>
+          </a:p>
+        </p:txBody>
+      </p:sp>
+      <p:grpSp>
+        <p:nvGrpSpPr>
+          <p:cNvPr id="29" name="Group 28">
+            <a:extLst>
+              <a:ext uri="{FF2B5EF4-FFF2-40B4-BE49-F238E27FC236}">
+                <a16:creationId xmlns:a16="http://schemas.microsoft.com/office/drawing/2014/main" id="{C9E5F284-A588-4AE7-A36D-1C93E4FD0241}"/>
+              </a:ext>
+              <a:ext uri="{C183D7F6-B498-43B3-948B-1728B52AA6E4}">
+                <adec:decorative xmlns:adec="http://schemas.microsoft.com/office/drawing/2017/decorative" val="1"/>
+              </a:ext>
+            </a:extLst>
+          </p:cNvPr>
+          <p:cNvGrpSpPr>
+            <a:grpSpLocks noGrp="1" noUngrp="1" noRot="1" noChangeAspect="1" noMove="1" noResize="1"/>
+          </p:cNvGrpSpPr>
+          <p:nvPr>
+            <p:extLst>
+              <p:ext uri="{386F3935-93C4-4BCD-93E2-E3B085C9AB24}">
+                <p16:designElem xmlns:p16="http://schemas.microsoft.com/office/powerpoint/2015/main" val="1"/>
+              </p:ext>
+            </p:extLst>
+          </p:nvPr>
+        </p:nvGrpSpPr>
+        <p:grpSpPr>
+          <a:xfrm>
+            <a:off x="9646920" y="5257800"/>
+            <a:ext cx="1080904" cy="1080902"/>
+            <a:chOff x="9685338" y="4460675"/>
+            <a:chExt cx="1080904" cy="1080902"/>
+          </a:xfrm>
+        </p:grpSpPr>
+        <p:sp>
+          <p:nvSpPr>
+            <p:cNvPr id="30" name="Oval 29">
+              <a:extLst>
+                <a:ext uri="{FF2B5EF4-FFF2-40B4-BE49-F238E27FC236}">
+                  <a16:creationId xmlns:a16="http://schemas.microsoft.com/office/drawing/2014/main" id="{45D7D540-5CF2-4FC1-BE53-277CC22C0966}"/>
+                </a:ext>
+                <a:ext uri="{C183D7F6-B498-43B3-948B-1728B52AA6E4}">
+                  <adec:decorative xmlns:adec="http://schemas.microsoft.com/office/drawing/2017/decorative" val="1"/>
+                </a:ext>
+              </a:extLst>
+            </p:cNvPr>
+            <p:cNvSpPr/>
+            <p:nvPr>
+              <p:extLst>
+                <p:ext uri="{386F3935-93C4-4BCD-93E2-E3B085C9AB24}">
+                  <p16:designElem xmlns:p16="http://schemas.microsoft.com/office/powerpoint/2015/main" val="1"/>
+                </p:ext>
+              </p:extLst>
+            </p:nvPr>
+          </p:nvSpPr>
+          <p:spPr>
+            <a:xfrm>
+              <a:off x="9685338" y="4460675"/>
+              <a:ext cx="1080904" cy="1080902"/>
+            </a:xfrm>
+            <a:prstGeom prst="ellipse">
+              <a:avLst/>
+            </a:prstGeom>
+            <a:blipFill dpi="0" rotWithShape="1">
+              <a:blip r:embed="rId4">
+                <a:duotone>
+                  <a:schemeClr val="accent1">
+                    <a:shade val="45000"/>
+                    <a:satMod val="135000"/>
+                  </a:schemeClr>
+                  <a:prstClr val="white"/>
+                </a:duotone>
+              </a:blip>
+              <a:srcRect/>
+              <a:tile tx="0" ty="0" sx="85000" sy="85000" flip="none" algn="tl"/>
+            </a:blipFill>
+            <a:ln w="25400" cap="flat" cmpd="sng" algn="ctr">
+              <a:noFill/>
+              <a:prstDash val="solid"/>
+            </a:ln>
+            <a:effectLst/>
+          </p:spPr>
+          <p:txBody>
+            <a:bodyPr lIns="0" tIns="0" rIns="0" bIns="0" rtlCol="0" anchor="ctr"/>
+            <a:lstStyle/>
+            <a:p>
+              <a:pPr marL="0" marR="0" lvl="0" indent="0" algn="ctr" defTabSz="914400" eaLnBrk="1" fontAlgn="auto" latinLnBrk="0" hangingPunct="1">
+                <a:lnSpc>
+                  <a:spcPct val="100000"/>
+                </a:lnSpc>
+                <a:spcBef>
+                  <a:spcPts val="0"/>
+                </a:spcBef>
+                <a:spcAft>
+                  <a:spcPts val="0"/>
+                </a:spcAft>
+                <a:buClrTx/>
+                <a:buSzTx/>
+                <a:buFontTx/>
+                <a:buNone/>
+                <a:tabLst/>
+                <a:defRPr/>
+              </a:pPr>
+              <a:endParaRPr kumimoji="0" lang="en-US" sz="2000" b="0" i="0" u="none" strike="noStrike" kern="0" cap="none" spc="0" normalizeH="0" baseline="0" noProof="0" dirty="0">
+                <a:ln>
+                  <a:noFill/>
+                </a:ln>
+                <a:solidFill>
+                  <a:prstClr val="white"/>
+                </a:solidFill>
+                <a:effectLst/>
+                <a:uLnTx/>
+                <a:uFillTx/>
+                <a:latin typeface="Rockwell Extra Bold" pitchFamily="18" charset="0"/>
+                <a:ea typeface="+mn-ea"/>
+                <a:cs typeface="+mn-cs"/>
+              </a:endParaRPr>
+            </a:p>
+          </p:txBody>
+        </p:sp>
+        <p:sp>
+          <p:nvSpPr>
+            <p:cNvPr id="31" name="Oval 30">
+              <a:extLst>
+                <a:ext uri="{FF2B5EF4-FFF2-40B4-BE49-F238E27FC236}">
+                  <a16:creationId xmlns:a16="http://schemas.microsoft.com/office/drawing/2014/main" id="{916C9AA0-DC0C-49A1-ACDF-10BD6D739970}"/>
+                </a:ext>
+                <a:ext uri="{C183D7F6-B498-43B3-948B-1728B52AA6E4}">
+                  <adec:decorative xmlns:adec="http://schemas.microsoft.com/office/drawing/2017/decorative" val="1"/>
+                </a:ext>
+              </a:extLst>
+            </p:cNvPr>
+            <p:cNvSpPr/>
+            <p:nvPr>
+              <p:extLst>
+                <p:ext uri="{386F3935-93C4-4BCD-93E2-E3B085C9AB24}">
+                  <p16:designElem xmlns:p16="http://schemas.microsoft.com/office/powerpoint/2015/main" val="1"/>
+                </p:ext>
+              </p:extLst>
+            </p:nvPr>
+          </p:nvSpPr>
+          <p:spPr>
+            <a:xfrm>
+              <a:off x="9793429" y="4568765"/>
+              <a:ext cx="864723" cy="864722"/>
+            </a:xfrm>
+            <a:prstGeom prst="ellipse">
+              <a:avLst/>
+            </a:prstGeom>
+            <a:noFill/>
+            <a:ln w="25400" cap="flat" cmpd="sng" algn="ctr">
+              <a:solidFill>
+                <a:sysClr val="window" lastClr="FFFFFF"/>
+              </a:solidFill>
+              <a:prstDash val="solid"/>
+            </a:ln>
+            <a:effectLst/>
+          </p:spPr>
+          <p:txBody>
+            <a:bodyPr rtlCol="0" anchor="ctr"/>
+            <a:lstStyle/>
+            <a:p>
+              <a:pPr marL="0" marR="0" lvl="0" indent="0" algn="ctr" defTabSz="914400" eaLnBrk="1" fontAlgn="auto" latinLnBrk="0" hangingPunct="1">
+                <a:lnSpc>
+                  <a:spcPct val="100000"/>
+                </a:lnSpc>
+                <a:spcBef>
+                  <a:spcPts val="0"/>
+                </a:spcBef>
+                <a:spcAft>
+                  <a:spcPts val="0"/>
+                </a:spcAft>
+                <a:buClrTx/>
+                <a:buSzTx/>
+                <a:buFontTx/>
+                <a:buNone/>
+                <a:tabLst/>
+                <a:defRPr/>
+              </a:pPr>
+              <a:endParaRPr kumimoji="0" lang="en-US" sz="1800" b="0" i="0" u="none" strike="noStrike" kern="0" cap="none" spc="0" normalizeH="0" baseline="0" noProof="0" dirty="0">
+                <a:ln>
+                  <a:noFill/>
+                </a:ln>
+                <a:solidFill>
+                  <a:prstClr val="white"/>
+                </a:solidFill>
+                <a:effectLst/>
+                <a:uLnTx/>
+                <a:uFillTx/>
+                <a:latin typeface="Calibri"/>
+                <a:ea typeface="+mn-ea"/>
+                <a:cs typeface="+mn-cs"/>
+              </a:endParaRPr>
+            </a:p>
+          </p:txBody>
+        </p:sp>
+      </p:grpSp>
+      <p:pic>
+        <p:nvPicPr>
+          <p:cNvPr id="6" name="Picture 5" descr="A person in a suit and tie&#10;&#10;Description automatically generated">
+            <a:extLst>
+              <a:ext uri="{FF2B5EF4-FFF2-40B4-BE49-F238E27FC236}">
+                <a16:creationId xmlns:a16="http://schemas.microsoft.com/office/drawing/2014/main" id="{43A3A14E-FA22-010F-C5F1-3162D9B75585}"/>
+              </a:ext>
+            </a:extLst>
+          </p:cNvPr>
+          <p:cNvPicPr>
+            <a:picLocks noChangeAspect="1"/>
+          </p:cNvPicPr>
+          <p:nvPr/>
+        </p:nvPicPr>
+        <p:blipFill>
+          <a:blip r:embed="rId6">
+            <a:extLst>
+              <a:ext uri="{28A0092B-C50C-407E-A947-70E740481C1C}">
+                <a14:useLocalDpi xmlns:a14="http://schemas.microsoft.com/office/drawing/2010/main" val="0"/>
+              </a:ext>
+            </a:extLst>
+          </a:blip>
+          <a:stretch>
+            <a:fillRect/>
+          </a:stretch>
+        </p:blipFill>
+        <p:spPr>
+          <a:xfrm>
+            <a:off x="1681233" y="1066157"/>
+            <a:ext cx="5443838" cy="4668091"/>
+          </a:xfrm>
+          <a:prstGeom prst="rect">
+            <a:avLst/>
+          </a:prstGeom>
+        </p:spPr>
+      </p:pic>
+    </p:spTree>
+    <p:extLst>
+      <p:ext uri="{BB962C8B-B14F-4D97-AF65-F5344CB8AC3E}">
+        <p14:creationId xmlns:p14="http://schemas.microsoft.com/office/powerpoint/2010/main" val="1921298767"/>
+      </p:ext>
+    </p:extLst>
+  </p:cSld>
+  <p:clrMapOvr>
+    <a:masterClrMapping/>
+  </p:clrMapOvr>
+</p:sld>
+</file>
+
+<file path=ppt/slides/slide19.xml><?xml version="1.0" encoding="utf-8"?>
+<p:sld xmlns:a="http://schemas.openxmlformats.org/drawingml/2006/main" xmlns:r="http://schemas.openxmlformats.org/officeDocument/2006/relationships" xmlns:p="http://schemas.openxmlformats.org/presentationml/2006/main">
+  <p:cSld>
+    <p:spTree>
+      <p:nvGrpSpPr>
+        <p:cNvPr id="1" name=""/>
+        <p:cNvGrpSpPr/>
+        <p:nvPr/>
+      </p:nvGrpSpPr>
+      <p:grpSpPr>
+        <a:xfrm>
+          <a:off x="0" y="0"/>
+          <a:ext cx="0" cy="0"/>
+          <a:chOff x="0" y="0"/>
+          <a:chExt cx="0" cy="0"/>
+        </a:xfrm>
+      </p:grpSpPr>
+      <p:sp>
+        <p:nvSpPr>
+          <p:cNvPr id="2" name="Title 1">
+            <a:extLst>
+              <a:ext uri="{FF2B5EF4-FFF2-40B4-BE49-F238E27FC236}">
+                <a16:creationId xmlns:a16="http://schemas.microsoft.com/office/drawing/2014/main" id="{8760C2A8-27CB-816C-4F2D-D24146172739}"/>
+              </a:ext>
+            </a:extLst>
+          </p:cNvPr>
+          <p:cNvSpPr>
+            <a:spLocks noGrp="1"/>
+          </p:cNvSpPr>
+          <p:nvPr>
+            <p:ph type="title"/>
+          </p:nvPr>
+        </p:nvSpPr>
+        <p:spPr>
+          <a:xfrm>
+            <a:off x="1069848" y="484632"/>
+            <a:ext cx="5022715" cy="1609344"/>
+          </a:xfrm>
+        </p:spPr>
+        <p:txBody>
+          <a:bodyPr/>
+          <a:lstStyle/>
+          <a:p>
+            <a:r>
+              <a:rPr lang="en-DE" dirty="0"/>
+              <a:t>What is a class</a:t>
+            </a:r>
+          </a:p>
+        </p:txBody>
+      </p:sp>
+      <p:sp>
+        <p:nvSpPr>
+          <p:cNvPr id="3" name="Content Placeholder 2">
+            <a:extLst>
+              <a:ext uri="{FF2B5EF4-FFF2-40B4-BE49-F238E27FC236}">
+                <a16:creationId xmlns:a16="http://schemas.microsoft.com/office/drawing/2014/main" id="{D1961F2E-30C8-1844-F3A4-9C2F696466B1}"/>
+              </a:ext>
+            </a:extLst>
+          </p:cNvPr>
+          <p:cNvSpPr>
+            <a:spLocks noGrp="1"/>
+          </p:cNvSpPr>
+          <p:nvPr>
+            <p:ph idx="1"/>
+          </p:nvPr>
+        </p:nvSpPr>
+        <p:spPr>
+          <a:xfrm>
+            <a:off x="1073285" y="2093976"/>
+            <a:ext cx="5022715" cy="4050792"/>
+          </a:xfrm>
+        </p:spPr>
+        <p:txBody>
+          <a:bodyPr/>
+          <a:lstStyle/>
+          <a:p>
+            <a:r>
+              <a:rPr lang="en-GB" dirty="0"/>
+              <a:t>In C++, a user-defined class is a way for programmers to create their own data types</a:t>
+            </a:r>
+            <a:endParaRPr lang="en-DE" dirty="0"/>
+          </a:p>
+          <a:p>
+            <a:endParaRPr lang="en-DE" dirty="0"/>
+          </a:p>
+        </p:txBody>
+      </p:sp>
+      <p:pic>
+        <p:nvPicPr>
+          <p:cNvPr id="3078" name="Picture 6" descr="UML Class Diagram Explained With C++ samples | CPP Code Tips">
+            <a:extLst>
+              <a:ext uri="{FF2B5EF4-FFF2-40B4-BE49-F238E27FC236}">
+                <a16:creationId xmlns:a16="http://schemas.microsoft.com/office/drawing/2014/main" id="{036F9007-E993-A135-68C6-3C5BC16DFD1F}"/>
+              </a:ext>
+            </a:extLst>
+          </p:cNvPr>
+          <p:cNvPicPr>
+            <a:picLocks noChangeAspect="1" noChangeArrowheads="1"/>
+          </p:cNvPicPr>
+          <p:nvPr/>
+        </p:nvPicPr>
+        <p:blipFill>
+          <a:blip r:embed="rId2">
+            <a:extLst>
+              <a:ext uri="{28A0092B-C50C-407E-A947-70E740481C1C}">
+                <a14:useLocalDpi xmlns:a14="http://schemas.microsoft.com/office/drawing/2010/main" val="0"/>
+              </a:ext>
+            </a:extLst>
+          </a:blip>
+          <a:srcRect/>
+          <a:stretch>
+            <a:fillRect/>
+          </a:stretch>
+        </p:blipFill>
+        <p:spPr bwMode="auto">
+          <a:xfrm>
+            <a:off x="7211440" y="484632"/>
+            <a:ext cx="3631760" cy="2416108"/>
+          </a:xfrm>
+          <a:prstGeom prst="rect">
+            <a:avLst/>
+          </a:prstGeom>
+          <a:noFill/>
+          <a:extLst>
+            <a:ext uri="{909E8E84-426E-40DD-AFC4-6F175D3DCCD1}">
+              <a14:hiddenFill xmlns:a14="http://schemas.microsoft.com/office/drawing/2010/main">
+                <a:solidFill>
+                  <a:srgbClr val="FFFFFF"/>
+                </a:solidFill>
+              </a14:hiddenFill>
+            </a:ext>
+          </a:extLst>
+        </p:spPr>
+      </p:pic>
+      <p:pic>
+        <p:nvPicPr>
+          <p:cNvPr id="3080" name="Picture 8" descr="Classes in C++: Declaration And Implementation of Classes [Updated]">
+            <a:extLst>
+              <a:ext uri="{FF2B5EF4-FFF2-40B4-BE49-F238E27FC236}">
+                <a16:creationId xmlns:a16="http://schemas.microsoft.com/office/drawing/2014/main" id="{507CB90F-0514-82AB-3C54-90F3FAEFDDDC}"/>
+              </a:ext>
+            </a:extLst>
+          </p:cNvPr>
+          <p:cNvPicPr>
+            <a:picLocks noChangeAspect="1" noChangeArrowheads="1"/>
+          </p:cNvPicPr>
+          <p:nvPr/>
+        </p:nvPicPr>
+        <p:blipFill>
+          <a:blip r:embed="rId3">
+            <a:extLst>
+              <a:ext uri="{28A0092B-C50C-407E-A947-70E740481C1C}">
+                <a14:useLocalDpi xmlns:a14="http://schemas.microsoft.com/office/drawing/2010/main" val="0"/>
+              </a:ext>
+            </a:extLst>
+          </a:blip>
+          <a:srcRect/>
+          <a:stretch>
+            <a:fillRect/>
+          </a:stretch>
+        </p:blipFill>
+        <p:spPr bwMode="auto">
+          <a:xfrm>
+            <a:off x="7328172" y="3297175"/>
+            <a:ext cx="3185207" cy="2665880"/>
+          </a:xfrm>
+          <a:prstGeom prst="rect">
+            <a:avLst/>
+          </a:prstGeom>
+          <a:noFill/>
+          <a:extLst>
+            <a:ext uri="{909E8E84-426E-40DD-AFC4-6F175D3DCCD1}">
+              <a14:hiddenFill xmlns:a14="http://schemas.microsoft.com/office/drawing/2010/main">
+                <a:solidFill>
+                  <a:srgbClr val="FFFFFF"/>
+                </a:solidFill>
+              </a14:hiddenFill>
+            </a:ext>
+          </a:extLst>
+        </p:spPr>
+      </p:pic>
+    </p:spTree>
+    <p:extLst>
+      <p:ext uri="{BB962C8B-B14F-4D97-AF65-F5344CB8AC3E}">
+        <p14:creationId xmlns:p14="http://schemas.microsoft.com/office/powerpoint/2010/main" val="739951593"/>
+      </p:ext>
+    </p:extLst>
+  </p:cSld>
+  <p:clrMapOvr>
+    <a:masterClrMapping/>
+  </p:clrMapOvr>
+</p:sld>
+</file>
+
 <file path=ppt/slides/slide2.xml><?xml version="1.0" encoding="utf-8"?>
 <p:sld xmlns:a="http://schemas.openxmlformats.org/drawingml/2006/main" xmlns:r="http://schemas.openxmlformats.org/officeDocument/2006/relationships" xmlns:p="http://schemas.openxmlformats.org/presentationml/2006/main">
   <p:cSld>
@@ -5490,6 +7280,1642 @@
     <p:extLst>
       <p:ext uri="{BB962C8B-B14F-4D97-AF65-F5344CB8AC3E}">
         <p14:creationId xmlns:p14="http://schemas.microsoft.com/office/powerpoint/2010/main" val="1902791127"/>
+      </p:ext>
+    </p:extLst>
+  </p:cSld>
+  <p:clrMapOvr>
+    <a:masterClrMapping/>
+  </p:clrMapOvr>
+</p:sld>
+</file>
+
+<file path=ppt/slides/slide20.xml><?xml version="1.0" encoding="utf-8"?>
+<p:sld xmlns:a="http://schemas.openxmlformats.org/drawingml/2006/main" xmlns:r="http://schemas.openxmlformats.org/officeDocument/2006/relationships" xmlns:p="http://schemas.openxmlformats.org/presentationml/2006/main">
+  <p:cSld>
+    <p:spTree>
+      <p:nvGrpSpPr>
+        <p:cNvPr id="1" name=""/>
+        <p:cNvGrpSpPr/>
+        <p:nvPr/>
+      </p:nvGrpSpPr>
+      <p:grpSpPr>
+        <a:xfrm>
+          <a:off x="0" y="0"/>
+          <a:ext cx="0" cy="0"/>
+          <a:chOff x="0" y="0"/>
+          <a:chExt cx="0" cy="0"/>
+        </a:xfrm>
+      </p:grpSpPr>
+      <p:sp>
+        <p:nvSpPr>
+          <p:cNvPr id="2" name="Title 1">
+            <a:extLst>
+              <a:ext uri="{FF2B5EF4-FFF2-40B4-BE49-F238E27FC236}">
+                <a16:creationId xmlns:a16="http://schemas.microsoft.com/office/drawing/2014/main" id="{346D9329-EAFC-010A-2CC1-15A60540FCBF}"/>
+              </a:ext>
+            </a:extLst>
+          </p:cNvPr>
+          <p:cNvSpPr>
+            <a:spLocks noGrp="1"/>
+          </p:cNvSpPr>
+          <p:nvPr>
+            <p:ph type="title"/>
+          </p:nvPr>
+        </p:nvSpPr>
+        <p:spPr>
+          <a:xfrm>
+            <a:off x="534924" y="183074"/>
+            <a:ext cx="11122152" cy="1609344"/>
+          </a:xfrm>
+        </p:spPr>
+        <p:txBody>
+          <a:bodyPr/>
+          <a:lstStyle/>
+          <a:p>
+            <a:r>
+              <a:rPr lang="en-DE" dirty="0"/>
+              <a:t>What is an Object and why do we need it</a:t>
+            </a:r>
+          </a:p>
+        </p:txBody>
+      </p:sp>
+      <p:pic>
+        <p:nvPicPr>
+          <p:cNvPr id="4100" name="Picture 4" descr="Understanding classes and objects">
+            <a:extLst>
+              <a:ext uri="{FF2B5EF4-FFF2-40B4-BE49-F238E27FC236}">
+                <a16:creationId xmlns:a16="http://schemas.microsoft.com/office/drawing/2014/main" id="{D3C816A3-6F40-D14E-AB0C-E229366D0763}"/>
+              </a:ext>
+            </a:extLst>
+          </p:cNvPr>
+          <p:cNvPicPr>
+            <a:picLocks noChangeAspect="1" noChangeArrowheads="1"/>
+          </p:cNvPicPr>
+          <p:nvPr/>
+        </p:nvPicPr>
+        <p:blipFill>
+          <a:blip r:embed="rId2">
+            <a:extLst>
+              <a:ext uri="{28A0092B-C50C-407E-A947-70E740481C1C}">
+                <a14:useLocalDpi xmlns:a14="http://schemas.microsoft.com/office/drawing/2010/main" val="0"/>
+              </a:ext>
+            </a:extLst>
+          </a:blip>
+          <a:srcRect/>
+          <a:stretch>
+            <a:fillRect/>
+          </a:stretch>
+        </p:blipFill>
+        <p:spPr bwMode="auto">
+          <a:xfrm>
+            <a:off x="8366895" y="2194423"/>
+            <a:ext cx="3163819" cy="3545002"/>
+          </a:xfrm>
+          <a:prstGeom prst="rect">
+            <a:avLst/>
+          </a:prstGeom>
+          <a:noFill/>
+          <a:extLst>
+            <a:ext uri="{909E8E84-426E-40DD-AFC4-6F175D3DCCD1}">
+              <a14:hiddenFill xmlns:a14="http://schemas.microsoft.com/office/drawing/2010/main">
+                <a:solidFill>
+                  <a:srgbClr val="FFFFFF"/>
+                </a:solidFill>
+              </a14:hiddenFill>
+            </a:ext>
+          </a:extLst>
+        </p:spPr>
+      </p:pic>
+      <p:pic>
+        <p:nvPicPr>
+          <p:cNvPr id="4102" name="Picture 6" descr="Classes and Objects in C++ - Shiksha Online">
+            <a:extLst>
+              <a:ext uri="{FF2B5EF4-FFF2-40B4-BE49-F238E27FC236}">
+                <a16:creationId xmlns:a16="http://schemas.microsoft.com/office/drawing/2014/main" id="{BF613429-D60D-FDF7-5BAF-720E4E3B6812}"/>
+              </a:ext>
+            </a:extLst>
+          </p:cNvPr>
+          <p:cNvPicPr>
+            <a:picLocks noChangeAspect="1" noChangeArrowheads="1"/>
+          </p:cNvPicPr>
+          <p:nvPr/>
+        </p:nvPicPr>
+        <p:blipFill>
+          <a:blip r:embed="rId3">
+            <a:extLst>
+              <a:ext uri="{28A0092B-C50C-407E-A947-70E740481C1C}">
+                <a14:useLocalDpi xmlns:a14="http://schemas.microsoft.com/office/drawing/2010/main" val="0"/>
+              </a:ext>
+            </a:extLst>
+          </a:blip>
+          <a:srcRect/>
+          <a:stretch>
+            <a:fillRect/>
+          </a:stretch>
+        </p:blipFill>
+        <p:spPr bwMode="auto">
+          <a:xfrm>
+            <a:off x="889510" y="1792418"/>
+            <a:ext cx="6688316" cy="4349013"/>
+          </a:xfrm>
+          <a:prstGeom prst="rect">
+            <a:avLst/>
+          </a:prstGeom>
+          <a:noFill/>
+          <a:extLst>
+            <a:ext uri="{909E8E84-426E-40DD-AFC4-6F175D3DCCD1}">
+              <a14:hiddenFill xmlns:a14="http://schemas.microsoft.com/office/drawing/2010/main">
+                <a:solidFill>
+                  <a:srgbClr val="FFFFFF"/>
+                </a:solidFill>
+              </a14:hiddenFill>
+            </a:ext>
+          </a:extLst>
+        </p:spPr>
+      </p:pic>
+    </p:spTree>
+    <p:extLst>
+      <p:ext uri="{BB962C8B-B14F-4D97-AF65-F5344CB8AC3E}">
+        <p14:creationId xmlns:p14="http://schemas.microsoft.com/office/powerpoint/2010/main" val="3693961"/>
+      </p:ext>
+    </p:extLst>
+  </p:cSld>
+  <p:clrMapOvr>
+    <a:masterClrMapping/>
+  </p:clrMapOvr>
+</p:sld>
+</file>
+
+<file path=ppt/slides/slide21.xml><?xml version="1.0" encoding="utf-8"?>
+<p:sld xmlns:a="http://schemas.openxmlformats.org/drawingml/2006/main" xmlns:r="http://schemas.openxmlformats.org/officeDocument/2006/relationships" xmlns:p="http://schemas.openxmlformats.org/presentationml/2006/main">
+  <p:cSld>
+    <p:spTree>
+      <p:nvGrpSpPr>
+        <p:cNvPr id="1" name=""/>
+        <p:cNvGrpSpPr/>
+        <p:nvPr/>
+      </p:nvGrpSpPr>
+      <p:grpSpPr>
+        <a:xfrm>
+          <a:off x="0" y="0"/>
+          <a:ext cx="0" cy="0"/>
+          <a:chOff x="0" y="0"/>
+          <a:chExt cx="0" cy="0"/>
+        </a:xfrm>
+      </p:grpSpPr>
+      <p:sp>
+        <p:nvSpPr>
+          <p:cNvPr id="2" name="Title 1">
+            <a:extLst>
+              <a:ext uri="{FF2B5EF4-FFF2-40B4-BE49-F238E27FC236}">
+                <a16:creationId xmlns:a16="http://schemas.microsoft.com/office/drawing/2014/main" id="{6CC28315-2588-E0EB-3A15-490C4987474B}"/>
+              </a:ext>
+            </a:extLst>
+          </p:cNvPr>
+          <p:cNvSpPr>
+            <a:spLocks noGrp="1"/>
+          </p:cNvSpPr>
+          <p:nvPr>
+            <p:ph type="title"/>
+          </p:nvPr>
+        </p:nvSpPr>
+        <p:spPr>
+          <a:xfrm>
+            <a:off x="1069848" y="484632"/>
+            <a:ext cx="10058400" cy="1047835"/>
+          </a:xfrm>
+        </p:spPr>
+        <p:txBody>
+          <a:bodyPr/>
+          <a:lstStyle/>
+          <a:p>
+            <a:pPr algn="ctr"/>
+            <a:r>
+              <a:rPr lang="en-DE" dirty="0"/>
+              <a:t>Constructor</a:t>
+            </a:r>
+          </a:p>
+        </p:txBody>
+      </p:sp>
+      <p:pic>
+        <p:nvPicPr>
+          <p:cNvPr id="5122" name="Picture 2" descr="Constructor in C++ | How does Constructor in C++ Work?">
+            <a:extLst>
+              <a:ext uri="{FF2B5EF4-FFF2-40B4-BE49-F238E27FC236}">
+                <a16:creationId xmlns:a16="http://schemas.microsoft.com/office/drawing/2014/main" id="{47303397-BDE6-14ED-EA9F-DC799C19EFFA}"/>
+              </a:ext>
+            </a:extLst>
+          </p:cNvPr>
+          <p:cNvPicPr>
+            <a:picLocks noChangeAspect="1" noChangeArrowheads="1"/>
+          </p:cNvPicPr>
+          <p:nvPr/>
+        </p:nvPicPr>
+        <p:blipFill>
+          <a:blip r:embed="rId2">
+            <a:extLst>
+              <a:ext uri="{28A0092B-C50C-407E-A947-70E740481C1C}">
+                <a14:useLocalDpi xmlns:a14="http://schemas.microsoft.com/office/drawing/2010/main" val="0"/>
+              </a:ext>
+            </a:extLst>
+          </a:blip>
+          <a:srcRect/>
+          <a:stretch>
+            <a:fillRect/>
+          </a:stretch>
+        </p:blipFill>
+        <p:spPr bwMode="auto">
+          <a:xfrm>
+            <a:off x="1063752" y="1734053"/>
+            <a:ext cx="10248900" cy="4810125"/>
+          </a:xfrm>
+          <a:prstGeom prst="rect">
+            <a:avLst/>
+          </a:prstGeom>
+          <a:noFill/>
+          <a:extLst>
+            <a:ext uri="{909E8E84-426E-40DD-AFC4-6F175D3DCCD1}">
+              <a14:hiddenFill xmlns:a14="http://schemas.microsoft.com/office/drawing/2010/main">
+                <a:solidFill>
+                  <a:srgbClr val="FFFFFF"/>
+                </a:solidFill>
+              </a14:hiddenFill>
+            </a:ext>
+          </a:extLst>
+        </p:spPr>
+      </p:pic>
+    </p:spTree>
+    <p:extLst>
+      <p:ext uri="{BB962C8B-B14F-4D97-AF65-F5344CB8AC3E}">
+        <p14:creationId xmlns:p14="http://schemas.microsoft.com/office/powerpoint/2010/main" val="2283248557"/>
+      </p:ext>
+    </p:extLst>
+  </p:cSld>
+  <p:clrMapOvr>
+    <a:masterClrMapping/>
+  </p:clrMapOvr>
+</p:sld>
+</file>
+
+<file path=ppt/slides/slide22.xml><?xml version="1.0" encoding="utf-8"?>
+<p:sld xmlns:a="http://schemas.openxmlformats.org/drawingml/2006/main" xmlns:r="http://schemas.openxmlformats.org/officeDocument/2006/relationships" xmlns:p="http://schemas.openxmlformats.org/presentationml/2006/main">
+  <p:cSld>
+    <p:spTree>
+      <p:nvGrpSpPr>
+        <p:cNvPr id="1" name=""/>
+        <p:cNvGrpSpPr/>
+        <p:nvPr/>
+      </p:nvGrpSpPr>
+      <p:grpSpPr>
+        <a:xfrm>
+          <a:off x="0" y="0"/>
+          <a:ext cx="0" cy="0"/>
+          <a:chOff x="0" y="0"/>
+          <a:chExt cx="0" cy="0"/>
+        </a:xfrm>
+      </p:grpSpPr>
+      <p:sp>
+        <p:nvSpPr>
+          <p:cNvPr id="2" name="Title 1">
+            <a:extLst>
+              <a:ext uri="{FF2B5EF4-FFF2-40B4-BE49-F238E27FC236}">
+                <a16:creationId xmlns:a16="http://schemas.microsoft.com/office/drawing/2014/main" id="{4DFBA666-1D02-E71A-813E-87FD2FE523FA}"/>
+              </a:ext>
+            </a:extLst>
+          </p:cNvPr>
+          <p:cNvSpPr>
+            <a:spLocks noGrp="1"/>
+          </p:cNvSpPr>
+          <p:nvPr>
+            <p:ph type="title"/>
+          </p:nvPr>
+        </p:nvSpPr>
+        <p:spPr/>
+        <p:txBody>
+          <a:bodyPr/>
+          <a:lstStyle/>
+          <a:p>
+            <a:r>
+              <a:rPr lang="en-DE" dirty="0"/>
+              <a:t>Types of Constructors</a:t>
+            </a:r>
+          </a:p>
+        </p:txBody>
+      </p:sp>
+      <p:sp>
+        <p:nvSpPr>
+          <p:cNvPr id="3" name="Content Placeholder 2">
+            <a:extLst>
+              <a:ext uri="{FF2B5EF4-FFF2-40B4-BE49-F238E27FC236}">
+                <a16:creationId xmlns:a16="http://schemas.microsoft.com/office/drawing/2014/main" id="{7D7F8EFB-EFBE-EB33-550F-97873B57AE9F}"/>
+              </a:ext>
+            </a:extLst>
+          </p:cNvPr>
+          <p:cNvSpPr>
+            <a:spLocks noGrp="1"/>
+          </p:cNvSpPr>
+          <p:nvPr>
+            <p:ph idx="1"/>
+          </p:nvPr>
+        </p:nvSpPr>
+        <p:spPr/>
+        <p:txBody>
+          <a:bodyPr/>
+          <a:lstStyle/>
+          <a:p>
+            <a:r>
+              <a:rPr lang="en-DE" dirty="0"/>
+              <a:t>Default</a:t>
+            </a:r>
+          </a:p>
+          <a:p>
+            <a:r>
+              <a:rPr lang="en-DE" dirty="0"/>
+              <a:t>Copy</a:t>
+            </a:r>
+          </a:p>
+          <a:p>
+            <a:endParaRPr lang="en-DE" dirty="0"/>
+          </a:p>
+        </p:txBody>
+      </p:sp>
+    </p:spTree>
+    <p:extLst>
+      <p:ext uri="{BB962C8B-B14F-4D97-AF65-F5344CB8AC3E}">
+        <p14:creationId xmlns:p14="http://schemas.microsoft.com/office/powerpoint/2010/main" val="1028019138"/>
+      </p:ext>
+    </p:extLst>
+  </p:cSld>
+  <p:clrMapOvr>
+    <a:masterClrMapping/>
+  </p:clrMapOvr>
+</p:sld>
+</file>
+
+<file path=ppt/slides/slide23.xml><?xml version="1.0" encoding="utf-8"?>
+<p:sld xmlns:a="http://schemas.openxmlformats.org/drawingml/2006/main" xmlns:r="http://schemas.openxmlformats.org/officeDocument/2006/relationships" xmlns:p="http://schemas.openxmlformats.org/presentationml/2006/main">
+  <p:cSld>
+    <p:spTree>
+      <p:nvGrpSpPr>
+        <p:cNvPr id="1" name=""/>
+        <p:cNvGrpSpPr/>
+        <p:nvPr/>
+      </p:nvGrpSpPr>
+      <p:grpSpPr>
+        <a:xfrm>
+          <a:off x="0" y="0"/>
+          <a:ext cx="0" cy="0"/>
+          <a:chOff x="0" y="0"/>
+          <a:chExt cx="0" cy="0"/>
+        </a:xfrm>
+      </p:grpSpPr>
+      <p:sp>
+        <p:nvSpPr>
+          <p:cNvPr id="2" name="Title 1">
+            <a:extLst>
+              <a:ext uri="{FF2B5EF4-FFF2-40B4-BE49-F238E27FC236}">
+                <a16:creationId xmlns:a16="http://schemas.microsoft.com/office/drawing/2014/main" id="{4B9DA262-16DC-BB3B-2E7C-2A825EAA78E2}"/>
+              </a:ext>
+            </a:extLst>
+          </p:cNvPr>
+          <p:cNvSpPr>
+            <a:spLocks noGrp="1"/>
+          </p:cNvSpPr>
+          <p:nvPr>
+            <p:ph type="title"/>
+          </p:nvPr>
+        </p:nvSpPr>
+        <p:spPr>
+          <a:xfrm>
+            <a:off x="1066799" y="494360"/>
+            <a:ext cx="10058400" cy="1609344"/>
+          </a:xfrm>
+        </p:spPr>
+        <p:txBody>
+          <a:bodyPr/>
+          <a:lstStyle/>
+          <a:p>
+            <a:pPr algn="ctr"/>
+            <a:r>
+              <a:rPr lang="en-DE" dirty="0"/>
+              <a:t>Destructor</a:t>
+            </a:r>
+          </a:p>
+        </p:txBody>
+      </p:sp>
+      <p:pic>
+        <p:nvPicPr>
+          <p:cNvPr id="6146" name="Picture 2" descr="Destructors in C++ with Examples - Dot Net Tutorials">
+            <a:extLst>
+              <a:ext uri="{FF2B5EF4-FFF2-40B4-BE49-F238E27FC236}">
+                <a16:creationId xmlns:a16="http://schemas.microsoft.com/office/drawing/2014/main" id="{989C7E6F-0D11-7DA0-0C92-819437300C1A}"/>
+              </a:ext>
+            </a:extLst>
+          </p:cNvPr>
+          <p:cNvPicPr>
+            <a:picLocks noChangeAspect="1" noChangeArrowheads="1"/>
+          </p:cNvPicPr>
+          <p:nvPr/>
+        </p:nvPicPr>
+        <p:blipFill>
+          <a:blip r:embed="rId2">
+            <a:extLst>
+              <a:ext uri="{28A0092B-C50C-407E-A947-70E740481C1C}">
+                <a14:useLocalDpi xmlns:a14="http://schemas.microsoft.com/office/drawing/2010/main" val="0"/>
+              </a:ext>
+            </a:extLst>
+          </a:blip>
+          <a:srcRect/>
+          <a:stretch>
+            <a:fillRect/>
+          </a:stretch>
+        </p:blipFill>
+        <p:spPr bwMode="auto">
+          <a:xfrm>
+            <a:off x="1281180" y="2197438"/>
+            <a:ext cx="9629639" cy="3697524"/>
+          </a:xfrm>
+          <a:prstGeom prst="rect">
+            <a:avLst/>
+          </a:prstGeom>
+          <a:noFill/>
+          <a:extLst>
+            <a:ext uri="{909E8E84-426E-40DD-AFC4-6F175D3DCCD1}">
+              <a14:hiddenFill xmlns:a14="http://schemas.microsoft.com/office/drawing/2010/main">
+                <a:solidFill>
+                  <a:srgbClr val="FFFFFF"/>
+                </a:solidFill>
+              </a14:hiddenFill>
+            </a:ext>
+          </a:extLst>
+        </p:spPr>
+      </p:pic>
+    </p:spTree>
+    <p:extLst>
+      <p:ext uri="{BB962C8B-B14F-4D97-AF65-F5344CB8AC3E}">
+        <p14:creationId xmlns:p14="http://schemas.microsoft.com/office/powerpoint/2010/main" val="3571896802"/>
+      </p:ext>
+    </p:extLst>
+  </p:cSld>
+  <p:clrMapOvr>
+    <a:masterClrMapping/>
+  </p:clrMapOvr>
+</p:sld>
+</file>
+
+<file path=ppt/slides/slide24.xml><?xml version="1.0" encoding="utf-8"?>
+<p:sld xmlns:a="http://schemas.openxmlformats.org/drawingml/2006/main" xmlns:r="http://schemas.openxmlformats.org/officeDocument/2006/relationships" xmlns:p="http://schemas.openxmlformats.org/presentationml/2006/main">
+  <p:cSld>
+    <p:spTree>
+      <p:nvGrpSpPr>
+        <p:cNvPr id="1" name=""/>
+        <p:cNvGrpSpPr/>
+        <p:nvPr/>
+      </p:nvGrpSpPr>
+      <p:grpSpPr>
+        <a:xfrm>
+          <a:off x="0" y="0"/>
+          <a:ext cx="0" cy="0"/>
+          <a:chOff x="0" y="0"/>
+          <a:chExt cx="0" cy="0"/>
+        </a:xfrm>
+      </p:grpSpPr>
+      <p:sp>
+        <p:nvSpPr>
+          <p:cNvPr id="2" name="Title 1">
+            <a:extLst>
+              <a:ext uri="{FF2B5EF4-FFF2-40B4-BE49-F238E27FC236}">
+                <a16:creationId xmlns:a16="http://schemas.microsoft.com/office/drawing/2014/main" id="{E927567A-17CA-9E6E-81AE-7AB997D2B18B}"/>
+              </a:ext>
+            </a:extLst>
+          </p:cNvPr>
+          <p:cNvSpPr>
+            <a:spLocks noGrp="1"/>
+          </p:cNvSpPr>
+          <p:nvPr>
+            <p:ph type="title"/>
+          </p:nvPr>
+        </p:nvSpPr>
+        <p:spPr>
+          <a:xfrm>
+            <a:off x="1198026" y="2722869"/>
+            <a:ext cx="9795948" cy="1412262"/>
+          </a:xfrm>
+        </p:spPr>
+        <p:txBody>
+          <a:bodyPr/>
+          <a:lstStyle/>
+          <a:p>
+            <a:pPr algn="ctr"/>
+            <a:r>
+              <a:rPr lang="en-GB" dirty="0"/>
+              <a:t>I</a:t>
+            </a:r>
+            <a:r>
+              <a:rPr lang="en-DE" dirty="0"/>
+              <a:t>inheritance</a:t>
+            </a:r>
+          </a:p>
+        </p:txBody>
+      </p:sp>
+    </p:spTree>
+    <p:extLst>
+      <p:ext uri="{BB962C8B-B14F-4D97-AF65-F5344CB8AC3E}">
+        <p14:creationId xmlns:p14="http://schemas.microsoft.com/office/powerpoint/2010/main" val="3447980234"/>
+      </p:ext>
+    </p:extLst>
+  </p:cSld>
+  <p:clrMapOvr>
+    <a:masterClrMapping/>
+  </p:clrMapOvr>
+</p:sld>
+</file>
+
+<file path=ppt/slides/slide25.xml><?xml version="1.0" encoding="utf-8"?>
+<p:sld xmlns:a="http://schemas.openxmlformats.org/drawingml/2006/main" xmlns:r="http://schemas.openxmlformats.org/officeDocument/2006/relationships" xmlns:p="http://schemas.openxmlformats.org/presentationml/2006/main">
+  <p:cSld>
+    <p:spTree>
+      <p:nvGrpSpPr>
+        <p:cNvPr id="1" name=""/>
+        <p:cNvGrpSpPr/>
+        <p:nvPr/>
+      </p:nvGrpSpPr>
+      <p:grpSpPr>
+        <a:xfrm>
+          <a:off x="0" y="0"/>
+          <a:ext cx="0" cy="0"/>
+          <a:chOff x="0" y="0"/>
+          <a:chExt cx="0" cy="0"/>
+        </a:xfrm>
+      </p:grpSpPr>
+      <p:pic>
+        <p:nvPicPr>
+          <p:cNvPr id="5" name="Content Placeholder 4">
+            <a:extLst>
+              <a:ext uri="{FF2B5EF4-FFF2-40B4-BE49-F238E27FC236}">
+                <a16:creationId xmlns:a16="http://schemas.microsoft.com/office/drawing/2014/main" id="{CE636431-41C0-8AA7-E2DC-8D7B5ED90CAC}"/>
+              </a:ext>
+            </a:extLst>
+          </p:cNvPr>
+          <p:cNvPicPr>
+            <a:picLocks noGrp="1" noChangeAspect="1"/>
+          </p:cNvPicPr>
+          <p:nvPr>
+            <p:ph idx="1"/>
+          </p:nvPr>
+        </p:nvPicPr>
+        <p:blipFill>
+          <a:blip r:embed="rId2"/>
+          <a:stretch>
+            <a:fillRect/>
+          </a:stretch>
+        </p:blipFill>
+        <p:spPr>
+          <a:xfrm>
+            <a:off x="677693" y="-11750"/>
+            <a:ext cx="10836613" cy="6881499"/>
+          </a:xfrm>
+        </p:spPr>
+      </p:pic>
+    </p:spTree>
+    <p:extLst>
+      <p:ext uri="{BB962C8B-B14F-4D97-AF65-F5344CB8AC3E}">
+        <p14:creationId xmlns:p14="http://schemas.microsoft.com/office/powerpoint/2010/main" val="332620267"/>
+      </p:ext>
+    </p:extLst>
+  </p:cSld>
+  <p:clrMapOvr>
+    <a:masterClrMapping/>
+  </p:clrMapOvr>
+</p:sld>
+</file>
+
+<file path=ppt/slides/slide26.xml><?xml version="1.0" encoding="utf-8"?>
+<p:sld xmlns:a="http://schemas.openxmlformats.org/drawingml/2006/main" xmlns:r="http://schemas.openxmlformats.org/officeDocument/2006/relationships" xmlns:p="http://schemas.openxmlformats.org/presentationml/2006/main">
+  <p:cSld>
+    <p:spTree>
+      <p:nvGrpSpPr>
+        <p:cNvPr id="1" name=""/>
+        <p:cNvGrpSpPr/>
+        <p:nvPr/>
+      </p:nvGrpSpPr>
+      <p:grpSpPr>
+        <a:xfrm>
+          <a:off x="0" y="0"/>
+          <a:ext cx="0" cy="0"/>
+          <a:chOff x="0" y="0"/>
+          <a:chExt cx="0" cy="0"/>
+        </a:xfrm>
+      </p:grpSpPr>
+      <p:sp>
+        <p:nvSpPr>
+          <p:cNvPr id="2" name="Title 1">
+            <a:extLst>
+              <a:ext uri="{FF2B5EF4-FFF2-40B4-BE49-F238E27FC236}">
+                <a16:creationId xmlns:a16="http://schemas.microsoft.com/office/drawing/2014/main" id="{61A73507-A1CA-0CA4-D645-3AFCE8349479}"/>
+              </a:ext>
+            </a:extLst>
+          </p:cNvPr>
+          <p:cNvSpPr>
+            <a:spLocks noGrp="1"/>
+          </p:cNvSpPr>
+          <p:nvPr>
+            <p:ph type="title"/>
+          </p:nvPr>
+        </p:nvSpPr>
+        <p:spPr>
+          <a:xfrm>
+            <a:off x="1066800" y="2624328"/>
+            <a:ext cx="10058400" cy="1609344"/>
+          </a:xfrm>
+        </p:spPr>
+        <p:txBody>
+          <a:bodyPr/>
+          <a:lstStyle/>
+          <a:p>
+            <a:pPr algn="ctr"/>
+            <a:r>
+              <a:rPr lang="en-DE" dirty="0"/>
+              <a:t>What we have achieved so far</a:t>
+            </a:r>
+            <a:br>
+              <a:rPr lang="en-DE" dirty="0"/>
+            </a:br>
+            <a:r>
+              <a:rPr lang="en-DE" dirty="0"/>
+              <a:t>Exam Time</a:t>
+            </a:r>
+          </a:p>
+        </p:txBody>
+      </p:sp>
+    </p:spTree>
+    <p:extLst>
+      <p:ext uri="{BB962C8B-B14F-4D97-AF65-F5344CB8AC3E}">
+        <p14:creationId xmlns:p14="http://schemas.microsoft.com/office/powerpoint/2010/main" val="2702498434"/>
+      </p:ext>
+    </p:extLst>
+  </p:cSld>
+  <p:clrMapOvr>
+    <a:masterClrMapping/>
+  </p:clrMapOvr>
+</p:sld>
+</file>
+
+<file path=ppt/slides/slide27.xml><?xml version="1.0" encoding="utf-8"?>
+<p:sld xmlns:a="http://schemas.openxmlformats.org/drawingml/2006/main" xmlns:r="http://schemas.openxmlformats.org/officeDocument/2006/relationships" xmlns:p="http://schemas.openxmlformats.org/presentationml/2006/main">
+  <p:cSld>
+    <p:bg>
+      <p:bgPr>
+        <a:blipFill rotWithShape="1">
+          <a:blip r:embed="rId2">
+            <a:duotone>
+              <a:schemeClr val="bg1">
+                <a:tint val="75000"/>
+                <a:shade val="58000"/>
+                <a:satMod val="120000"/>
+              </a:schemeClr>
+              <a:schemeClr val="bg1">
+                <a:tint val="50000"/>
+                <a:shade val="96000"/>
+              </a:schemeClr>
+            </a:duotone>
+          </a:blip>
+          <a:tile tx="0" ty="0" sx="100000" sy="100000" flip="none" algn="tl"/>
+        </a:blipFill>
+        <a:effectLst/>
+      </p:bgPr>
+    </p:bg>
+    <p:spTree>
+      <p:nvGrpSpPr>
+        <p:cNvPr id="1" name=""/>
+        <p:cNvGrpSpPr/>
+        <p:nvPr/>
+      </p:nvGrpSpPr>
+      <p:grpSpPr>
+        <a:xfrm>
+          <a:off x="0" y="0"/>
+          <a:ext cx="0" cy="0"/>
+          <a:chOff x="0" y="0"/>
+          <a:chExt cx="0" cy="0"/>
+        </a:xfrm>
+      </p:grpSpPr>
+      <p:sp>
+        <p:nvSpPr>
+          <p:cNvPr id="8" name="Rectangle 7">
+            <a:extLst>
+              <a:ext uri="{FF2B5EF4-FFF2-40B4-BE49-F238E27FC236}">
+                <a16:creationId xmlns:a16="http://schemas.microsoft.com/office/drawing/2014/main" id="{2550AE69-AC86-4188-83E5-A856C4F1DCFF}"/>
+              </a:ext>
+              <a:ext uri="{C183D7F6-B498-43B3-948B-1728B52AA6E4}">
+                <adec:decorative xmlns:adec="http://schemas.microsoft.com/office/drawing/2017/decorative" val="1"/>
+              </a:ext>
+            </a:extLst>
+          </p:cNvPr>
+          <p:cNvSpPr>
+            <a:spLocks noGrp="1" noRot="1" noChangeAspect="1" noMove="1" noResize="1" noEditPoints="1" noAdjustHandles="1" noChangeArrowheads="1" noChangeShapeType="1" noTextEdit="1"/>
+          </p:cNvSpPr>
+          <p:nvPr>
+            <p:extLst>
+              <p:ext uri="{386F3935-93C4-4BCD-93E2-E3B085C9AB24}">
+                <p16:designElem xmlns:p16="http://schemas.microsoft.com/office/powerpoint/2015/main" val="1"/>
+              </p:ext>
+            </p:extLst>
+          </p:nvPr>
+        </p:nvSpPr>
+        <p:spPr>
+          <a:xfrm>
+            <a:off x="920834" y="1346946"/>
+            <a:ext cx="10222992" cy="80683"/>
+          </a:xfrm>
+          <a:prstGeom prst="rect">
+            <a:avLst/>
+          </a:prstGeom>
+          <a:blipFill dpi="0" rotWithShape="1">
+            <a:blip r:embed="rId3">
+              <a:alphaModFix amt="85000"/>
+              <a:lum bright="70000" contrast="-70000"/>
+              <a:extLst>
+                <a:ext uri="{BEBA8EAE-BF5A-486C-A8C5-ECC9F3942E4B}">
+                  <a14:imgProps xmlns:a14="http://schemas.microsoft.com/office/drawing/2010/main">
+                    <a14:imgLayer r:embed="rId4">
+                      <a14:imgEffect>
+                        <a14:sharpenSoften amount="61000"/>
+                      </a14:imgEffect>
+                    </a14:imgLayer>
+                  </a14:imgProps>
+                </a:ext>
+                <a:ext uri="{28A0092B-C50C-407E-A947-70E740481C1C}">
+                  <a14:useLocalDpi xmlns:a14="http://schemas.microsoft.com/office/drawing/2010/main" val="0"/>
+                </a:ext>
+              </a:extLst>
+            </a:blip>
+            <a:srcRect/>
+            <a:tile tx="0" ty="-762000" sx="92000" sy="89000" flip="xy" algn="ctr"/>
+          </a:blipFill>
+          <a:ln>
+            <a:noFill/>
+          </a:ln>
+        </p:spPr>
+        <p:style>
+          <a:lnRef idx="2">
+            <a:schemeClr val="accent1">
+              <a:shade val="50000"/>
+            </a:schemeClr>
+          </a:lnRef>
+          <a:fillRef idx="1">
+            <a:schemeClr val="accent1"/>
+          </a:fillRef>
+          <a:effectRef idx="0">
+            <a:schemeClr val="accent1"/>
+          </a:effectRef>
+          <a:fontRef idx="minor">
+            <a:schemeClr val="lt1"/>
+          </a:fontRef>
+        </p:style>
+        <p:txBody>
+          <a:bodyPr/>
+          <a:lstStyle/>
+          <a:p>
+            <a:endParaRPr lang="en-DE"/>
+          </a:p>
+        </p:txBody>
+      </p:sp>
+      <p:sp>
+        <p:nvSpPr>
+          <p:cNvPr id="10" name="Rectangle 9">
+            <a:extLst>
+              <a:ext uri="{FF2B5EF4-FFF2-40B4-BE49-F238E27FC236}">
+                <a16:creationId xmlns:a16="http://schemas.microsoft.com/office/drawing/2014/main" id="{EC4CA156-2C9D-4F0C-B229-88D8B5E17BCF}"/>
+              </a:ext>
+              <a:ext uri="{C183D7F6-B498-43B3-948B-1728B52AA6E4}">
+                <adec:decorative xmlns:adec="http://schemas.microsoft.com/office/drawing/2017/decorative" val="1"/>
+              </a:ext>
+            </a:extLst>
+          </p:cNvPr>
+          <p:cNvSpPr>
+            <a:spLocks noGrp="1" noRot="1" noChangeAspect="1" noMove="1" noResize="1" noEditPoints="1" noAdjustHandles="1" noChangeArrowheads="1" noChangeShapeType="1" noTextEdit="1"/>
+          </p:cNvSpPr>
+          <p:nvPr>
+            <p:extLst>
+              <p:ext uri="{386F3935-93C4-4BCD-93E2-E3B085C9AB24}">
+                <p16:designElem xmlns:p16="http://schemas.microsoft.com/office/powerpoint/2015/main" val="1"/>
+              </p:ext>
+            </p:extLst>
+          </p:nvPr>
+        </p:nvSpPr>
+        <p:spPr>
+          <a:xfrm>
+            <a:off x="920834" y="4299696"/>
+            <a:ext cx="10222992" cy="80683"/>
+          </a:xfrm>
+          <a:prstGeom prst="rect">
+            <a:avLst/>
+          </a:prstGeom>
+          <a:blipFill dpi="0" rotWithShape="1">
+            <a:blip r:embed="rId3">
+              <a:alphaModFix amt="85000"/>
+              <a:lum bright="70000" contrast="-70000"/>
+              <a:extLst>
+                <a:ext uri="{BEBA8EAE-BF5A-486C-A8C5-ECC9F3942E4B}">
+                  <a14:imgProps xmlns:a14="http://schemas.microsoft.com/office/drawing/2010/main">
+                    <a14:imgLayer r:embed="rId4">
+                      <a14:imgEffect>
+                        <a14:sharpenSoften amount="61000"/>
+                      </a14:imgEffect>
+                    </a14:imgLayer>
+                  </a14:imgProps>
+                </a:ext>
+                <a:ext uri="{28A0092B-C50C-407E-A947-70E740481C1C}">
+                  <a14:useLocalDpi xmlns:a14="http://schemas.microsoft.com/office/drawing/2010/main" val="0"/>
+                </a:ext>
+              </a:extLst>
+            </a:blip>
+            <a:srcRect/>
+            <a:tile tx="0" ty="-717550" sx="92000" sy="89000" flip="xy" algn="ctr"/>
+          </a:blipFill>
+          <a:ln>
+            <a:noFill/>
+          </a:ln>
+        </p:spPr>
+        <p:style>
+          <a:lnRef idx="2">
+            <a:schemeClr val="accent1">
+              <a:shade val="50000"/>
+            </a:schemeClr>
+          </a:lnRef>
+          <a:fillRef idx="1">
+            <a:schemeClr val="accent1"/>
+          </a:fillRef>
+          <a:effectRef idx="0">
+            <a:schemeClr val="accent1"/>
+          </a:effectRef>
+          <a:fontRef idx="minor">
+            <a:schemeClr val="lt1"/>
+          </a:fontRef>
+        </p:style>
+        <p:txBody>
+          <a:bodyPr/>
+          <a:lstStyle/>
+          <a:p>
+            <a:endParaRPr lang="en-DE"/>
+          </a:p>
+        </p:txBody>
+      </p:sp>
+      <p:sp>
+        <p:nvSpPr>
+          <p:cNvPr id="12" name="Rectangle 11">
+            <a:extLst>
+              <a:ext uri="{FF2B5EF4-FFF2-40B4-BE49-F238E27FC236}">
+                <a16:creationId xmlns:a16="http://schemas.microsoft.com/office/drawing/2014/main" id="{D7361ED3-EBE5-4EFC-8DA3-D0CE4BF2F4B1}"/>
+              </a:ext>
+              <a:ext uri="{C183D7F6-B498-43B3-948B-1728B52AA6E4}">
+                <adec:decorative xmlns:adec="http://schemas.microsoft.com/office/drawing/2017/decorative" val="1"/>
+              </a:ext>
+            </a:extLst>
+          </p:cNvPr>
+          <p:cNvSpPr>
+            <a:spLocks noGrp="1" noRot="1" noChangeAspect="1" noMove="1" noResize="1" noEditPoints="1" noAdjustHandles="1" noChangeArrowheads="1" noChangeShapeType="1" noTextEdit="1"/>
+          </p:cNvSpPr>
+          <p:nvPr>
+            <p:extLst>
+              <p:ext uri="{386F3935-93C4-4BCD-93E2-E3B085C9AB24}">
+                <p16:designElem xmlns:p16="http://schemas.microsoft.com/office/powerpoint/2015/main" val="1"/>
+              </p:ext>
+            </p:extLst>
+          </p:nvPr>
+        </p:nvSpPr>
+        <p:spPr>
+          <a:xfrm>
+            <a:off x="920834" y="1484779"/>
+            <a:ext cx="10222992" cy="2743200"/>
+          </a:xfrm>
+          <a:prstGeom prst="rect">
+            <a:avLst/>
+          </a:prstGeom>
+          <a:blipFill dpi="0" rotWithShape="1">
+            <a:blip r:embed="rId3">
+              <a:alphaModFix amt="85000"/>
+              <a:lum bright="70000" contrast="-70000"/>
+              <a:extLst>
+                <a:ext uri="{BEBA8EAE-BF5A-486C-A8C5-ECC9F3942E4B}">
+                  <a14:imgProps xmlns:a14="http://schemas.microsoft.com/office/drawing/2010/main">
+                    <a14:imgLayer r:embed="rId4">
+                      <a14:imgEffect>
+                        <a14:sharpenSoften amount="61000"/>
+                      </a14:imgEffect>
+                    </a14:imgLayer>
+                  </a14:imgProps>
+                </a:ext>
+                <a:ext uri="{28A0092B-C50C-407E-A947-70E740481C1C}">
+                  <a14:useLocalDpi xmlns:a14="http://schemas.microsoft.com/office/drawing/2010/main" val="0"/>
+                </a:ext>
+              </a:extLst>
+            </a:blip>
+            <a:srcRect/>
+            <a:tile tx="0" ty="-704850" sx="92000" sy="89000" flip="xy" algn="ctr"/>
+          </a:blipFill>
+          <a:ln>
+            <a:noFill/>
+          </a:ln>
+        </p:spPr>
+        <p:style>
+          <a:lnRef idx="2">
+            <a:schemeClr val="accent1">
+              <a:shade val="50000"/>
+            </a:schemeClr>
+          </a:lnRef>
+          <a:fillRef idx="1">
+            <a:schemeClr val="accent1"/>
+          </a:fillRef>
+          <a:effectRef idx="0">
+            <a:schemeClr val="accent1"/>
+          </a:effectRef>
+          <a:fontRef idx="minor">
+            <a:schemeClr val="lt1"/>
+          </a:fontRef>
+        </p:style>
+        <p:txBody>
+          <a:bodyPr/>
+          <a:lstStyle/>
+          <a:p>
+            <a:endParaRPr lang="en-DE"/>
+          </a:p>
+        </p:txBody>
+      </p:sp>
+      <p:grpSp>
+        <p:nvGrpSpPr>
+          <p:cNvPr id="14" name="Group 13">
+            <a:extLst>
+              <a:ext uri="{FF2B5EF4-FFF2-40B4-BE49-F238E27FC236}">
+                <a16:creationId xmlns:a16="http://schemas.microsoft.com/office/drawing/2014/main" id="{85105087-7F16-4C94-837C-C45445116665}"/>
+              </a:ext>
+              <a:ext uri="{C183D7F6-B498-43B3-948B-1728B52AA6E4}">
+                <adec:decorative xmlns:adec="http://schemas.microsoft.com/office/drawing/2017/decorative" val="1"/>
+              </a:ext>
+            </a:extLst>
+          </p:cNvPr>
+          <p:cNvGrpSpPr>
+            <a:grpSpLocks noGrp="1" noUngrp="1" noRot="1" noChangeAspect="1" noMove="1" noResize="1"/>
+          </p:cNvGrpSpPr>
+          <p:nvPr>
+            <p:extLst>
+              <p:ext uri="{386F3935-93C4-4BCD-93E2-E3B085C9AB24}">
+                <p16:designElem xmlns:p16="http://schemas.microsoft.com/office/powerpoint/2015/main" val="1"/>
+              </p:ext>
+            </p:extLst>
+          </p:nvPr>
+        </p:nvGrpSpPr>
+        <p:grpSpPr>
+          <a:xfrm>
+            <a:off x="9649215" y="4068923"/>
+            <a:ext cx="1080904" cy="1080902"/>
+            <a:chOff x="9685338" y="4460675"/>
+            <a:chExt cx="1080904" cy="1080902"/>
+          </a:xfrm>
+        </p:grpSpPr>
+        <p:sp>
+          <p:nvSpPr>
+            <p:cNvPr id="15" name="Oval 14">
+              <a:extLst>
+                <a:ext uri="{FF2B5EF4-FFF2-40B4-BE49-F238E27FC236}">
+                  <a16:creationId xmlns:a16="http://schemas.microsoft.com/office/drawing/2014/main" id="{4F2F3467-E50F-4A91-B27D-E324936A66D0}"/>
+                </a:ext>
+                <a:ext uri="{C183D7F6-B498-43B3-948B-1728B52AA6E4}">
+                  <adec:decorative xmlns:adec="http://schemas.microsoft.com/office/drawing/2017/decorative" val="1"/>
+                </a:ext>
+              </a:extLst>
+            </p:cNvPr>
+            <p:cNvSpPr/>
+            <p:nvPr>
+              <p:extLst>
+                <p:ext uri="{386F3935-93C4-4BCD-93E2-E3B085C9AB24}">
+                  <p16:designElem xmlns:p16="http://schemas.microsoft.com/office/powerpoint/2015/main" val="1"/>
+                </p:ext>
+              </p:extLst>
+            </p:nvPr>
+          </p:nvSpPr>
+          <p:spPr>
+            <a:xfrm>
+              <a:off x="9685338" y="4460675"/>
+              <a:ext cx="1080904" cy="1080902"/>
+            </a:xfrm>
+            <a:prstGeom prst="ellipse">
+              <a:avLst/>
+            </a:prstGeom>
+            <a:blipFill dpi="0" rotWithShape="1">
+              <a:blip r:embed="rId5">
+                <a:duotone>
+                  <a:schemeClr val="accent1">
+                    <a:shade val="45000"/>
+                    <a:satMod val="135000"/>
+                  </a:schemeClr>
+                  <a:prstClr val="white"/>
+                </a:duotone>
+                <a:extLst>
+                  <a:ext uri="{BEBA8EAE-BF5A-486C-A8C5-ECC9F3942E4B}">
+                    <a14:imgProps xmlns:a14="http://schemas.microsoft.com/office/drawing/2010/main">
+                      <a14:imgLayer r:embed="rId6">
+                        <a14:imgEffect>
+                          <a14:saturation sat="95000"/>
+                        </a14:imgEffect>
+                      </a14:imgLayer>
+                    </a14:imgProps>
+                  </a:ext>
+                </a:extLst>
+              </a:blip>
+              <a:srcRect/>
+              <a:tile tx="0" ty="0" sx="85000" sy="85000" flip="none" algn="tl"/>
+            </a:blipFill>
+            <a:ln w="25400" cap="flat" cmpd="sng" algn="ctr">
+              <a:noFill/>
+              <a:prstDash val="solid"/>
+            </a:ln>
+            <a:effectLst/>
+          </p:spPr>
+          <p:txBody>
+            <a:bodyPr/>
+            <a:lstStyle/>
+            <a:p>
+              <a:endParaRPr lang="en-DE"/>
+            </a:p>
+          </p:txBody>
+        </p:sp>
+        <p:sp>
+          <p:nvSpPr>
+            <p:cNvPr id="16" name="Oval 15">
+              <a:extLst>
+                <a:ext uri="{FF2B5EF4-FFF2-40B4-BE49-F238E27FC236}">
+                  <a16:creationId xmlns:a16="http://schemas.microsoft.com/office/drawing/2014/main" id="{D678BE03-AC84-4940-A7FD-5B143FE2D65D}"/>
+                </a:ext>
+                <a:ext uri="{C183D7F6-B498-43B3-948B-1728B52AA6E4}">
+                  <adec:decorative xmlns:adec="http://schemas.microsoft.com/office/drawing/2017/decorative" val="1"/>
+                </a:ext>
+              </a:extLst>
+            </p:cNvPr>
+            <p:cNvSpPr/>
+            <p:nvPr>
+              <p:extLst>
+                <p:ext uri="{386F3935-93C4-4BCD-93E2-E3B085C9AB24}">
+                  <p16:designElem xmlns:p16="http://schemas.microsoft.com/office/powerpoint/2015/main" val="1"/>
+                </p:ext>
+              </p:extLst>
+            </p:nvPr>
+          </p:nvSpPr>
+          <p:spPr>
+            <a:xfrm>
+              <a:off x="9793429" y="4568765"/>
+              <a:ext cx="864723" cy="864722"/>
+            </a:xfrm>
+            <a:prstGeom prst="ellipse">
+              <a:avLst/>
+            </a:prstGeom>
+            <a:noFill/>
+            <a:ln w="25400" cap="flat" cmpd="sng" algn="ctr">
+              <a:solidFill>
+                <a:sysClr val="window" lastClr="FFFFFF"/>
+              </a:solidFill>
+              <a:prstDash val="solid"/>
+            </a:ln>
+            <a:effectLst/>
+          </p:spPr>
+          <p:txBody>
+            <a:bodyPr/>
+            <a:lstStyle/>
+            <a:p>
+              <a:endParaRPr lang="en-DE"/>
+            </a:p>
+          </p:txBody>
+        </p:sp>
+      </p:grpSp>
+      <p:sp useBgFill="1">
+        <p:nvSpPr>
+          <p:cNvPr id="18" name="Rectangle 17">
+            <a:extLst>
+              <a:ext uri="{FF2B5EF4-FFF2-40B4-BE49-F238E27FC236}">
+                <a16:creationId xmlns:a16="http://schemas.microsoft.com/office/drawing/2014/main" id="{0E2D3DCD-4716-40AA-90C0-6F2F9F116CF3}"/>
+              </a:ext>
+              <a:ext uri="{C183D7F6-B498-43B3-948B-1728B52AA6E4}">
+                <adec:decorative xmlns:adec="http://schemas.microsoft.com/office/drawing/2017/decorative" val="1"/>
+              </a:ext>
+            </a:extLst>
+          </p:cNvPr>
+          <p:cNvSpPr>
+            <a:spLocks noGrp="1" noRot="1" noChangeAspect="1" noMove="1" noResize="1" noEditPoints="1" noAdjustHandles="1" noChangeArrowheads="1" noChangeShapeType="1" noTextEdit="1"/>
+          </p:cNvSpPr>
+          <p:nvPr>
+            <p:extLst>
+              <p:ext uri="{386F3935-93C4-4BCD-93E2-E3B085C9AB24}">
+                <p16:designElem xmlns:p16="http://schemas.microsoft.com/office/powerpoint/2015/main" val="1"/>
+              </p:ext>
+            </p:extLst>
+          </p:nvPr>
+        </p:nvSpPr>
+        <p:spPr bwMode="white">
+          <a:xfrm>
+            <a:off x="0" y="-1"/>
+            <a:ext cx="12188952" cy="6858001"/>
+          </a:xfrm>
+          <a:prstGeom prst="rect">
+            <a:avLst/>
+          </a:prstGeom>
+          <a:ln>
+            <a:noFill/>
+          </a:ln>
+        </p:spPr>
+        <p:style>
+          <a:lnRef idx="2">
+            <a:schemeClr val="accent1">
+              <a:shade val="50000"/>
+            </a:schemeClr>
+          </a:lnRef>
+          <a:fillRef idx="1">
+            <a:schemeClr val="accent1"/>
+          </a:fillRef>
+          <a:effectRef idx="0">
+            <a:schemeClr val="accent1"/>
+          </a:effectRef>
+          <a:fontRef idx="minor">
+            <a:schemeClr val="lt1"/>
+          </a:fontRef>
+        </p:style>
+        <p:txBody>
+          <a:bodyPr rot="0" spcFirstLastPara="0" vert="horz" wrap="square" lIns="91440" tIns="45720" rIns="91440" bIns="45720" numCol="1" spcCol="0" rtlCol="0" fromWordArt="0" anchor="ctr" anchorCtr="0" forceAA="0" compatLnSpc="1">
+            <a:prstTxWarp prst="textNoShape">
+              <a:avLst/>
+            </a:prstTxWarp>
+            <a:noAutofit/>
+          </a:bodyPr>
+          <a:lstStyle>
+            <a:defPPr>
+              <a:defRPr lang="en-US"/>
+            </a:defPPr>
+            <a:lvl1pPr marL="0" algn="l" defTabSz="914400" rtl="0" eaLnBrk="1" latinLnBrk="0" hangingPunct="1">
+              <a:defRPr sz="1800" kern="1200">
+                <a:solidFill>
+                  <a:schemeClr val="lt1"/>
+                </a:solidFill>
+                <a:latin typeface="+mn-lt"/>
+                <a:ea typeface="+mn-ea"/>
+                <a:cs typeface="+mn-cs"/>
+              </a:defRPr>
+            </a:lvl1pPr>
+            <a:lvl2pPr marL="457200" algn="l" defTabSz="914400" rtl="0" eaLnBrk="1" latinLnBrk="0" hangingPunct="1">
+              <a:defRPr sz="1800" kern="1200">
+                <a:solidFill>
+                  <a:schemeClr val="lt1"/>
+                </a:solidFill>
+                <a:latin typeface="+mn-lt"/>
+                <a:ea typeface="+mn-ea"/>
+                <a:cs typeface="+mn-cs"/>
+              </a:defRPr>
+            </a:lvl2pPr>
+            <a:lvl3pPr marL="914400" algn="l" defTabSz="914400" rtl="0" eaLnBrk="1" latinLnBrk="0" hangingPunct="1">
+              <a:defRPr sz="1800" kern="1200">
+                <a:solidFill>
+                  <a:schemeClr val="lt1"/>
+                </a:solidFill>
+                <a:latin typeface="+mn-lt"/>
+                <a:ea typeface="+mn-ea"/>
+                <a:cs typeface="+mn-cs"/>
+              </a:defRPr>
+            </a:lvl3pPr>
+            <a:lvl4pPr marL="1371600" algn="l" defTabSz="914400" rtl="0" eaLnBrk="1" latinLnBrk="0" hangingPunct="1">
+              <a:defRPr sz="1800" kern="1200">
+                <a:solidFill>
+                  <a:schemeClr val="lt1"/>
+                </a:solidFill>
+                <a:latin typeface="+mn-lt"/>
+                <a:ea typeface="+mn-ea"/>
+                <a:cs typeface="+mn-cs"/>
+              </a:defRPr>
+            </a:lvl4pPr>
+            <a:lvl5pPr marL="1828800" algn="l" defTabSz="914400" rtl="0" eaLnBrk="1" latinLnBrk="0" hangingPunct="1">
+              <a:defRPr sz="1800" kern="1200">
+                <a:solidFill>
+                  <a:schemeClr val="lt1"/>
+                </a:solidFill>
+                <a:latin typeface="+mn-lt"/>
+                <a:ea typeface="+mn-ea"/>
+                <a:cs typeface="+mn-cs"/>
+              </a:defRPr>
+            </a:lvl5pPr>
+            <a:lvl6pPr marL="2286000" algn="l" defTabSz="914400" rtl="0" eaLnBrk="1" latinLnBrk="0" hangingPunct="1">
+              <a:defRPr sz="1800" kern="1200">
+                <a:solidFill>
+                  <a:schemeClr val="lt1"/>
+                </a:solidFill>
+                <a:latin typeface="+mn-lt"/>
+                <a:ea typeface="+mn-ea"/>
+                <a:cs typeface="+mn-cs"/>
+              </a:defRPr>
+            </a:lvl6pPr>
+            <a:lvl7pPr marL="2743200" algn="l" defTabSz="914400" rtl="0" eaLnBrk="1" latinLnBrk="0" hangingPunct="1">
+              <a:defRPr sz="1800" kern="1200">
+                <a:solidFill>
+                  <a:schemeClr val="lt1"/>
+                </a:solidFill>
+                <a:latin typeface="+mn-lt"/>
+                <a:ea typeface="+mn-ea"/>
+                <a:cs typeface="+mn-cs"/>
+              </a:defRPr>
+            </a:lvl7pPr>
+            <a:lvl8pPr marL="3200400" algn="l" defTabSz="914400" rtl="0" eaLnBrk="1" latinLnBrk="0" hangingPunct="1">
+              <a:defRPr sz="1800" kern="1200">
+                <a:solidFill>
+                  <a:schemeClr val="lt1"/>
+                </a:solidFill>
+                <a:latin typeface="+mn-lt"/>
+                <a:ea typeface="+mn-ea"/>
+                <a:cs typeface="+mn-cs"/>
+              </a:defRPr>
+            </a:lvl8pPr>
+            <a:lvl9pPr marL="3657600" algn="l" defTabSz="914400" rtl="0" eaLnBrk="1" latinLnBrk="0" hangingPunct="1">
+              <a:defRPr sz="1800" kern="1200">
+                <a:solidFill>
+                  <a:schemeClr val="lt1"/>
+                </a:solidFill>
+                <a:latin typeface="+mn-lt"/>
+                <a:ea typeface="+mn-ea"/>
+                <a:cs typeface="+mn-cs"/>
+              </a:defRPr>
+            </a:lvl9pPr>
+          </a:lstStyle>
+          <a:p>
+            <a:pPr algn="ctr"/>
+            <a:endParaRPr lang="en-US"/>
+          </a:p>
+        </p:txBody>
+      </p:sp>
+      <p:sp>
+        <p:nvSpPr>
+          <p:cNvPr id="20" name="Rectangle 19">
+            <a:extLst>
+              <a:ext uri="{FF2B5EF4-FFF2-40B4-BE49-F238E27FC236}">
+                <a16:creationId xmlns:a16="http://schemas.microsoft.com/office/drawing/2014/main" id="{037BACED-9574-4AAE-9D04-5100308350B6}"/>
+              </a:ext>
+              <a:ext uri="{C183D7F6-B498-43B3-948B-1728B52AA6E4}">
+                <adec:decorative xmlns:adec="http://schemas.microsoft.com/office/drawing/2017/decorative" val="1"/>
+              </a:ext>
+            </a:extLst>
+          </p:cNvPr>
+          <p:cNvSpPr>
+            <a:spLocks noGrp="1" noRot="1" noChangeAspect="1" noMove="1" noResize="1" noEditPoints="1" noAdjustHandles="1" noChangeArrowheads="1" noChangeShapeType="1" noTextEdit="1"/>
+          </p:cNvSpPr>
+          <p:nvPr>
+            <p:extLst>
+              <p:ext uri="{386F3935-93C4-4BCD-93E2-E3B085C9AB24}">
+                <p16:designElem xmlns:p16="http://schemas.microsoft.com/office/powerpoint/2015/main" val="1"/>
+              </p:ext>
+            </p:extLst>
+          </p:nvPr>
+        </p:nvSpPr>
+        <p:spPr>
+          <a:xfrm>
+            <a:off x="-3048" y="4225845"/>
+            <a:ext cx="12192000" cy="2610465"/>
+          </a:xfrm>
+          <a:prstGeom prst="rect">
+            <a:avLst/>
+          </a:prstGeom>
+          <a:solidFill>
+            <a:schemeClr val="bg2">
+              <a:alpha val="20000"/>
+            </a:schemeClr>
+          </a:solidFill>
+          <a:ln>
+            <a:noFill/>
+          </a:ln>
+        </p:spPr>
+        <p:style>
+          <a:lnRef idx="2">
+            <a:schemeClr val="accent1">
+              <a:shade val="50000"/>
+            </a:schemeClr>
+          </a:lnRef>
+          <a:fillRef idx="1">
+            <a:schemeClr val="accent1"/>
+          </a:fillRef>
+          <a:effectRef idx="0">
+            <a:schemeClr val="accent1"/>
+          </a:effectRef>
+          <a:fontRef idx="minor">
+            <a:schemeClr val="lt1"/>
+          </a:fontRef>
+        </p:style>
+        <p:txBody>
+          <a:bodyPr rtlCol="0" anchor="ctr"/>
+          <a:lstStyle/>
+          <a:p>
+            <a:pPr algn="ctr"/>
+            <a:endParaRPr lang="en-US"/>
+          </a:p>
+        </p:txBody>
+      </p:sp>
+      <p:sp>
+        <p:nvSpPr>
+          <p:cNvPr id="2" name="Title 1">
+            <a:extLst>
+              <a:ext uri="{FF2B5EF4-FFF2-40B4-BE49-F238E27FC236}">
+                <a16:creationId xmlns:a16="http://schemas.microsoft.com/office/drawing/2014/main" id="{1ADFAF2D-3B7D-F409-4228-53C28191172D}"/>
+              </a:ext>
+            </a:extLst>
+          </p:cNvPr>
+          <p:cNvSpPr>
+            <a:spLocks noGrp="1"/>
+          </p:cNvSpPr>
+          <p:nvPr>
+            <p:ph type="title"/>
+          </p:nvPr>
+        </p:nvSpPr>
+        <p:spPr>
+          <a:xfrm>
+            <a:off x="1051559" y="4355692"/>
+            <a:ext cx="10509069" cy="1472224"/>
+          </a:xfrm>
+        </p:spPr>
+        <p:txBody>
+          <a:bodyPr vert="horz" lIns="91440" tIns="45720" rIns="91440" bIns="45720" rtlCol="0" anchor="b">
+            <a:normAutofit/>
+          </a:bodyPr>
+          <a:lstStyle/>
+          <a:p>
+            <a:pPr>
+              <a:lnSpc>
+                <a:spcPct val="80000"/>
+              </a:lnSpc>
+            </a:pPr>
+            <a:r>
+              <a:rPr lang="en-US" sz="6600" dirty="0">
+                <a:solidFill>
+                  <a:schemeClr val="tx1"/>
+                </a:solidFill>
+              </a:rPr>
+              <a:t>Polymorphism</a:t>
+            </a:r>
+          </a:p>
+        </p:txBody>
+      </p:sp>
+      <p:pic>
+        <p:nvPicPr>
+          <p:cNvPr id="4" name="Picture 3" descr="Abstract background of glass molecules">
+            <a:extLst>
+              <a:ext uri="{FF2B5EF4-FFF2-40B4-BE49-F238E27FC236}">
+                <a16:creationId xmlns:a16="http://schemas.microsoft.com/office/drawing/2014/main" id="{810B133A-0929-CAED-7870-055B8C4042B1}"/>
+              </a:ext>
+            </a:extLst>
+          </p:cNvPr>
+          <p:cNvPicPr>
+            <a:picLocks noChangeAspect="1"/>
+          </p:cNvPicPr>
+          <p:nvPr/>
+        </p:nvPicPr>
+        <p:blipFill rotWithShape="1">
+          <a:blip r:embed="rId7"/>
+          <a:srcRect t="31738" b="6387"/>
+          <a:stretch/>
+        </p:blipFill>
+        <p:spPr>
+          <a:xfrm>
+            <a:off x="20" y="10"/>
+            <a:ext cx="12191980" cy="4243361"/>
+          </a:xfrm>
+          <a:prstGeom prst="rect">
+            <a:avLst/>
+          </a:prstGeom>
+        </p:spPr>
+      </p:pic>
+    </p:spTree>
+    <p:extLst>
+      <p:ext uri="{BB962C8B-B14F-4D97-AF65-F5344CB8AC3E}">
+        <p14:creationId xmlns:p14="http://schemas.microsoft.com/office/powerpoint/2010/main" val="1170822794"/>
+      </p:ext>
+    </p:extLst>
+  </p:cSld>
+  <p:clrMapOvr>
+    <a:overrideClrMapping bg1="dk1" tx1="lt1" bg2="dk2" tx2="lt2" accent1="accent1" accent2="accent2" accent3="accent3" accent4="accent4" accent5="accent5" accent6="accent6" hlink="hlink" folHlink="folHlink"/>
+  </p:clrMapOvr>
+  <p:timing>
+    <p:tnLst>
+      <p:par>
+        <p:cTn id="1" dur="indefinite" restart="never" nodeType="tmRoot">
+          <p:childTnLst>
+            <p:seq concurrent="1" nextAc="seek">
+              <p:cTn id="2" dur="indefinite" nodeType="mainSeq">
+                <p:childTnLst>
+                  <p:par>
+                    <p:cTn id="3" fill="hold">
+                      <p:stCondLst>
+                        <p:cond delay="indefinite"/>
+                        <p:cond evt="onBegin" delay="0">
+                          <p:tn val="2"/>
+                        </p:cond>
+                      </p:stCondLst>
+                      <p:childTnLst>
+                        <p:par>
+                          <p:cTn id="4" fill="hold">
+                            <p:stCondLst>
+                              <p:cond delay="0"/>
+                            </p:stCondLst>
+                            <p:childTnLst>
+                              <p:par>
+                                <p:cTn id="5" presetID="10" presetClass="entr" presetSubtype="0" fill="hold" grpId="0" nodeType="withEffect">
+                                  <p:stCondLst>
+                                    <p:cond delay="1000"/>
+                                  </p:stCondLst>
+                                  <p:iterate type="lt">
+                                    <p:tmPct val="10000"/>
+                                  </p:iterate>
+                                  <p:childTnLst>
+                                    <p:set>
+                                      <p:cBhvr>
+                                        <p:cTn id="6" dur="1" fill="hold">
+                                          <p:stCondLst>
+                                            <p:cond delay="0"/>
+                                          </p:stCondLst>
+                                        </p:cTn>
+                                        <p:tgtEl>
+                                          <p:spTgt spid="2"/>
+                                        </p:tgtEl>
+                                        <p:attrNameLst>
+                                          <p:attrName>style.visibility</p:attrName>
+                                        </p:attrNameLst>
+                                      </p:cBhvr>
+                                      <p:to>
+                                        <p:strVal val="visible"/>
+                                      </p:to>
+                                    </p:set>
+                                    <p:animEffect transition="in" filter="fade">
+                                      <p:cBhvr>
+                                        <p:cTn id="7" dur="400"/>
+                                        <p:tgtEl>
+                                          <p:spTgt spid="2"/>
+                                        </p:tgtEl>
+                                      </p:cBhvr>
+                                    </p:animEffect>
+                                  </p:childTnLst>
+                                </p:cTn>
+                              </p:par>
+                            </p:childTnLst>
+                          </p:cTn>
+                        </p:par>
+                      </p:childTnLst>
+                    </p:cTn>
+                  </p:par>
+                </p:childTnLst>
+              </p:cTn>
+              <p:prevCondLst>
+                <p:cond evt="onPrev" delay="0">
+                  <p:tgtEl>
+                    <p:sldTgt/>
+                  </p:tgtEl>
+                </p:cond>
+              </p:prevCondLst>
+              <p:nextCondLst>
+                <p:cond evt="onNext" delay="0">
+                  <p:tgtEl>
+                    <p:sldTgt/>
+                  </p:tgtEl>
+                </p:cond>
+              </p:nextCondLst>
+            </p:seq>
+          </p:childTnLst>
+        </p:cTn>
+      </p:par>
+    </p:tnLst>
+    <p:bldLst>
+      <p:bldP spid="2" grpId="0"/>
+    </p:bldLst>
+  </p:timing>
+</p:sld>
+</file>
+
+<file path=ppt/slides/slide28.xml><?xml version="1.0" encoding="utf-8"?>
+<p:sld xmlns:a="http://schemas.openxmlformats.org/drawingml/2006/main" xmlns:r="http://schemas.openxmlformats.org/officeDocument/2006/relationships" xmlns:p="http://schemas.openxmlformats.org/presentationml/2006/main">
+  <p:cSld>
+    <p:spTree>
+      <p:nvGrpSpPr>
+        <p:cNvPr id="1" name=""/>
+        <p:cNvGrpSpPr/>
+        <p:nvPr/>
+      </p:nvGrpSpPr>
+      <p:grpSpPr>
+        <a:xfrm>
+          <a:off x="0" y="0"/>
+          <a:ext cx="0" cy="0"/>
+          <a:chOff x="0" y="0"/>
+          <a:chExt cx="0" cy="0"/>
+        </a:xfrm>
+      </p:grpSpPr>
+      <p:pic>
+        <p:nvPicPr>
+          <p:cNvPr id="8194" name="Picture 2" descr="C++ Polymorphism with Example">
+            <a:extLst>
+              <a:ext uri="{FF2B5EF4-FFF2-40B4-BE49-F238E27FC236}">
+                <a16:creationId xmlns:a16="http://schemas.microsoft.com/office/drawing/2014/main" id="{DF59E1E5-BEE4-C0BD-4FAA-E874AEC06EB0}"/>
+              </a:ext>
+            </a:extLst>
+          </p:cNvPr>
+          <p:cNvPicPr>
+            <a:picLocks noChangeAspect="1" noChangeArrowheads="1"/>
+          </p:cNvPicPr>
+          <p:nvPr/>
+        </p:nvPicPr>
+        <p:blipFill>
+          <a:blip r:embed="rId2">
+            <a:extLst>
+              <a:ext uri="{28A0092B-C50C-407E-A947-70E740481C1C}">
+                <a14:useLocalDpi xmlns:a14="http://schemas.microsoft.com/office/drawing/2010/main" val="0"/>
+              </a:ext>
+            </a:extLst>
+          </a:blip>
+          <a:srcRect/>
+          <a:stretch>
+            <a:fillRect/>
+          </a:stretch>
+        </p:blipFill>
+        <p:spPr bwMode="auto">
+          <a:xfrm>
+            <a:off x="3105555" y="1097165"/>
+            <a:ext cx="5980889" cy="4663669"/>
+          </a:xfrm>
+          <a:prstGeom prst="rect">
+            <a:avLst/>
+          </a:prstGeom>
+          <a:noFill/>
+          <a:extLst>
+            <a:ext uri="{909E8E84-426E-40DD-AFC4-6F175D3DCCD1}">
+              <a14:hiddenFill xmlns:a14="http://schemas.microsoft.com/office/drawing/2010/main">
+                <a:solidFill>
+                  <a:srgbClr val="FFFFFF"/>
+                </a:solidFill>
+              </a14:hiddenFill>
+            </a:ext>
+          </a:extLst>
+        </p:spPr>
+      </p:pic>
+    </p:spTree>
+    <p:extLst>
+      <p:ext uri="{BB962C8B-B14F-4D97-AF65-F5344CB8AC3E}">
+        <p14:creationId xmlns:p14="http://schemas.microsoft.com/office/powerpoint/2010/main" val="4046659780"/>
+      </p:ext>
+    </p:extLst>
+  </p:cSld>
+  <p:clrMapOvr>
+    <a:masterClrMapping/>
+  </p:clrMapOvr>
+</p:sld>
+</file>
+
+<file path=ppt/slides/slide29.xml><?xml version="1.0" encoding="utf-8"?>
+<p:sld xmlns:a="http://schemas.openxmlformats.org/drawingml/2006/main" xmlns:r="http://schemas.openxmlformats.org/officeDocument/2006/relationships" xmlns:p="http://schemas.openxmlformats.org/presentationml/2006/main">
+  <p:cSld>
+    <p:spTree>
+      <p:nvGrpSpPr>
+        <p:cNvPr id="1" name=""/>
+        <p:cNvGrpSpPr/>
+        <p:nvPr/>
+      </p:nvGrpSpPr>
+      <p:grpSpPr>
+        <a:xfrm>
+          <a:off x="0" y="0"/>
+          <a:ext cx="0" cy="0"/>
+          <a:chOff x="0" y="0"/>
+          <a:chExt cx="0" cy="0"/>
+        </a:xfrm>
+      </p:grpSpPr>
+      <p:pic>
+        <p:nvPicPr>
+          <p:cNvPr id="5" name="Content Placeholder 4">
+            <a:extLst>
+              <a:ext uri="{FF2B5EF4-FFF2-40B4-BE49-F238E27FC236}">
+                <a16:creationId xmlns:a16="http://schemas.microsoft.com/office/drawing/2014/main" id="{1569B26E-072A-E2E2-5500-81984A81F241}"/>
+              </a:ext>
+            </a:extLst>
+          </p:cNvPr>
+          <p:cNvPicPr>
+            <a:picLocks noGrp="1" noChangeAspect="1"/>
+          </p:cNvPicPr>
+          <p:nvPr>
+            <p:ph idx="1"/>
+          </p:nvPr>
+        </p:nvPicPr>
+        <p:blipFill>
+          <a:blip r:embed="rId2"/>
+          <a:stretch>
+            <a:fillRect/>
+          </a:stretch>
+        </p:blipFill>
+        <p:spPr>
+          <a:xfrm>
+            <a:off x="2270385" y="278511"/>
+            <a:ext cx="7768559" cy="6280329"/>
+          </a:xfrm>
+        </p:spPr>
+      </p:pic>
+    </p:spTree>
+    <p:extLst>
+      <p:ext uri="{BB962C8B-B14F-4D97-AF65-F5344CB8AC3E}">
+        <p14:creationId xmlns:p14="http://schemas.microsoft.com/office/powerpoint/2010/main" val="1162472495"/>
       </p:ext>
     </p:extLst>
   </p:cSld>
@@ -5714,6 +9140,1070 @@
     <p:extLst>
       <p:ext uri="{BB962C8B-B14F-4D97-AF65-F5344CB8AC3E}">
         <p14:creationId xmlns:p14="http://schemas.microsoft.com/office/powerpoint/2010/main" val="3709369980"/>
+      </p:ext>
+    </p:extLst>
+  </p:cSld>
+  <p:clrMapOvr>
+    <a:masterClrMapping/>
+  </p:clrMapOvr>
+</p:sld>
+</file>
+
+<file path=ppt/slides/slide30.xml><?xml version="1.0" encoding="utf-8"?>
+<p:sld xmlns:a="http://schemas.openxmlformats.org/drawingml/2006/main" xmlns:r="http://schemas.openxmlformats.org/officeDocument/2006/relationships" xmlns:p="http://schemas.openxmlformats.org/presentationml/2006/main">
+  <p:cSld>
+    <p:spTree>
+      <p:nvGrpSpPr>
+        <p:cNvPr id="1" name=""/>
+        <p:cNvGrpSpPr/>
+        <p:nvPr/>
+      </p:nvGrpSpPr>
+      <p:grpSpPr>
+        <a:xfrm>
+          <a:off x="0" y="0"/>
+          <a:ext cx="0" cy="0"/>
+          <a:chOff x="0" y="0"/>
+          <a:chExt cx="0" cy="0"/>
+        </a:xfrm>
+      </p:grpSpPr>
+      <p:sp>
+        <p:nvSpPr>
+          <p:cNvPr id="2" name="Title 1">
+            <a:extLst>
+              <a:ext uri="{FF2B5EF4-FFF2-40B4-BE49-F238E27FC236}">
+                <a16:creationId xmlns:a16="http://schemas.microsoft.com/office/drawing/2014/main" id="{8FD18EB1-98DA-0866-DC0E-8712B60FC2A5}"/>
+              </a:ext>
+            </a:extLst>
+          </p:cNvPr>
+          <p:cNvSpPr>
+            <a:spLocks noGrp="1"/>
+          </p:cNvSpPr>
+          <p:nvPr>
+            <p:ph type="title"/>
+          </p:nvPr>
+        </p:nvSpPr>
+        <p:spPr>
+          <a:xfrm>
+            <a:off x="1066800" y="2624328"/>
+            <a:ext cx="10058400" cy="1609344"/>
+          </a:xfrm>
+        </p:spPr>
+        <p:txBody>
+          <a:bodyPr>
+            <a:normAutofit/>
+          </a:bodyPr>
+          <a:lstStyle/>
+          <a:p>
+            <a:pPr algn="ctr"/>
+            <a:r>
+              <a:rPr lang="en-DE" sz="4400" dirty="0"/>
+              <a:t>Virtual Keyword – In Action</a:t>
+            </a:r>
+          </a:p>
+        </p:txBody>
+      </p:sp>
+    </p:spTree>
+    <p:extLst>
+      <p:ext uri="{BB962C8B-B14F-4D97-AF65-F5344CB8AC3E}">
+        <p14:creationId xmlns:p14="http://schemas.microsoft.com/office/powerpoint/2010/main" val="2134700976"/>
+      </p:ext>
+    </p:extLst>
+  </p:cSld>
+  <p:clrMapOvr>
+    <a:masterClrMapping/>
+  </p:clrMapOvr>
+</p:sld>
+</file>
+
+<file path=ppt/slides/slide31.xml><?xml version="1.0" encoding="utf-8"?>
+<p:sld xmlns:a="http://schemas.openxmlformats.org/drawingml/2006/main" xmlns:r="http://schemas.openxmlformats.org/officeDocument/2006/relationships" xmlns:p="http://schemas.openxmlformats.org/presentationml/2006/main">
+  <p:cSld>
+    <p:spTree>
+      <p:nvGrpSpPr>
+        <p:cNvPr id="1" name=""/>
+        <p:cNvGrpSpPr/>
+        <p:nvPr/>
+      </p:nvGrpSpPr>
+      <p:grpSpPr>
+        <a:xfrm>
+          <a:off x="0" y="0"/>
+          <a:ext cx="0" cy="0"/>
+          <a:chOff x="0" y="0"/>
+          <a:chExt cx="0" cy="0"/>
+        </a:xfrm>
+      </p:grpSpPr>
+      <p:pic>
+        <p:nvPicPr>
+          <p:cNvPr id="5" name="Picture 4">
+            <a:extLst>
+              <a:ext uri="{FF2B5EF4-FFF2-40B4-BE49-F238E27FC236}">
+                <a16:creationId xmlns:a16="http://schemas.microsoft.com/office/drawing/2014/main" id="{4C71E9A3-4E58-2E2B-197D-5839512DC783}"/>
+              </a:ext>
+            </a:extLst>
+          </p:cNvPr>
+          <p:cNvPicPr>
+            <a:picLocks noChangeAspect="1"/>
+          </p:cNvPicPr>
+          <p:nvPr/>
+        </p:nvPicPr>
+        <p:blipFill>
+          <a:blip r:embed="rId2"/>
+          <a:stretch>
+            <a:fillRect/>
+          </a:stretch>
+        </p:blipFill>
+        <p:spPr>
+          <a:xfrm>
+            <a:off x="5979194" y="821869"/>
+            <a:ext cx="6212806" cy="4817588"/>
+          </a:xfrm>
+          <a:prstGeom prst="rect">
+            <a:avLst/>
+          </a:prstGeom>
+        </p:spPr>
+      </p:pic>
+      <p:pic>
+        <p:nvPicPr>
+          <p:cNvPr id="6" name="Content Placeholder 4">
+            <a:extLst>
+              <a:ext uri="{FF2B5EF4-FFF2-40B4-BE49-F238E27FC236}">
+                <a16:creationId xmlns:a16="http://schemas.microsoft.com/office/drawing/2014/main" id="{404477F5-1FBB-534A-F250-029FD20CACE7}"/>
+              </a:ext>
+            </a:extLst>
+          </p:cNvPr>
+          <p:cNvPicPr>
+            <a:picLocks noGrp="1" noChangeAspect="1"/>
+          </p:cNvPicPr>
+          <p:nvPr>
+            <p:ph idx="1"/>
+          </p:nvPr>
+        </p:nvPicPr>
+        <p:blipFill>
+          <a:blip r:embed="rId3"/>
+          <a:stretch>
+            <a:fillRect/>
+          </a:stretch>
+        </p:blipFill>
+        <p:spPr>
+          <a:xfrm>
+            <a:off x="0" y="821869"/>
+            <a:ext cx="5959198" cy="4817589"/>
+          </a:xfrm>
+        </p:spPr>
+      </p:pic>
+    </p:spTree>
+    <p:extLst>
+      <p:ext uri="{BB962C8B-B14F-4D97-AF65-F5344CB8AC3E}">
+        <p14:creationId xmlns:p14="http://schemas.microsoft.com/office/powerpoint/2010/main" val="525918156"/>
+      </p:ext>
+    </p:extLst>
+  </p:cSld>
+  <p:clrMapOvr>
+    <a:masterClrMapping/>
+  </p:clrMapOvr>
+</p:sld>
+</file>
+
+<file path=ppt/slides/slide32.xml><?xml version="1.0" encoding="utf-8"?>
+<p:sld xmlns:a="http://schemas.openxmlformats.org/drawingml/2006/main" xmlns:r="http://schemas.openxmlformats.org/officeDocument/2006/relationships" xmlns:p="http://schemas.openxmlformats.org/presentationml/2006/main">
+  <p:cSld>
+    <p:spTree>
+      <p:nvGrpSpPr>
+        <p:cNvPr id="1" name=""/>
+        <p:cNvGrpSpPr/>
+        <p:nvPr/>
+      </p:nvGrpSpPr>
+      <p:grpSpPr>
+        <a:xfrm>
+          <a:off x="0" y="0"/>
+          <a:ext cx="0" cy="0"/>
+          <a:chOff x="0" y="0"/>
+          <a:chExt cx="0" cy="0"/>
+        </a:xfrm>
+      </p:grpSpPr>
+      <p:pic>
+        <p:nvPicPr>
+          <p:cNvPr id="5" name="Picture 4">
+            <a:extLst>
+              <a:ext uri="{FF2B5EF4-FFF2-40B4-BE49-F238E27FC236}">
+                <a16:creationId xmlns:a16="http://schemas.microsoft.com/office/drawing/2014/main" id="{4BF76A98-AD3F-B899-0008-B0BC9520DAA6}"/>
+              </a:ext>
+            </a:extLst>
+          </p:cNvPr>
+          <p:cNvPicPr>
+            <a:picLocks noChangeAspect="1"/>
+          </p:cNvPicPr>
+          <p:nvPr/>
+        </p:nvPicPr>
+        <p:blipFill>
+          <a:blip r:embed="rId2"/>
+          <a:stretch>
+            <a:fillRect/>
+          </a:stretch>
+        </p:blipFill>
+        <p:spPr>
+          <a:xfrm>
+            <a:off x="2576871" y="0"/>
+            <a:ext cx="7038258" cy="6858000"/>
+          </a:xfrm>
+          <a:prstGeom prst="rect">
+            <a:avLst/>
+          </a:prstGeom>
+        </p:spPr>
+      </p:pic>
+      <mc:AlternateContent xmlns:mc="http://schemas.openxmlformats.org/markup-compatibility/2006">
+        <mc:Choice xmlns:p14="http://schemas.microsoft.com/office/powerpoint/2010/main" Requires="p14">
+          <p:contentPart p14:bwMode="auto" r:id="rId3">
+            <p14:nvContentPartPr>
+              <p14:cNvPr id="6" name="Ink 5">
+                <a:extLst>
+                  <a:ext uri="{FF2B5EF4-FFF2-40B4-BE49-F238E27FC236}">
+                    <a16:creationId xmlns:a16="http://schemas.microsoft.com/office/drawing/2014/main" id="{7DE16916-7346-9B3F-E7A1-57FAA82C3E49}"/>
+                  </a:ext>
+                </a:extLst>
+              </p14:cNvPr>
+              <p14:cNvContentPartPr/>
+              <p14:nvPr/>
+            </p14:nvContentPartPr>
+            <p14:xfrm>
+              <a:off x="3259467" y="382040"/>
+              <a:ext cx="973080" cy="58320"/>
+            </p14:xfrm>
+          </p:contentPart>
+        </mc:Choice>
+        <mc:Fallback>
+          <p:pic>
+            <p:nvPicPr>
+              <p:cNvPr id="6" name="Ink 5">
+                <a:extLst>
+                  <a:ext uri="{FF2B5EF4-FFF2-40B4-BE49-F238E27FC236}">
+                    <a16:creationId xmlns:a16="http://schemas.microsoft.com/office/drawing/2014/main" id="{7DE16916-7346-9B3F-E7A1-57FAA82C3E49}"/>
+                  </a:ext>
+                </a:extLst>
+              </p:cNvPr>
+              <p:cNvPicPr/>
+              <p:nvPr/>
+            </p:nvPicPr>
+            <p:blipFill>
+              <a:blip r:embed="rId4"/>
+              <a:stretch>
+                <a:fillRect/>
+              </a:stretch>
+            </p:blipFill>
+            <p:spPr>
+              <a:xfrm>
+                <a:off x="3205827" y="274400"/>
+                <a:ext cx="1080720" cy="273960"/>
+              </a:xfrm>
+              <a:prstGeom prst="rect">
+                <a:avLst/>
+              </a:prstGeom>
+            </p:spPr>
+          </p:pic>
+        </mc:Fallback>
+      </mc:AlternateContent>
+      <mc:AlternateContent xmlns:mc="http://schemas.openxmlformats.org/markup-compatibility/2006">
+        <mc:Choice xmlns:p14="http://schemas.microsoft.com/office/powerpoint/2010/main" Requires="p14">
+          <p:contentPart p14:bwMode="auto" r:id="rId5">
+            <p14:nvContentPartPr>
+              <p14:cNvPr id="7" name="Ink 6">
+                <a:extLst>
+                  <a:ext uri="{FF2B5EF4-FFF2-40B4-BE49-F238E27FC236}">
+                    <a16:creationId xmlns:a16="http://schemas.microsoft.com/office/drawing/2014/main" id="{0DBDBEF1-4692-F45C-FF46-4DD3AA0BBBEE}"/>
+                  </a:ext>
+                </a:extLst>
+              </p14:cNvPr>
+              <p14:cNvContentPartPr/>
+              <p14:nvPr/>
+            </p14:nvContentPartPr>
+            <p14:xfrm>
+              <a:off x="3233907" y="1861640"/>
+              <a:ext cx="1076760" cy="25200"/>
+            </p14:xfrm>
+          </p:contentPart>
+        </mc:Choice>
+        <mc:Fallback>
+          <p:pic>
+            <p:nvPicPr>
+              <p:cNvPr id="7" name="Ink 6">
+                <a:extLst>
+                  <a:ext uri="{FF2B5EF4-FFF2-40B4-BE49-F238E27FC236}">
+                    <a16:creationId xmlns:a16="http://schemas.microsoft.com/office/drawing/2014/main" id="{0DBDBEF1-4692-F45C-FF46-4DD3AA0BBBEE}"/>
+                  </a:ext>
+                </a:extLst>
+              </p:cNvPr>
+              <p:cNvPicPr/>
+              <p:nvPr/>
+            </p:nvPicPr>
+            <p:blipFill>
+              <a:blip r:embed="rId6"/>
+              <a:stretch>
+                <a:fillRect/>
+              </a:stretch>
+            </p:blipFill>
+            <p:spPr>
+              <a:xfrm>
+                <a:off x="3180267" y="1754000"/>
+                <a:ext cx="1184400" cy="240840"/>
+              </a:xfrm>
+              <a:prstGeom prst="rect">
+                <a:avLst/>
+              </a:prstGeom>
+            </p:spPr>
+          </p:pic>
+        </mc:Fallback>
+      </mc:AlternateContent>
+      <mc:AlternateContent xmlns:mc="http://schemas.openxmlformats.org/markup-compatibility/2006">
+        <mc:Choice xmlns:p14="http://schemas.microsoft.com/office/powerpoint/2010/main" Requires="p14">
+          <p:contentPart p14:bwMode="auto" r:id="rId7">
+            <p14:nvContentPartPr>
+              <p14:cNvPr id="8" name="Ink 7">
+                <a:extLst>
+                  <a:ext uri="{FF2B5EF4-FFF2-40B4-BE49-F238E27FC236}">
+                    <a16:creationId xmlns:a16="http://schemas.microsoft.com/office/drawing/2014/main" id="{AD02678F-816D-E517-4A27-66D30F4069B6}"/>
+                  </a:ext>
+                </a:extLst>
+              </p14:cNvPr>
+              <p14:cNvContentPartPr/>
+              <p14:nvPr/>
+            </p14:nvContentPartPr>
+            <p14:xfrm>
+              <a:off x="3268107" y="4243400"/>
+              <a:ext cx="927720" cy="24480"/>
+            </p14:xfrm>
+          </p:contentPart>
+        </mc:Choice>
+        <mc:Fallback>
+          <p:pic>
+            <p:nvPicPr>
+              <p:cNvPr id="8" name="Ink 7">
+                <a:extLst>
+                  <a:ext uri="{FF2B5EF4-FFF2-40B4-BE49-F238E27FC236}">
+                    <a16:creationId xmlns:a16="http://schemas.microsoft.com/office/drawing/2014/main" id="{AD02678F-816D-E517-4A27-66D30F4069B6}"/>
+                  </a:ext>
+                </a:extLst>
+              </p:cNvPr>
+              <p:cNvPicPr/>
+              <p:nvPr/>
+            </p:nvPicPr>
+            <p:blipFill>
+              <a:blip r:embed="rId8"/>
+              <a:stretch>
+                <a:fillRect/>
+              </a:stretch>
+            </p:blipFill>
+            <p:spPr>
+              <a:xfrm>
+                <a:off x="3214107" y="4135760"/>
+                <a:ext cx="1035360" cy="240120"/>
+              </a:xfrm>
+              <a:prstGeom prst="rect">
+                <a:avLst/>
+              </a:prstGeom>
+            </p:spPr>
+          </p:pic>
+        </mc:Fallback>
+      </mc:AlternateContent>
+      <mc:AlternateContent xmlns:mc="http://schemas.openxmlformats.org/markup-compatibility/2006">
+        <mc:Choice xmlns:p14="http://schemas.microsoft.com/office/powerpoint/2010/main" Requires="p14">
+          <p:contentPart p14:bwMode="auto" r:id="rId9">
+            <p14:nvContentPartPr>
+              <p14:cNvPr id="9" name="Ink 8">
+                <a:extLst>
+                  <a:ext uri="{FF2B5EF4-FFF2-40B4-BE49-F238E27FC236}">
+                    <a16:creationId xmlns:a16="http://schemas.microsoft.com/office/drawing/2014/main" id="{0A296EEC-6553-1136-DBC7-FCF667AAB276}"/>
+                  </a:ext>
+                </a:extLst>
+              </p14:cNvPr>
+              <p14:cNvContentPartPr/>
+              <p14:nvPr/>
+            </p14:nvContentPartPr>
+            <p14:xfrm>
+              <a:off x="3251187" y="626120"/>
+              <a:ext cx="595080" cy="69480"/>
+            </p14:xfrm>
+          </p:contentPart>
+        </mc:Choice>
+        <mc:Fallback>
+          <p:pic>
+            <p:nvPicPr>
+              <p:cNvPr id="9" name="Ink 8">
+                <a:extLst>
+                  <a:ext uri="{FF2B5EF4-FFF2-40B4-BE49-F238E27FC236}">
+                    <a16:creationId xmlns:a16="http://schemas.microsoft.com/office/drawing/2014/main" id="{0A296EEC-6553-1136-DBC7-FCF667AAB276}"/>
+                  </a:ext>
+                </a:extLst>
+              </p:cNvPr>
+              <p:cNvPicPr/>
+              <p:nvPr/>
+            </p:nvPicPr>
+            <p:blipFill>
+              <a:blip r:embed="rId10"/>
+              <a:stretch>
+                <a:fillRect/>
+              </a:stretch>
+            </p:blipFill>
+            <p:spPr>
+              <a:xfrm>
+                <a:off x="3197187" y="518480"/>
+                <a:ext cx="702720" cy="285120"/>
+              </a:xfrm>
+              <a:prstGeom prst="rect">
+                <a:avLst/>
+              </a:prstGeom>
+            </p:spPr>
+          </p:pic>
+        </mc:Fallback>
+      </mc:AlternateContent>
+      <mc:AlternateContent xmlns:mc="http://schemas.openxmlformats.org/markup-compatibility/2006">
+        <mc:Choice xmlns:p14="http://schemas.microsoft.com/office/powerpoint/2010/main" Requires="p14">
+          <p:contentPart p14:bwMode="auto" r:id="rId11">
+            <p14:nvContentPartPr>
+              <p14:cNvPr id="10" name="Ink 9">
+                <a:extLst>
+                  <a:ext uri="{FF2B5EF4-FFF2-40B4-BE49-F238E27FC236}">
+                    <a16:creationId xmlns:a16="http://schemas.microsoft.com/office/drawing/2014/main" id="{C7F1553C-B913-D8F3-FD62-CD1B1A185022}"/>
+                  </a:ext>
+                </a:extLst>
+              </p14:cNvPr>
+              <p14:cNvContentPartPr/>
+              <p14:nvPr/>
+            </p14:nvContentPartPr>
+            <p14:xfrm>
+              <a:off x="3284667" y="2099960"/>
+              <a:ext cx="507600" cy="25560"/>
+            </p14:xfrm>
+          </p:contentPart>
+        </mc:Choice>
+        <mc:Fallback>
+          <p:pic>
+            <p:nvPicPr>
+              <p:cNvPr id="10" name="Ink 9">
+                <a:extLst>
+                  <a:ext uri="{FF2B5EF4-FFF2-40B4-BE49-F238E27FC236}">
+                    <a16:creationId xmlns:a16="http://schemas.microsoft.com/office/drawing/2014/main" id="{C7F1553C-B913-D8F3-FD62-CD1B1A185022}"/>
+                  </a:ext>
+                </a:extLst>
+              </p:cNvPr>
+              <p:cNvPicPr/>
+              <p:nvPr/>
+            </p:nvPicPr>
+            <p:blipFill>
+              <a:blip r:embed="rId12"/>
+              <a:stretch>
+                <a:fillRect/>
+              </a:stretch>
+            </p:blipFill>
+            <p:spPr>
+              <a:xfrm>
+                <a:off x="3231027" y="1991960"/>
+                <a:ext cx="615240" cy="241200"/>
+              </a:xfrm>
+              <a:prstGeom prst="rect">
+                <a:avLst/>
+              </a:prstGeom>
+            </p:spPr>
+          </p:pic>
+        </mc:Fallback>
+      </mc:AlternateContent>
+      <mc:AlternateContent xmlns:mc="http://schemas.openxmlformats.org/markup-compatibility/2006">
+        <mc:Choice xmlns:p14="http://schemas.microsoft.com/office/powerpoint/2010/main" Requires="p14">
+          <p:contentPart p14:bwMode="auto" r:id="rId13">
+            <p14:nvContentPartPr>
+              <p14:cNvPr id="11" name="Ink 10">
+                <a:extLst>
+                  <a:ext uri="{FF2B5EF4-FFF2-40B4-BE49-F238E27FC236}">
+                    <a16:creationId xmlns:a16="http://schemas.microsoft.com/office/drawing/2014/main" id="{1EE21444-985F-623D-9AEC-4E25181B8F48}"/>
+                  </a:ext>
+                </a:extLst>
+              </p14:cNvPr>
+              <p14:cNvContentPartPr/>
+              <p14:nvPr/>
+            </p14:nvContentPartPr>
+            <p14:xfrm>
+              <a:off x="3251187" y="2513960"/>
+              <a:ext cx="549720" cy="9000"/>
+            </p14:xfrm>
+          </p:contentPart>
+        </mc:Choice>
+        <mc:Fallback>
+          <p:pic>
+            <p:nvPicPr>
+              <p:cNvPr id="11" name="Ink 10">
+                <a:extLst>
+                  <a:ext uri="{FF2B5EF4-FFF2-40B4-BE49-F238E27FC236}">
+                    <a16:creationId xmlns:a16="http://schemas.microsoft.com/office/drawing/2014/main" id="{1EE21444-985F-623D-9AEC-4E25181B8F48}"/>
+                  </a:ext>
+                </a:extLst>
+              </p:cNvPr>
+              <p:cNvPicPr/>
+              <p:nvPr/>
+            </p:nvPicPr>
+            <p:blipFill>
+              <a:blip r:embed="rId14"/>
+              <a:stretch>
+                <a:fillRect/>
+              </a:stretch>
+            </p:blipFill>
+            <p:spPr>
+              <a:xfrm>
+                <a:off x="3197187" y="2406320"/>
+                <a:ext cx="657360" cy="224640"/>
+              </a:xfrm>
+              <a:prstGeom prst="rect">
+                <a:avLst/>
+              </a:prstGeom>
+            </p:spPr>
+          </p:pic>
+        </mc:Fallback>
+      </mc:AlternateContent>
+      <mc:AlternateContent xmlns:mc="http://schemas.openxmlformats.org/markup-compatibility/2006">
+        <mc:Choice xmlns:p14="http://schemas.microsoft.com/office/powerpoint/2010/main" Requires="p14">
+          <p:contentPart p14:bwMode="auto" r:id="rId15">
+            <p14:nvContentPartPr>
+              <p14:cNvPr id="12" name="Ink 11">
+                <a:extLst>
+                  <a:ext uri="{FF2B5EF4-FFF2-40B4-BE49-F238E27FC236}">
+                    <a16:creationId xmlns:a16="http://schemas.microsoft.com/office/drawing/2014/main" id="{B3FF6B0E-9323-D55B-D2BD-5FA46CE21074}"/>
+                  </a:ext>
+                </a:extLst>
+              </p14:cNvPr>
+              <p14:cNvContentPartPr/>
+              <p14:nvPr/>
+            </p14:nvContentPartPr>
+            <p14:xfrm>
+              <a:off x="3216987" y="4376600"/>
+              <a:ext cx="703080" cy="60840"/>
+            </p14:xfrm>
+          </p:contentPart>
+        </mc:Choice>
+        <mc:Fallback>
+          <p:pic>
+            <p:nvPicPr>
+              <p:cNvPr id="12" name="Ink 11">
+                <a:extLst>
+                  <a:ext uri="{FF2B5EF4-FFF2-40B4-BE49-F238E27FC236}">
+                    <a16:creationId xmlns:a16="http://schemas.microsoft.com/office/drawing/2014/main" id="{B3FF6B0E-9323-D55B-D2BD-5FA46CE21074}"/>
+                  </a:ext>
+                </a:extLst>
+              </p:cNvPr>
+              <p:cNvPicPr/>
+              <p:nvPr/>
+            </p:nvPicPr>
+            <p:blipFill>
+              <a:blip r:embed="rId16"/>
+              <a:stretch>
+                <a:fillRect/>
+              </a:stretch>
+            </p:blipFill>
+            <p:spPr>
+              <a:xfrm>
+                <a:off x="3163347" y="4268600"/>
+                <a:ext cx="810720" cy="276480"/>
+              </a:xfrm>
+              <a:prstGeom prst="rect">
+                <a:avLst/>
+              </a:prstGeom>
+            </p:spPr>
+          </p:pic>
+        </mc:Fallback>
+      </mc:AlternateContent>
+      <mc:AlternateContent xmlns:mc="http://schemas.openxmlformats.org/markup-compatibility/2006">
+        <mc:Choice xmlns:p14="http://schemas.microsoft.com/office/powerpoint/2010/main" Requires="p14">
+          <p:contentPart p14:bwMode="auto" r:id="rId17">
+            <p14:nvContentPartPr>
+              <p14:cNvPr id="13" name="Ink 12">
+                <a:extLst>
+                  <a:ext uri="{FF2B5EF4-FFF2-40B4-BE49-F238E27FC236}">
+                    <a16:creationId xmlns:a16="http://schemas.microsoft.com/office/drawing/2014/main" id="{79A79A16-D080-7E1E-2874-9AB32FF376CE}"/>
+                  </a:ext>
+                </a:extLst>
+              </p14:cNvPr>
+              <p14:cNvContentPartPr/>
+              <p14:nvPr/>
+            </p14:nvContentPartPr>
+            <p14:xfrm>
+              <a:off x="3251187" y="4927760"/>
+              <a:ext cx="567360" cy="33840"/>
+            </p14:xfrm>
+          </p:contentPart>
+        </mc:Choice>
+        <mc:Fallback>
+          <p:pic>
+            <p:nvPicPr>
+              <p:cNvPr id="13" name="Ink 12">
+                <a:extLst>
+                  <a:ext uri="{FF2B5EF4-FFF2-40B4-BE49-F238E27FC236}">
+                    <a16:creationId xmlns:a16="http://schemas.microsoft.com/office/drawing/2014/main" id="{79A79A16-D080-7E1E-2874-9AB32FF376CE}"/>
+                  </a:ext>
+                </a:extLst>
+              </p:cNvPr>
+              <p:cNvPicPr/>
+              <p:nvPr/>
+            </p:nvPicPr>
+            <p:blipFill>
+              <a:blip r:embed="rId18"/>
+              <a:stretch>
+                <a:fillRect/>
+              </a:stretch>
+            </p:blipFill>
+            <p:spPr>
+              <a:xfrm>
+                <a:off x="3197187" y="4819760"/>
+                <a:ext cx="675000" cy="249480"/>
+              </a:xfrm>
+              <a:prstGeom prst="rect">
+                <a:avLst/>
+              </a:prstGeom>
+            </p:spPr>
+          </p:pic>
+        </mc:Fallback>
+      </mc:AlternateContent>
+      <mc:AlternateContent xmlns:mc="http://schemas.openxmlformats.org/markup-compatibility/2006">
+        <mc:Choice xmlns:p14="http://schemas.microsoft.com/office/powerpoint/2010/main" Requires="p14">
+          <p:contentPart p14:bwMode="auto" r:id="rId19">
+            <p14:nvContentPartPr>
+              <p14:cNvPr id="14" name="Ink 13">
+                <a:extLst>
+                  <a:ext uri="{FF2B5EF4-FFF2-40B4-BE49-F238E27FC236}">
+                    <a16:creationId xmlns:a16="http://schemas.microsoft.com/office/drawing/2014/main" id="{D6D35853-1C4C-5153-703F-5F62804A3707}"/>
+                  </a:ext>
+                </a:extLst>
+              </p14:cNvPr>
+              <p14:cNvContentPartPr/>
+              <p14:nvPr/>
+            </p14:nvContentPartPr>
+            <p14:xfrm>
+              <a:off x="4478787" y="4207760"/>
+              <a:ext cx="956160" cy="42840"/>
+            </p14:xfrm>
+          </p:contentPart>
+        </mc:Choice>
+        <mc:Fallback>
+          <p:pic>
+            <p:nvPicPr>
+              <p:cNvPr id="14" name="Ink 13">
+                <a:extLst>
+                  <a:ext uri="{FF2B5EF4-FFF2-40B4-BE49-F238E27FC236}">
+                    <a16:creationId xmlns:a16="http://schemas.microsoft.com/office/drawing/2014/main" id="{D6D35853-1C4C-5153-703F-5F62804A3707}"/>
+                  </a:ext>
+                </a:extLst>
+              </p:cNvPr>
+              <p:cNvPicPr/>
+              <p:nvPr/>
+            </p:nvPicPr>
+            <p:blipFill>
+              <a:blip r:embed="rId20"/>
+              <a:stretch>
+                <a:fillRect/>
+              </a:stretch>
+            </p:blipFill>
+            <p:spPr>
+              <a:xfrm>
+                <a:off x="4424787" y="4099760"/>
+                <a:ext cx="1063800" cy="258480"/>
+              </a:xfrm>
+              <a:prstGeom prst="rect">
+                <a:avLst/>
+              </a:prstGeom>
+            </p:spPr>
+          </p:pic>
+        </mc:Fallback>
+      </mc:AlternateContent>
+      <mc:AlternateContent xmlns:mc="http://schemas.openxmlformats.org/markup-compatibility/2006">
+        <mc:Choice xmlns:p14="http://schemas.microsoft.com/office/powerpoint/2010/main" Requires="p14">
+          <p:contentPart p14:bwMode="auto" r:id="rId21">
+            <p14:nvContentPartPr>
+              <p14:cNvPr id="15" name="Ink 14">
+                <a:extLst>
+                  <a:ext uri="{FF2B5EF4-FFF2-40B4-BE49-F238E27FC236}">
+                    <a16:creationId xmlns:a16="http://schemas.microsoft.com/office/drawing/2014/main" id="{A1DDA8A1-A256-749C-4EDD-5C5CD05A2B83}"/>
+                  </a:ext>
+                </a:extLst>
+              </p14:cNvPr>
+              <p14:cNvContentPartPr/>
+              <p14:nvPr/>
+            </p14:nvContentPartPr>
+            <p14:xfrm>
+              <a:off x="3623427" y="2793680"/>
+              <a:ext cx="516960" cy="34920"/>
+            </p14:xfrm>
+          </p:contentPart>
+        </mc:Choice>
+        <mc:Fallback>
+          <p:pic>
+            <p:nvPicPr>
+              <p:cNvPr id="15" name="Ink 14">
+                <a:extLst>
+                  <a:ext uri="{FF2B5EF4-FFF2-40B4-BE49-F238E27FC236}">
+                    <a16:creationId xmlns:a16="http://schemas.microsoft.com/office/drawing/2014/main" id="{A1DDA8A1-A256-749C-4EDD-5C5CD05A2B83}"/>
+                  </a:ext>
+                </a:extLst>
+              </p:cNvPr>
+              <p:cNvPicPr/>
+              <p:nvPr/>
+            </p:nvPicPr>
+            <p:blipFill>
+              <a:blip r:embed="rId22"/>
+              <a:stretch>
+                <a:fillRect/>
+              </a:stretch>
+            </p:blipFill>
+            <p:spPr>
+              <a:xfrm>
+                <a:off x="3569787" y="2686040"/>
+                <a:ext cx="624600" cy="250560"/>
+              </a:xfrm>
+              <a:prstGeom prst="rect">
+                <a:avLst/>
+              </a:prstGeom>
+            </p:spPr>
+          </p:pic>
+        </mc:Fallback>
+      </mc:AlternateContent>
+      <mc:AlternateContent xmlns:mc="http://schemas.openxmlformats.org/markup-compatibility/2006">
+        <mc:Choice xmlns:p14="http://schemas.microsoft.com/office/powerpoint/2010/main" Requires="p14">
+          <p:contentPart p14:bwMode="auto" r:id="rId23">
+            <p14:nvContentPartPr>
+              <p14:cNvPr id="16" name="Ink 15">
+                <a:extLst>
+                  <a:ext uri="{FF2B5EF4-FFF2-40B4-BE49-F238E27FC236}">
+                    <a16:creationId xmlns:a16="http://schemas.microsoft.com/office/drawing/2014/main" id="{E390EF64-ACB1-5280-7641-9DDF5CEC3D43}"/>
+                  </a:ext>
+                </a:extLst>
+              </p14:cNvPr>
+              <p14:cNvContentPartPr/>
+              <p14:nvPr/>
+            </p14:nvContentPartPr>
+            <p14:xfrm>
+              <a:off x="3691107" y="812600"/>
+              <a:ext cx="544320" cy="65520"/>
+            </p14:xfrm>
+          </p:contentPart>
+        </mc:Choice>
+        <mc:Fallback>
+          <p:pic>
+            <p:nvPicPr>
+              <p:cNvPr id="16" name="Ink 15">
+                <a:extLst>
+                  <a:ext uri="{FF2B5EF4-FFF2-40B4-BE49-F238E27FC236}">
+                    <a16:creationId xmlns:a16="http://schemas.microsoft.com/office/drawing/2014/main" id="{E390EF64-ACB1-5280-7641-9DDF5CEC3D43}"/>
+                  </a:ext>
+                </a:extLst>
+              </p:cNvPr>
+              <p:cNvPicPr/>
+              <p:nvPr/>
+            </p:nvPicPr>
+            <p:blipFill>
+              <a:blip r:embed="rId24"/>
+              <a:stretch>
+                <a:fillRect/>
+              </a:stretch>
+            </p:blipFill>
+            <p:spPr>
+              <a:xfrm>
+                <a:off x="3637467" y="704600"/>
+                <a:ext cx="651960" cy="281160"/>
+              </a:xfrm>
+              <a:prstGeom prst="rect">
+                <a:avLst/>
+              </a:prstGeom>
+            </p:spPr>
+          </p:pic>
+        </mc:Fallback>
+      </mc:AlternateContent>
+      <mc:AlternateContent xmlns:mc="http://schemas.openxmlformats.org/markup-compatibility/2006">
+        <mc:Choice xmlns:p14="http://schemas.microsoft.com/office/powerpoint/2010/main" Requires="p14">
+          <p:contentPart p14:bwMode="auto" r:id="rId25">
+            <p14:nvContentPartPr>
+              <p14:cNvPr id="17" name="Ink 16">
+                <a:extLst>
+                  <a:ext uri="{FF2B5EF4-FFF2-40B4-BE49-F238E27FC236}">
+                    <a16:creationId xmlns:a16="http://schemas.microsoft.com/office/drawing/2014/main" id="{2D4DCAB6-001A-E789-C884-90AE5B01FF9B}"/>
+                  </a:ext>
+                </a:extLst>
+              </p14:cNvPr>
+              <p14:cNvContentPartPr/>
+              <p14:nvPr/>
+            </p14:nvContentPartPr>
+            <p14:xfrm>
+              <a:off x="3606867" y="5071400"/>
+              <a:ext cx="625680" cy="360"/>
+            </p14:xfrm>
+          </p:contentPart>
+        </mc:Choice>
+        <mc:Fallback>
+          <p:pic>
+            <p:nvPicPr>
+              <p:cNvPr id="17" name="Ink 16">
+                <a:extLst>
+                  <a:ext uri="{FF2B5EF4-FFF2-40B4-BE49-F238E27FC236}">
+                    <a16:creationId xmlns:a16="http://schemas.microsoft.com/office/drawing/2014/main" id="{2D4DCAB6-001A-E789-C884-90AE5B01FF9B}"/>
+                  </a:ext>
+                </a:extLst>
+              </p:cNvPr>
+              <p:cNvPicPr/>
+              <p:nvPr/>
+            </p:nvPicPr>
+            <p:blipFill>
+              <a:blip r:embed="rId26"/>
+              <a:stretch>
+                <a:fillRect/>
+              </a:stretch>
+            </p:blipFill>
+            <p:spPr>
+              <a:xfrm>
+                <a:off x="3552867" y="4963400"/>
+                <a:ext cx="733320" cy="216000"/>
+              </a:xfrm>
+              <a:prstGeom prst="rect">
+                <a:avLst/>
+              </a:prstGeom>
+            </p:spPr>
+          </p:pic>
+        </mc:Fallback>
+      </mc:AlternateContent>
+      <mc:AlternateContent xmlns:mc="http://schemas.openxmlformats.org/markup-compatibility/2006">
+        <mc:Choice xmlns:p14="http://schemas.microsoft.com/office/powerpoint/2010/main" Requires="p14">
+          <p:contentPart p14:bwMode="auto" r:id="rId27">
+            <p14:nvContentPartPr>
+              <p14:cNvPr id="18" name="Ink 17">
+                <a:extLst>
+                  <a:ext uri="{FF2B5EF4-FFF2-40B4-BE49-F238E27FC236}">
+                    <a16:creationId xmlns:a16="http://schemas.microsoft.com/office/drawing/2014/main" id="{03990A4E-AC05-3FF2-ADB2-71A325C1115C}"/>
+                  </a:ext>
+                </a:extLst>
+              </p14:cNvPr>
+              <p14:cNvContentPartPr/>
+              <p14:nvPr/>
+            </p14:nvContentPartPr>
+            <p14:xfrm>
+              <a:off x="3581307" y="5553080"/>
+              <a:ext cx="685800" cy="26640"/>
+            </p14:xfrm>
+          </p:contentPart>
+        </mc:Choice>
+        <mc:Fallback>
+          <p:pic>
+            <p:nvPicPr>
+              <p:cNvPr id="18" name="Ink 17">
+                <a:extLst>
+                  <a:ext uri="{FF2B5EF4-FFF2-40B4-BE49-F238E27FC236}">
+                    <a16:creationId xmlns:a16="http://schemas.microsoft.com/office/drawing/2014/main" id="{03990A4E-AC05-3FF2-ADB2-71A325C1115C}"/>
+                  </a:ext>
+                </a:extLst>
+              </p:cNvPr>
+              <p:cNvPicPr/>
+              <p:nvPr/>
+            </p:nvPicPr>
+            <p:blipFill>
+              <a:blip r:embed="rId28"/>
+              <a:stretch>
+                <a:fillRect/>
+              </a:stretch>
+            </p:blipFill>
+            <p:spPr>
+              <a:xfrm>
+                <a:off x="3527307" y="5445080"/>
+                <a:ext cx="793440" cy="242280"/>
+              </a:xfrm>
+              <a:prstGeom prst="rect">
+                <a:avLst/>
+              </a:prstGeom>
+            </p:spPr>
+          </p:pic>
+        </mc:Fallback>
+      </mc:AlternateContent>
+      <mc:AlternateContent xmlns:mc="http://schemas.openxmlformats.org/markup-compatibility/2006">
+        <mc:Choice xmlns:p14="http://schemas.microsoft.com/office/powerpoint/2010/main" Requires="p14">
+          <p:contentPart p14:bwMode="auto" r:id="rId29">
+            <p14:nvContentPartPr>
+              <p14:cNvPr id="19" name="Ink 18">
+                <a:extLst>
+                  <a:ext uri="{FF2B5EF4-FFF2-40B4-BE49-F238E27FC236}">
+                    <a16:creationId xmlns:a16="http://schemas.microsoft.com/office/drawing/2014/main" id="{E1A135DA-77AB-A60E-FB74-A39E489805D7}"/>
+                  </a:ext>
+                </a:extLst>
+              </p14:cNvPr>
+              <p14:cNvContentPartPr/>
+              <p14:nvPr/>
+            </p14:nvContentPartPr>
+            <p14:xfrm>
+              <a:off x="3564387" y="3140720"/>
+              <a:ext cx="659880" cy="77400"/>
+            </p14:xfrm>
+          </p:contentPart>
+        </mc:Choice>
+        <mc:Fallback>
+          <p:pic>
+            <p:nvPicPr>
+              <p:cNvPr id="19" name="Ink 18">
+                <a:extLst>
+                  <a:ext uri="{FF2B5EF4-FFF2-40B4-BE49-F238E27FC236}">
+                    <a16:creationId xmlns:a16="http://schemas.microsoft.com/office/drawing/2014/main" id="{E1A135DA-77AB-A60E-FB74-A39E489805D7}"/>
+                  </a:ext>
+                </a:extLst>
+              </p:cNvPr>
+              <p:cNvPicPr/>
+              <p:nvPr/>
+            </p:nvPicPr>
+            <p:blipFill>
+              <a:blip r:embed="rId30"/>
+              <a:stretch>
+                <a:fillRect/>
+              </a:stretch>
+            </p:blipFill>
+            <p:spPr>
+              <a:xfrm>
+                <a:off x="3510387" y="3033080"/>
+                <a:ext cx="767520" cy="293040"/>
+              </a:xfrm>
+              <a:prstGeom prst="rect">
+                <a:avLst/>
+              </a:prstGeom>
+            </p:spPr>
+          </p:pic>
+        </mc:Fallback>
+      </mc:AlternateContent>
+    </p:spTree>
+    <p:extLst>
+      <p:ext uri="{BB962C8B-B14F-4D97-AF65-F5344CB8AC3E}">
+        <p14:creationId xmlns:p14="http://schemas.microsoft.com/office/powerpoint/2010/main" val="1208003850"/>
+      </p:ext>
+    </p:extLst>
+  </p:cSld>
+  <p:clrMapOvr>
+    <a:masterClrMapping/>
+  </p:clrMapOvr>
+</p:sld>
+</file>
+
+<file path=ppt/slides/slide33.xml><?xml version="1.0" encoding="utf-8"?>
+<p:sld xmlns:a="http://schemas.openxmlformats.org/drawingml/2006/main" xmlns:r="http://schemas.openxmlformats.org/officeDocument/2006/relationships" xmlns:p="http://schemas.openxmlformats.org/presentationml/2006/main">
+  <p:cSld>
+    <p:spTree>
+      <p:nvGrpSpPr>
+        <p:cNvPr id="1" name=""/>
+        <p:cNvGrpSpPr/>
+        <p:nvPr/>
+      </p:nvGrpSpPr>
+      <p:grpSpPr>
+        <a:xfrm>
+          <a:off x="0" y="0"/>
+          <a:ext cx="0" cy="0"/>
+          <a:chOff x="0" y="0"/>
+          <a:chExt cx="0" cy="0"/>
+        </a:xfrm>
+      </p:grpSpPr>
+      <p:sp>
+        <p:nvSpPr>
+          <p:cNvPr id="2" name="Title 1">
+            <a:extLst>
+              <a:ext uri="{FF2B5EF4-FFF2-40B4-BE49-F238E27FC236}">
+                <a16:creationId xmlns:a16="http://schemas.microsoft.com/office/drawing/2014/main" id="{4E9D64B3-F3A1-73BF-13D6-7DE742148D3F}"/>
+              </a:ext>
+            </a:extLst>
+          </p:cNvPr>
+          <p:cNvSpPr>
+            <a:spLocks noGrp="1"/>
+          </p:cNvSpPr>
+          <p:nvPr>
+            <p:ph type="title"/>
+          </p:nvPr>
+        </p:nvSpPr>
+        <p:spPr>
+          <a:xfrm>
+            <a:off x="1066800" y="2624328"/>
+            <a:ext cx="10058400" cy="1609344"/>
+          </a:xfrm>
+        </p:spPr>
+        <p:txBody>
+          <a:bodyPr/>
+          <a:lstStyle/>
+          <a:p>
+            <a:pPr algn="ctr"/>
+            <a:r>
+              <a:rPr lang="en-DE" dirty="0"/>
+              <a:t>Time for </a:t>
+            </a:r>
+            <a:r>
+              <a:rPr lang="en-GB" dirty="0" err="1"/>
+              <a:t>th</a:t>
+            </a:r>
+            <a:r>
+              <a:rPr lang="en-DE" dirty="0"/>
+              <a:t>e IDE</a:t>
+            </a:r>
+          </a:p>
+        </p:txBody>
+      </p:sp>
+    </p:spTree>
+    <p:extLst>
+      <p:ext uri="{BB962C8B-B14F-4D97-AF65-F5344CB8AC3E}">
+        <p14:creationId xmlns:p14="http://schemas.microsoft.com/office/powerpoint/2010/main" val="643515521"/>
+      </p:ext>
+    </p:extLst>
+  </p:cSld>
+  <p:clrMapOvr>
+    <a:masterClrMapping/>
+  </p:clrMapOvr>
+</p:sld>
+</file>
+
+<file path=ppt/slides/slide34.xml><?xml version="1.0" encoding="utf-8"?>
+<p:sld xmlns:a="http://schemas.openxmlformats.org/drawingml/2006/main" xmlns:r="http://schemas.openxmlformats.org/officeDocument/2006/relationships" xmlns:p="http://schemas.openxmlformats.org/presentationml/2006/main">
+  <p:cSld>
+    <p:spTree>
+      <p:nvGrpSpPr>
+        <p:cNvPr id="1" name=""/>
+        <p:cNvGrpSpPr/>
+        <p:nvPr/>
+      </p:nvGrpSpPr>
+      <p:grpSpPr>
+        <a:xfrm>
+          <a:off x="0" y="0"/>
+          <a:ext cx="0" cy="0"/>
+          <a:chOff x="0" y="0"/>
+          <a:chExt cx="0" cy="0"/>
+        </a:xfrm>
+      </p:grpSpPr>
+      <p:sp>
+        <p:nvSpPr>
+          <p:cNvPr id="2" name="Title 1">
+            <a:extLst>
+              <a:ext uri="{FF2B5EF4-FFF2-40B4-BE49-F238E27FC236}">
+                <a16:creationId xmlns:a16="http://schemas.microsoft.com/office/drawing/2014/main" id="{8E6A345B-2B72-2A12-00F9-6CA4E995B6FA}"/>
+              </a:ext>
+            </a:extLst>
+          </p:cNvPr>
+          <p:cNvSpPr>
+            <a:spLocks noGrp="1"/>
+          </p:cNvSpPr>
+          <p:nvPr>
+            <p:ph type="title"/>
+          </p:nvPr>
+        </p:nvSpPr>
+        <p:spPr>
+          <a:xfrm>
+            <a:off x="3015657" y="2624328"/>
+            <a:ext cx="6160685" cy="1609344"/>
+          </a:xfrm>
+        </p:spPr>
+        <p:txBody>
+          <a:bodyPr/>
+          <a:lstStyle/>
+          <a:p>
+            <a:r>
+              <a:rPr lang="en-DE" dirty="0"/>
+              <a:t>Overloading Operators</a:t>
+            </a:r>
+          </a:p>
+        </p:txBody>
+      </p:sp>
+    </p:spTree>
+    <p:extLst>
+      <p:ext uri="{BB962C8B-B14F-4D97-AF65-F5344CB8AC3E}">
+        <p14:creationId xmlns:p14="http://schemas.microsoft.com/office/powerpoint/2010/main" val="383560387"/>
       </p:ext>
     </p:extLst>
   </p:cSld>

--- a/C++/Tutoring/Lectures/Script.pptx
+++ b/C++/Tutoring/Lectures/Script.pptx
@@ -23,22 +23,31 @@
     <p:sldId id="273" r:id="rId17"/>
     <p:sldId id="269" r:id="rId18"/>
     <p:sldId id="274" r:id="rId19"/>
-    <p:sldId id="277" r:id="rId20"/>
-    <p:sldId id="276" r:id="rId21"/>
-    <p:sldId id="281" r:id="rId22"/>
+    <p:sldId id="293" r:id="rId20"/>
+    <p:sldId id="277" r:id="rId21"/>
+    <p:sldId id="276" r:id="rId22"/>
     <p:sldId id="282" r:id="rId23"/>
-    <p:sldId id="283" r:id="rId24"/>
-    <p:sldId id="279" r:id="rId25"/>
-    <p:sldId id="284" r:id="rId26"/>
-    <p:sldId id="285" r:id="rId27"/>
-    <p:sldId id="286" r:id="rId28"/>
-    <p:sldId id="287" r:id="rId29"/>
-    <p:sldId id="288" r:id="rId30"/>
-    <p:sldId id="289" r:id="rId31"/>
-    <p:sldId id="290" r:id="rId32"/>
-    <p:sldId id="280" r:id="rId33"/>
-    <p:sldId id="291" r:id="rId34"/>
-    <p:sldId id="292" r:id="rId35"/>
+    <p:sldId id="281" r:id="rId24"/>
+    <p:sldId id="294" r:id="rId25"/>
+    <p:sldId id="295" r:id="rId26"/>
+    <p:sldId id="298" r:id="rId27"/>
+    <p:sldId id="299" r:id="rId28"/>
+    <p:sldId id="300" r:id="rId29"/>
+    <p:sldId id="301" r:id="rId30"/>
+    <p:sldId id="283" r:id="rId31"/>
+    <p:sldId id="279" r:id="rId32"/>
+    <p:sldId id="284" r:id="rId33"/>
+    <p:sldId id="285" r:id="rId34"/>
+    <p:sldId id="286" r:id="rId35"/>
+    <p:sldId id="287" r:id="rId36"/>
+    <p:sldId id="288" r:id="rId37"/>
+    <p:sldId id="289" r:id="rId38"/>
+    <p:sldId id="290" r:id="rId39"/>
+    <p:sldId id="280" r:id="rId40"/>
+    <p:sldId id="291" r:id="rId41"/>
+    <p:sldId id="292" r:id="rId42"/>
+    <p:sldId id="302" r:id="rId43"/>
+    <p:sldId id="303" r:id="rId44"/>
   </p:sldIdLst>
   <p:sldSz cx="12192000" cy="6858000"/>
   <p:notesSz cx="6858000" cy="9144000"/>
@@ -954,7 +963,7 @@
           <a:p>
             <a:fld id="{0531EBD0-97ED-4A12-B0C8-E7A5E7F3144B}" type="datetimeFigureOut">
               <a:rPr lang="en-DE" smtClean="0"/>
-              <a:t>05/04/2024</a:t>
+              <a:t>09/04/2024</a:t>
             </a:fld>
             <a:endParaRPr lang="en-DE"/>
           </a:p>
@@ -1133,7 +1142,7 @@
           <a:p>
             <a:fld id="{0531EBD0-97ED-4A12-B0C8-E7A5E7F3144B}" type="datetimeFigureOut">
               <a:rPr lang="en-DE" smtClean="0"/>
-              <a:t>05/04/2024</a:t>
+              <a:t>09/04/2024</a:t>
             </a:fld>
             <a:endParaRPr lang="en-DE"/>
           </a:p>
@@ -1313,7 +1322,7 @@
           <a:p>
             <a:fld id="{0531EBD0-97ED-4A12-B0C8-E7A5E7F3144B}" type="datetimeFigureOut">
               <a:rPr lang="en-DE" smtClean="0"/>
-              <a:t>05/04/2024</a:t>
+              <a:t>09/04/2024</a:t>
             </a:fld>
             <a:endParaRPr lang="en-DE"/>
           </a:p>
@@ -1483,7 +1492,7 @@
           <a:p>
             <a:fld id="{0531EBD0-97ED-4A12-B0C8-E7A5E7F3144B}" type="datetimeFigureOut">
               <a:rPr lang="en-DE" smtClean="0"/>
-              <a:t>05/04/2024</a:t>
+              <a:t>09/04/2024</a:t>
             </a:fld>
             <a:endParaRPr lang="en-DE"/>
           </a:p>
@@ -1796,7 +1805,7 @@
           <a:p>
             <a:fld id="{0531EBD0-97ED-4A12-B0C8-E7A5E7F3144B}" type="datetimeFigureOut">
               <a:rPr lang="en-DE" smtClean="0"/>
-              <a:t>05/04/2024</a:t>
+              <a:t>09/04/2024</a:t>
             </a:fld>
             <a:endParaRPr lang="en-DE"/>
           </a:p>
@@ -2182,7 +2191,7 @@
           <a:p>
             <a:fld id="{0531EBD0-97ED-4A12-B0C8-E7A5E7F3144B}" type="datetimeFigureOut">
               <a:rPr lang="en-DE" smtClean="0"/>
-              <a:t>05/04/2024</a:t>
+              <a:t>09/04/2024</a:t>
             </a:fld>
             <a:endParaRPr lang="en-DE"/>
           </a:p>
@@ -2616,7 +2625,7 @@
           <a:p>
             <a:fld id="{0531EBD0-97ED-4A12-B0C8-E7A5E7F3144B}" type="datetimeFigureOut">
               <a:rPr lang="en-DE" smtClean="0"/>
-              <a:t>05/04/2024</a:t>
+              <a:t>09/04/2024</a:t>
             </a:fld>
             <a:endParaRPr lang="en-DE"/>
           </a:p>
@@ -2734,7 +2743,7 @@
           <a:p>
             <a:fld id="{0531EBD0-97ED-4A12-B0C8-E7A5E7F3144B}" type="datetimeFigureOut">
               <a:rPr lang="en-DE" smtClean="0"/>
-              <a:t>05/04/2024</a:t>
+              <a:t>09/04/2024</a:t>
             </a:fld>
             <a:endParaRPr lang="en-DE"/>
           </a:p>
@@ -2829,7 +2838,7 @@
           <a:p>
             <a:fld id="{0531EBD0-97ED-4A12-B0C8-E7A5E7F3144B}" type="datetimeFigureOut">
               <a:rPr lang="en-DE" smtClean="0"/>
-              <a:t>05/04/2024</a:t>
+              <a:t>09/04/2024</a:t>
             </a:fld>
             <a:endParaRPr lang="en-DE"/>
           </a:p>
@@ -3179,7 +3188,7 @@
           <a:p>
             <a:fld id="{0531EBD0-97ED-4A12-B0C8-E7A5E7F3144B}" type="datetimeFigureOut">
               <a:rPr lang="en-DE" smtClean="0"/>
-              <a:t>05/04/2024</a:t>
+              <a:t>09/04/2024</a:t>
             </a:fld>
             <a:endParaRPr lang="en-DE"/>
           </a:p>
@@ -3604,7 +3613,7 @@
           <a:p>
             <a:fld id="{0531EBD0-97ED-4A12-B0C8-E7A5E7F3144B}" type="datetimeFigureOut">
               <a:rPr lang="en-DE" smtClean="0"/>
-              <a:t>05/04/2024</a:t>
+              <a:t>09/04/2024</a:t>
             </a:fld>
             <a:endParaRPr lang="en-DE"/>
           </a:p>
@@ -3885,7 +3894,7 @@
           <a:p>
             <a:fld id="{0531EBD0-97ED-4A12-B0C8-E7A5E7F3144B}" type="datetimeFigureOut">
               <a:rPr lang="en-DE" smtClean="0"/>
-              <a:t>05/04/2024</a:t>
+              <a:t>09/04/2024</a:t>
             </a:fld>
             <a:endParaRPr lang="en-DE"/>
           </a:p>
@@ -7006,6 +7015,172 @@
           <a:chExt cx="0" cy="0"/>
         </a:xfrm>
       </p:grpSpPr>
+      <p:pic>
+        <p:nvPicPr>
+          <p:cNvPr id="5" name="Picture 4">
+            <a:extLst>
+              <a:ext uri="{FF2B5EF4-FFF2-40B4-BE49-F238E27FC236}">
+                <a16:creationId xmlns:a16="http://schemas.microsoft.com/office/drawing/2014/main" id="{F0F2FE31-6B7A-8723-121F-01AAE6C8C4AE}"/>
+              </a:ext>
+            </a:extLst>
+          </p:cNvPr>
+          <p:cNvPicPr>
+            <a:picLocks noChangeAspect="1"/>
+          </p:cNvPicPr>
+          <p:nvPr/>
+        </p:nvPicPr>
+        <p:blipFill>
+          <a:blip r:embed="rId2"/>
+          <a:stretch>
+            <a:fillRect/>
+          </a:stretch>
+        </p:blipFill>
+        <p:spPr>
+          <a:xfrm>
+            <a:off x="1347839" y="0"/>
+            <a:ext cx="9496322" cy="6858000"/>
+          </a:xfrm>
+          <a:prstGeom prst="rect">
+            <a:avLst/>
+          </a:prstGeom>
+        </p:spPr>
+      </p:pic>
+    </p:spTree>
+    <p:extLst>
+      <p:ext uri="{BB962C8B-B14F-4D97-AF65-F5344CB8AC3E}">
+        <p14:creationId xmlns:p14="http://schemas.microsoft.com/office/powerpoint/2010/main" val="1240148403"/>
+      </p:ext>
+    </p:extLst>
+  </p:cSld>
+  <p:clrMapOvr>
+    <a:masterClrMapping/>
+  </p:clrMapOvr>
+</p:sld>
+</file>
+
+<file path=ppt/slides/slide2.xml><?xml version="1.0" encoding="utf-8"?>
+<p:sld xmlns:a="http://schemas.openxmlformats.org/drawingml/2006/main" xmlns:r="http://schemas.openxmlformats.org/officeDocument/2006/relationships" xmlns:p="http://schemas.openxmlformats.org/presentationml/2006/main">
+  <p:cSld>
+    <p:spTree>
+      <p:nvGrpSpPr>
+        <p:cNvPr id="1" name=""/>
+        <p:cNvGrpSpPr/>
+        <p:nvPr/>
+      </p:nvGrpSpPr>
+      <p:grpSpPr>
+        <a:xfrm>
+          <a:off x="0" y="0"/>
+          <a:ext cx="0" cy="0"/>
+          <a:chOff x="0" y="0"/>
+          <a:chExt cx="0" cy="0"/>
+        </a:xfrm>
+      </p:grpSpPr>
+      <p:sp>
+        <p:nvSpPr>
+          <p:cNvPr id="2" name="Title 1">
+            <a:extLst>
+              <a:ext uri="{FF2B5EF4-FFF2-40B4-BE49-F238E27FC236}">
+                <a16:creationId xmlns:a16="http://schemas.microsoft.com/office/drawing/2014/main" id="{DC6D5514-2414-5E12-4738-441777F1013A}"/>
+              </a:ext>
+            </a:extLst>
+          </p:cNvPr>
+          <p:cNvSpPr>
+            <a:spLocks noGrp="1"/>
+          </p:cNvSpPr>
+          <p:nvPr>
+            <p:ph type="title"/>
+          </p:nvPr>
+        </p:nvSpPr>
+        <p:spPr/>
+        <p:txBody>
+          <a:bodyPr/>
+          <a:lstStyle/>
+          <a:p>
+            <a:r>
+              <a:rPr lang="en-DE" dirty="0"/>
+              <a:t>Crash Course - Plan </a:t>
+            </a:r>
+          </a:p>
+        </p:txBody>
+      </p:sp>
+      <p:sp>
+        <p:nvSpPr>
+          <p:cNvPr id="3" name="Content Placeholder 2">
+            <a:extLst>
+              <a:ext uri="{FF2B5EF4-FFF2-40B4-BE49-F238E27FC236}">
+                <a16:creationId xmlns:a16="http://schemas.microsoft.com/office/drawing/2014/main" id="{095ACEF7-0496-2570-D2C1-62254F263DFF}"/>
+              </a:ext>
+            </a:extLst>
+          </p:cNvPr>
+          <p:cNvSpPr>
+            <a:spLocks noGrp="1"/>
+          </p:cNvSpPr>
+          <p:nvPr>
+            <p:ph idx="1"/>
+          </p:nvPr>
+        </p:nvSpPr>
+        <p:spPr/>
+        <p:txBody>
+          <a:bodyPr/>
+          <a:lstStyle/>
+          <a:p>
+            <a:r>
+              <a:rPr lang="en-DE" dirty="0"/>
+              <a:t>April – Topics/Ex</a:t>
+            </a:r>
+            <a:r>
+              <a:rPr lang="en-GB" dirty="0"/>
+              <a:t>erc</a:t>
+            </a:r>
+            <a:r>
+              <a:rPr lang="en-DE" dirty="0"/>
+              <a:t>ises</a:t>
+            </a:r>
+          </a:p>
+          <a:p>
+            <a:r>
+              <a:rPr lang="en-DE" dirty="0"/>
+              <a:t>May – Review/Exams</a:t>
+            </a:r>
+          </a:p>
+          <a:p>
+            <a:r>
+              <a:rPr lang="en-DE" dirty="0"/>
+              <a:t>June – Weaknesses</a:t>
+            </a:r>
+          </a:p>
+        </p:txBody>
+      </p:sp>
+    </p:spTree>
+    <p:extLst>
+      <p:ext uri="{BB962C8B-B14F-4D97-AF65-F5344CB8AC3E}">
+        <p14:creationId xmlns:p14="http://schemas.microsoft.com/office/powerpoint/2010/main" val="1902791127"/>
+      </p:ext>
+    </p:extLst>
+  </p:cSld>
+  <p:clrMapOvr>
+    <a:masterClrMapping/>
+  </p:clrMapOvr>
+</p:sld>
+</file>
+
+<file path=ppt/slides/slide20.xml><?xml version="1.0" encoding="utf-8"?>
+<p:sld xmlns:a="http://schemas.openxmlformats.org/drawingml/2006/main" xmlns:r="http://schemas.openxmlformats.org/officeDocument/2006/relationships" xmlns:p="http://schemas.openxmlformats.org/presentationml/2006/main">
+  <p:cSld>
+    <p:spTree>
+      <p:nvGrpSpPr>
+        <p:cNvPr id="1" name=""/>
+        <p:cNvGrpSpPr/>
+        <p:nvPr/>
+      </p:nvGrpSpPr>
+      <p:grpSpPr>
+        <a:xfrm>
+          <a:off x="0" y="0"/>
+          <a:ext cx="0" cy="0"/>
+          <a:chOff x="0" y="0"/>
+          <a:chExt cx="0" cy="0"/>
+        </a:xfrm>
+      </p:grpSpPr>
       <p:sp>
         <p:nvSpPr>
           <p:cNvPr id="2" name="Title 1">
@@ -7183,113 +7358,7 @@
 </p:sld>
 </file>
 
-<file path=ppt/slides/slide2.xml><?xml version="1.0" encoding="utf-8"?>
-<p:sld xmlns:a="http://schemas.openxmlformats.org/drawingml/2006/main" xmlns:r="http://schemas.openxmlformats.org/officeDocument/2006/relationships" xmlns:p="http://schemas.openxmlformats.org/presentationml/2006/main">
-  <p:cSld>
-    <p:spTree>
-      <p:nvGrpSpPr>
-        <p:cNvPr id="1" name=""/>
-        <p:cNvGrpSpPr/>
-        <p:nvPr/>
-      </p:nvGrpSpPr>
-      <p:grpSpPr>
-        <a:xfrm>
-          <a:off x="0" y="0"/>
-          <a:ext cx="0" cy="0"/>
-          <a:chOff x="0" y="0"/>
-          <a:chExt cx="0" cy="0"/>
-        </a:xfrm>
-      </p:grpSpPr>
-      <p:sp>
-        <p:nvSpPr>
-          <p:cNvPr id="2" name="Title 1">
-            <a:extLst>
-              <a:ext uri="{FF2B5EF4-FFF2-40B4-BE49-F238E27FC236}">
-                <a16:creationId xmlns:a16="http://schemas.microsoft.com/office/drawing/2014/main" id="{DC6D5514-2414-5E12-4738-441777F1013A}"/>
-              </a:ext>
-            </a:extLst>
-          </p:cNvPr>
-          <p:cNvSpPr>
-            <a:spLocks noGrp="1"/>
-          </p:cNvSpPr>
-          <p:nvPr>
-            <p:ph type="title"/>
-          </p:nvPr>
-        </p:nvSpPr>
-        <p:spPr/>
-        <p:txBody>
-          <a:bodyPr/>
-          <a:lstStyle/>
-          <a:p>
-            <a:r>
-              <a:rPr lang="en-DE" dirty="0"/>
-              <a:t>Crash Course - Plan </a:t>
-            </a:r>
-          </a:p>
-        </p:txBody>
-      </p:sp>
-      <p:sp>
-        <p:nvSpPr>
-          <p:cNvPr id="3" name="Content Placeholder 2">
-            <a:extLst>
-              <a:ext uri="{FF2B5EF4-FFF2-40B4-BE49-F238E27FC236}">
-                <a16:creationId xmlns:a16="http://schemas.microsoft.com/office/drawing/2014/main" id="{095ACEF7-0496-2570-D2C1-62254F263DFF}"/>
-              </a:ext>
-            </a:extLst>
-          </p:cNvPr>
-          <p:cNvSpPr>
-            <a:spLocks noGrp="1"/>
-          </p:cNvSpPr>
-          <p:nvPr>
-            <p:ph idx="1"/>
-          </p:nvPr>
-        </p:nvSpPr>
-        <p:spPr/>
-        <p:txBody>
-          <a:bodyPr/>
-          <a:lstStyle/>
-          <a:p>
-            <a:r>
-              <a:rPr lang="en-DE" dirty="0"/>
-              <a:t>April – Topics/Ex</a:t>
-            </a:r>
-            <a:r>
-              <a:rPr lang="en-GB" dirty="0"/>
-              <a:t>erc</a:t>
-            </a:r>
-            <a:r>
-              <a:rPr lang="en-DE" dirty="0"/>
-              <a:t>ises</a:t>
-            </a:r>
-          </a:p>
-          <a:p>
-            <a:r>
-              <a:rPr lang="en-DE" dirty="0"/>
-              <a:t>May – Review/Exams</a:t>
-            </a:r>
-          </a:p>
-          <a:p>
-            <a:r>
-              <a:rPr lang="en-DE" dirty="0"/>
-              <a:t>June – Weaknesses</a:t>
-            </a:r>
-          </a:p>
-        </p:txBody>
-      </p:sp>
-    </p:spTree>
-    <p:extLst>
-      <p:ext uri="{BB962C8B-B14F-4D97-AF65-F5344CB8AC3E}">
-        <p14:creationId xmlns:p14="http://schemas.microsoft.com/office/powerpoint/2010/main" val="1902791127"/>
-      </p:ext>
-    </p:extLst>
-  </p:cSld>
-  <p:clrMapOvr>
-    <a:masterClrMapping/>
-  </p:clrMapOvr>
-</p:sld>
-</file>
-
-<file path=ppt/slides/slide20.xml><?xml version="1.0" encoding="utf-8"?>
+<file path=ppt/slides/slide21.xml><?xml version="1.0" encoding="utf-8"?>
 <p:sld xmlns:a="http://schemas.openxmlformats.org/drawingml/2006/main" xmlns:r="http://schemas.openxmlformats.org/officeDocument/2006/relationships" xmlns:p="http://schemas.openxmlformats.org/presentationml/2006/main">
   <p:cSld>
     <p:spTree>
@@ -7446,7 +7515,108 @@
 </p:sld>
 </file>
 
-<file path=ppt/slides/slide21.xml><?xml version="1.0" encoding="utf-8"?>
+<file path=ppt/slides/slide22.xml><?xml version="1.0" encoding="utf-8"?>
+<p:sld xmlns:a="http://schemas.openxmlformats.org/drawingml/2006/main" xmlns:r="http://schemas.openxmlformats.org/officeDocument/2006/relationships" xmlns:p="http://schemas.openxmlformats.org/presentationml/2006/main">
+  <p:cSld>
+    <p:spTree>
+      <p:nvGrpSpPr>
+        <p:cNvPr id="1" name=""/>
+        <p:cNvGrpSpPr/>
+        <p:nvPr/>
+      </p:nvGrpSpPr>
+      <p:grpSpPr>
+        <a:xfrm>
+          <a:off x="0" y="0"/>
+          <a:ext cx="0" cy="0"/>
+          <a:chOff x="0" y="0"/>
+          <a:chExt cx="0" cy="0"/>
+        </a:xfrm>
+      </p:grpSpPr>
+      <p:sp>
+        <p:nvSpPr>
+          <p:cNvPr id="2" name="Title 1">
+            <a:extLst>
+              <a:ext uri="{FF2B5EF4-FFF2-40B4-BE49-F238E27FC236}">
+                <a16:creationId xmlns:a16="http://schemas.microsoft.com/office/drawing/2014/main" id="{4DFBA666-1D02-E71A-813E-87FD2FE523FA}"/>
+              </a:ext>
+            </a:extLst>
+          </p:cNvPr>
+          <p:cNvSpPr>
+            <a:spLocks noGrp="1"/>
+          </p:cNvSpPr>
+          <p:nvPr>
+            <p:ph type="title"/>
+          </p:nvPr>
+        </p:nvSpPr>
+        <p:spPr/>
+        <p:txBody>
+          <a:bodyPr/>
+          <a:lstStyle/>
+          <a:p>
+            <a:r>
+              <a:rPr lang="en-DE" dirty="0"/>
+              <a:t>More Types of Constructors</a:t>
+            </a:r>
+          </a:p>
+        </p:txBody>
+      </p:sp>
+      <p:sp>
+        <p:nvSpPr>
+          <p:cNvPr id="3" name="Content Placeholder 2">
+            <a:extLst>
+              <a:ext uri="{FF2B5EF4-FFF2-40B4-BE49-F238E27FC236}">
+                <a16:creationId xmlns:a16="http://schemas.microsoft.com/office/drawing/2014/main" id="{7D7F8EFB-EFBE-EB33-550F-97873B57AE9F}"/>
+              </a:ext>
+            </a:extLst>
+          </p:cNvPr>
+          <p:cNvSpPr>
+            <a:spLocks noGrp="1"/>
+          </p:cNvSpPr>
+          <p:nvPr>
+            <p:ph idx="1"/>
+          </p:nvPr>
+        </p:nvSpPr>
+        <p:spPr/>
+        <p:txBody>
+          <a:bodyPr/>
+          <a:lstStyle/>
+          <a:p>
+            <a:r>
+              <a:rPr lang="en-DE" dirty="0"/>
+              <a:t>Default</a:t>
+            </a:r>
+          </a:p>
+          <a:p>
+            <a:r>
+              <a:rPr lang="en-DE" dirty="0"/>
+              <a:t>User Defined</a:t>
+            </a:r>
+          </a:p>
+          <a:p>
+            <a:r>
+              <a:rPr lang="en-DE" dirty="0"/>
+              <a:t>Copy</a:t>
+            </a:r>
+          </a:p>
+          <a:p>
+            <a:endParaRPr lang="en-DE" dirty="0"/>
+          </a:p>
+        </p:txBody>
+      </p:sp>
+    </p:spTree>
+    <p:extLst>
+      <p:ext uri="{BB962C8B-B14F-4D97-AF65-F5344CB8AC3E}">
+        <p14:creationId xmlns:p14="http://schemas.microsoft.com/office/powerpoint/2010/main" val="1028019138"/>
+      </p:ext>
+    </p:extLst>
+  </p:cSld>
+  <p:clrMapOvr>
+    <a:masterClrMapping/>
+  </p:clrMapOvr>
+</p:sld>
+</file>
+
+<file path=ppt/slides/slide23.xml><?xml version="1.0" encoding="utf-8"?>
 <p:sld xmlns:a="http://schemas.openxmlformats.org/drawingml/2006/main" xmlns:r="http://schemas.openxmlformats.org/officeDocument/2006/relationships" xmlns:p="http://schemas.openxmlformats.org/presentationml/2006/main">
   <p:cSld>
     <p:spTree>
@@ -7557,7 +7727,7 @@
 </p:sld>
 </file>
 
-<file path=ppt/slides/slide22.xml><?xml version="1.0" encoding="utf-8"?>
+<file path=ppt/slides/slide24.xml><?xml version="1.0" encoding="utf-8"?>
 <p:sld xmlns:a="http://schemas.openxmlformats.org/drawingml/2006/main" xmlns:r="http://schemas.openxmlformats.org/officeDocument/2006/relationships" xmlns:p="http://schemas.openxmlformats.org/presentationml/2006/main">
   <p:cSld>
     <p:spTree>
@@ -7579,7 +7749,7 @@
           <p:cNvPr id="2" name="Title 1">
             <a:extLst>
               <a:ext uri="{FF2B5EF4-FFF2-40B4-BE49-F238E27FC236}">
-                <a16:creationId xmlns:a16="http://schemas.microsoft.com/office/drawing/2014/main" id="{4DFBA666-1D02-E71A-813E-87FD2FE523FA}"/>
+                <a16:creationId xmlns:a16="http://schemas.microsoft.com/office/drawing/2014/main" id="{120785AD-2E6D-8DFB-D86A-5C051EB594C6}"/>
               </a:ext>
             </a:extLst>
           </p:cNvPr>
@@ -7595,10 +7765,7 @@
           <a:bodyPr/>
           <a:lstStyle/>
           <a:p>
-            <a:r>
-              <a:rPr lang="en-DE" dirty="0"/>
-              <a:t>Types of Constructors</a:t>
-            </a:r>
+            <a:endParaRPr lang="en-DE"/>
           </a:p>
         </p:txBody>
       </p:sp>
@@ -7607,7 +7774,7 @@
           <p:cNvPr id="3" name="Content Placeholder 2">
             <a:extLst>
               <a:ext uri="{FF2B5EF4-FFF2-40B4-BE49-F238E27FC236}">
-                <a16:creationId xmlns:a16="http://schemas.microsoft.com/office/drawing/2014/main" id="{7D7F8EFB-EFBE-EB33-550F-97873B57AE9F}"/>
+                <a16:creationId xmlns:a16="http://schemas.microsoft.com/office/drawing/2014/main" id="{3A8C6949-3228-1921-D012-C7D24D27759E}"/>
               </a:ext>
             </a:extLst>
           </p:cNvPr>
@@ -7623,26 +7790,44 @@
           <a:bodyPr/>
           <a:lstStyle/>
           <a:p>
-            <a:r>
-              <a:rPr lang="en-DE" dirty="0"/>
-              <a:t>Default</a:t>
-            </a:r>
-          </a:p>
-          <a:p>
-            <a:r>
-              <a:rPr lang="en-DE" dirty="0"/>
-              <a:t>Copy</a:t>
-            </a:r>
-          </a:p>
-          <a:p>
-            <a:endParaRPr lang="en-DE" dirty="0"/>
-          </a:p>
-        </p:txBody>
-      </p:sp>
+            <a:endParaRPr lang="en-DE"/>
+          </a:p>
+        </p:txBody>
+      </p:sp>
+      <p:pic>
+        <p:nvPicPr>
+          <p:cNvPr id="5" name="Picture 4">
+            <a:extLst>
+              <a:ext uri="{FF2B5EF4-FFF2-40B4-BE49-F238E27FC236}">
+                <a16:creationId xmlns:a16="http://schemas.microsoft.com/office/drawing/2014/main" id="{DD78E9DA-3EDE-89B5-BF08-CBDD1BCE3ECD}"/>
+              </a:ext>
+            </a:extLst>
+          </p:cNvPr>
+          <p:cNvPicPr>
+            <a:picLocks noChangeAspect="1"/>
+          </p:cNvPicPr>
+          <p:nvPr/>
+        </p:nvPicPr>
+        <p:blipFill>
+          <a:blip r:embed="rId2"/>
+          <a:stretch>
+            <a:fillRect/>
+          </a:stretch>
+        </p:blipFill>
+        <p:spPr>
+          <a:xfrm>
+            <a:off x="703621" y="0"/>
+            <a:ext cx="10784758" cy="6858000"/>
+          </a:xfrm>
+          <a:prstGeom prst="rect">
+            <a:avLst/>
+          </a:prstGeom>
+        </p:spPr>
+      </p:pic>
     </p:spTree>
     <p:extLst>
       <p:ext uri="{BB962C8B-B14F-4D97-AF65-F5344CB8AC3E}">
-        <p14:creationId xmlns:p14="http://schemas.microsoft.com/office/powerpoint/2010/main" val="1028019138"/>
+        <p14:creationId xmlns:p14="http://schemas.microsoft.com/office/powerpoint/2010/main" val="1547756653"/>
       </p:ext>
     </p:extLst>
   </p:cSld>
@@ -7652,7 +7837,631 @@
 </p:sld>
 </file>
 
-<file path=ppt/slides/slide23.xml><?xml version="1.0" encoding="utf-8"?>
+<file path=ppt/slides/slide25.xml><?xml version="1.0" encoding="utf-8"?>
+<p:sld xmlns:a="http://schemas.openxmlformats.org/drawingml/2006/main" xmlns:r="http://schemas.openxmlformats.org/officeDocument/2006/relationships" xmlns:p="http://schemas.openxmlformats.org/presentationml/2006/main">
+  <p:cSld>
+    <p:spTree>
+      <p:nvGrpSpPr>
+        <p:cNvPr id="1" name=""/>
+        <p:cNvGrpSpPr/>
+        <p:nvPr/>
+      </p:nvGrpSpPr>
+      <p:grpSpPr>
+        <a:xfrm>
+          <a:off x="0" y="0"/>
+          <a:ext cx="0" cy="0"/>
+          <a:chOff x="0" y="0"/>
+          <a:chExt cx="0" cy="0"/>
+        </a:xfrm>
+      </p:grpSpPr>
+      <p:sp>
+        <p:nvSpPr>
+          <p:cNvPr id="2" name="Title 1">
+            <a:extLst>
+              <a:ext uri="{FF2B5EF4-FFF2-40B4-BE49-F238E27FC236}">
+                <a16:creationId xmlns:a16="http://schemas.microsoft.com/office/drawing/2014/main" id="{56A6078C-4A93-78EC-FA58-E467837DC23E}"/>
+              </a:ext>
+            </a:extLst>
+          </p:cNvPr>
+          <p:cNvSpPr>
+            <a:spLocks noGrp="1"/>
+          </p:cNvSpPr>
+          <p:nvPr>
+            <p:ph type="title"/>
+          </p:nvPr>
+        </p:nvSpPr>
+        <p:spPr/>
+        <p:txBody>
+          <a:bodyPr/>
+          <a:lstStyle/>
+          <a:p>
+            <a:endParaRPr lang="en-DE"/>
+          </a:p>
+        </p:txBody>
+      </p:sp>
+      <p:sp>
+        <p:nvSpPr>
+          <p:cNvPr id="3" name="Content Placeholder 2">
+            <a:extLst>
+              <a:ext uri="{FF2B5EF4-FFF2-40B4-BE49-F238E27FC236}">
+                <a16:creationId xmlns:a16="http://schemas.microsoft.com/office/drawing/2014/main" id="{DAD96BBF-48E1-E065-C775-42FF2920AC34}"/>
+              </a:ext>
+            </a:extLst>
+          </p:cNvPr>
+          <p:cNvSpPr>
+            <a:spLocks noGrp="1"/>
+          </p:cNvSpPr>
+          <p:nvPr>
+            <p:ph idx="1"/>
+          </p:nvPr>
+        </p:nvSpPr>
+        <p:spPr/>
+        <p:txBody>
+          <a:bodyPr/>
+          <a:lstStyle/>
+          <a:p>
+            <a:endParaRPr lang="en-DE"/>
+          </a:p>
+        </p:txBody>
+      </p:sp>
+      <p:pic>
+        <p:nvPicPr>
+          <p:cNvPr id="5" name="Picture 4">
+            <a:extLst>
+              <a:ext uri="{FF2B5EF4-FFF2-40B4-BE49-F238E27FC236}">
+                <a16:creationId xmlns:a16="http://schemas.microsoft.com/office/drawing/2014/main" id="{7940C945-B5FF-2875-1FFA-83DE96C85B61}"/>
+              </a:ext>
+            </a:extLst>
+          </p:cNvPr>
+          <p:cNvPicPr>
+            <a:picLocks noChangeAspect="1"/>
+          </p:cNvPicPr>
+          <p:nvPr/>
+        </p:nvPicPr>
+        <p:blipFill>
+          <a:blip r:embed="rId2"/>
+          <a:stretch>
+            <a:fillRect/>
+          </a:stretch>
+        </p:blipFill>
+        <p:spPr>
+          <a:xfrm>
+            <a:off x="997148" y="0"/>
+            <a:ext cx="10197703" cy="6858000"/>
+          </a:xfrm>
+          <a:prstGeom prst="rect">
+            <a:avLst/>
+          </a:prstGeom>
+        </p:spPr>
+      </p:pic>
+    </p:spTree>
+    <p:extLst>
+      <p:ext uri="{BB962C8B-B14F-4D97-AF65-F5344CB8AC3E}">
+        <p14:creationId xmlns:p14="http://schemas.microsoft.com/office/powerpoint/2010/main" val="2779421993"/>
+      </p:ext>
+    </p:extLst>
+  </p:cSld>
+  <p:clrMapOvr>
+    <a:masterClrMapping/>
+  </p:clrMapOvr>
+</p:sld>
+</file>
+
+<file path=ppt/slides/slide26.xml><?xml version="1.0" encoding="utf-8"?>
+<p:sld xmlns:a="http://schemas.openxmlformats.org/drawingml/2006/main" xmlns:r="http://schemas.openxmlformats.org/officeDocument/2006/relationships" xmlns:p="http://schemas.openxmlformats.org/presentationml/2006/main">
+  <p:cSld>
+    <p:spTree>
+      <p:nvGrpSpPr>
+        <p:cNvPr id="1" name=""/>
+        <p:cNvGrpSpPr/>
+        <p:nvPr/>
+      </p:nvGrpSpPr>
+      <p:grpSpPr>
+        <a:xfrm>
+          <a:off x="0" y="0"/>
+          <a:ext cx="0" cy="0"/>
+          <a:chOff x="0" y="0"/>
+          <a:chExt cx="0" cy="0"/>
+        </a:xfrm>
+      </p:grpSpPr>
+      <p:pic>
+        <p:nvPicPr>
+          <p:cNvPr id="5" name="Picture 4">
+            <a:extLst>
+              <a:ext uri="{FF2B5EF4-FFF2-40B4-BE49-F238E27FC236}">
+                <a16:creationId xmlns:a16="http://schemas.microsoft.com/office/drawing/2014/main" id="{2D476770-1F12-BDA2-7554-375142FEA0C1}"/>
+              </a:ext>
+            </a:extLst>
+          </p:cNvPr>
+          <p:cNvPicPr>
+            <a:picLocks noChangeAspect="1"/>
+          </p:cNvPicPr>
+          <p:nvPr/>
+        </p:nvPicPr>
+        <p:blipFill>
+          <a:blip r:embed="rId2"/>
+          <a:stretch>
+            <a:fillRect/>
+          </a:stretch>
+        </p:blipFill>
+        <p:spPr>
+          <a:xfrm>
+            <a:off x="551676" y="123364"/>
+            <a:ext cx="11088647" cy="3305636"/>
+          </a:xfrm>
+          <a:prstGeom prst="rect">
+            <a:avLst/>
+          </a:prstGeom>
+        </p:spPr>
+      </p:pic>
+    </p:spTree>
+    <p:extLst>
+      <p:ext uri="{BB962C8B-B14F-4D97-AF65-F5344CB8AC3E}">
+        <p14:creationId xmlns:p14="http://schemas.microsoft.com/office/powerpoint/2010/main" val="288925045"/>
+      </p:ext>
+    </p:extLst>
+  </p:cSld>
+  <p:clrMapOvr>
+    <a:masterClrMapping/>
+  </p:clrMapOvr>
+</p:sld>
+</file>
+
+<file path=ppt/slides/slide27.xml><?xml version="1.0" encoding="utf-8"?>
+<p:sld xmlns:a="http://schemas.openxmlformats.org/drawingml/2006/main" xmlns:r="http://schemas.openxmlformats.org/officeDocument/2006/relationships" xmlns:p="http://schemas.openxmlformats.org/presentationml/2006/main">
+  <p:cSld>
+    <p:spTree>
+      <p:nvGrpSpPr>
+        <p:cNvPr id="1" name=""/>
+        <p:cNvGrpSpPr/>
+        <p:nvPr/>
+      </p:nvGrpSpPr>
+      <p:grpSpPr>
+        <a:xfrm>
+          <a:off x="0" y="0"/>
+          <a:ext cx="0" cy="0"/>
+          <a:chOff x="0" y="0"/>
+          <a:chExt cx="0" cy="0"/>
+        </a:xfrm>
+      </p:grpSpPr>
+      <p:sp>
+        <p:nvSpPr>
+          <p:cNvPr id="2" name="Title 1">
+            <a:extLst>
+              <a:ext uri="{FF2B5EF4-FFF2-40B4-BE49-F238E27FC236}">
+                <a16:creationId xmlns:a16="http://schemas.microsoft.com/office/drawing/2014/main" id="{569E2B0E-8C3D-D578-80AF-8978BCBFFAA9}"/>
+              </a:ext>
+            </a:extLst>
+          </p:cNvPr>
+          <p:cNvSpPr>
+            <a:spLocks noGrp="1"/>
+          </p:cNvSpPr>
+          <p:nvPr>
+            <p:ph type="title"/>
+          </p:nvPr>
+        </p:nvSpPr>
+        <p:spPr/>
+        <p:txBody>
+          <a:bodyPr/>
+          <a:lstStyle/>
+          <a:p>
+            <a:endParaRPr lang="en-DE"/>
+          </a:p>
+        </p:txBody>
+      </p:sp>
+      <p:sp>
+        <p:nvSpPr>
+          <p:cNvPr id="3" name="Content Placeholder 2">
+            <a:extLst>
+              <a:ext uri="{FF2B5EF4-FFF2-40B4-BE49-F238E27FC236}">
+                <a16:creationId xmlns:a16="http://schemas.microsoft.com/office/drawing/2014/main" id="{7080C0EC-1EC3-B05E-ECFF-F732E6CE23A6}"/>
+              </a:ext>
+            </a:extLst>
+          </p:cNvPr>
+          <p:cNvSpPr>
+            <a:spLocks noGrp="1"/>
+          </p:cNvSpPr>
+          <p:nvPr>
+            <p:ph idx="1"/>
+          </p:nvPr>
+        </p:nvSpPr>
+        <p:spPr/>
+        <p:txBody>
+          <a:bodyPr/>
+          <a:lstStyle/>
+          <a:p>
+            <a:endParaRPr lang="en-DE"/>
+          </a:p>
+        </p:txBody>
+      </p:sp>
+      <p:pic>
+        <p:nvPicPr>
+          <p:cNvPr id="5" name="Picture 4">
+            <a:extLst>
+              <a:ext uri="{FF2B5EF4-FFF2-40B4-BE49-F238E27FC236}">
+                <a16:creationId xmlns:a16="http://schemas.microsoft.com/office/drawing/2014/main" id="{0B789CE9-CB61-DBFF-B83D-A93FC37CA6EC}"/>
+              </a:ext>
+            </a:extLst>
+          </p:cNvPr>
+          <p:cNvPicPr>
+            <a:picLocks noChangeAspect="1"/>
+          </p:cNvPicPr>
+          <p:nvPr/>
+        </p:nvPicPr>
+        <p:blipFill>
+          <a:blip r:embed="rId2"/>
+          <a:stretch>
+            <a:fillRect/>
+          </a:stretch>
+        </p:blipFill>
+        <p:spPr>
+          <a:xfrm>
+            <a:off x="706896" y="0"/>
+            <a:ext cx="10778207" cy="6858000"/>
+          </a:xfrm>
+          <a:prstGeom prst="rect">
+            <a:avLst/>
+          </a:prstGeom>
+        </p:spPr>
+      </p:pic>
+    </p:spTree>
+    <p:extLst>
+      <p:ext uri="{BB962C8B-B14F-4D97-AF65-F5344CB8AC3E}">
+        <p14:creationId xmlns:p14="http://schemas.microsoft.com/office/powerpoint/2010/main" val="2454325630"/>
+      </p:ext>
+    </p:extLst>
+  </p:cSld>
+  <p:clrMapOvr>
+    <a:masterClrMapping/>
+  </p:clrMapOvr>
+</p:sld>
+</file>
+
+<file path=ppt/slides/slide28.xml><?xml version="1.0" encoding="utf-8"?>
+<p:sld xmlns:a="http://schemas.openxmlformats.org/drawingml/2006/main" xmlns:r="http://schemas.openxmlformats.org/officeDocument/2006/relationships" xmlns:p="http://schemas.openxmlformats.org/presentationml/2006/main">
+  <p:cSld>
+    <p:spTree>
+      <p:nvGrpSpPr>
+        <p:cNvPr id="1" name=""/>
+        <p:cNvGrpSpPr/>
+        <p:nvPr/>
+      </p:nvGrpSpPr>
+      <p:grpSpPr>
+        <a:xfrm>
+          <a:off x="0" y="0"/>
+          <a:ext cx="0" cy="0"/>
+          <a:chOff x="0" y="0"/>
+          <a:chExt cx="0" cy="0"/>
+        </a:xfrm>
+      </p:grpSpPr>
+      <p:pic>
+        <p:nvPicPr>
+          <p:cNvPr id="13" name="Picture 12">
+            <a:extLst>
+              <a:ext uri="{FF2B5EF4-FFF2-40B4-BE49-F238E27FC236}">
+                <a16:creationId xmlns:a16="http://schemas.microsoft.com/office/drawing/2014/main" id="{46FF37D3-7B28-4737-9746-9ACFE5DD93C2}"/>
+              </a:ext>
+            </a:extLst>
+          </p:cNvPr>
+          <p:cNvPicPr>
+            <a:picLocks noChangeAspect="1"/>
+          </p:cNvPicPr>
+          <p:nvPr/>
+        </p:nvPicPr>
+        <p:blipFill>
+          <a:blip r:embed="rId2"/>
+          <a:stretch>
+            <a:fillRect/>
+          </a:stretch>
+        </p:blipFill>
+        <p:spPr>
+          <a:xfrm>
+            <a:off x="2149943" y="585650"/>
+            <a:ext cx="8287835" cy="5251407"/>
+          </a:xfrm>
+          <a:prstGeom prst="rect">
+            <a:avLst/>
+          </a:prstGeom>
+        </p:spPr>
+      </p:pic>
+    </p:spTree>
+    <p:extLst>
+      <p:ext uri="{BB962C8B-B14F-4D97-AF65-F5344CB8AC3E}">
+        <p14:creationId xmlns:p14="http://schemas.microsoft.com/office/powerpoint/2010/main" val="1243579433"/>
+      </p:ext>
+    </p:extLst>
+  </p:cSld>
+  <p:clrMapOvr>
+    <a:masterClrMapping/>
+  </p:clrMapOvr>
+</p:sld>
+</file>
+
+<file path=ppt/slides/slide29.xml><?xml version="1.0" encoding="utf-8"?>
+<p:sld xmlns:a="http://schemas.openxmlformats.org/drawingml/2006/main" xmlns:r="http://schemas.openxmlformats.org/officeDocument/2006/relationships" xmlns:p="http://schemas.openxmlformats.org/presentationml/2006/main">
+  <p:cSld>
+    <p:spTree>
+      <p:nvGrpSpPr>
+        <p:cNvPr id="1" name=""/>
+        <p:cNvGrpSpPr/>
+        <p:nvPr/>
+      </p:nvGrpSpPr>
+      <p:grpSpPr>
+        <a:xfrm>
+          <a:off x="0" y="0"/>
+          <a:ext cx="0" cy="0"/>
+          <a:chOff x="0" y="0"/>
+          <a:chExt cx="0" cy="0"/>
+        </a:xfrm>
+      </p:grpSpPr>
+      <p:pic>
+        <p:nvPicPr>
+          <p:cNvPr id="5" name="Picture 4">
+            <a:extLst>
+              <a:ext uri="{FF2B5EF4-FFF2-40B4-BE49-F238E27FC236}">
+                <a16:creationId xmlns:a16="http://schemas.microsoft.com/office/drawing/2014/main" id="{053B2E16-4D22-FC4E-F47C-EA92B9F1C974}"/>
+              </a:ext>
+            </a:extLst>
+          </p:cNvPr>
+          <p:cNvPicPr>
+            <a:picLocks noChangeAspect="1"/>
+          </p:cNvPicPr>
+          <p:nvPr/>
+        </p:nvPicPr>
+        <p:blipFill>
+          <a:blip r:embed="rId2"/>
+          <a:stretch>
+            <a:fillRect/>
+          </a:stretch>
+        </p:blipFill>
+        <p:spPr>
+          <a:xfrm>
+            <a:off x="1462640" y="291829"/>
+            <a:ext cx="9101598" cy="6162539"/>
+          </a:xfrm>
+          <a:prstGeom prst="rect">
+            <a:avLst/>
+          </a:prstGeom>
+        </p:spPr>
+      </p:pic>
+    </p:spTree>
+    <p:extLst>
+      <p:ext uri="{BB962C8B-B14F-4D97-AF65-F5344CB8AC3E}">
+        <p14:creationId xmlns:p14="http://schemas.microsoft.com/office/powerpoint/2010/main" val="1648591467"/>
+      </p:ext>
+    </p:extLst>
+  </p:cSld>
+  <p:clrMapOvr>
+    <a:masterClrMapping/>
+  </p:clrMapOvr>
+</p:sld>
+</file>
+
+<file path=ppt/slides/slide3.xml><?xml version="1.0" encoding="utf-8"?>
+<p:sld xmlns:a="http://schemas.openxmlformats.org/drawingml/2006/main" xmlns:r="http://schemas.openxmlformats.org/officeDocument/2006/relationships" xmlns:p="http://schemas.openxmlformats.org/presentationml/2006/main">
+  <p:cSld>
+    <p:spTree>
+      <p:nvGrpSpPr>
+        <p:cNvPr id="1" name=""/>
+        <p:cNvGrpSpPr/>
+        <p:nvPr/>
+      </p:nvGrpSpPr>
+      <p:grpSpPr>
+        <a:xfrm>
+          <a:off x="0" y="0"/>
+          <a:ext cx="0" cy="0"/>
+          <a:chOff x="0" y="0"/>
+          <a:chExt cx="0" cy="0"/>
+        </a:xfrm>
+      </p:grpSpPr>
+      <p:sp>
+        <p:nvSpPr>
+          <p:cNvPr id="2" name="Title 1">
+            <a:extLst>
+              <a:ext uri="{FF2B5EF4-FFF2-40B4-BE49-F238E27FC236}">
+                <a16:creationId xmlns:a16="http://schemas.microsoft.com/office/drawing/2014/main" id="{72C4C2A1-758E-860A-6D62-A7DDECAC36DD}"/>
+              </a:ext>
+            </a:extLst>
+          </p:cNvPr>
+          <p:cNvSpPr>
+            <a:spLocks noGrp="1"/>
+          </p:cNvSpPr>
+          <p:nvPr>
+            <p:ph type="title"/>
+          </p:nvPr>
+        </p:nvSpPr>
+        <p:spPr/>
+        <p:txBody>
+          <a:bodyPr/>
+          <a:lstStyle/>
+          <a:p>
+            <a:r>
+              <a:rPr lang="en-DE" dirty="0" err="1"/>
+              <a:t>Thi</a:t>
+            </a:r>
+            <a:r>
+              <a:rPr lang="en-GB" dirty="0"/>
+              <a:t>ng</a:t>
+            </a:r>
+            <a:r>
+              <a:rPr lang="en-DE" dirty="0"/>
+              <a:t>s to consider from the start – Self Develop</a:t>
+            </a:r>
+            <a:r>
+              <a:rPr lang="en-GB" dirty="0" err="1"/>
+              <a:t>ment</a:t>
+            </a:r>
+            <a:endParaRPr lang="en-DE" dirty="0"/>
+          </a:p>
+        </p:txBody>
+      </p:sp>
+      <p:sp>
+        <p:nvSpPr>
+          <p:cNvPr id="3" name="Content Placeholder 2">
+            <a:extLst>
+              <a:ext uri="{FF2B5EF4-FFF2-40B4-BE49-F238E27FC236}">
+                <a16:creationId xmlns:a16="http://schemas.microsoft.com/office/drawing/2014/main" id="{0899496F-5772-B315-43D9-F6285CE3B2A4}"/>
+              </a:ext>
+            </a:extLst>
+          </p:cNvPr>
+          <p:cNvSpPr>
+            <a:spLocks noGrp="1"/>
+          </p:cNvSpPr>
+          <p:nvPr>
+            <p:ph idx="1"/>
+          </p:nvPr>
+        </p:nvSpPr>
+        <p:spPr/>
+        <p:txBody>
+          <a:bodyPr/>
+          <a:lstStyle/>
+          <a:p>
+            <a:r>
+              <a:rPr lang="en-DE" dirty="0"/>
+              <a:t>Rule book</a:t>
+            </a:r>
+          </a:p>
+          <a:p>
+            <a:pPr lvl="1"/>
+            <a:r>
+              <a:rPr lang="en-DE" dirty="0"/>
+              <a:t>Splitting up the topics</a:t>
+            </a:r>
+          </a:p>
+          <a:p>
+            <a:r>
+              <a:rPr lang="en-DE" dirty="0"/>
+              <a:t>Using external reso</a:t>
+            </a:r>
+            <a:r>
+              <a:rPr lang="en-GB" dirty="0"/>
+              <a:t>ur</a:t>
+            </a:r>
+            <a:r>
+              <a:rPr lang="en-DE" dirty="0"/>
+              <a:t>ces for having a bigger picture</a:t>
+            </a:r>
+          </a:p>
+          <a:p>
+            <a:pPr lvl="1"/>
+            <a:r>
+              <a:rPr lang="en-DE" dirty="0"/>
+              <a:t>Primary source:</a:t>
+            </a:r>
+          </a:p>
+          <a:p>
+            <a:pPr lvl="2"/>
+            <a:r>
+              <a:rPr lang="en-DE" dirty="0"/>
+              <a:t>Prof. Script</a:t>
+            </a:r>
+          </a:p>
+          <a:p>
+            <a:pPr lvl="2"/>
+            <a:r>
+              <a:rPr lang="en-DE" dirty="0" err="1"/>
+              <a:t>LearnCPP</a:t>
+            </a:r>
+            <a:r>
+              <a:rPr lang="en-DE" dirty="0"/>
+              <a:t> Website: </a:t>
+            </a:r>
+            <a:r>
+              <a:rPr lang="en-GB" dirty="0">
+                <a:hlinkClick r:id="rId2"/>
+              </a:rPr>
+              <a:t>Learn C++ – Skill up with our free tutorials (learncpp.com)</a:t>
+            </a:r>
+            <a:endParaRPr lang="en-DE" dirty="0"/>
+          </a:p>
+          <a:p>
+            <a:pPr lvl="2"/>
+            <a:r>
+              <a:rPr lang="en-DE" dirty="0"/>
+              <a:t>Udemy C</a:t>
+            </a:r>
+            <a:r>
+              <a:rPr lang="en-GB" dirty="0"/>
+              <a:t>o</a:t>
+            </a:r>
+            <a:r>
+              <a:rPr lang="en-DE" dirty="0" err="1"/>
+              <a:t>urse</a:t>
+            </a:r>
+            <a:r>
+              <a:rPr lang="en-DE" dirty="0"/>
+              <a:t>, most of you </a:t>
+            </a:r>
+            <a:r>
+              <a:rPr lang="en-DE" dirty="0" err="1"/>
+              <a:t>alre</a:t>
+            </a:r>
+            <a:r>
+              <a:rPr lang="en-GB" dirty="0"/>
+              <a:t>ad</a:t>
+            </a:r>
+            <a:r>
+              <a:rPr lang="en-DE" dirty="0"/>
+              <a:t>y know about it </a:t>
+            </a:r>
+            <a:r>
+              <a:rPr lang="en-DE" dirty="0">
+                <a:sym typeface="Wingdings" panose="05000000000000000000" pitchFamily="2" charset="2"/>
+              </a:rPr>
+              <a:t></a:t>
+            </a:r>
+            <a:endParaRPr lang="en-DE" dirty="0"/>
+          </a:p>
+          <a:p>
+            <a:r>
+              <a:rPr lang="en-DE" dirty="0"/>
+              <a:t>Power of Chat GPT (Le</a:t>
+            </a:r>
+            <a:r>
+              <a:rPr lang="en-GB" dirty="0" err="1"/>
+              <a:t>ar</a:t>
+            </a:r>
+            <a:r>
+              <a:rPr lang="en-DE" dirty="0" err="1"/>
+              <a:t>ning</a:t>
+            </a:r>
+            <a:r>
+              <a:rPr lang="en-DE" dirty="0"/>
+              <a:t> </a:t>
+            </a:r>
+            <a:r>
+              <a:rPr lang="en-DE" dirty="0" err="1"/>
+              <a:t>Techn</a:t>
+            </a:r>
+            <a:r>
+              <a:rPr lang="en-GB" dirty="0" err="1"/>
+              <a:t>iq</a:t>
+            </a:r>
+            <a:r>
+              <a:rPr lang="en-DE" dirty="0" err="1"/>
+              <a:t>ues</a:t>
+            </a:r>
+            <a:r>
+              <a:rPr lang="en-DE" dirty="0"/>
+              <a:t>)</a:t>
+            </a:r>
+          </a:p>
+        </p:txBody>
+      </p:sp>
+    </p:spTree>
+    <p:extLst>
+      <p:ext uri="{BB962C8B-B14F-4D97-AF65-F5344CB8AC3E}">
+        <p14:creationId xmlns:p14="http://schemas.microsoft.com/office/powerpoint/2010/main" val="3709369980"/>
+      </p:ext>
+    </p:extLst>
+  </p:cSld>
+  <p:clrMapOvr>
+    <a:masterClrMapping/>
+  </p:clrMapOvr>
+</p:sld>
+</file>
+
+<file path=ppt/slides/slide30.xml><?xml version="1.0" encoding="utf-8"?>
 <p:sld xmlns:a="http://schemas.openxmlformats.org/drawingml/2006/main" xmlns:r="http://schemas.openxmlformats.org/officeDocument/2006/relationships" xmlns:p="http://schemas.openxmlformats.org/presentationml/2006/main">
   <p:cSld>
     <p:spTree>
@@ -7763,7 +8572,7 @@
 </p:sld>
 </file>
 
-<file path=ppt/slides/slide24.xml><?xml version="1.0" encoding="utf-8"?>
+<file path=ppt/slides/slide31.xml><?xml version="1.0" encoding="utf-8"?>
 <p:sld xmlns:a="http://schemas.openxmlformats.org/drawingml/2006/main" xmlns:r="http://schemas.openxmlformats.org/officeDocument/2006/relationships" xmlns:p="http://schemas.openxmlformats.org/presentationml/2006/main">
   <p:cSld>
     <p:spTree>
@@ -7831,7 +8640,7 @@
 </p:sld>
 </file>
 
-<file path=ppt/slides/slide25.xml><?xml version="1.0" encoding="utf-8"?>
+<file path=ppt/slides/slide32.xml><?xml version="1.0" encoding="utf-8"?>
 <p:sld xmlns:a="http://schemas.openxmlformats.org/drawingml/2006/main" xmlns:r="http://schemas.openxmlformats.org/officeDocument/2006/relationships" xmlns:p="http://schemas.openxmlformats.org/presentationml/2006/main">
   <p:cSld>
     <p:spTree>
@@ -7890,7 +8699,7 @@
 </p:sld>
 </file>
 
-<file path=ppt/slides/slide26.xml><?xml version="1.0" encoding="utf-8"?>
+<file path=ppt/slides/slide33.xml><?xml version="1.0" encoding="utf-8"?>
 <p:sld xmlns:a="http://schemas.openxmlformats.org/drawingml/2006/main" xmlns:r="http://schemas.openxmlformats.org/officeDocument/2006/relationships" xmlns:p="http://schemas.openxmlformats.org/presentationml/2006/main">
   <p:cSld>
     <p:spTree>
@@ -7961,7 +8770,7 @@
 </p:sld>
 </file>
 
-<file path=ppt/slides/slide27.xml><?xml version="1.0" encoding="utf-8"?>
+<file path=ppt/slides/slide34.xml><?xml version="1.0" encoding="utf-8"?>
 <p:sld xmlns:a="http://schemas.openxmlformats.org/drawingml/2006/main" xmlns:r="http://schemas.openxmlformats.org/officeDocument/2006/relationships" xmlns:p="http://schemas.openxmlformats.org/presentationml/2006/main">
   <p:cSld>
     <p:bg>
@@ -8789,7 +9598,7 @@
 </p:sld>
 </file>
 
-<file path=ppt/slides/slide28.xml><?xml version="1.0" encoding="utf-8"?>
+<file path=ppt/slides/slide35.xml><?xml version="1.0" encoding="utf-8"?>
 <p:sld xmlns:a="http://schemas.openxmlformats.org/drawingml/2006/main" xmlns:r="http://schemas.openxmlformats.org/officeDocument/2006/relationships" xmlns:p="http://schemas.openxmlformats.org/presentationml/2006/main">
   <p:cSld>
     <p:spTree>
@@ -8866,7 +9675,7 @@
 </p:sld>
 </file>
 
-<file path=ppt/slides/slide29.xml><?xml version="1.0" encoding="utf-8"?>
+<file path=ppt/slides/slide36.xml><?xml version="1.0" encoding="utf-8"?>
 <p:sld xmlns:a="http://schemas.openxmlformats.org/drawingml/2006/main" xmlns:r="http://schemas.openxmlformats.org/officeDocument/2006/relationships" xmlns:p="http://schemas.openxmlformats.org/presentationml/2006/main">
   <p:cSld>
     <p:spTree>
@@ -8925,7 +9734,7 @@
 </p:sld>
 </file>
 
-<file path=ppt/slides/slide3.xml><?xml version="1.0" encoding="utf-8"?>
+<file path=ppt/slides/slide37.xml><?xml version="1.0" encoding="utf-8"?>
 <p:sld xmlns:a="http://schemas.openxmlformats.org/drawingml/2006/main" xmlns:r="http://schemas.openxmlformats.org/officeDocument/2006/relationships" xmlns:p="http://schemas.openxmlformats.org/presentationml/2006/main">
   <p:cSld>
     <p:spTree>
@@ -8947,230 +9756,6 @@
           <p:cNvPr id="2" name="Title 1">
             <a:extLst>
               <a:ext uri="{FF2B5EF4-FFF2-40B4-BE49-F238E27FC236}">
-                <a16:creationId xmlns:a16="http://schemas.microsoft.com/office/drawing/2014/main" id="{72C4C2A1-758E-860A-6D62-A7DDECAC36DD}"/>
-              </a:ext>
-            </a:extLst>
-          </p:cNvPr>
-          <p:cNvSpPr>
-            <a:spLocks noGrp="1"/>
-          </p:cNvSpPr>
-          <p:nvPr>
-            <p:ph type="title"/>
-          </p:nvPr>
-        </p:nvSpPr>
-        <p:spPr/>
-        <p:txBody>
-          <a:bodyPr/>
-          <a:lstStyle/>
-          <a:p>
-            <a:r>
-              <a:rPr lang="en-DE" dirty="0" err="1"/>
-              <a:t>Thi</a:t>
-            </a:r>
-            <a:r>
-              <a:rPr lang="en-GB" dirty="0"/>
-              <a:t>ng</a:t>
-            </a:r>
-            <a:r>
-              <a:rPr lang="en-DE" dirty="0"/>
-              <a:t>s to consider from the start – Self Develop</a:t>
-            </a:r>
-            <a:r>
-              <a:rPr lang="en-GB" dirty="0" err="1"/>
-              <a:t>ment</a:t>
-            </a:r>
-            <a:endParaRPr lang="en-DE" dirty="0"/>
-          </a:p>
-        </p:txBody>
-      </p:sp>
-      <p:sp>
-        <p:nvSpPr>
-          <p:cNvPr id="3" name="Content Placeholder 2">
-            <a:extLst>
-              <a:ext uri="{FF2B5EF4-FFF2-40B4-BE49-F238E27FC236}">
-                <a16:creationId xmlns:a16="http://schemas.microsoft.com/office/drawing/2014/main" id="{0899496F-5772-B315-43D9-F6285CE3B2A4}"/>
-              </a:ext>
-            </a:extLst>
-          </p:cNvPr>
-          <p:cNvSpPr>
-            <a:spLocks noGrp="1"/>
-          </p:cNvSpPr>
-          <p:nvPr>
-            <p:ph idx="1"/>
-          </p:nvPr>
-        </p:nvSpPr>
-        <p:spPr/>
-        <p:txBody>
-          <a:bodyPr/>
-          <a:lstStyle/>
-          <a:p>
-            <a:r>
-              <a:rPr lang="en-DE" dirty="0"/>
-              <a:t>Rule book</a:t>
-            </a:r>
-          </a:p>
-          <a:p>
-            <a:pPr lvl="1"/>
-            <a:r>
-              <a:rPr lang="en-DE" dirty="0"/>
-              <a:t>Splitting up the topics</a:t>
-            </a:r>
-          </a:p>
-          <a:p>
-            <a:r>
-              <a:rPr lang="en-DE" dirty="0"/>
-              <a:t>Using external reso</a:t>
-            </a:r>
-            <a:r>
-              <a:rPr lang="en-GB" dirty="0"/>
-              <a:t>ur</a:t>
-            </a:r>
-            <a:r>
-              <a:rPr lang="en-DE" dirty="0"/>
-              <a:t>ces for having a bigger picture</a:t>
-            </a:r>
-          </a:p>
-          <a:p>
-            <a:pPr lvl="1"/>
-            <a:r>
-              <a:rPr lang="en-DE" dirty="0"/>
-              <a:t>Primary source:</a:t>
-            </a:r>
-          </a:p>
-          <a:p>
-            <a:pPr lvl="2"/>
-            <a:r>
-              <a:rPr lang="en-DE" dirty="0"/>
-              <a:t>Prof. Script</a:t>
-            </a:r>
-          </a:p>
-          <a:p>
-            <a:pPr lvl="2"/>
-            <a:r>
-              <a:rPr lang="en-DE" dirty="0" err="1"/>
-              <a:t>LearnCPP</a:t>
-            </a:r>
-            <a:r>
-              <a:rPr lang="en-DE" dirty="0"/>
-              <a:t> Website: </a:t>
-            </a:r>
-            <a:r>
-              <a:rPr lang="en-GB" dirty="0">
-                <a:hlinkClick r:id="rId2"/>
-              </a:rPr>
-              <a:t>Learn C++ – Skill up with our free tutorials (learncpp.com)</a:t>
-            </a:r>
-            <a:endParaRPr lang="en-DE" dirty="0"/>
-          </a:p>
-          <a:p>
-            <a:pPr lvl="2"/>
-            <a:r>
-              <a:rPr lang="en-DE" dirty="0"/>
-              <a:t>Udemy C</a:t>
-            </a:r>
-            <a:r>
-              <a:rPr lang="en-GB" dirty="0"/>
-              <a:t>o</a:t>
-            </a:r>
-            <a:r>
-              <a:rPr lang="en-DE" dirty="0" err="1"/>
-              <a:t>urse</a:t>
-            </a:r>
-            <a:r>
-              <a:rPr lang="en-DE" dirty="0"/>
-              <a:t>, most of you </a:t>
-            </a:r>
-            <a:r>
-              <a:rPr lang="en-DE" dirty="0" err="1"/>
-              <a:t>alre</a:t>
-            </a:r>
-            <a:r>
-              <a:rPr lang="en-GB" dirty="0"/>
-              <a:t>ad</a:t>
-            </a:r>
-            <a:r>
-              <a:rPr lang="en-DE" dirty="0"/>
-              <a:t>y know about it </a:t>
-            </a:r>
-            <a:r>
-              <a:rPr lang="en-DE" dirty="0">
-                <a:sym typeface="Wingdings" panose="05000000000000000000" pitchFamily="2" charset="2"/>
-              </a:rPr>
-              <a:t></a:t>
-            </a:r>
-            <a:endParaRPr lang="en-DE" dirty="0"/>
-          </a:p>
-          <a:p>
-            <a:r>
-              <a:rPr lang="en-DE" dirty="0"/>
-              <a:t>Power of Chat GPT (Le</a:t>
-            </a:r>
-            <a:r>
-              <a:rPr lang="en-GB" dirty="0" err="1"/>
-              <a:t>ar</a:t>
-            </a:r>
-            <a:r>
-              <a:rPr lang="en-DE" dirty="0" err="1"/>
-              <a:t>ning</a:t>
-            </a:r>
-            <a:r>
-              <a:rPr lang="en-DE" dirty="0"/>
-              <a:t> </a:t>
-            </a:r>
-            <a:r>
-              <a:rPr lang="en-DE" dirty="0" err="1"/>
-              <a:t>Techn</a:t>
-            </a:r>
-            <a:r>
-              <a:rPr lang="en-GB" dirty="0" err="1"/>
-              <a:t>iq</a:t>
-            </a:r>
-            <a:r>
-              <a:rPr lang="en-DE" dirty="0" err="1"/>
-              <a:t>ues</a:t>
-            </a:r>
-            <a:r>
-              <a:rPr lang="en-DE" dirty="0"/>
-              <a:t>)</a:t>
-            </a:r>
-          </a:p>
-        </p:txBody>
-      </p:sp>
-    </p:spTree>
-    <p:extLst>
-      <p:ext uri="{BB962C8B-B14F-4D97-AF65-F5344CB8AC3E}">
-        <p14:creationId xmlns:p14="http://schemas.microsoft.com/office/powerpoint/2010/main" val="3709369980"/>
-      </p:ext>
-    </p:extLst>
-  </p:cSld>
-  <p:clrMapOvr>
-    <a:masterClrMapping/>
-  </p:clrMapOvr>
-</p:sld>
-</file>
-
-<file path=ppt/slides/slide30.xml><?xml version="1.0" encoding="utf-8"?>
-<p:sld xmlns:a="http://schemas.openxmlformats.org/drawingml/2006/main" xmlns:r="http://schemas.openxmlformats.org/officeDocument/2006/relationships" xmlns:p="http://schemas.openxmlformats.org/presentationml/2006/main">
-  <p:cSld>
-    <p:spTree>
-      <p:nvGrpSpPr>
-        <p:cNvPr id="1" name=""/>
-        <p:cNvGrpSpPr/>
-        <p:nvPr/>
-      </p:nvGrpSpPr>
-      <p:grpSpPr>
-        <a:xfrm>
-          <a:off x="0" y="0"/>
-          <a:ext cx="0" cy="0"/>
-          <a:chOff x="0" y="0"/>
-          <a:chExt cx="0" cy="0"/>
-        </a:xfrm>
-      </p:grpSpPr>
-      <p:sp>
-        <p:nvSpPr>
-          <p:cNvPr id="2" name="Title 1">
-            <a:extLst>
-              <a:ext uri="{FF2B5EF4-FFF2-40B4-BE49-F238E27FC236}">
                 <a16:creationId xmlns:a16="http://schemas.microsoft.com/office/drawing/2014/main" id="{8FD18EB1-98DA-0866-DC0E-8712B60FC2A5}"/>
               </a:ext>
             </a:extLst>
@@ -9215,7 +9800,7 @@
 </p:sld>
 </file>
 
-<file path=ppt/slides/slide31.xml><?xml version="1.0" encoding="utf-8"?>
+<file path=ppt/slides/slide38.xml><?xml version="1.0" encoding="utf-8"?>
 <p:sld xmlns:a="http://schemas.openxmlformats.org/drawingml/2006/main" xmlns:r="http://schemas.openxmlformats.org/officeDocument/2006/relationships" xmlns:p="http://schemas.openxmlformats.org/presentationml/2006/main">
   <p:cSld>
     <p:spTree>
@@ -9304,7 +9889,7 @@
 </p:sld>
 </file>
 
-<file path=ppt/slides/slide32.xml><?xml version="1.0" encoding="utf-8"?>
+<file path=ppt/slides/slide39.xml><?xml version="1.0" encoding="utf-8"?>
 <p:sld xmlns:a="http://schemas.openxmlformats.org/drawingml/2006/main" xmlns:r="http://schemas.openxmlformats.org/officeDocument/2006/relationships" xmlns:p="http://schemas.openxmlformats.org/presentationml/2006/main">
   <p:cSld>
     <p:spTree>
@@ -9351,8 +9936,8 @@
           </a:prstGeom>
         </p:spPr>
       </p:pic>
-      <mc:AlternateContent xmlns:mc="http://schemas.openxmlformats.org/markup-compatibility/2006">
-        <mc:Choice xmlns:p14="http://schemas.microsoft.com/office/powerpoint/2010/main" Requires="p14">
+      <mc:AlternateContent xmlns:mc="http://schemas.openxmlformats.org/markup-compatibility/2006" xmlns:p14="http://schemas.microsoft.com/office/powerpoint/2010/main">
+        <mc:Choice Requires="p14">
           <p:contentPart p14:bwMode="auto" r:id="rId3">
             <p14:nvContentPartPr>
               <p14:cNvPr id="6" name="Ink 5">
@@ -9371,7 +9956,7 @@
             </p14:xfrm>
           </p:contentPart>
         </mc:Choice>
-        <mc:Fallback>
+        <mc:Fallback xmlns="">
           <p:pic>
             <p:nvPicPr>
               <p:cNvPr id="6" name="Ink 5">
@@ -9402,8 +9987,8 @@
           </p:pic>
         </mc:Fallback>
       </mc:AlternateContent>
-      <mc:AlternateContent xmlns:mc="http://schemas.openxmlformats.org/markup-compatibility/2006">
-        <mc:Choice xmlns:p14="http://schemas.microsoft.com/office/powerpoint/2010/main" Requires="p14">
+      <mc:AlternateContent xmlns:mc="http://schemas.openxmlformats.org/markup-compatibility/2006" xmlns:p14="http://schemas.microsoft.com/office/powerpoint/2010/main">
+        <mc:Choice Requires="p14">
           <p:contentPart p14:bwMode="auto" r:id="rId5">
             <p14:nvContentPartPr>
               <p14:cNvPr id="7" name="Ink 6">
@@ -9422,7 +10007,7 @@
             </p14:xfrm>
           </p:contentPart>
         </mc:Choice>
-        <mc:Fallback>
+        <mc:Fallback xmlns="">
           <p:pic>
             <p:nvPicPr>
               <p:cNvPr id="7" name="Ink 6">
@@ -9453,8 +10038,8 @@
           </p:pic>
         </mc:Fallback>
       </mc:AlternateContent>
-      <mc:AlternateContent xmlns:mc="http://schemas.openxmlformats.org/markup-compatibility/2006">
-        <mc:Choice xmlns:p14="http://schemas.microsoft.com/office/powerpoint/2010/main" Requires="p14">
+      <mc:AlternateContent xmlns:mc="http://schemas.openxmlformats.org/markup-compatibility/2006" xmlns:p14="http://schemas.microsoft.com/office/powerpoint/2010/main">
+        <mc:Choice Requires="p14">
           <p:contentPart p14:bwMode="auto" r:id="rId7">
             <p14:nvContentPartPr>
               <p14:cNvPr id="8" name="Ink 7">
@@ -9473,7 +10058,7 @@
             </p14:xfrm>
           </p:contentPart>
         </mc:Choice>
-        <mc:Fallback>
+        <mc:Fallback xmlns="">
           <p:pic>
             <p:nvPicPr>
               <p:cNvPr id="8" name="Ink 7">
@@ -9504,8 +10089,8 @@
           </p:pic>
         </mc:Fallback>
       </mc:AlternateContent>
-      <mc:AlternateContent xmlns:mc="http://schemas.openxmlformats.org/markup-compatibility/2006">
-        <mc:Choice xmlns:p14="http://schemas.microsoft.com/office/powerpoint/2010/main" Requires="p14">
+      <mc:AlternateContent xmlns:mc="http://schemas.openxmlformats.org/markup-compatibility/2006" xmlns:p14="http://schemas.microsoft.com/office/powerpoint/2010/main">
+        <mc:Choice Requires="p14">
           <p:contentPart p14:bwMode="auto" r:id="rId9">
             <p14:nvContentPartPr>
               <p14:cNvPr id="9" name="Ink 8">
@@ -9524,7 +10109,7 @@
             </p14:xfrm>
           </p:contentPart>
         </mc:Choice>
-        <mc:Fallback>
+        <mc:Fallback xmlns="">
           <p:pic>
             <p:nvPicPr>
               <p:cNvPr id="9" name="Ink 8">
@@ -9555,8 +10140,8 @@
           </p:pic>
         </mc:Fallback>
       </mc:AlternateContent>
-      <mc:AlternateContent xmlns:mc="http://schemas.openxmlformats.org/markup-compatibility/2006">
-        <mc:Choice xmlns:p14="http://schemas.microsoft.com/office/powerpoint/2010/main" Requires="p14">
+      <mc:AlternateContent xmlns:mc="http://schemas.openxmlformats.org/markup-compatibility/2006" xmlns:p14="http://schemas.microsoft.com/office/powerpoint/2010/main">
+        <mc:Choice Requires="p14">
           <p:contentPart p14:bwMode="auto" r:id="rId11">
             <p14:nvContentPartPr>
               <p14:cNvPr id="10" name="Ink 9">
@@ -9575,7 +10160,7 @@
             </p14:xfrm>
           </p:contentPart>
         </mc:Choice>
-        <mc:Fallback>
+        <mc:Fallback xmlns="">
           <p:pic>
             <p:nvPicPr>
               <p:cNvPr id="10" name="Ink 9">
@@ -9606,8 +10191,8 @@
           </p:pic>
         </mc:Fallback>
       </mc:AlternateContent>
-      <mc:AlternateContent xmlns:mc="http://schemas.openxmlformats.org/markup-compatibility/2006">
-        <mc:Choice xmlns:p14="http://schemas.microsoft.com/office/powerpoint/2010/main" Requires="p14">
+      <mc:AlternateContent xmlns:mc="http://schemas.openxmlformats.org/markup-compatibility/2006" xmlns:p14="http://schemas.microsoft.com/office/powerpoint/2010/main">
+        <mc:Choice Requires="p14">
           <p:contentPart p14:bwMode="auto" r:id="rId13">
             <p14:nvContentPartPr>
               <p14:cNvPr id="11" name="Ink 10">
@@ -9626,7 +10211,7 @@
             </p14:xfrm>
           </p:contentPart>
         </mc:Choice>
-        <mc:Fallback>
+        <mc:Fallback xmlns="">
           <p:pic>
             <p:nvPicPr>
               <p:cNvPr id="11" name="Ink 10">
@@ -9657,8 +10242,8 @@
           </p:pic>
         </mc:Fallback>
       </mc:AlternateContent>
-      <mc:AlternateContent xmlns:mc="http://schemas.openxmlformats.org/markup-compatibility/2006">
-        <mc:Choice xmlns:p14="http://schemas.microsoft.com/office/powerpoint/2010/main" Requires="p14">
+      <mc:AlternateContent xmlns:mc="http://schemas.openxmlformats.org/markup-compatibility/2006" xmlns:p14="http://schemas.microsoft.com/office/powerpoint/2010/main">
+        <mc:Choice Requires="p14">
           <p:contentPart p14:bwMode="auto" r:id="rId15">
             <p14:nvContentPartPr>
               <p14:cNvPr id="12" name="Ink 11">
@@ -9677,7 +10262,7 @@
             </p14:xfrm>
           </p:contentPart>
         </mc:Choice>
-        <mc:Fallback>
+        <mc:Fallback xmlns="">
           <p:pic>
             <p:nvPicPr>
               <p:cNvPr id="12" name="Ink 11">
@@ -9708,8 +10293,8 @@
           </p:pic>
         </mc:Fallback>
       </mc:AlternateContent>
-      <mc:AlternateContent xmlns:mc="http://schemas.openxmlformats.org/markup-compatibility/2006">
-        <mc:Choice xmlns:p14="http://schemas.microsoft.com/office/powerpoint/2010/main" Requires="p14">
+      <mc:AlternateContent xmlns:mc="http://schemas.openxmlformats.org/markup-compatibility/2006" xmlns:p14="http://schemas.microsoft.com/office/powerpoint/2010/main">
+        <mc:Choice Requires="p14">
           <p:contentPart p14:bwMode="auto" r:id="rId17">
             <p14:nvContentPartPr>
               <p14:cNvPr id="13" name="Ink 12">
@@ -9728,7 +10313,7 @@
             </p14:xfrm>
           </p:contentPart>
         </mc:Choice>
-        <mc:Fallback>
+        <mc:Fallback xmlns="">
           <p:pic>
             <p:nvPicPr>
               <p:cNvPr id="13" name="Ink 12">
@@ -9759,8 +10344,8 @@
           </p:pic>
         </mc:Fallback>
       </mc:AlternateContent>
-      <mc:AlternateContent xmlns:mc="http://schemas.openxmlformats.org/markup-compatibility/2006">
-        <mc:Choice xmlns:p14="http://schemas.microsoft.com/office/powerpoint/2010/main" Requires="p14">
+      <mc:AlternateContent xmlns:mc="http://schemas.openxmlformats.org/markup-compatibility/2006" xmlns:p14="http://schemas.microsoft.com/office/powerpoint/2010/main">
+        <mc:Choice Requires="p14">
           <p:contentPart p14:bwMode="auto" r:id="rId19">
             <p14:nvContentPartPr>
               <p14:cNvPr id="14" name="Ink 13">
@@ -9779,7 +10364,7 @@
             </p14:xfrm>
           </p:contentPart>
         </mc:Choice>
-        <mc:Fallback>
+        <mc:Fallback xmlns="">
           <p:pic>
             <p:nvPicPr>
               <p:cNvPr id="14" name="Ink 13">
@@ -9810,8 +10395,8 @@
           </p:pic>
         </mc:Fallback>
       </mc:AlternateContent>
-      <mc:AlternateContent xmlns:mc="http://schemas.openxmlformats.org/markup-compatibility/2006">
-        <mc:Choice xmlns:p14="http://schemas.microsoft.com/office/powerpoint/2010/main" Requires="p14">
+      <mc:AlternateContent xmlns:mc="http://schemas.openxmlformats.org/markup-compatibility/2006" xmlns:p14="http://schemas.microsoft.com/office/powerpoint/2010/main">
+        <mc:Choice Requires="p14">
           <p:contentPart p14:bwMode="auto" r:id="rId21">
             <p14:nvContentPartPr>
               <p14:cNvPr id="15" name="Ink 14">
@@ -9830,7 +10415,7 @@
             </p14:xfrm>
           </p:contentPart>
         </mc:Choice>
-        <mc:Fallback>
+        <mc:Fallback xmlns="">
           <p:pic>
             <p:nvPicPr>
               <p:cNvPr id="15" name="Ink 14">
@@ -9861,8 +10446,8 @@
           </p:pic>
         </mc:Fallback>
       </mc:AlternateContent>
-      <mc:AlternateContent xmlns:mc="http://schemas.openxmlformats.org/markup-compatibility/2006">
-        <mc:Choice xmlns:p14="http://schemas.microsoft.com/office/powerpoint/2010/main" Requires="p14">
+      <mc:AlternateContent xmlns:mc="http://schemas.openxmlformats.org/markup-compatibility/2006" xmlns:p14="http://schemas.microsoft.com/office/powerpoint/2010/main">
+        <mc:Choice Requires="p14">
           <p:contentPart p14:bwMode="auto" r:id="rId23">
             <p14:nvContentPartPr>
               <p14:cNvPr id="16" name="Ink 15">
@@ -9881,7 +10466,7 @@
             </p14:xfrm>
           </p:contentPart>
         </mc:Choice>
-        <mc:Fallback>
+        <mc:Fallback xmlns="">
           <p:pic>
             <p:nvPicPr>
               <p:cNvPr id="16" name="Ink 15">
@@ -9912,8 +10497,8 @@
           </p:pic>
         </mc:Fallback>
       </mc:AlternateContent>
-      <mc:AlternateContent xmlns:mc="http://schemas.openxmlformats.org/markup-compatibility/2006">
-        <mc:Choice xmlns:p14="http://schemas.microsoft.com/office/powerpoint/2010/main" Requires="p14">
+      <mc:AlternateContent xmlns:mc="http://schemas.openxmlformats.org/markup-compatibility/2006" xmlns:p14="http://schemas.microsoft.com/office/powerpoint/2010/main">
+        <mc:Choice Requires="p14">
           <p:contentPart p14:bwMode="auto" r:id="rId25">
             <p14:nvContentPartPr>
               <p14:cNvPr id="17" name="Ink 16">
@@ -9932,7 +10517,7 @@
             </p14:xfrm>
           </p:contentPart>
         </mc:Choice>
-        <mc:Fallback>
+        <mc:Fallback xmlns="">
           <p:pic>
             <p:nvPicPr>
               <p:cNvPr id="17" name="Ink 16">
@@ -9963,8 +10548,8 @@
           </p:pic>
         </mc:Fallback>
       </mc:AlternateContent>
-      <mc:AlternateContent xmlns:mc="http://schemas.openxmlformats.org/markup-compatibility/2006">
-        <mc:Choice xmlns:p14="http://schemas.microsoft.com/office/powerpoint/2010/main" Requires="p14">
+      <mc:AlternateContent xmlns:mc="http://schemas.openxmlformats.org/markup-compatibility/2006" xmlns:p14="http://schemas.microsoft.com/office/powerpoint/2010/main">
+        <mc:Choice Requires="p14">
           <p:contentPart p14:bwMode="auto" r:id="rId27">
             <p14:nvContentPartPr>
               <p14:cNvPr id="18" name="Ink 17">
@@ -9983,7 +10568,7 @@
             </p14:xfrm>
           </p:contentPart>
         </mc:Choice>
-        <mc:Fallback>
+        <mc:Fallback xmlns="">
           <p:pic>
             <p:nvPicPr>
               <p:cNvPr id="18" name="Ink 17">
@@ -10014,8 +10599,8 @@
           </p:pic>
         </mc:Fallback>
       </mc:AlternateContent>
-      <mc:AlternateContent xmlns:mc="http://schemas.openxmlformats.org/markup-compatibility/2006">
-        <mc:Choice xmlns:p14="http://schemas.microsoft.com/office/powerpoint/2010/main" Requires="p14">
+      <mc:AlternateContent xmlns:mc="http://schemas.openxmlformats.org/markup-compatibility/2006" xmlns:p14="http://schemas.microsoft.com/office/powerpoint/2010/main">
+        <mc:Choice Requires="p14">
           <p:contentPart p14:bwMode="auto" r:id="rId29">
             <p14:nvContentPartPr>
               <p14:cNvPr id="19" name="Ink 18">
@@ -10034,7 +10619,7 @@
             </p14:xfrm>
           </p:contentPart>
         </mc:Choice>
-        <mc:Fallback>
+        <mc:Fallback xmlns="">
           <p:pic>
             <p:nvPicPr>
               <p:cNvPr id="19" name="Ink 18">
@@ -10078,141 +10663,6 @@
 </p:sld>
 </file>
 
-<file path=ppt/slides/slide33.xml><?xml version="1.0" encoding="utf-8"?>
-<p:sld xmlns:a="http://schemas.openxmlformats.org/drawingml/2006/main" xmlns:r="http://schemas.openxmlformats.org/officeDocument/2006/relationships" xmlns:p="http://schemas.openxmlformats.org/presentationml/2006/main">
-  <p:cSld>
-    <p:spTree>
-      <p:nvGrpSpPr>
-        <p:cNvPr id="1" name=""/>
-        <p:cNvGrpSpPr/>
-        <p:nvPr/>
-      </p:nvGrpSpPr>
-      <p:grpSpPr>
-        <a:xfrm>
-          <a:off x="0" y="0"/>
-          <a:ext cx="0" cy="0"/>
-          <a:chOff x="0" y="0"/>
-          <a:chExt cx="0" cy="0"/>
-        </a:xfrm>
-      </p:grpSpPr>
-      <p:sp>
-        <p:nvSpPr>
-          <p:cNvPr id="2" name="Title 1">
-            <a:extLst>
-              <a:ext uri="{FF2B5EF4-FFF2-40B4-BE49-F238E27FC236}">
-                <a16:creationId xmlns:a16="http://schemas.microsoft.com/office/drawing/2014/main" id="{4E9D64B3-F3A1-73BF-13D6-7DE742148D3F}"/>
-              </a:ext>
-            </a:extLst>
-          </p:cNvPr>
-          <p:cNvSpPr>
-            <a:spLocks noGrp="1"/>
-          </p:cNvSpPr>
-          <p:nvPr>
-            <p:ph type="title"/>
-          </p:nvPr>
-        </p:nvSpPr>
-        <p:spPr>
-          <a:xfrm>
-            <a:off x="1066800" y="2624328"/>
-            <a:ext cx="10058400" cy="1609344"/>
-          </a:xfrm>
-        </p:spPr>
-        <p:txBody>
-          <a:bodyPr/>
-          <a:lstStyle/>
-          <a:p>
-            <a:pPr algn="ctr"/>
-            <a:r>
-              <a:rPr lang="en-DE" dirty="0"/>
-              <a:t>Time for </a:t>
-            </a:r>
-            <a:r>
-              <a:rPr lang="en-GB" dirty="0" err="1"/>
-              <a:t>th</a:t>
-            </a:r>
-            <a:r>
-              <a:rPr lang="en-DE" dirty="0"/>
-              <a:t>e IDE</a:t>
-            </a:r>
-          </a:p>
-        </p:txBody>
-      </p:sp>
-    </p:spTree>
-    <p:extLst>
-      <p:ext uri="{BB962C8B-B14F-4D97-AF65-F5344CB8AC3E}">
-        <p14:creationId xmlns:p14="http://schemas.microsoft.com/office/powerpoint/2010/main" val="643515521"/>
-      </p:ext>
-    </p:extLst>
-  </p:cSld>
-  <p:clrMapOvr>
-    <a:masterClrMapping/>
-  </p:clrMapOvr>
-</p:sld>
-</file>
-
-<file path=ppt/slides/slide34.xml><?xml version="1.0" encoding="utf-8"?>
-<p:sld xmlns:a="http://schemas.openxmlformats.org/drawingml/2006/main" xmlns:r="http://schemas.openxmlformats.org/officeDocument/2006/relationships" xmlns:p="http://schemas.openxmlformats.org/presentationml/2006/main">
-  <p:cSld>
-    <p:spTree>
-      <p:nvGrpSpPr>
-        <p:cNvPr id="1" name=""/>
-        <p:cNvGrpSpPr/>
-        <p:nvPr/>
-      </p:nvGrpSpPr>
-      <p:grpSpPr>
-        <a:xfrm>
-          <a:off x="0" y="0"/>
-          <a:ext cx="0" cy="0"/>
-          <a:chOff x="0" y="0"/>
-          <a:chExt cx="0" cy="0"/>
-        </a:xfrm>
-      </p:grpSpPr>
-      <p:sp>
-        <p:nvSpPr>
-          <p:cNvPr id="2" name="Title 1">
-            <a:extLst>
-              <a:ext uri="{FF2B5EF4-FFF2-40B4-BE49-F238E27FC236}">
-                <a16:creationId xmlns:a16="http://schemas.microsoft.com/office/drawing/2014/main" id="{8E6A345B-2B72-2A12-00F9-6CA4E995B6FA}"/>
-              </a:ext>
-            </a:extLst>
-          </p:cNvPr>
-          <p:cNvSpPr>
-            <a:spLocks noGrp="1"/>
-          </p:cNvSpPr>
-          <p:nvPr>
-            <p:ph type="title"/>
-          </p:nvPr>
-        </p:nvSpPr>
-        <p:spPr>
-          <a:xfrm>
-            <a:off x="3015657" y="2624328"/>
-            <a:ext cx="6160685" cy="1609344"/>
-          </a:xfrm>
-        </p:spPr>
-        <p:txBody>
-          <a:bodyPr/>
-          <a:lstStyle/>
-          <a:p>
-            <a:r>
-              <a:rPr lang="en-DE" dirty="0"/>
-              <a:t>Overloading Operators</a:t>
-            </a:r>
-          </a:p>
-        </p:txBody>
-      </p:sp>
-    </p:spTree>
-    <p:extLst>
-      <p:ext uri="{BB962C8B-B14F-4D97-AF65-F5344CB8AC3E}">
-        <p14:creationId xmlns:p14="http://schemas.microsoft.com/office/powerpoint/2010/main" val="383560387"/>
-      </p:ext>
-    </p:extLst>
-  </p:cSld>
-  <p:clrMapOvr>
-    <a:masterClrMapping/>
-  </p:clrMapOvr>
-</p:sld>
-</file>
-
 <file path=ppt/slides/slide4.xml><?xml version="1.0" encoding="utf-8"?>
 <p:sld xmlns:a="http://schemas.openxmlformats.org/drawingml/2006/main" xmlns:r="http://schemas.openxmlformats.org/officeDocument/2006/relationships" xmlns:p="http://schemas.openxmlformats.org/presentationml/2006/main">
   <p:cSld>
@@ -10334,6 +10784,331 @@
     <p:extLst>
       <p:ext uri="{BB962C8B-B14F-4D97-AF65-F5344CB8AC3E}">
         <p14:creationId xmlns:p14="http://schemas.microsoft.com/office/powerpoint/2010/main" val="1858470778"/>
+      </p:ext>
+    </p:extLst>
+  </p:cSld>
+  <p:clrMapOvr>
+    <a:masterClrMapping/>
+  </p:clrMapOvr>
+</p:sld>
+</file>
+
+<file path=ppt/slides/slide40.xml><?xml version="1.0" encoding="utf-8"?>
+<p:sld xmlns:a="http://schemas.openxmlformats.org/drawingml/2006/main" xmlns:r="http://schemas.openxmlformats.org/officeDocument/2006/relationships" xmlns:p="http://schemas.openxmlformats.org/presentationml/2006/main">
+  <p:cSld>
+    <p:spTree>
+      <p:nvGrpSpPr>
+        <p:cNvPr id="1" name=""/>
+        <p:cNvGrpSpPr/>
+        <p:nvPr/>
+      </p:nvGrpSpPr>
+      <p:grpSpPr>
+        <a:xfrm>
+          <a:off x="0" y="0"/>
+          <a:ext cx="0" cy="0"/>
+          <a:chOff x="0" y="0"/>
+          <a:chExt cx="0" cy="0"/>
+        </a:xfrm>
+      </p:grpSpPr>
+      <p:sp>
+        <p:nvSpPr>
+          <p:cNvPr id="2" name="Title 1">
+            <a:extLst>
+              <a:ext uri="{FF2B5EF4-FFF2-40B4-BE49-F238E27FC236}">
+                <a16:creationId xmlns:a16="http://schemas.microsoft.com/office/drawing/2014/main" id="{4E9D64B3-F3A1-73BF-13D6-7DE742148D3F}"/>
+              </a:ext>
+            </a:extLst>
+          </p:cNvPr>
+          <p:cNvSpPr>
+            <a:spLocks noGrp="1"/>
+          </p:cNvSpPr>
+          <p:nvPr>
+            <p:ph type="title"/>
+          </p:nvPr>
+        </p:nvSpPr>
+        <p:spPr>
+          <a:xfrm>
+            <a:off x="1066800" y="2624328"/>
+            <a:ext cx="10058400" cy="1609344"/>
+          </a:xfrm>
+        </p:spPr>
+        <p:txBody>
+          <a:bodyPr/>
+          <a:lstStyle/>
+          <a:p>
+            <a:pPr algn="ctr"/>
+            <a:r>
+              <a:rPr lang="en-DE" dirty="0"/>
+              <a:t>Time for </a:t>
+            </a:r>
+            <a:r>
+              <a:rPr lang="en-GB" dirty="0" err="1"/>
+              <a:t>th</a:t>
+            </a:r>
+            <a:r>
+              <a:rPr lang="en-DE" dirty="0"/>
+              <a:t>e IDE</a:t>
+            </a:r>
+          </a:p>
+        </p:txBody>
+      </p:sp>
+    </p:spTree>
+    <p:extLst>
+      <p:ext uri="{BB962C8B-B14F-4D97-AF65-F5344CB8AC3E}">
+        <p14:creationId xmlns:p14="http://schemas.microsoft.com/office/powerpoint/2010/main" val="643515521"/>
+      </p:ext>
+    </p:extLst>
+  </p:cSld>
+  <p:clrMapOvr>
+    <a:masterClrMapping/>
+  </p:clrMapOvr>
+</p:sld>
+</file>
+
+<file path=ppt/slides/slide41.xml><?xml version="1.0" encoding="utf-8"?>
+<p:sld xmlns:a="http://schemas.openxmlformats.org/drawingml/2006/main" xmlns:r="http://schemas.openxmlformats.org/officeDocument/2006/relationships" xmlns:p="http://schemas.openxmlformats.org/presentationml/2006/main">
+  <p:cSld>
+    <p:spTree>
+      <p:nvGrpSpPr>
+        <p:cNvPr id="1" name=""/>
+        <p:cNvGrpSpPr/>
+        <p:nvPr/>
+      </p:nvGrpSpPr>
+      <p:grpSpPr>
+        <a:xfrm>
+          <a:off x="0" y="0"/>
+          <a:ext cx="0" cy="0"/>
+          <a:chOff x="0" y="0"/>
+          <a:chExt cx="0" cy="0"/>
+        </a:xfrm>
+      </p:grpSpPr>
+      <p:sp>
+        <p:nvSpPr>
+          <p:cNvPr id="2" name="Title 1">
+            <a:extLst>
+              <a:ext uri="{FF2B5EF4-FFF2-40B4-BE49-F238E27FC236}">
+                <a16:creationId xmlns:a16="http://schemas.microsoft.com/office/drawing/2014/main" id="{8E6A345B-2B72-2A12-00F9-6CA4E995B6FA}"/>
+              </a:ext>
+            </a:extLst>
+          </p:cNvPr>
+          <p:cNvSpPr>
+            <a:spLocks noGrp="1"/>
+          </p:cNvSpPr>
+          <p:nvPr>
+            <p:ph type="title"/>
+          </p:nvPr>
+        </p:nvSpPr>
+        <p:spPr>
+          <a:xfrm>
+            <a:off x="3015657" y="2624328"/>
+            <a:ext cx="6160685" cy="1609344"/>
+          </a:xfrm>
+        </p:spPr>
+        <p:txBody>
+          <a:bodyPr/>
+          <a:lstStyle/>
+          <a:p>
+            <a:r>
+              <a:rPr lang="en-DE" dirty="0"/>
+              <a:t>Overloading Operators</a:t>
+            </a:r>
+          </a:p>
+        </p:txBody>
+      </p:sp>
+    </p:spTree>
+    <p:extLst>
+      <p:ext uri="{BB962C8B-B14F-4D97-AF65-F5344CB8AC3E}">
+        <p14:creationId xmlns:p14="http://schemas.microsoft.com/office/powerpoint/2010/main" val="383560387"/>
+      </p:ext>
+    </p:extLst>
+  </p:cSld>
+  <p:clrMapOvr>
+    <a:masterClrMapping/>
+  </p:clrMapOvr>
+</p:sld>
+</file>
+
+<file path=ppt/slides/slide42.xml><?xml version="1.0" encoding="utf-8"?>
+<p:sld xmlns:a="http://schemas.openxmlformats.org/drawingml/2006/main" xmlns:r="http://schemas.openxmlformats.org/officeDocument/2006/relationships" xmlns:p="http://schemas.openxmlformats.org/presentationml/2006/main">
+  <p:cSld>
+    <p:spTree>
+      <p:nvGrpSpPr>
+        <p:cNvPr id="1" name=""/>
+        <p:cNvGrpSpPr/>
+        <p:nvPr/>
+      </p:nvGrpSpPr>
+      <p:grpSpPr>
+        <a:xfrm>
+          <a:off x="0" y="0"/>
+          <a:ext cx="0" cy="0"/>
+          <a:chOff x="0" y="0"/>
+          <a:chExt cx="0" cy="0"/>
+        </a:xfrm>
+      </p:grpSpPr>
+      <p:sp>
+        <p:nvSpPr>
+          <p:cNvPr id="2" name="Title 1">
+            <a:extLst>
+              <a:ext uri="{FF2B5EF4-FFF2-40B4-BE49-F238E27FC236}">
+                <a16:creationId xmlns:a16="http://schemas.microsoft.com/office/drawing/2014/main" id="{2CE5CF72-6505-085C-12B8-855033F8C1D3}"/>
+              </a:ext>
+            </a:extLst>
+          </p:cNvPr>
+          <p:cNvSpPr>
+            <a:spLocks noGrp="1"/>
+          </p:cNvSpPr>
+          <p:nvPr>
+            <p:ph type="title"/>
+          </p:nvPr>
+        </p:nvSpPr>
+        <p:spPr/>
+        <p:txBody>
+          <a:bodyPr/>
+          <a:lstStyle/>
+          <a:p>
+            <a:endParaRPr lang="en-DE"/>
+          </a:p>
+        </p:txBody>
+      </p:sp>
+      <p:sp>
+        <p:nvSpPr>
+          <p:cNvPr id="3" name="Content Placeholder 2">
+            <a:extLst>
+              <a:ext uri="{FF2B5EF4-FFF2-40B4-BE49-F238E27FC236}">
+                <a16:creationId xmlns:a16="http://schemas.microsoft.com/office/drawing/2014/main" id="{058080D0-F3E9-0536-2C68-0A99E736878A}"/>
+              </a:ext>
+            </a:extLst>
+          </p:cNvPr>
+          <p:cNvSpPr>
+            <a:spLocks noGrp="1"/>
+          </p:cNvSpPr>
+          <p:nvPr>
+            <p:ph idx="1"/>
+          </p:nvPr>
+        </p:nvSpPr>
+        <p:spPr/>
+        <p:txBody>
+          <a:bodyPr/>
+          <a:lstStyle/>
+          <a:p>
+            <a:endParaRPr lang="en-DE"/>
+          </a:p>
+        </p:txBody>
+      </p:sp>
+      <p:pic>
+        <p:nvPicPr>
+          <p:cNvPr id="5" name="Picture 4">
+            <a:extLst>
+              <a:ext uri="{FF2B5EF4-FFF2-40B4-BE49-F238E27FC236}">
+                <a16:creationId xmlns:a16="http://schemas.microsoft.com/office/drawing/2014/main" id="{04835F28-0F50-9DA8-BE18-5500AA3777AC}"/>
+              </a:ext>
+            </a:extLst>
+          </p:cNvPr>
+          <p:cNvPicPr>
+            <a:picLocks noChangeAspect="1"/>
+          </p:cNvPicPr>
+          <p:nvPr/>
+        </p:nvPicPr>
+        <p:blipFill>
+          <a:blip r:embed="rId2"/>
+          <a:stretch>
+            <a:fillRect/>
+          </a:stretch>
+        </p:blipFill>
+        <p:spPr>
+          <a:xfrm>
+            <a:off x="674830" y="0"/>
+            <a:ext cx="10842340" cy="6858000"/>
+          </a:xfrm>
+          <a:prstGeom prst="rect">
+            <a:avLst/>
+          </a:prstGeom>
+        </p:spPr>
+      </p:pic>
+    </p:spTree>
+    <p:extLst>
+      <p:ext uri="{BB962C8B-B14F-4D97-AF65-F5344CB8AC3E}">
+        <p14:creationId xmlns:p14="http://schemas.microsoft.com/office/powerpoint/2010/main" val="2388143700"/>
+      </p:ext>
+    </p:extLst>
+  </p:cSld>
+  <p:clrMapOvr>
+    <a:masterClrMapping/>
+  </p:clrMapOvr>
+</p:sld>
+</file>
+
+<file path=ppt/slides/slide43.xml><?xml version="1.0" encoding="utf-8"?>
+<p:sld xmlns:a="http://schemas.openxmlformats.org/drawingml/2006/main" xmlns:r="http://schemas.openxmlformats.org/officeDocument/2006/relationships" xmlns:p="http://schemas.openxmlformats.org/presentationml/2006/main">
+  <p:cSld>
+    <p:spTree>
+      <p:nvGrpSpPr>
+        <p:cNvPr id="1" name=""/>
+        <p:cNvGrpSpPr/>
+        <p:nvPr/>
+      </p:nvGrpSpPr>
+      <p:grpSpPr>
+        <a:xfrm>
+          <a:off x="0" y="0"/>
+          <a:ext cx="0" cy="0"/>
+          <a:chOff x="0" y="0"/>
+          <a:chExt cx="0" cy="0"/>
+        </a:xfrm>
+      </p:grpSpPr>
+      <p:sp>
+        <p:nvSpPr>
+          <p:cNvPr id="2" name="Title 1">
+            <a:extLst>
+              <a:ext uri="{FF2B5EF4-FFF2-40B4-BE49-F238E27FC236}">
+                <a16:creationId xmlns:a16="http://schemas.microsoft.com/office/drawing/2014/main" id="{EAAC4D36-C874-E453-6402-6825E0280269}"/>
+              </a:ext>
+            </a:extLst>
+          </p:cNvPr>
+          <p:cNvSpPr>
+            <a:spLocks noGrp="1"/>
+          </p:cNvSpPr>
+          <p:nvPr>
+            <p:ph type="title"/>
+          </p:nvPr>
+        </p:nvSpPr>
+        <p:spPr/>
+        <p:txBody>
+          <a:bodyPr/>
+          <a:lstStyle/>
+          <a:p>
+            <a:endParaRPr lang="en-DE"/>
+          </a:p>
+        </p:txBody>
+      </p:sp>
+      <p:sp>
+        <p:nvSpPr>
+          <p:cNvPr id="3" name="Content Placeholder 2">
+            <a:extLst>
+              <a:ext uri="{FF2B5EF4-FFF2-40B4-BE49-F238E27FC236}">
+                <a16:creationId xmlns:a16="http://schemas.microsoft.com/office/drawing/2014/main" id="{F4199887-6288-94C6-A997-FACB65D31FB0}"/>
+              </a:ext>
+            </a:extLst>
+          </p:cNvPr>
+          <p:cNvSpPr>
+            <a:spLocks noGrp="1"/>
+          </p:cNvSpPr>
+          <p:nvPr>
+            <p:ph idx="1"/>
+          </p:nvPr>
+        </p:nvSpPr>
+        <p:spPr/>
+        <p:txBody>
+          <a:bodyPr/>
+          <a:lstStyle/>
+          <a:p>
+            <a:endParaRPr lang="en-DE"/>
+          </a:p>
+        </p:txBody>
+      </p:sp>
+    </p:spTree>
+    <p:extLst>
+      <p:ext uri="{BB962C8B-B14F-4D97-AF65-F5344CB8AC3E}">
+        <p14:creationId xmlns:p14="http://schemas.microsoft.com/office/powerpoint/2010/main" val="254851748"/>
       </p:ext>
     </p:extLst>
   </p:cSld>

--- a/C++/Tutoring/Lectures/Script.pptx
+++ b/C++/Tutoring/Lectures/Script.pptx
@@ -45,9 +45,18 @@
     <p:sldId id="290" r:id="rId39"/>
     <p:sldId id="280" r:id="rId40"/>
     <p:sldId id="291" r:id="rId41"/>
-    <p:sldId id="292" r:id="rId42"/>
-    <p:sldId id="302" r:id="rId43"/>
-    <p:sldId id="303" r:id="rId44"/>
+    <p:sldId id="304" r:id="rId42"/>
+    <p:sldId id="310" r:id="rId43"/>
+    <p:sldId id="306" r:id="rId44"/>
+    <p:sldId id="307" r:id="rId45"/>
+    <p:sldId id="308" r:id="rId46"/>
+    <p:sldId id="309" r:id="rId47"/>
+    <p:sldId id="311" r:id="rId48"/>
+    <p:sldId id="312" r:id="rId49"/>
+    <p:sldId id="313" r:id="rId50"/>
+    <p:sldId id="292" r:id="rId51"/>
+    <p:sldId id="302" r:id="rId52"/>
+    <p:sldId id="303" r:id="rId53"/>
   </p:sldIdLst>
   <p:sldSz cx="12192000" cy="6858000"/>
   <p:notesSz cx="6858000" cy="9144000"/>
@@ -963,7 +972,7 @@
           <a:p>
             <a:fld id="{0531EBD0-97ED-4A12-B0C8-E7A5E7F3144B}" type="datetimeFigureOut">
               <a:rPr lang="en-DE" smtClean="0"/>
-              <a:t>09/04/2024</a:t>
+              <a:t>16/04/2024</a:t>
             </a:fld>
             <a:endParaRPr lang="en-DE"/>
           </a:p>
@@ -1142,7 +1151,7 @@
           <a:p>
             <a:fld id="{0531EBD0-97ED-4A12-B0C8-E7A5E7F3144B}" type="datetimeFigureOut">
               <a:rPr lang="en-DE" smtClean="0"/>
-              <a:t>09/04/2024</a:t>
+              <a:t>16/04/2024</a:t>
             </a:fld>
             <a:endParaRPr lang="en-DE"/>
           </a:p>
@@ -1322,7 +1331,7 @@
           <a:p>
             <a:fld id="{0531EBD0-97ED-4A12-B0C8-E7A5E7F3144B}" type="datetimeFigureOut">
               <a:rPr lang="en-DE" smtClean="0"/>
-              <a:t>09/04/2024</a:t>
+              <a:t>16/04/2024</a:t>
             </a:fld>
             <a:endParaRPr lang="en-DE"/>
           </a:p>
@@ -1492,7 +1501,7 @@
           <a:p>
             <a:fld id="{0531EBD0-97ED-4A12-B0C8-E7A5E7F3144B}" type="datetimeFigureOut">
               <a:rPr lang="en-DE" smtClean="0"/>
-              <a:t>09/04/2024</a:t>
+              <a:t>16/04/2024</a:t>
             </a:fld>
             <a:endParaRPr lang="en-DE"/>
           </a:p>
@@ -1805,7 +1814,7 @@
           <a:p>
             <a:fld id="{0531EBD0-97ED-4A12-B0C8-E7A5E7F3144B}" type="datetimeFigureOut">
               <a:rPr lang="en-DE" smtClean="0"/>
-              <a:t>09/04/2024</a:t>
+              <a:t>16/04/2024</a:t>
             </a:fld>
             <a:endParaRPr lang="en-DE"/>
           </a:p>
@@ -2191,7 +2200,7 @@
           <a:p>
             <a:fld id="{0531EBD0-97ED-4A12-B0C8-E7A5E7F3144B}" type="datetimeFigureOut">
               <a:rPr lang="en-DE" smtClean="0"/>
-              <a:t>09/04/2024</a:t>
+              <a:t>16/04/2024</a:t>
             </a:fld>
             <a:endParaRPr lang="en-DE"/>
           </a:p>
@@ -2625,7 +2634,7 @@
           <a:p>
             <a:fld id="{0531EBD0-97ED-4A12-B0C8-E7A5E7F3144B}" type="datetimeFigureOut">
               <a:rPr lang="en-DE" smtClean="0"/>
-              <a:t>09/04/2024</a:t>
+              <a:t>16/04/2024</a:t>
             </a:fld>
             <a:endParaRPr lang="en-DE"/>
           </a:p>
@@ -2743,7 +2752,7 @@
           <a:p>
             <a:fld id="{0531EBD0-97ED-4A12-B0C8-E7A5E7F3144B}" type="datetimeFigureOut">
               <a:rPr lang="en-DE" smtClean="0"/>
-              <a:t>09/04/2024</a:t>
+              <a:t>16/04/2024</a:t>
             </a:fld>
             <a:endParaRPr lang="en-DE"/>
           </a:p>
@@ -2838,7 +2847,7 @@
           <a:p>
             <a:fld id="{0531EBD0-97ED-4A12-B0C8-E7A5E7F3144B}" type="datetimeFigureOut">
               <a:rPr lang="en-DE" smtClean="0"/>
-              <a:t>09/04/2024</a:t>
+              <a:t>16/04/2024</a:t>
             </a:fld>
             <a:endParaRPr lang="en-DE"/>
           </a:p>
@@ -3188,7 +3197,7 @@
           <a:p>
             <a:fld id="{0531EBD0-97ED-4A12-B0C8-E7A5E7F3144B}" type="datetimeFigureOut">
               <a:rPr lang="en-DE" smtClean="0"/>
-              <a:t>09/04/2024</a:t>
+              <a:t>16/04/2024</a:t>
             </a:fld>
             <a:endParaRPr lang="en-DE"/>
           </a:p>
@@ -3613,7 +3622,7 @@
           <a:p>
             <a:fld id="{0531EBD0-97ED-4A12-B0C8-E7A5E7F3144B}" type="datetimeFigureOut">
               <a:rPr lang="en-DE" smtClean="0"/>
-              <a:t>09/04/2024</a:t>
+              <a:t>16/04/2024</a:t>
             </a:fld>
             <a:endParaRPr lang="en-DE"/>
           </a:p>
@@ -3894,7 +3903,7 @@
           <a:p>
             <a:fld id="{0531EBD0-97ED-4A12-B0C8-E7A5E7F3144B}" type="datetimeFigureOut">
               <a:rPr lang="en-DE" smtClean="0"/>
-              <a:t>09/04/2024</a:t>
+              <a:t>16/04/2024</a:t>
             </a:fld>
             <a:endParaRPr lang="en-DE"/>
           </a:p>
@@ -10887,6 +10896,737 @@
           <p:cNvPr id="2" name="Title 1">
             <a:extLst>
               <a:ext uri="{FF2B5EF4-FFF2-40B4-BE49-F238E27FC236}">
+                <a16:creationId xmlns:a16="http://schemas.microsoft.com/office/drawing/2014/main" id="{F2B4D51F-C71B-4F17-BE32-EC83471734EB}"/>
+              </a:ext>
+            </a:extLst>
+          </p:cNvPr>
+          <p:cNvSpPr>
+            <a:spLocks noGrp="1"/>
+          </p:cNvSpPr>
+          <p:nvPr>
+            <p:ph type="title"/>
+          </p:nvPr>
+        </p:nvSpPr>
+        <p:spPr>
+          <a:xfrm>
+            <a:off x="1066800" y="2624328"/>
+            <a:ext cx="10058400" cy="1609344"/>
+          </a:xfrm>
+        </p:spPr>
+        <p:txBody>
+          <a:bodyPr/>
+          <a:lstStyle/>
+          <a:p>
+            <a:pPr algn="ctr"/>
+            <a:r>
+              <a:rPr lang="en-DE" dirty="0"/>
+              <a:t>Revision</a:t>
+            </a:r>
+          </a:p>
+        </p:txBody>
+      </p:sp>
+    </p:spTree>
+    <p:extLst>
+      <p:ext uri="{BB962C8B-B14F-4D97-AF65-F5344CB8AC3E}">
+        <p14:creationId xmlns:p14="http://schemas.microsoft.com/office/powerpoint/2010/main" val="3390241979"/>
+      </p:ext>
+    </p:extLst>
+  </p:cSld>
+  <p:clrMapOvr>
+    <a:masterClrMapping/>
+  </p:clrMapOvr>
+</p:sld>
+</file>
+
+<file path=ppt/slides/slide42.xml><?xml version="1.0" encoding="utf-8"?>
+<p:sld xmlns:a="http://schemas.openxmlformats.org/drawingml/2006/main" xmlns:r="http://schemas.openxmlformats.org/officeDocument/2006/relationships" xmlns:p="http://schemas.openxmlformats.org/presentationml/2006/main">
+  <p:cSld>
+    <p:spTree>
+      <p:nvGrpSpPr>
+        <p:cNvPr id="1" name=""/>
+        <p:cNvGrpSpPr/>
+        <p:nvPr/>
+      </p:nvGrpSpPr>
+      <p:grpSpPr>
+        <a:xfrm>
+          <a:off x="0" y="0"/>
+          <a:ext cx="0" cy="0"/>
+          <a:chOff x="0" y="0"/>
+          <a:chExt cx="0" cy="0"/>
+        </a:xfrm>
+      </p:grpSpPr>
+      <p:pic>
+        <p:nvPicPr>
+          <p:cNvPr id="5" name="Picture 4">
+            <a:extLst>
+              <a:ext uri="{FF2B5EF4-FFF2-40B4-BE49-F238E27FC236}">
+                <a16:creationId xmlns:a16="http://schemas.microsoft.com/office/drawing/2014/main" id="{AE1D5D68-19D3-BAEA-27F2-CB159CAF74ED}"/>
+              </a:ext>
+            </a:extLst>
+          </p:cNvPr>
+          <p:cNvPicPr>
+            <a:picLocks noChangeAspect="1"/>
+          </p:cNvPicPr>
+          <p:nvPr/>
+        </p:nvPicPr>
+        <p:blipFill>
+          <a:blip r:embed="rId2"/>
+          <a:stretch>
+            <a:fillRect/>
+          </a:stretch>
+        </p:blipFill>
+        <p:spPr>
+          <a:xfrm>
+            <a:off x="0" y="715027"/>
+            <a:ext cx="12192000" cy="5427945"/>
+          </a:xfrm>
+          <a:prstGeom prst="rect">
+            <a:avLst/>
+          </a:prstGeom>
+        </p:spPr>
+      </p:pic>
+    </p:spTree>
+    <p:extLst>
+      <p:ext uri="{BB962C8B-B14F-4D97-AF65-F5344CB8AC3E}">
+        <p14:creationId xmlns:p14="http://schemas.microsoft.com/office/powerpoint/2010/main" val="2211913096"/>
+      </p:ext>
+    </p:extLst>
+  </p:cSld>
+  <p:clrMapOvr>
+    <a:masterClrMapping/>
+  </p:clrMapOvr>
+</p:sld>
+</file>
+
+<file path=ppt/slides/slide43.xml><?xml version="1.0" encoding="utf-8"?>
+<p:sld xmlns:a="http://schemas.openxmlformats.org/drawingml/2006/main" xmlns:r="http://schemas.openxmlformats.org/officeDocument/2006/relationships" xmlns:p="http://schemas.openxmlformats.org/presentationml/2006/main">
+  <p:cSld>
+    <p:spTree>
+      <p:nvGrpSpPr>
+        <p:cNvPr id="1" name=""/>
+        <p:cNvGrpSpPr/>
+        <p:nvPr/>
+      </p:nvGrpSpPr>
+      <p:grpSpPr>
+        <a:xfrm>
+          <a:off x="0" y="0"/>
+          <a:ext cx="0" cy="0"/>
+          <a:chOff x="0" y="0"/>
+          <a:chExt cx="0" cy="0"/>
+        </a:xfrm>
+      </p:grpSpPr>
+      <p:pic>
+        <p:nvPicPr>
+          <p:cNvPr id="5" name="Picture 4">
+            <a:extLst>
+              <a:ext uri="{FF2B5EF4-FFF2-40B4-BE49-F238E27FC236}">
+                <a16:creationId xmlns:a16="http://schemas.microsoft.com/office/drawing/2014/main" id="{8F3F570B-7A95-0225-A4C2-23CB63666D18}"/>
+              </a:ext>
+            </a:extLst>
+          </p:cNvPr>
+          <p:cNvPicPr>
+            <a:picLocks noChangeAspect="1"/>
+          </p:cNvPicPr>
+          <p:nvPr/>
+        </p:nvPicPr>
+        <p:blipFill>
+          <a:blip r:embed="rId2"/>
+          <a:stretch>
+            <a:fillRect/>
+          </a:stretch>
+        </p:blipFill>
+        <p:spPr>
+          <a:xfrm>
+            <a:off x="4758935" y="3527196"/>
+            <a:ext cx="7364971" cy="3330804"/>
+          </a:xfrm>
+          <a:prstGeom prst="rect">
+            <a:avLst/>
+          </a:prstGeom>
+        </p:spPr>
+      </p:pic>
+      <p:pic>
+        <p:nvPicPr>
+          <p:cNvPr id="6" name="Picture 5">
+            <a:extLst>
+              <a:ext uri="{FF2B5EF4-FFF2-40B4-BE49-F238E27FC236}">
+                <a16:creationId xmlns:a16="http://schemas.microsoft.com/office/drawing/2014/main" id="{AE6E7BBC-DD77-070A-8E36-4B9C9EE64C78}"/>
+              </a:ext>
+            </a:extLst>
+          </p:cNvPr>
+          <p:cNvPicPr>
+            <a:picLocks noChangeAspect="1"/>
+          </p:cNvPicPr>
+          <p:nvPr/>
+        </p:nvPicPr>
+        <p:blipFill>
+          <a:blip r:embed="rId3"/>
+          <a:stretch>
+            <a:fillRect/>
+          </a:stretch>
+        </p:blipFill>
+        <p:spPr>
+          <a:xfrm>
+            <a:off x="0" y="-25000"/>
+            <a:ext cx="7364971" cy="3453999"/>
+          </a:xfrm>
+          <a:prstGeom prst="rect">
+            <a:avLst/>
+          </a:prstGeom>
+        </p:spPr>
+      </p:pic>
+    </p:spTree>
+    <p:extLst>
+      <p:ext uri="{BB962C8B-B14F-4D97-AF65-F5344CB8AC3E}">
+        <p14:creationId xmlns:p14="http://schemas.microsoft.com/office/powerpoint/2010/main" val="1579866003"/>
+      </p:ext>
+    </p:extLst>
+  </p:cSld>
+  <p:clrMapOvr>
+    <a:masterClrMapping/>
+  </p:clrMapOvr>
+</p:sld>
+</file>
+
+<file path=ppt/slides/slide44.xml><?xml version="1.0" encoding="utf-8"?>
+<p:sld xmlns:a="http://schemas.openxmlformats.org/drawingml/2006/main" xmlns:r="http://schemas.openxmlformats.org/officeDocument/2006/relationships" xmlns:p="http://schemas.openxmlformats.org/presentationml/2006/main">
+  <p:cSld>
+    <p:spTree>
+      <p:nvGrpSpPr>
+        <p:cNvPr id="1" name=""/>
+        <p:cNvGrpSpPr/>
+        <p:nvPr/>
+      </p:nvGrpSpPr>
+      <p:grpSpPr>
+        <a:xfrm>
+          <a:off x="0" y="0"/>
+          <a:ext cx="0" cy="0"/>
+          <a:chOff x="0" y="0"/>
+          <a:chExt cx="0" cy="0"/>
+        </a:xfrm>
+      </p:grpSpPr>
+      <p:pic>
+        <p:nvPicPr>
+          <p:cNvPr id="5" name="Picture 4">
+            <a:extLst>
+              <a:ext uri="{FF2B5EF4-FFF2-40B4-BE49-F238E27FC236}">
+                <a16:creationId xmlns:a16="http://schemas.microsoft.com/office/drawing/2014/main" id="{278E03DF-5695-7ECC-1F97-850358BE64CC}"/>
+              </a:ext>
+            </a:extLst>
+          </p:cNvPr>
+          <p:cNvPicPr>
+            <a:picLocks noChangeAspect="1"/>
+          </p:cNvPicPr>
+          <p:nvPr/>
+        </p:nvPicPr>
+        <p:blipFill>
+          <a:blip r:embed="rId2"/>
+          <a:stretch>
+            <a:fillRect/>
+          </a:stretch>
+        </p:blipFill>
+        <p:spPr>
+          <a:xfrm>
+            <a:off x="151570" y="747338"/>
+            <a:ext cx="11888859" cy="5363323"/>
+          </a:xfrm>
+          <a:prstGeom prst="rect">
+            <a:avLst/>
+          </a:prstGeom>
+        </p:spPr>
+      </p:pic>
+    </p:spTree>
+    <p:extLst>
+      <p:ext uri="{BB962C8B-B14F-4D97-AF65-F5344CB8AC3E}">
+        <p14:creationId xmlns:p14="http://schemas.microsoft.com/office/powerpoint/2010/main" val="488637011"/>
+      </p:ext>
+    </p:extLst>
+  </p:cSld>
+  <p:clrMapOvr>
+    <a:masterClrMapping/>
+  </p:clrMapOvr>
+</p:sld>
+</file>
+
+<file path=ppt/slides/slide45.xml><?xml version="1.0" encoding="utf-8"?>
+<p:sld xmlns:a="http://schemas.openxmlformats.org/drawingml/2006/main" xmlns:r="http://schemas.openxmlformats.org/officeDocument/2006/relationships" xmlns:p="http://schemas.openxmlformats.org/presentationml/2006/main">
+  <p:cSld>
+    <p:spTree>
+      <p:nvGrpSpPr>
+        <p:cNvPr id="1" name=""/>
+        <p:cNvGrpSpPr/>
+        <p:nvPr/>
+      </p:nvGrpSpPr>
+      <p:grpSpPr>
+        <a:xfrm>
+          <a:off x="0" y="0"/>
+          <a:ext cx="0" cy="0"/>
+          <a:chOff x="0" y="0"/>
+          <a:chExt cx="0" cy="0"/>
+        </a:xfrm>
+      </p:grpSpPr>
+      <p:pic>
+        <p:nvPicPr>
+          <p:cNvPr id="7" name="Picture 6">
+            <a:extLst>
+              <a:ext uri="{FF2B5EF4-FFF2-40B4-BE49-F238E27FC236}">
+                <a16:creationId xmlns:a16="http://schemas.microsoft.com/office/drawing/2014/main" id="{36459F8E-29D5-0183-0AF4-2CC82832958F}"/>
+              </a:ext>
+            </a:extLst>
+          </p:cNvPr>
+          <p:cNvPicPr>
+            <a:picLocks noChangeAspect="1"/>
+          </p:cNvPicPr>
+          <p:nvPr/>
+        </p:nvPicPr>
+        <p:blipFill>
+          <a:blip r:embed="rId2"/>
+          <a:stretch>
+            <a:fillRect/>
+          </a:stretch>
+        </p:blipFill>
+        <p:spPr>
+          <a:xfrm>
+            <a:off x="0" y="83770"/>
+            <a:ext cx="7159557" cy="3574657"/>
+          </a:xfrm>
+          <a:prstGeom prst="rect">
+            <a:avLst/>
+          </a:prstGeom>
+        </p:spPr>
+      </p:pic>
+      <p:pic>
+        <p:nvPicPr>
+          <p:cNvPr id="9" name="Picture 8">
+            <a:extLst>
+              <a:ext uri="{FF2B5EF4-FFF2-40B4-BE49-F238E27FC236}">
+                <a16:creationId xmlns:a16="http://schemas.microsoft.com/office/drawing/2014/main" id="{78325AC0-6533-87EB-F970-010FD3272DA4}"/>
+              </a:ext>
+            </a:extLst>
+          </p:cNvPr>
+          <p:cNvPicPr>
+            <a:picLocks noChangeAspect="1"/>
+          </p:cNvPicPr>
+          <p:nvPr/>
+        </p:nvPicPr>
+        <p:blipFill>
+          <a:blip r:embed="rId3"/>
+          <a:stretch>
+            <a:fillRect/>
+          </a:stretch>
+        </p:blipFill>
+        <p:spPr>
+          <a:xfrm>
+            <a:off x="5419535" y="3647873"/>
+            <a:ext cx="6772466" cy="3210128"/>
+          </a:xfrm>
+          <a:prstGeom prst="rect">
+            <a:avLst/>
+          </a:prstGeom>
+        </p:spPr>
+      </p:pic>
+    </p:spTree>
+    <p:extLst>
+      <p:ext uri="{BB962C8B-B14F-4D97-AF65-F5344CB8AC3E}">
+        <p14:creationId xmlns:p14="http://schemas.microsoft.com/office/powerpoint/2010/main" val="2629299695"/>
+      </p:ext>
+    </p:extLst>
+  </p:cSld>
+  <p:clrMapOvr>
+    <a:masterClrMapping/>
+  </p:clrMapOvr>
+</p:sld>
+</file>
+
+<file path=ppt/slides/slide46.xml><?xml version="1.0" encoding="utf-8"?>
+<p:sld xmlns:a="http://schemas.openxmlformats.org/drawingml/2006/main" xmlns:r="http://schemas.openxmlformats.org/officeDocument/2006/relationships" xmlns:p="http://schemas.openxmlformats.org/presentationml/2006/main">
+  <p:cSld>
+    <p:spTree>
+      <p:nvGrpSpPr>
+        <p:cNvPr id="1" name=""/>
+        <p:cNvGrpSpPr/>
+        <p:nvPr/>
+      </p:nvGrpSpPr>
+      <p:grpSpPr>
+        <a:xfrm>
+          <a:off x="0" y="0"/>
+          <a:ext cx="0" cy="0"/>
+          <a:chOff x="0" y="0"/>
+          <a:chExt cx="0" cy="0"/>
+        </a:xfrm>
+      </p:grpSpPr>
+      <p:pic>
+        <p:nvPicPr>
+          <p:cNvPr id="5" name="Picture 4">
+            <a:extLst>
+              <a:ext uri="{FF2B5EF4-FFF2-40B4-BE49-F238E27FC236}">
+                <a16:creationId xmlns:a16="http://schemas.microsoft.com/office/drawing/2014/main" id="{C0434C75-7610-8382-8792-C5F39C164ADB}"/>
+              </a:ext>
+            </a:extLst>
+          </p:cNvPr>
+          <p:cNvPicPr>
+            <a:picLocks noChangeAspect="1"/>
+          </p:cNvPicPr>
+          <p:nvPr/>
+        </p:nvPicPr>
+        <p:blipFill>
+          <a:blip r:embed="rId2"/>
+          <a:stretch>
+            <a:fillRect/>
+          </a:stretch>
+        </p:blipFill>
+        <p:spPr>
+          <a:xfrm>
+            <a:off x="384965" y="548160"/>
+            <a:ext cx="11422069" cy="3067478"/>
+          </a:xfrm>
+          <a:prstGeom prst="rect">
+            <a:avLst/>
+          </a:prstGeom>
+        </p:spPr>
+      </p:pic>
+    </p:spTree>
+    <p:extLst>
+      <p:ext uri="{BB962C8B-B14F-4D97-AF65-F5344CB8AC3E}">
+        <p14:creationId xmlns:p14="http://schemas.microsoft.com/office/powerpoint/2010/main" val="3375057544"/>
+      </p:ext>
+    </p:extLst>
+  </p:cSld>
+  <p:clrMapOvr>
+    <a:masterClrMapping/>
+  </p:clrMapOvr>
+</p:sld>
+</file>
+
+<file path=ppt/slides/slide47.xml><?xml version="1.0" encoding="utf-8"?>
+<p:sld xmlns:a="http://schemas.openxmlformats.org/drawingml/2006/main" xmlns:r="http://schemas.openxmlformats.org/officeDocument/2006/relationships" xmlns:p="http://schemas.openxmlformats.org/presentationml/2006/main">
+  <p:cSld>
+    <p:spTree>
+      <p:nvGrpSpPr>
+        <p:cNvPr id="1" name=""/>
+        <p:cNvGrpSpPr/>
+        <p:nvPr/>
+      </p:nvGrpSpPr>
+      <p:grpSpPr>
+        <a:xfrm>
+          <a:off x="0" y="0"/>
+          <a:ext cx="0" cy="0"/>
+          <a:chOff x="0" y="0"/>
+          <a:chExt cx="0" cy="0"/>
+        </a:xfrm>
+      </p:grpSpPr>
+      <p:sp>
+        <p:nvSpPr>
+          <p:cNvPr id="2" name="Title 1">
+            <a:extLst>
+              <a:ext uri="{FF2B5EF4-FFF2-40B4-BE49-F238E27FC236}">
+                <a16:creationId xmlns:a16="http://schemas.microsoft.com/office/drawing/2014/main" id="{077CFCA3-4E2A-476B-B5D9-6B43D5E1AECE}"/>
+              </a:ext>
+            </a:extLst>
+          </p:cNvPr>
+          <p:cNvSpPr>
+            <a:spLocks noGrp="1"/>
+          </p:cNvSpPr>
+          <p:nvPr>
+            <p:ph type="title"/>
+          </p:nvPr>
+        </p:nvSpPr>
+        <p:spPr>
+          <a:xfrm>
+            <a:off x="1066800" y="2624328"/>
+            <a:ext cx="10058400" cy="1609344"/>
+          </a:xfrm>
+        </p:spPr>
+        <p:txBody>
+          <a:bodyPr/>
+          <a:lstStyle/>
+          <a:p>
+            <a:pPr algn="ctr"/>
+            <a:r>
+              <a:rPr lang="en-GB" dirty="0"/>
+              <a:t>Q</a:t>
+            </a:r>
+            <a:r>
+              <a:rPr lang="en-DE" dirty="0" err="1"/>
+              <a:t>uick</a:t>
+            </a:r>
+            <a:r>
+              <a:rPr lang="en-DE" dirty="0"/>
+              <a:t> V</a:t>
+            </a:r>
+            <a:r>
+              <a:rPr lang="en-GB" dirty="0" err="1"/>
+              <a:t>i</a:t>
+            </a:r>
+            <a:r>
+              <a:rPr lang="en-DE" dirty="0" err="1"/>
+              <a:t>rtual</a:t>
+            </a:r>
+            <a:r>
+              <a:rPr lang="en-DE" dirty="0"/>
+              <a:t> Function Revision</a:t>
+            </a:r>
+          </a:p>
+        </p:txBody>
+      </p:sp>
+    </p:spTree>
+    <p:extLst>
+      <p:ext uri="{BB962C8B-B14F-4D97-AF65-F5344CB8AC3E}">
+        <p14:creationId xmlns:p14="http://schemas.microsoft.com/office/powerpoint/2010/main" val="3124002001"/>
+      </p:ext>
+    </p:extLst>
+  </p:cSld>
+  <p:clrMapOvr>
+    <a:masterClrMapping/>
+  </p:clrMapOvr>
+</p:sld>
+</file>
+
+<file path=ppt/slides/slide48.xml><?xml version="1.0" encoding="utf-8"?>
+<p:sld xmlns:a="http://schemas.openxmlformats.org/drawingml/2006/main" xmlns:r="http://schemas.openxmlformats.org/officeDocument/2006/relationships" xmlns:p="http://schemas.openxmlformats.org/presentationml/2006/main">
+  <p:cSld>
+    <p:spTree>
+      <p:nvGrpSpPr>
+        <p:cNvPr id="1" name=""/>
+        <p:cNvGrpSpPr/>
+        <p:nvPr/>
+      </p:nvGrpSpPr>
+      <p:grpSpPr>
+        <a:xfrm>
+          <a:off x="0" y="0"/>
+          <a:ext cx="0" cy="0"/>
+          <a:chOff x="0" y="0"/>
+          <a:chExt cx="0" cy="0"/>
+        </a:xfrm>
+      </p:grpSpPr>
+    </p:spTree>
+    <p:extLst>
+      <p:ext uri="{BB962C8B-B14F-4D97-AF65-F5344CB8AC3E}">
+        <p14:creationId xmlns:p14="http://schemas.microsoft.com/office/powerpoint/2010/main" val="3517833194"/>
+      </p:ext>
+    </p:extLst>
+  </p:cSld>
+  <p:clrMapOvr>
+    <a:masterClrMapping/>
+  </p:clrMapOvr>
+</p:sld>
+</file>
+
+<file path=ppt/slides/slide49.xml><?xml version="1.0" encoding="utf-8"?>
+<p:sld xmlns:a="http://schemas.openxmlformats.org/drawingml/2006/main" xmlns:r="http://schemas.openxmlformats.org/officeDocument/2006/relationships" xmlns:p="http://schemas.openxmlformats.org/presentationml/2006/main">
+  <p:cSld>
+    <p:spTree>
+      <p:nvGrpSpPr>
+        <p:cNvPr id="1" name=""/>
+        <p:cNvGrpSpPr/>
+        <p:nvPr/>
+      </p:nvGrpSpPr>
+      <p:grpSpPr>
+        <a:xfrm>
+          <a:off x="0" y="0"/>
+          <a:ext cx="0" cy="0"/>
+          <a:chOff x="0" y="0"/>
+          <a:chExt cx="0" cy="0"/>
+        </a:xfrm>
+      </p:grpSpPr>
+      <p:sp>
+        <p:nvSpPr>
+          <p:cNvPr id="2" name="Title 1">
+            <a:extLst>
+              <a:ext uri="{FF2B5EF4-FFF2-40B4-BE49-F238E27FC236}">
+                <a16:creationId xmlns:a16="http://schemas.microsoft.com/office/drawing/2014/main" id="{8FD5AB11-1713-B47B-A2E8-41A530A74480}"/>
+              </a:ext>
+            </a:extLst>
+          </p:cNvPr>
+          <p:cNvSpPr>
+            <a:spLocks noGrp="1"/>
+          </p:cNvSpPr>
+          <p:nvPr>
+            <p:ph type="title"/>
+          </p:nvPr>
+        </p:nvSpPr>
+        <p:spPr/>
+        <p:txBody>
+          <a:bodyPr/>
+          <a:lstStyle/>
+          <a:p>
+            <a:endParaRPr lang="en-DE"/>
+          </a:p>
+        </p:txBody>
+      </p:sp>
+      <p:sp>
+        <p:nvSpPr>
+          <p:cNvPr id="3" name="Content Placeholder 2">
+            <a:extLst>
+              <a:ext uri="{FF2B5EF4-FFF2-40B4-BE49-F238E27FC236}">
+                <a16:creationId xmlns:a16="http://schemas.microsoft.com/office/drawing/2014/main" id="{0739E2E6-AE0A-0973-0024-1BCF1EA820F2}"/>
+              </a:ext>
+            </a:extLst>
+          </p:cNvPr>
+          <p:cNvSpPr>
+            <a:spLocks noGrp="1"/>
+          </p:cNvSpPr>
+          <p:nvPr>
+            <p:ph idx="1"/>
+          </p:nvPr>
+        </p:nvSpPr>
+        <p:spPr/>
+        <p:txBody>
+          <a:bodyPr/>
+          <a:lstStyle/>
+          <a:p>
+            <a:endParaRPr lang="en-DE"/>
+          </a:p>
+        </p:txBody>
+      </p:sp>
+    </p:spTree>
+    <p:extLst>
+      <p:ext uri="{BB962C8B-B14F-4D97-AF65-F5344CB8AC3E}">
+        <p14:creationId xmlns:p14="http://schemas.microsoft.com/office/powerpoint/2010/main" val="4275900750"/>
+      </p:ext>
+    </p:extLst>
+  </p:cSld>
+  <p:clrMapOvr>
+    <a:masterClrMapping/>
+  </p:clrMapOvr>
+</p:sld>
+</file>
+
+<file path=ppt/slides/slide5.xml><?xml version="1.0" encoding="utf-8"?>
+<p:sld xmlns:a="http://schemas.openxmlformats.org/drawingml/2006/main" xmlns:r="http://schemas.openxmlformats.org/officeDocument/2006/relationships" xmlns:p="http://schemas.openxmlformats.org/presentationml/2006/main">
+  <p:cSld>
+    <p:spTree>
+      <p:nvGrpSpPr>
+        <p:cNvPr id="1" name=""/>
+        <p:cNvGrpSpPr/>
+        <p:nvPr/>
+      </p:nvGrpSpPr>
+      <p:grpSpPr>
+        <a:xfrm>
+          <a:off x="0" y="0"/>
+          <a:ext cx="0" cy="0"/>
+          <a:chOff x="0" y="0"/>
+          <a:chExt cx="0" cy="0"/>
+        </a:xfrm>
+      </p:grpSpPr>
+      <p:sp>
+        <p:nvSpPr>
+          <p:cNvPr id="2" name="Title 1">
+            <a:extLst>
+              <a:ext uri="{FF2B5EF4-FFF2-40B4-BE49-F238E27FC236}">
+                <a16:creationId xmlns:a16="http://schemas.microsoft.com/office/drawing/2014/main" id="{EF627421-0E86-F4D4-ECC7-AAD9D6EBBD9C}"/>
+              </a:ext>
+            </a:extLst>
+          </p:cNvPr>
+          <p:cNvSpPr>
+            <a:spLocks noGrp="1"/>
+          </p:cNvSpPr>
+          <p:nvPr>
+            <p:ph type="title"/>
+          </p:nvPr>
+        </p:nvSpPr>
+        <p:spPr/>
+        <p:txBody>
+          <a:bodyPr/>
+          <a:lstStyle/>
+          <a:p>
+            <a:r>
+              <a:rPr lang="en-DE" dirty="0"/>
+              <a:t>Breaking down the past exam (Disclaimer)</a:t>
+            </a:r>
+          </a:p>
+        </p:txBody>
+      </p:sp>
+      <p:sp>
+        <p:nvSpPr>
+          <p:cNvPr id="3" name="Content Placeholder 2">
+            <a:extLst>
+              <a:ext uri="{FF2B5EF4-FFF2-40B4-BE49-F238E27FC236}">
+                <a16:creationId xmlns:a16="http://schemas.microsoft.com/office/drawing/2014/main" id="{741EAB04-D0E0-B855-FDED-25D7807CCD32}"/>
+              </a:ext>
+            </a:extLst>
+          </p:cNvPr>
+          <p:cNvSpPr>
+            <a:spLocks noGrp="1"/>
+          </p:cNvSpPr>
+          <p:nvPr>
+            <p:ph idx="1"/>
+          </p:nvPr>
+        </p:nvSpPr>
+        <p:spPr/>
+        <p:txBody>
+          <a:bodyPr/>
+          <a:lstStyle/>
+          <a:p>
+            <a:r>
+              <a:rPr lang="en-DE" dirty="0"/>
+              <a:t>Question 1 – Acting like a complier</a:t>
+            </a:r>
+          </a:p>
+          <a:p>
+            <a:r>
+              <a:rPr lang="en-DE" dirty="0"/>
+              <a:t>Question 2 – Usi</a:t>
+            </a:r>
+            <a:r>
+              <a:rPr lang="en-GB" dirty="0"/>
+              <a:t>n</a:t>
+            </a:r>
+            <a:r>
+              <a:rPr lang="en-DE" dirty="0"/>
+              <a:t>g your cheat sheet</a:t>
+            </a:r>
+          </a:p>
+          <a:p>
+            <a:r>
+              <a:rPr lang="en-DE" dirty="0"/>
+              <a:t>Question 3/4/5/ – Real Programming </a:t>
+            </a:r>
+          </a:p>
+          <a:p>
+            <a:pPr lvl="1"/>
+            <a:r>
+              <a:rPr lang="en-DE" dirty="0"/>
+              <a:t>There is a cheap way but not fully recommended :P</a:t>
+            </a:r>
+          </a:p>
+        </p:txBody>
+      </p:sp>
+    </p:spTree>
+    <p:extLst>
+      <p:ext uri="{BB962C8B-B14F-4D97-AF65-F5344CB8AC3E}">
+        <p14:creationId xmlns:p14="http://schemas.microsoft.com/office/powerpoint/2010/main" val="422544730"/>
+      </p:ext>
+    </p:extLst>
+  </p:cSld>
+  <p:clrMapOvr>
+    <a:masterClrMapping/>
+  </p:clrMapOvr>
+</p:sld>
+</file>
+
+<file path=ppt/slides/slide50.xml><?xml version="1.0" encoding="utf-8"?>
+<p:sld xmlns:a="http://schemas.openxmlformats.org/drawingml/2006/main" xmlns:r="http://schemas.openxmlformats.org/officeDocument/2006/relationships" xmlns:p="http://schemas.openxmlformats.org/presentationml/2006/main">
+  <p:cSld>
+    <p:spTree>
+      <p:nvGrpSpPr>
+        <p:cNvPr id="1" name=""/>
+        <p:cNvGrpSpPr/>
+        <p:nvPr/>
+      </p:nvGrpSpPr>
+      <p:grpSpPr>
+        <a:xfrm>
+          <a:off x="0" y="0"/>
+          <a:ext cx="0" cy="0"/>
+          <a:chOff x="0" y="0"/>
+          <a:chExt cx="0" cy="0"/>
+        </a:xfrm>
+      </p:grpSpPr>
+      <p:sp>
+        <p:nvSpPr>
+          <p:cNvPr id="2" name="Title 1">
+            <a:extLst>
+              <a:ext uri="{FF2B5EF4-FFF2-40B4-BE49-F238E27FC236}">
                 <a16:creationId xmlns:a16="http://schemas.microsoft.com/office/drawing/2014/main" id="{8E6A345B-2B72-2A12-00F9-6CA4E995B6FA}"/>
               </a:ext>
             </a:extLst>
@@ -10928,7 +11668,7 @@
 </p:sld>
 </file>
 
-<file path=ppt/slides/slide42.xml><?xml version="1.0" encoding="utf-8"?>
+<file path=ppt/slides/slide51.xml><?xml version="1.0" encoding="utf-8"?>
 <p:sld xmlns:a="http://schemas.openxmlformats.org/drawingml/2006/main" xmlns:r="http://schemas.openxmlformats.org/officeDocument/2006/relationships" xmlns:p="http://schemas.openxmlformats.org/presentationml/2006/main">
   <p:cSld>
     <p:spTree>
@@ -11038,7 +11778,7 @@
 </p:sld>
 </file>
 
-<file path=ppt/slides/slide43.xml><?xml version="1.0" encoding="utf-8"?>
+<file path=ppt/slides/slide52.xml><?xml version="1.0" encoding="utf-8"?>
 <p:sld xmlns:a="http://schemas.openxmlformats.org/drawingml/2006/main" xmlns:r="http://schemas.openxmlformats.org/officeDocument/2006/relationships" xmlns:p="http://schemas.openxmlformats.org/presentationml/2006/main">
   <p:cSld>
     <p:spTree>
@@ -11109,119 +11849,6 @@
     <p:extLst>
       <p:ext uri="{BB962C8B-B14F-4D97-AF65-F5344CB8AC3E}">
         <p14:creationId xmlns:p14="http://schemas.microsoft.com/office/powerpoint/2010/main" val="254851748"/>
-      </p:ext>
-    </p:extLst>
-  </p:cSld>
-  <p:clrMapOvr>
-    <a:masterClrMapping/>
-  </p:clrMapOvr>
-</p:sld>
-</file>
-
-<file path=ppt/slides/slide5.xml><?xml version="1.0" encoding="utf-8"?>
-<p:sld xmlns:a="http://schemas.openxmlformats.org/drawingml/2006/main" xmlns:r="http://schemas.openxmlformats.org/officeDocument/2006/relationships" xmlns:p="http://schemas.openxmlformats.org/presentationml/2006/main">
-  <p:cSld>
-    <p:spTree>
-      <p:nvGrpSpPr>
-        <p:cNvPr id="1" name=""/>
-        <p:cNvGrpSpPr/>
-        <p:nvPr/>
-      </p:nvGrpSpPr>
-      <p:grpSpPr>
-        <a:xfrm>
-          <a:off x="0" y="0"/>
-          <a:ext cx="0" cy="0"/>
-          <a:chOff x="0" y="0"/>
-          <a:chExt cx="0" cy="0"/>
-        </a:xfrm>
-      </p:grpSpPr>
-      <p:sp>
-        <p:nvSpPr>
-          <p:cNvPr id="2" name="Title 1">
-            <a:extLst>
-              <a:ext uri="{FF2B5EF4-FFF2-40B4-BE49-F238E27FC236}">
-                <a16:creationId xmlns:a16="http://schemas.microsoft.com/office/drawing/2014/main" id="{EF627421-0E86-F4D4-ECC7-AAD9D6EBBD9C}"/>
-              </a:ext>
-            </a:extLst>
-          </p:cNvPr>
-          <p:cNvSpPr>
-            <a:spLocks noGrp="1"/>
-          </p:cNvSpPr>
-          <p:nvPr>
-            <p:ph type="title"/>
-          </p:nvPr>
-        </p:nvSpPr>
-        <p:spPr/>
-        <p:txBody>
-          <a:bodyPr/>
-          <a:lstStyle/>
-          <a:p>
-            <a:r>
-              <a:rPr lang="en-DE" dirty="0"/>
-              <a:t>Breaking down the past exam (Disclaimer)</a:t>
-            </a:r>
-          </a:p>
-        </p:txBody>
-      </p:sp>
-      <p:sp>
-        <p:nvSpPr>
-          <p:cNvPr id="3" name="Content Placeholder 2">
-            <a:extLst>
-              <a:ext uri="{FF2B5EF4-FFF2-40B4-BE49-F238E27FC236}">
-                <a16:creationId xmlns:a16="http://schemas.microsoft.com/office/drawing/2014/main" id="{741EAB04-D0E0-B855-FDED-25D7807CCD32}"/>
-              </a:ext>
-            </a:extLst>
-          </p:cNvPr>
-          <p:cNvSpPr>
-            <a:spLocks noGrp="1"/>
-          </p:cNvSpPr>
-          <p:nvPr>
-            <p:ph idx="1"/>
-          </p:nvPr>
-        </p:nvSpPr>
-        <p:spPr/>
-        <p:txBody>
-          <a:bodyPr/>
-          <a:lstStyle/>
-          <a:p>
-            <a:r>
-              <a:rPr lang="en-DE" dirty="0"/>
-              <a:t>Question 1 – Acting like a complier</a:t>
-            </a:r>
-          </a:p>
-          <a:p>
-            <a:r>
-              <a:rPr lang="en-DE" dirty="0"/>
-              <a:t>Question 2 – Usi</a:t>
-            </a:r>
-            <a:r>
-              <a:rPr lang="en-GB" dirty="0"/>
-              <a:t>n</a:t>
-            </a:r>
-            <a:r>
-              <a:rPr lang="en-DE" dirty="0"/>
-              <a:t>g your cheat sheet</a:t>
-            </a:r>
-          </a:p>
-          <a:p>
-            <a:r>
-              <a:rPr lang="en-DE" dirty="0"/>
-              <a:t>Question 3/4/5/ – Real Programming </a:t>
-            </a:r>
-          </a:p>
-          <a:p>
-            <a:pPr lvl="1"/>
-            <a:r>
-              <a:rPr lang="en-DE" dirty="0"/>
-              <a:t>There is a cheap way but not fully recommended :P</a:t>
-            </a:r>
-          </a:p>
-        </p:txBody>
-      </p:sp>
-    </p:spTree>
-    <p:extLst>
-      <p:ext uri="{BB962C8B-B14F-4D97-AF65-F5344CB8AC3E}">
-        <p14:creationId xmlns:p14="http://schemas.microsoft.com/office/powerpoint/2010/main" val="422544730"/>
       </p:ext>
     </p:extLst>
   </p:cSld>

--- a/C++/Tutoring/Lectures/Script.pptx
+++ b/C++/Tutoring/Lectures/Script.pptx
@@ -45,18 +45,39 @@
     <p:sldId id="290" r:id="rId39"/>
     <p:sldId id="280" r:id="rId40"/>
     <p:sldId id="291" r:id="rId41"/>
-    <p:sldId id="304" r:id="rId42"/>
-    <p:sldId id="310" r:id="rId43"/>
-    <p:sldId id="306" r:id="rId44"/>
-    <p:sldId id="307" r:id="rId45"/>
-    <p:sldId id="308" r:id="rId46"/>
-    <p:sldId id="309" r:id="rId47"/>
-    <p:sldId id="311" r:id="rId48"/>
-    <p:sldId id="312" r:id="rId49"/>
-    <p:sldId id="313" r:id="rId50"/>
-    <p:sldId id="292" r:id="rId51"/>
-    <p:sldId id="302" r:id="rId52"/>
-    <p:sldId id="303" r:id="rId53"/>
+    <p:sldId id="314" r:id="rId42"/>
+    <p:sldId id="304" r:id="rId43"/>
+    <p:sldId id="310" r:id="rId44"/>
+    <p:sldId id="306" r:id="rId45"/>
+    <p:sldId id="307" r:id="rId46"/>
+    <p:sldId id="308" r:id="rId47"/>
+    <p:sldId id="309" r:id="rId48"/>
+    <p:sldId id="311" r:id="rId49"/>
+    <p:sldId id="315" r:id="rId50"/>
+    <p:sldId id="336" r:id="rId51"/>
+    <p:sldId id="316" r:id="rId52"/>
+    <p:sldId id="335" r:id="rId53"/>
+    <p:sldId id="292" r:id="rId54"/>
+    <p:sldId id="317" r:id="rId55"/>
+    <p:sldId id="302" r:id="rId56"/>
+    <p:sldId id="319" r:id="rId57"/>
+    <p:sldId id="318" r:id="rId58"/>
+    <p:sldId id="303" r:id="rId59"/>
+    <p:sldId id="320" r:id="rId60"/>
+    <p:sldId id="334" r:id="rId61"/>
+    <p:sldId id="321" r:id="rId62"/>
+    <p:sldId id="333" r:id="rId63"/>
+    <p:sldId id="322" r:id="rId64"/>
+    <p:sldId id="323" r:id="rId65"/>
+    <p:sldId id="324" r:id="rId66"/>
+    <p:sldId id="325" r:id="rId67"/>
+    <p:sldId id="326" r:id="rId68"/>
+    <p:sldId id="327" r:id="rId69"/>
+    <p:sldId id="328" r:id="rId70"/>
+    <p:sldId id="329" r:id="rId71"/>
+    <p:sldId id="330" r:id="rId72"/>
+    <p:sldId id="331" r:id="rId73"/>
+    <p:sldId id="332" r:id="rId74"/>
   </p:sldIdLst>
   <p:sldSz cx="12192000" cy="6858000"/>
   <p:notesSz cx="6858000" cy="9144000"/>
@@ -10877,6 +10898,14 @@
 <file path=ppt/slides/slide41.xml><?xml version="1.0" encoding="utf-8"?>
 <p:sld xmlns:a="http://schemas.openxmlformats.org/drawingml/2006/main" xmlns:r="http://schemas.openxmlformats.org/officeDocument/2006/relationships" xmlns:p="http://schemas.openxmlformats.org/presentationml/2006/main">
   <p:cSld>
+    <p:bg>
+      <p:bgPr>
+        <a:solidFill>
+          <a:schemeClr val="bg1"/>
+        </a:solidFill>
+        <a:effectLst/>
+      </p:bgPr>
+    </p:bg>
     <p:spTree>
       <p:nvGrpSpPr>
         <p:cNvPr id="1" name=""/>
@@ -10893,6 +10922,916 @@
       </p:grpSpPr>
       <p:sp>
         <p:nvSpPr>
+          <p:cNvPr id="7" name="Rectangle 6">
+            <a:extLst>
+              <a:ext uri="{FF2B5EF4-FFF2-40B4-BE49-F238E27FC236}">
+                <a16:creationId xmlns:a16="http://schemas.microsoft.com/office/drawing/2014/main" id="{9A3D0CE2-91FF-49B3-A5D8-181E900D7501}"/>
+              </a:ext>
+              <a:ext uri="{C183D7F6-B498-43B3-948B-1728B52AA6E4}">
+                <adec:decorative xmlns:adec="http://schemas.microsoft.com/office/drawing/2017/decorative" val="1"/>
+              </a:ext>
+            </a:extLst>
+          </p:cNvPr>
+          <p:cNvSpPr>
+            <a:spLocks noGrp="1" noRot="1" noChangeAspect="1" noMove="1" noResize="1" noEditPoints="1" noAdjustHandles="1" noChangeArrowheads="1" noChangeShapeType="1" noTextEdit="1"/>
+          </p:cNvSpPr>
+          <p:nvPr>
+            <p:extLst>
+              <p:ext uri="{386F3935-93C4-4BCD-93E2-E3B085C9AB24}">
+                <p16:designElem xmlns:p16="http://schemas.microsoft.com/office/powerpoint/2015/main" val="1"/>
+              </p:ext>
+            </p:extLst>
+          </p:nvPr>
+        </p:nvSpPr>
+        <p:spPr>
+          <a:xfrm>
+            <a:off x="920834" y="1346946"/>
+            <a:ext cx="10222992" cy="80683"/>
+          </a:xfrm>
+          <a:prstGeom prst="rect">
+            <a:avLst/>
+          </a:prstGeom>
+          <a:blipFill dpi="0" rotWithShape="1">
+            <a:blip r:embed="rId2">
+              <a:alphaModFix amt="85000"/>
+              <a:lum bright="70000" contrast="-70000"/>
+              <a:extLst>
+                <a:ext uri="{BEBA8EAE-BF5A-486C-A8C5-ECC9F3942E4B}">
+                  <a14:imgProps xmlns:a14="http://schemas.microsoft.com/office/drawing/2010/main">
+                    <a14:imgLayer r:embed="rId3">
+                      <a14:imgEffect>
+                        <a14:sharpenSoften amount="61000"/>
+                      </a14:imgEffect>
+                    </a14:imgLayer>
+                  </a14:imgProps>
+                </a:ext>
+                <a:ext uri="{28A0092B-C50C-407E-A947-70E740481C1C}">
+                  <a14:useLocalDpi xmlns:a14="http://schemas.microsoft.com/office/drawing/2010/main" val="0"/>
+                </a:ext>
+              </a:extLst>
+            </a:blip>
+            <a:srcRect/>
+            <a:tile tx="0" ty="-762000" sx="92000" sy="89000" flip="xy" algn="ctr"/>
+          </a:blipFill>
+          <a:ln>
+            <a:noFill/>
+          </a:ln>
+        </p:spPr>
+        <p:style>
+          <a:lnRef idx="2">
+            <a:schemeClr val="accent1">
+              <a:shade val="50000"/>
+            </a:schemeClr>
+          </a:lnRef>
+          <a:fillRef idx="1">
+            <a:schemeClr val="accent1"/>
+          </a:fillRef>
+          <a:effectRef idx="0">
+            <a:schemeClr val="accent1"/>
+          </a:effectRef>
+          <a:fontRef idx="minor">
+            <a:schemeClr val="lt1"/>
+          </a:fontRef>
+        </p:style>
+        <p:txBody>
+          <a:bodyPr/>
+          <a:lstStyle/>
+          <a:p>
+            <a:endParaRPr lang="en-DE"/>
+          </a:p>
+        </p:txBody>
+      </p:sp>
+      <p:sp>
+        <p:nvSpPr>
+          <p:cNvPr id="9" name="Rectangle 8">
+            <a:extLst>
+              <a:ext uri="{FF2B5EF4-FFF2-40B4-BE49-F238E27FC236}">
+                <a16:creationId xmlns:a16="http://schemas.microsoft.com/office/drawing/2014/main" id="{58AEBD96-C315-4F53-9D9E-0E20E993EBFA}"/>
+              </a:ext>
+              <a:ext uri="{C183D7F6-B498-43B3-948B-1728B52AA6E4}">
+                <adec:decorative xmlns:adec="http://schemas.microsoft.com/office/drawing/2017/decorative" val="1"/>
+              </a:ext>
+            </a:extLst>
+          </p:cNvPr>
+          <p:cNvSpPr>
+            <a:spLocks noGrp="1" noRot="1" noChangeAspect="1" noMove="1" noResize="1" noEditPoints="1" noAdjustHandles="1" noChangeArrowheads="1" noChangeShapeType="1" noTextEdit="1"/>
+          </p:cNvSpPr>
+          <p:nvPr>
+            <p:extLst>
+              <p:ext uri="{386F3935-93C4-4BCD-93E2-E3B085C9AB24}">
+                <p16:designElem xmlns:p16="http://schemas.microsoft.com/office/powerpoint/2015/main" val="1"/>
+              </p:ext>
+            </p:extLst>
+          </p:nvPr>
+        </p:nvSpPr>
+        <p:spPr>
+          <a:xfrm>
+            <a:off x="920834" y="4299696"/>
+            <a:ext cx="10222992" cy="80683"/>
+          </a:xfrm>
+          <a:prstGeom prst="rect">
+            <a:avLst/>
+          </a:prstGeom>
+          <a:blipFill dpi="0" rotWithShape="1">
+            <a:blip r:embed="rId2">
+              <a:alphaModFix amt="85000"/>
+              <a:lum bright="70000" contrast="-70000"/>
+              <a:extLst>
+                <a:ext uri="{BEBA8EAE-BF5A-486C-A8C5-ECC9F3942E4B}">
+                  <a14:imgProps xmlns:a14="http://schemas.microsoft.com/office/drawing/2010/main">
+                    <a14:imgLayer r:embed="rId3">
+                      <a14:imgEffect>
+                        <a14:sharpenSoften amount="61000"/>
+                      </a14:imgEffect>
+                    </a14:imgLayer>
+                  </a14:imgProps>
+                </a:ext>
+                <a:ext uri="{28A0092B-C50C-407E-A947-70E740481C1C}">
+                  <a14:useLocalDpi xmlns:a14="http://schemas.microsoft.com/office/drawing/2010/main" val="0"/>
+                </a:ext>
+              </a:extLst>
+            </a:blip>
+            <a:srcRect/>
+            <a:tile tx="0" ty="-717550" sx="92000" sy="89000" flip="xy" algn="ctr"/>
+          </a:blipFill>
+          <a:ln>
+            <a:noFill/>
+          </a:ln>
+        </p:spPr>
+        <p:style>
+          <a:lnRef idx="2">
+            <a:schemeClr val="accent1">
+              <a:shade val="50000"/>
+            </a:schemeClr>
+          </a:lnRef>
+          <a:fillRef idx="1">
+            <a:schemeClr val="accent1"/>
+          </a:fillRef>
+          <a:effectRef idx="0">
+            <a:schemeClr val="accent1"/>
+          </a:effectRef>
+          <a:fontRef idx="minor">
+            <a:schemeClr val="lt1"/>
+          </a:fontRef>
+        </p:style>
+        <p:txBody>
+          <a:bodyPr/>
+          <a:lstStyle/>
+          <a:p>
+            <a:endParaRPr lang="en-DE"/>
+          </a:p>
+        </p:txBody>
+      </p:sp>
+      <p:sp>
+        <p:nvSpPr>
+          <p:cNvPr id="11" name="Rectangle 10">
+            <a:extLst>
+              <a:ext uri="{FF2B5EF4-FFF2-40B4-BE49-F238E27FC236}">
+                <a16:creationId xmlns:a16="http://schemas.microsoft.com/office/drawing/2014/main" id="{78916AAA-66F6-4DFA-88ED-7E27CF6B8DAD}"/>
+              </a:ext>
+              <a:ext uri="{C183D7F6-B498-43B3-948B-1728B52AA6E4}">
+                <adec:decorative xmlns:adec="http://schemas.microsoft.com/office/drawing/2017/decorative" val="1"/>
+              </a:ext>
+            </a:extLst>
+          </p:cNvPr>
+          <p:cNvSpPr>
+            <a:spLocks noGrp="1" noRot="1" noChangeAspect="1" noMove="1" noResize="1" noEditPoints="1" noAdjustHandles="1" noChangeArrowheads="1" noChangeShapeType="1" noTextEdit="1"/>
+          </p:cNvSpPr>
+          <p:nvPr>
+            <p:extLst>
+              <p:ext uri="{386F3935-93C4-4BCD-93E2-E3B085C9AB24}">
+                <p16:designElem xmlns:p16="http://schemas.microsoft.com/office/powerpoint/2015/main" val="1"/>
+              </p:ext>
+            </p:extLst>
+          </p:nvPr>
+        </p:nvSpPr>
+        <p:spPr>
+          <a:xfrm>
+            <a:off x="920834" y="1484779"/>
+            <a:ext cx="10222992" cy="2743200"/>
+          </a:xfrm>
+          <a:prstGeom prst="rect">
+            <a:avLst/>
+          </a:prstGeom>
+          <a:blipFill dpi="0" rotWithShape="1">
+            <a:blip r:embed="rId2">
+              <a:alphaModFix amt="85000"/>
+              <a:lum bright="70000" contrast="-70000"/>
+              <a:extLst>
+                <a:ext uri="{BEBA8EAE-BF5A-486C-A8C5-ECC9F3942E4B}">
+                  <a14:imgProps xmlns:a14="http://schemas.microsoft.com/office/drawing/2010/main">
+                    <a14:imgLayer r:embed="rId3">
+                      <a14:imgEffect>
+                        <a14:sharpenSoften amount="61000"/>
+                      </a14:imgEffect>
+                    </a14:imgLayer>
+                  </a14:imgProps>
+                </a:ext>
+                <a:ext uri="{28A0092B-C50C-407E-A947-70E740481C1C}">
+                  <a14:useLocalDpi xmlns:a14="http://schemas.microsoft.com/office/drawing/2010/main" val="0"/>
+                </a:ext>
+              </a:extLst>
+            </a:blip>
+            <a:srcRect/>
+            <a:tile tx="0" ty="-704850" sx="92000" sy="89000" flip="xy" algn="ctr"/>
+          </a:blipFill>
+          <a:ln>
+            <a:noFill/>
+          </a:ln>
+        </p:spPr>
+        <p:style>
+          <a:lnRef idx="2">
+            <a:schemeClr val="accent1">
+              <a:shade val="50000"/>
+            </a:schemeClr>
+          </a:lnRef>
+          <a:fillRef idx="1">
+            <a:schemeClr val="accent1"/>
+          </a:fillRef>
+          <a:effectRef idx="0">
+            <a:schemeClr val="accent1"/>
+          </a:effectRef>
+          <a:fontRef idx="minor">
+            <a:schemeClr val="lt1"/>
+          </a:fontRef>
+        </p:style>
+        <p:txBody>
+          <a:bodyPr/>
+          <a:lstStyle/>
+          <a:p>
+            <a:endParaRPr lang="en-DE"/>
+          </a:p>
+        </p:txBody>
+      </p:sp>
+      <p:grpSp>
+        <p:nvGrpSpPr>
+          <p:cNvPr id="13" name="Group 12">
+            <a:extLst>
+              <a:ext uri="{FF2B5EF4-FFF2-40B4-BE49-F238E27FC236}">
+                <a16:creationId xmlns:a16="http://schemas.microsoft.com/office/drawing/2014/main" id="{A137D43F-BAD6-47F1-AA65-AEEA38A2FF30}"/>
+              </a:ext>
+              <a:ext uri="{C183D7F6-B498-43B3-948B-1728B52AA6E4}">
+                <adec:decorative xmlns:adec="http://schemas.microsoft.com/office/drawing/2017/decorative" val="1"/>
+              </a:ext>
+            </a:extLst>
+          </p:cNvPr>
+          <p:cNvGrpSpPr>
+            <a:grpSpLocks noGrp="1" noUngrp="1" noRot="1" noChangeAspect="1" noMove="1" noResize="1"/>
+          </p:cNvGrpSpPr>
+          <p:nvPr>
+            <p:extLst>
+              <p:ext uri="{386F3935-93C4-4BCD-93E2-E3B085C9AB24}">
+                <p16:designElem xmlns:p16="http://schemas.microsoft.com/office/powerpoint/2015/main" val="1"/>
+              </p:ext>
+            </p:extLst>
+          </p:nvPr>
+        </p:nvGrpSpPr>
+        <p:grpSpPr>
+          <a:xfrm>
+            <a:off x="9649215" y="4068923"/>
+            <a:ext cx="1080904" cy="1080902"/>
+            <a:chOff x="9685338" y="4460675"/>
+            <a:chExt cx="1080904" cy="1080902"/>
+          </a:xfrm>
+        </p:grpSpPr>
+        <p:sp>
+          <p:nvSpPr>
+            <p:cNvPr id="14" name="Oval 13">
+              <a:extLst>
+                <a:ext uri="{FF2B5EF4-FFF2-40B4-BE49-F238E27FC236}">
+                  <a16:creationId xmlns:a16="http://schemas.microsoft.com/office/drawing/2014/main" id="{D512C9B2-6B22-4211-A940-FCD7C2CD0BEA}"/>
+                </a:ext>
+                <a:ext uri="{C183D7F6-B498-43B3-948B-1728B52AA6E4}">
+                  <adec:decorative xmlns:adec="http://schemas.microsoft.com/office/drawing/2017/decorative" val="1"/>
+                </a:ext>
+              </a:extLst>
+            </p:cNvPr>
+            <p:cNvSpPr/>
+            <p:nvPr>
+              <p:extLst>
+                <p:ext uri="{386F3935-93C4-4BCD-93E2-E3B085C9AB24}">
+                  <p16:designElem xmlns:p16="http://schemas.microsoft.com/office/powerpoint/2015/main" val="1"/>
+                </p:ext>
+              </p:extLst>
+            </p:nvPr>
+          </p:nvSpPr>
+          <p:spPr>
+            <a:xfrm>
+              <a:off x="9685338" y="4460675"/>
+              <a:ext cx="1080904" cy="1080902"/>
+            </a:xfrm>
+            <a:prstGeom prst="ellipse">
+              <a:avLst/>
+            </a:prstGeom>
+            <a:blipFill dpi="0" rotWithShape="1">
+              <a:blip r:embed="rId4">
+                <a:duotone>
+                  <a:schemeClr val="accent1">
+                    <a:shade val="45000"/>
+                    <a:satMod val="135000"/>
+                  </a:schemeClr>
+                  <a:prstClr val="white"/>
+                </a:duotone>
+                <a:extLst>
+                  <a:ext uri="{BEBA8EAE-BF5A-486C-A8C5-ECC9F3942E4B}">
+                    <a14:imgProps xmlns:a14="http://schemas.microsoft.com/office/drawing/2010/main">
+                      <a14:imgLayer r:embed="rId5">
+                        <a14:imgEffect>
+                          <a14:saturation sat="95000"/>
+                        </a14:imgEffect>
+                      </a14:imgLayer>
+                    </a14:imgProps>
+                  </a:ext>
+                </a:extLst>
+              </a:blip>
+              <a:srcRect/>
+              <a:tile tx="0" ty="0" sx="85000" sy="85000" flip="none" algn="tl"/>
+            </a:blipFill>
+            <a:ln w="25400" cap="flat" cmpd="sng" algn="ctr">
+              <a:noFill/>
+              <a:prstDash val="solid"/>
+            </a:ln>
+            <a:effectLst/>
+          </p:spPr>
+          <p:txBody>
+            <a:bodyPr/>
+            <a:lstStyle/>
+            <a:p>
+              <a:endParaRPr lang="en-DE"/>
+            </a:p>
+          </p:txBody>
+        </p:sp>
+        <p:sp>
+          <p:nvSpPr>
+            <p:cNvPr id="15" name="Oval 14">
+              <a:extLst>
+                <a:ext uri="{FF2B5EF4-FFF2-40B4-BE49-F238E27FC236}">
+                  <a16:creationId xmlns:a16="http://schemas.microsoft.com/office/drawing/2014/main" id="{85F7DB84-CDE7-46F8-90DD-9D048A7D52D1}"/>
+                </a:ext>
+                <a:ext uri="{C183D7F6-B498-43B3-948B-1728B52AA6E4}">
+                  <adec:decorative xmlns:adec="http://schemas.microsoft.com/office/drawing/2017/decorative" val="1"/>
+                </a:ext>
+              </a:extLst>
+            </p:cNvPr>
+            <p:cNvSpPr/>
+            <p:nvPr>
+              <p:extLst>
+                <p:ext uri="{386F3935-93C4-4BCD-93E2-E3B085C9AB24}">
+                  <p16:designElem xmlns:p16="http://schemas.microsoft.com/office/powerpoint/2015/main" val="1"/>
+                </p:ext>
+              </p:extLst>
+            </p:nvPr>
+          </p:nvSpPr>
+          <p:spPr>
+            <a:xfrm>
+              <a:off x="9793429" y="4568765"/>
+              <a:ext cx="864723" cy="864722"/>
+            </a:xfrm>
+            <a:prstGeom prst="ellipse">
+              <a:avLst/>
+            </a:prstGeom>
+            <a:noFill/>
+            <a:ln w="25400" cap="flat" cmpd="sng" algn="ctr">
+              <a:solidFill>
+                <a:sysClr val="window" lastClr="FFFFFF"/>
+              </a:solidFill>
+              <a:prstDash val="solid"/>
+            </a:ln>
+            <a:effectLst/>
+          </p:spPr>
+          <p:txBody>
+            <a:bodyPr/>
+            <a:lstStyle/>
+            <a:p>
+              <a:endParaRPr lang="en-DE"/>
+            </a:p>
+          </p:txBody>
+        </p:sp>
+      </p:grpSp>
+      <p:sp useBgFill="1">
+        <p:nvSpPr>
+          <p:cNvPr id="17" name="Rectangle 16">
+            <a:extLst>
+              <a:ext uri="{FF2B5EF4-FFF2-40B4-BE49-F238E27FC236}">
+                <a16:creationId xmlns:a16="http://schemas.microsoft.com/office/drawing/2014/main" id="{E8035907-EB9C-4E11-8A9B-D25B0AD8D749}"/>
+              </a:ext>
+              <a:ext uri="{C183D7F6-B498-43B3-948B-1728B52AA6E4}">
+                <adec:decorative xmlns:adec="http://schemas.microsoft.com/office/drawing/2017/decorative" val="1"/>
+              </a:ext>
+            </a:extLst>
+          </p:cNvPr>
+          <p:cNvSpPr>
+            <a:spLocks noGrp="1" noRot="1" noChangeAspect="1" noMove="1" noResize="1" noEditPoints="1" noAdjustHandles="1" noChangeArrowheads="1" noChangeShapeType="1" noTextEdit="1"/>
+          </p:cNvSpPr>
+          <p:nvPr>
+            <p:extLst>
+              <p:ext uri="{386F3935-93C4-4BCD-93E2-E3B085C9AB24}">
+                <p16:designElem xmlns:p16="http://schemas.microsoft.com/office/powerpoint/2015/main" val="1"/>
+              </p:ext>
+            </p:extLst>
+          </p:nvPr>
+        </p:nvSpPr>
+        <p:spPr bwMode="white">
+          <a:xfrm>
+            <a:off x="3048" y="0"/>
+            <a:ext cx="12188952" cy="6858001"/>
+          </a:xfrm>
+          <a:prstGeom prst="rect">
+            <a:avLst/>
+          </a:prstGeom>
+          <a:ln>
+            <a:noFill/>
+          </a:ln>
+        </p:spPr>
+        <p:style>
+          <a:lnRef idx="2">
+            <a:schemeClr val="accent1">
+              <a:shade val="50000"/>
+            </a:schemeClr>
+          </a:lnRef>
+          <a:fillRef idx="1">
+            <a:schemeClr val="accent1"/>
+          </a:fillRef>
+          <a:effectRef idx="0">
+            <a:schemeClr val="accent1"/>
+          </a:effectRef>
+          <a:fontRef idx="minor">
+            <a:schemeClr val="lt1"/>
+          </a:fontRef>
+        </p:style>
+        <p:txBody>
+          <a:bodyPr rot="0" spcFirstLastPara="0" vert="horz" wrap="square" lIns="91440" tIns="45720" rIns="91440" bIns="45720" numCol="1" spcCol="0" rtlCol="0" fromWordArt="0" anchor="ctr" anchorCtr="0" forceAA="0" compatLnSpc="1">
+            <a:prstTxWarp prst="textNoShape">
+              <a:avLst/>
+            </a:prstTxWarp>
+            <a:noAutofit/>
+          </a:bodyPr>
+          <a:lstStyle>
+            <a:defPPr>
+              <a:defRPr lang="en-US"/>
+            </a:defPPr>
+            <a:lvl1pPr marL="0" algn="l" defTabSz="914400" rtl="0" eaLnBrk="1" latinLnBrk="0" hangingPunct="1">
+              <a:defRPr sz="1800" kern="1200">
+                <a:solidFill>
+                  <a:schemeClr val="lt1"/>
+                </a:solidFill>
+                <a:latin typeface="+mn-lt"/>
+                <a:ea typeface="+mn-ea"/>
+                <a:cs typeface="+mn-cs"/>
+              </a:defRPr>
+            </a:lvl1pPr>
+            <a:lvl2pPr marL="457200" algn="l" defTabSz="914400" rtl="0" eaLnBrk="1" latinLnBrk="0" hangingPunct="1">
+              <a:defRPr sz="1800" kern="1200">
+                <a:solidFill>
+                  <a:schemeClr val="lt1"/>
+                </a:solidFill>
+                <a:latin typeface="+mn-lt"/>
+                <a:ea typeface="+mn-ea"/>
+                <a:cs typeface="+mn-cs"/>
+              </a:defRPr>
+            </a:lvl2pPr>
+            <a:lvl3pPr marL="914400" algn="l" defTabSz="914400" rtl="0" eaLnBrk="1" latinLnBrk="0" hangingPunct="1">
+              <a:defRPr sz="1800" kern="1200">
+                <a:solidFill>
+                  <a:schemeClr val="lt1"/>
+                </a:solidFill>
+                <a:latin typeface="+mn-lt"/>
+                <a:ea typeface="+mn-ea"/>
+                <a:cs typeface="+mn-cs"/>
+              </a:defRPr>
+            </a:lvl3pPr>
+            <a:lvl4pPr marL="1371600" algn="l" defTabSz="914400" rtl="0" eaLnBrk="1" latinLnBrk="0" hangingPunct="1">
+              <a:defRPr sz="1800" kern="1200">
+                <a:solidFill>
+                  <a:schemeClr val="lt1"/>
+                </a:solidFill>
+                <a:latin typeface="+mn-lt"/>
+                <a:ea typeface="+mn-ea"/>
+                <a:cs typeface="+mn-cs"/>
+              </a:defRPr>
+            </a:lvl4pPr>
+            <a:lvl5pPr marL="1828800" algn="l" defTabSz="914400" rtl="0" eaLnBrk="1" latinLnBrk="0" hangingPunct="1">
+              <a:defRPr sz="1800" kern="1200">
+                <a:solidFill>
+                  <a:schemeClr val="lt1"/>
+                </a:solidFill>
+                <a:latin typeface="+mn-lt"/>
+                <a:ea typeface="+mn-ea"/>
+                <a:cs typeface="+mn-cs"/>
+              </a:defRPr>
+            </a:lvl5pPr>
+            <a:lvl6pPr marL="2286000" algn="l" defTabSz="914400" rtl="0" eaLnBrk="1" latinLnBrk="0" hangingPunct="1">
+              <a:defRPr sz="1800" kern="1200">
+                <a:solidFill>
+                  <a:schemeClr val="lt1"/>
+                </a:solidFill>
+                <a:latin typeface="+mn-lt"/>
+                <a:ea typeface="+mn-ea"/>
+                <a:cs typeface="+mn-cs"/>
+              </a:defRPr>
+            </a:lvl6pPr>
+            <a:lvl7pPr marL="2743200" algn="l" defTabSz="914400" rtl="0" eaLnBrk="1" latinLnBrk="0" hangingPunct="1">
+              <a:defRPr sz="1800" kern="1200">
+                <a:solidFill>
+                  <a:schemeClr val="lt1"/>
+                </a:solidFill>
+                <a:latin typeface="+mn-lt"/>
+                <a:ea typeface="+mn-ea"/>
+                <a:cs typeface="+mn-cs"/>
+              </a:defRPr>
+            </a:lvl7pPr>
+            <a:lvl8pPr marL="3200400" algn="l" defTabSz="914400" rtl="0" eaLnBrk="1" latinLnBrk="0" hangingPunct="1">
+              <a:defRPr sz="1800" kern="1200">
+                <a:solidFill>
+                  <a:schemeClr val="lt1"/>
+                </a:solidFill>
+                <a:latin typeface="+mn-lt"/>
+                <a:ea typeface="+mn-ea"/>
+                <a:cs typeface="+mn-cs"/>
+              </a:defRPr>
+            </a:lvl8pPr>
+            <a:lvl9pPr marL="3657600" algn="l" defTabSz="914400" rtl="0" eaLnBrk="1" latinLnBrk="0" hangingPunct="1">
+              <a:defRPr sz="1800" kern="1200">
+                <a:solidFill>
+                  <a:schemeClr val="lt1"/>
+                </a:solidFill>
+                <a:latin typeface="+mn-lt"/>
+                <a:ea typeface="+mn-ea"/>
+                <a:cs typeface="+mn-cs"/>
+              </a:defRPr>
+            </a:lvl9pPr>
+          </a:lstStyle>
+          <a:p>
+            <a:pPr algn="ctr"/>
+            <a:endParaRPr lang="en-US"/>
+          </a:p>
+        </p:txBody>
+      </p:sp>
+      <p:grpSp>
+        <p:nvGrpSpPr>
+          <p:cNvPr id="19" name="Group 18">
+            <a:extLst>
+              <a:ext uri="{FF2B5EF4-FFF2-40B4-BE49-F238E27FC236}">
+                <a16:creationId xmlns:a16="http://schemas.microsoft.com/office/drawing/2014/main" id="{B4CFDD4A-4FA1-4CD9-90D5-E253C2040BA3}"/>
+              </a:ext>
+              <a:ext uri="{C183D7F6-B498-43B3-948B-1728B52AA6E4}">
+                <adec:decorative xmlns:adec="http://schemas.microsoft.com/office/drawing/2017/decorative" val="1"/>
+              </a:ext>
+            </a:extLst>
+          </p:cNvPr>
+          <p:cNvGrpSpPr>
+            <a:grpSpLocks noGrp="1" noUngrp="1" noRot="1" noChangeAspect="1" noMove="1" noResize="1"/>
+          </p:cNvGrpSpPr>
+          <p:nvPr>
+            <p:extLst>
+              <p:ext uri="{386F3935-93C4-4BCD-93E2-E3B085C9AB24}">
+                <p16:designElem xmlns:p16="http://schemas.microsoft.com/office/powerpoint/2015/main" val="1"/>
+              </p:ext>
+            </p:extLst>
+          </p:nvPr>
+        </p:nvGrpSpPr>
+        <p:grpSpPr>
+          <a:xfrm>
+            <a:off x="1314818" y="720071"/>
+            <a:ext cx="5417868" cy="5417858"/>
+            <a:chOff x="1311770" y="720071"/>
+            <a:chExt cx="5417868" cy="5417858"/>
+          </a:xfrm>
+        </p:grpSpPr>
+        <p:sp>
+          <p:nvSpPr>
+            <p:cNvPr id="20" name="Oval 19">
+              <a:extLst>
+                <a:ext uri="{FF2B5EF4-FFF2-40B4-BE49-F238E27FC236}">
+                  <a16:creationId xmlns:a16="http://schemas.microsoft.com/office/drawing/2014/main" id="{4AB5B6FA-7B4F-437A-9C78-144C7DCD1EC6}"/>
+                </a:ext>
+                <a:ext uri="{C183D7F6-B498-43B3-948B-1728B52AA6E4}">
+                  <adec:decorative xmlns:adec="http://schemas.microsoft.com/office/drawing/2017/decorative" val="1"/>
+                </a:ext>
+              </a:extLst>
+            </p:cNvPr>
+            <p:cNvSpPr/>
+            <p:nvPr>
+              <p:extLst>
+                <p:ext uri="{386F3935-93C4-4BCD-93E2-E3B085C9AB24}">
+                  <p16:designElem xmlns:p16="http://schemas.microsoft.com/office/powerpoint/2015/main" val="1"/>
+                </p:ext>
+              </p:extLst>
+            </p:nvPr>
+          </p:nvSpPr>
+          <p:spPr>
+            <a:xfrm>
+              <a:off x="1311770" y="720071"/>
+              <a:ext cx="5417868" cy="5417858"/>
+            </a:xfrm>
+            <a:prstGeom prst="ellipse">
+              <a:avLst/>
+            </a:prstGeom>
+            <a:blipFill dpi="0" rotWithShape="1">
+              <a:blip r:embed="rId6">
+                <a:duotone>
+                  <a:schemeClr val="accent1">
+                    <a:shade val="45000"/>
+                    <a:satMod val="135000"/>
+                  </a:schemeClr>
+                  <a:prstClr val="white"/>
+                </a:duotone>
+                <a:extLst>
+                  <a:ext uri="{BEBA8EAE-BF5A-486C-A8C5-ECC9F3942E4B}">
+                    <a14:imgProps xmlns:a14="http://schemas.microsoft.com/office/drawing/2010/main">
+                      <a14:imgLayer r:embed="rId7">
+                        <a14:imgEffect>
+                          <a14:saturation sat="400000"/>
+                        </a14:imgEffect>
+                        <a14:imgEffect>
+                          <a14:brightnessContrast bright="-40000" contrast="40000"/>
+                        </a14:imgEffect>
+                      </a14:imgLayer>
+                    </a14:imgProps>
+                  </a:ext>
+                </a:extLst>
+              </a:blip>
+              <a:srcRect/>
+              <a:tile tx="0" ty="0" sx="85000" sy="85000" flip="none" algn="tl"/>
+            </a:blipFill>
+            <a:ln w="25400" cap="flat" cmpd="sng" algn="ctr">
+              <a:noFill/>
+              <a:prstDash val="solid"/>
+            </a:ln>
+            <a:effectLst/>
+          </p:spPr>
+          <p:txBody>
+            <a:bodyPr lIns="0" tIns="0" rIns="0" bIns="0" rtlCol="0" anchor="ctr"/>
+            <a:lstStyle/>
+            <a:p>
+              <a:pPr marL="0" marR="0" lvl="0" indent="0" algn="ctr" defTabSz="914400" eaLnBrk="1" fontAlgn="auto" latinLnBrk="0" hangingPunct="1">
+                <a:lnSpc>
+                  <a:spcPct val="100000"/>
+                </a:lnSpc>
+                <a:spcBef>
+                  <a:spcPts val="0"/>
+                </a:spcBef>
+                <a:spcAft>
+                  <a:spcPts val="0"/>
+                </a:spcAft>
+                <a:buClrTx/>
+                <a:buSzTx/>
+                <a:buFontTx/>
+                <a:buNone/>
+                <a:tabLst/>
+                <a:defRPr/>
+              </a:pPr>
+              <a:endParaRPr kumimoji="0" lang="en-US" sz="2000" b="0" i="0" u="none" strike="noStrike" kern="0" cap="none" spc="0" normalizeH="0" baseline="0" noProof="0" dirty="0">
+                <a:ln>
+                  <a:noFill/>
+                </a:ln>
+                <a:solidFill>
+                  <a:prstClr val="white"/>
+                </a:solidFill>
+                <a:effectLst/>
+                <a:uLnTx/>
+                <a:uFillTx/>
+                <a:latin typeface="Rockwell Extra Bold" pitchFamily="18" charset="0"/>
+                <a:ea typeface="+mn-ea"/>
+                <a:cs typeface="+mn-cs"/>
+              </a:endParaRPr>
+            </a:p>
+          </p:txBody>
+        </p:sp>
+        <p:sp>
+          <p:nvSpPr>
+            <p:cNvPr id="21" name="Oval 20">
+              <a:extLst>
+                <a:ext uri="{FF2B5EF4-FFF2-40B4-BE49-F238E27FC236}">
+                  <a16:creationId xmlns:a16="http://schemas.microsoft.com/office/drawing/2014/main" id="{A4199C21-6AE0-4F6F-AA96-6FFF97BB95EB}"/>
+                </a:ext>
+                <a:ext uri="{C183D7F6-B498-43B3-948B-1728B52AA6E4}">
+                  <adec:decorative xmlns:adec="http://schemas.microsoft.com/office/drawing/2017/decorative" val="1"/>
+                </a:ext>
+              </a:extLst>
+            </p:cNvPr>
+            <p:cNvSpPr/>
+            <p:nvPr>
+              <p:extLst>
+                <p:ext uri="{386F3935-93C4-4BCD-93E2-E3B085C9AB24}">
+                  <p16:designElem xmlns:p16="http://schemas.microsoft.com/office/powerpoint/2015/main" val="1"/>
+                </p:ext>
+              </p:extLst>
+            </p:nvPr>
+          </p:nvSpPr>
+          <p:spPr>
+            <a:xfrm>
+              <a:off x="1598390" y="1006688"/>
+              <a:ext cx="4844628" cy="4844620"/>
+            </a:xfrm>
+            <a:prstGeom prst="ellipse">
+              <a:avLst/>
+            </a:prstGeom>
+            <a:noFill/>
+            <a:ln w="25400" cap="flat" cmpd="sng" algn="ctr">
+              <a:solidFill>
+                <a:sysClr val="window" lastClr="FFFFFF"/>
+              </a:solidFill>
+              <a:prstDash val="solid"/>
+            </a:ln>
+            <a:effectLst/>
+          </p:spPr>
+          <p:txBody>
+            <a:bodyPr rtlCol="0" anchor="ctr"/>
+            <a:lstStyle/>
+            <a:p>
+              <a:pPr marL="0" marR="0" lvl="0" indent="0" algn="ctr" defTabSz="914400" eaLnBrk="1" fontAlgn="auto" latinLnBrk="0" hangingPunct="1">
+                <a:lnSpc>
+                  <a:spcPct val="100000"/>
+                </a:lnSpc>
+                <a:spcBef>
+                  <a:spcPts val="0"/>
+                </a:spcBef>
+                <a:spcAft>
+                  <a:spcPts val="0"/>
+                </a:spcAft>
+                <a:buClrTx/>
+                <a:buSzTx/>
+                <a:buFontTx/>
+                <a:buNone/>
+                <a:tabLst/>
+                <a:defRPr/>
+              </a:pPr>
+              <a:endParaRPr kumimoji="0" lang="en-US" sz="1800" b="0" i="0" u="none" strike="noStrike" kern="0" cap="none" spc="0" normalizeH="0" baseline="0" noProof="0" dirty="0">
+                <a:ln>
+                  <a:noFill/>
+                </a:ln>
+                <a:solidFill>
+                  <a:prstClr val="white"/>
+                </a:solidFill>
+                <a:effectLst/>
+                <a:uLnTx/>
+                <a:uFillTx/>
+                <a:latin typeface="Calibri"/>
+                <a:ea typeface="+mn-ea"/>
+                <a:cs typeface="+mn-cs"/>
+              </a:endParaRPr>
+            </a:p>
+          </p:txBody>
+        </p:sp>
+      </p:grpSp>
+      <p:sp>
+        <p:nvSpPr>
+          <p:cNvPr id="2" name="Title 1">
+            <a:extLst>
+              <a:ext uri="{FF2B5EF4-FFF2-40B4-BE49-F238E27FC236}">
+                <a16:creationId xmlns:a16="http://schemas.microsoft.com/office/drawing/2014/main" id="{21C3D36C-FEB8-0F27-3FAF-7D8B61F0F2CD}"/>
+              </a:ext>
+            </a:extLst>
+          </p:cNvPr>
+          <p:cNvSpPr>
+            <a:spLocks noGrp="1"/>
+          </p:cNvSpPr>
+          <p:nvPr>
+            <p:ph type="title"/>
+          </p:nvPr>
+        </p:nvSpPr>
+        <p:spPr>
+          <a:xfrm>
+            <a:off x="1717507" y="1316890"/>
+            <a:ext cx="4606394" cy="4224216"/>
+          </a:xfrm>
+        </p:spPr>
+        <p:txBody>
+          <a:bodyPr vert="horz" lIns="91440" tIns="45720" rIns="91440" bIns="45720" rtlCol="0" anchor="ctr">
+            <a:normAutofit/>
+          </a:bodyPr>
+          <a:lstStyle/>
+          <a:p>
+            <a:pPr algn="ctr">
+              <a:lnSpc>
+                <a:spcPct val="80000"/>
+              </a:lnSpc>
+            </a:pPr>
+            <a:r>
+              <a:rPr lang="en-US" sz="6000" dirty="0">
+                <a:solidFill>
+                  <a:srgbClr val="FFFFFF"/>
+                </a:solidFill>
+              </a:rPr>
+              <a:t>DAY 3</a:t>
+            </a:r>
+          </a:p>
+        </p:txBody>
+      </p:sp>
+      <p:sp>
+        <p:nvSpPr>
+          <p:cNvPr id="23" name="Rectangle 22">
+            <a:extLst>
+              <a:ext uri="{FF2B5EF4-FFF2-40B4-BE49-F238E27FC236}">
+                <a16:creationId xmlns:a16="http://schemas.microsoft.com/office/drawing/2014/main" id="{D9C69FA7-0958-4ED9-A0DF-E87A0C137BF5}"/>
+              </a:ext>
+              <a:ext uri="{C183D7F6-B498-43B3-948B-1728B52AA6E4}">
+                <adec:decorative xmlns:adec="http://schemas.microsoft.com/office/drawing/2017/decorative" val="1"/>
+              </a:ext>
+            </a:extLst>
+          </p:cNvPr>
+          <p:cNvSpPr>
+            <a:spLocks noGrp="1" noRot="1" noChangeAspect="1" noMove="1" noResize="1" noEditPoints="1" noAdjustHandles="1" noChangeArrowheads="1" noChangeShapeType="1" noTextEdit="1"/>
+          </p:cNvSpPr>
+          <p:nvPr>
+            <p:extLst>
+              <p:ext uri="{386F3935-93C4-4BCD-93E2-E3B085C9AB24}">
+                <p16:designElem xmlns:p16="http://schemas.microsoft.com/office/powerpoint/2015/main" val="1"/>
+              </p:ext>
+            </p:extLst>
+          </p:nvPr>
+        </p:nvSpPr>
+        <p:spPr>
+          <a:xfrm rot="5400000">
+            <a:off x="5545208" y="3388657"/>
+            <a:ext cx="3657600" cy="80683"/>
+          </a:xfrm>
+          <a:prstGeom prst="rect">
+            <a:avLst/>
+          </a:prstGeom>
+          <a:blipFill dpi="0" rotWithShape="1">
+            <a:blip r:embed="rId2">
+              <a:alphaModFix amt="85000"/>
+              <a:lum bright="70000" contrast="-70000"/>
+              <a:extLst>
+                <a:ext uri="{BEBA8EAE-BF5A-486C-A8C5-ECC9F3942E4B}">
+                  <a14:imgProps xmlns:a14="http://schemas.microsoft.com/office/drawing/2010/main">
+                    <a14:imgLayer r:embed="rId3">
+                      <a14:imgEffect>
+                        <a14:sharpenSoften amount="61000"/>
+                      </a14:imgEffect>
+                    </a14:imgLayer>
+                  </a14:imgProps>
+                </a:ext>
+                <a:ext uri="{28A0092B-C50C-407E-A947-70E740481C1C}">
+                  <a14:useLocalDpi xmlns:a14="http://schemas.microsoft.com/office/drawing/2010/main" val="0"/>
+                </a:ext>
+              </a:extLst>
+            </a:blip>
+            <a:srcRect/>
+            <a:tile tx="0" ty="-717550" sx="92000" sy="89000" flip="xy" algn="ctr"/>
+          </a:blipFill>
+          <a:ln>
+            <a:noFill/>
+          </a:ln>
+        </p:spPr>
+        <p:style>
+          <a:lnRef idx="2">
+            <a:schemeClr val="accent1">
+              <a:shade val="50000"/>
+            </a:schemeClr>
+          </a:lnRef>
+          <a:fillRef idx="1">
+            <a:schemeClr val="accent1"/>
+          </a:fillRef>
+          <a:effectRef idx="0">
+            <a:schemeClr val="accent1"/>
+          </a:effectRef>
+          <a:fontRef idx="minor">
+            <a:schemeClr val="lt1"/>
+          </a:fontRef>
+        </p:style>
+        <p:txBody>
+          <a:bodyPr/>
+          <a:lstStyle/>
+          <a:p>
+            <a:endParaRPr lang="en-DE"/>
+          </a:p>
+        </p:txBody>
+      </p:sp>
+    </p:spTree>
+    <p:extLst>
+      <p:ext uri="{BB962C8B-B14F-4D97-AF65-F5344CB8AC3E}">
+        <p14:creationId xmlns:p14="http://schemas.microsoft.com/office/powerpoint/2010/main" val="1410810834"/>
+      </p:ext>
+    </p:extLst>
+  </p:cSld>
+  <p:clrMapOvr>
+    <a:masterClrMapping/>
+  </p:clrMapOvr>
+</p:sld>
+</file>
+
+<file path=ppt/slides/slide42.xml><?xml version="1.0" encoding="utf-8"?>
+<p:sld xmlns:a="http://schemas.openxmlformats.org/drawingml/2006/main" xmlns:r="http://schemas.openxmlformats.org/officeDocument/2006/relationships" xmlns:p="http://schemas.openxmlformats.org/presentationml/2006/main">
+  <p:cSld>
+    <p:spTree>
+      <p:nvGrpSpPr>
+        <p:cNvPr id="1" name=""/>
+        <p:cNvGrpSpPr/>
+        <p:nvPr/>
+      </p:nvGrpSpPr>
+      <p:grpSpPr>
+        <a:xfrm>
+          <a:off x="0" y="0"/>
+          <a:ext cx="0" cy="0"/>
+          <a:chOff x="0" y="0"/>
+          <a:chExt cx="0" cy="0"/>
+        </a:xfrm>
+      </p:grpSpPr>
+      <p:sp>
+        <p:nvSpPr>
           <p:cNvPr id="2" name="Title 1">
             <a:extLst>
               <a:ext uri="{FF2B5EF4-FFF2-40B4-BE49-F238E27FC236}">
@@ -10920,7 +11859,7 @@
             <a:pPr algn="ctr"/>
             <a:r>
               <a:rPr lang="en-DE" dirty="0"/>
-              <a:t>Revision</a:t>
+              <a:t>Revision + In depth</a:t>
             </a:r>
           </a:p>
         </p:txBody>
@@ -10938,7 +11877,7 @@
 </p:sld>
 </file>
 
-<file path=ppt/slides/slide42.xml><?xml version="1.0" encoding="utf-8"?>
+<file path=ppt/slides/slide43.xml><?xml version="1.0" encoding="utf-8"?>
 <p:sld xmlns:a="http://schemas.openxmlformats.org/drawingml/2006/main" xmlns:r="http://schemas.openxmlformats.org/officeDocument/2006/relationships" xmlns:p="http://schemas.openxmlformats.org/presentationml/2006/main">
   <p:cSld>
     <p:spTree>
@@ -10998,7 +11937,7 @@
 </p:sld>
 </file>
 
-<file path=ppt/slides/slide43.xml><?xml version="1.0" encoding="utf-8"?>
+<file path=ppt/slides/slide44.xml><?xml version="1.0" encoding="utf-8"?>
 <p:sld xmlns:a="http://schemas.openxmlformats.org/drawingml/2006/main" xmlns:r="http://schemas.openxmlformats.org/officeDocument/2006/relationships" xmlns:p="http://schemas.openxmlformats.org/presentationml/2006/main">
   <p:cSld>
     <p:spTree>
@@ -11088,7 +12027,7 @@
 </p:sld>
 </file>
 
-<file path=ppt/slides/slide44.xml><?xml version="1.0" encoding="utf-8"?>
+<file path=ppt/slides/slide45.xml><?xml version="1.0" encoding="utf-8"?>
 <p:sld xmlns:a="http://schemas.openxmlformats.org/drawingml/2006/main" xmlns:r="http://schemas.openxmlformats.org/officeDocument/2006/relationships" xmlns:p="http://schemas.openxmlformats.org/presentationml/2006/main">
   <p:cSld>
     <p:spTree>
@@ -11148,7 +12087,7 @@
 </p:sld>
 </file>
 
-<file path=ppt/slides/slide45.xml><?xml version="1.0" encoding="utf-8"?>
+<file path=ppt/slides/slide46.xml><?xml version="1.0" encoding="utf-8"?>
 <p:sld xmlns:a="http://schemas.openxmlformats.org/drawingml/2006/main" xmlns:r="http://schemas.openxmlformats.org/officeDocument/2006/relationships" xmlns:p="http://schemas.openxmlformats.org/presentationml/2006/main">
   <p:cSld>
     <p:spTree>
@@ -11238,7 +12177,7 @@
 </p:sld>
 </file>
 
-<file path=ppt/slides/slide46.xml><?xml version="1.0" encoding="utf-8"?>
+<file path=ppt/slides/slide47.xml><?xml version="1.0" encoding="utf-8"?>
 <p:sld xmlns:a="http://schemas.openxmlformats.org/drawingml/2006/main" xmlns:r="http://schemas.openxmlformats.org/officeDocument/2006/relationships" xmlns:p="http://schemas.openxmlformats.org/presentationml/2006/main">
   <p:cSld>
     <p:spTree>
@@ -11298,90 +12237,6 @@
 </p:sld>
 </file>
 
-<file path=ppt/slides/slide47.xml><?xml version="1.0" encoding="utf-8"?>
-<p:sld xmlns:a="http://schemas.openxmlformats.org/drawingml/2006/main" xmlns:r="http://schemas.openxmlformats.org/officeDocument/2006/relationships" xmlns:p="http://schemas.openxmlformats.org/presentationml/2006/main">
-  <p:cSld>
-    <p:spTree>
-      <p:nvGrpSpPr>
-        <p:cNvPr id="1" name=""/>
-        <p:cNvGrpSpPr/>
-        <p:nvPr/>
-      </p:nvGrpSpPr>
-      <p:grpSpPr>
-        <a:xfrm>
-          <a:off x="0" y="0"/>
-          <a:ext cx="0" cy="0"/>
-          <a:chOff x="0" y="0"/>
-          <a:chExt cx="0" cy="0"/>
-        </a:xfrm>
-      </p:grpSpPr>
-      <p:sp>
-        <p:nvSpPr>
-          <p:cNvPr id="2" name="Title 1">
-            <a:extLst>
-              <a:ext uri="{FF2B5EF4-FFF2-40B4-BE49-F238E27FC236}">
-                <a16:creationId xmlns:a16="http://schemas.microsoft.com/office/drawing/2014/main" id="{077CFCA3-4E2A-476B-B5D9-6B43D5E1AECE}"/>
-              </a:ext>
-            </a:extLst>
-          </p:cNvPr>
-          <p:cNvSpPr>
-            <a:spLocks noGrp="1"/>
-          </p:cNvSpPr>
-          <p:nvPr>
-            <p:ph type="title"/>
-          </p:nvPr>
-        </p:nvSpPr>
-        <p:spPr>
-          <a:xfrm>
-            <a:off x="1066800" y="2624328"/>
-            <a:ext cx="10058400" cy="1609344"/>
-          </a:xfrm>
-        </p:spPr>
-        <p:txBody>
-          <a:bodyPr/>
-          <a:lstStyle/>
-          <a:p>
-            <a:pPr algn="ctr"/>
-            <a:r>
-              <a:rPr lang="en-GB" dirty="0"/>
-              <a:t>Q</a:t>
-            </a:r>
-            <a:r>
-              <a:rPr lang="en-DE" dirty="0" err="1"/>
-              <a:t>uick</a:t>
-            </a:r>
-            <a:r>
-              <a:rPr lang="en-DE" dirty="0"/>
-              <a:t> V</a:t>
-            </a:r>
-            <a:r>
-              <a:rPr lang="en-GB" dirty="0" err="1"/>
-              <a:t>i</a:t>
-            </a:r>
-            <a:r>
-              <a:rPr lang="en-DE" dirty="0" err="1"/>
-              <a:t>rtual</a:t>
-            </a:r>
-            <a:r>
-              <a:rPr lang="en-DE" dirty="0"/>
-              <a:t> Function Revision</a:t>
-            </a:r>
-          </a:p>
-        </p:txBody>
-      </p:sp>
-    </p:spTree>
-    <p:extLst>
-      <p:ext uri="{BB962C8B-B14F-4D97-AF65-F5344CB8AC3E}">
-        <p14:creationId xmlns:p14="http://schemas.microsoft.com/office/powerpoint/2010/main" val="3124002001"/>
-      </p:ext>
-    </p:extLst>
-  </p:cSld>
-  <p:clrMapOvr>
-    <a:masterClrMapping/>
-  </p:clrMapOvr>
-</p:sld>
-</file>
-
 <file path=ppt/slides/slide48.xml><?xml version="1.0" encoding="utf-8"?>
 <p:sld xmlns:a="http://schemas.openxmlformats.org/drawingml/2006/main" xmlns:r="http://schemas.openxmlformats.org/officeDocument/2006/relationships" xmlns:p="http://schemas.openxmlformats.org/presentationml/2006/main">
   <p:cSld>
@@ -11399,10 +12254,66 @@
           <a:chExt cx="0" cy="0"/>
         </a:xfrm>
       </p:grpSpPr>
+      <p:sp>
+        <p:nvSpPr>
+          <p:cNvPr id="2" name="Title 1">
+            <a:extLst>
+              <a:ext uri="{FF2B5EF4-FFF2-40B4-BE49-F238E27FC236}">
+                <a16:creationId xmlns:a16="http://schemas.microsoft.com/office/drawing/2014/main" id="{077CFCA3-4E2A-476B-B5D9-6B43D5E1AECE}"/>
+              </a:ext>
+            </a:extLst>
+          </p:cNvPr>
+          <p:cNvSpPr>
+            <a:spLocks noGrp="1"/>
+          </p:cNvSpPr>
+          <p:nvPr>
+            <p:ph type="title"/>
+          </p:nvPr>
+        </p:nvSpPr>
+        <p:spPr>
+          <a:xfrm>
+            <a:off x="1066800" y="2624328"/>
+            <a:ext cx="10058400" cy="1609344"/>
+          </a:xfrm>
+        </p:spPr>
+        <p:txBody>
+          <a:bodyPr>
+            <a:normAutofit/>
+          </a:bodyPr>
+          <a:lstStyle/>
+          <a:p>
+            <a:pPr algn="ctr"/>
+            <a:r>
+              <a:rPr lang="en-GB" sz="4800" dirty="0"/>
+              <a:t>Q</a:t>
+            </a:r>
+            <a:r>
+              <a:rPr lang="en-DE" sz="4800" dirty="0" err="1"/>
+              <a:t>uick</a:t>
+            </a:r>
+            <a:r>
+              <a:rPr lang="en-DE" sz="4800" dirty="0"/>
+              <a:t> (V</a:t>
+            </a:r>
+            <a:r>
+              <a:rPr lang="en-GB" sz="4800" dirty="0" err="1"/>
+              <a:t>i</a:t>
+            </a:r>
+            <a:r>
+              <a:rPr lang="en-DE" sz="4800" dirty="0" err="1"/>
+              <a:t>rtual</a:t>
+            </a:r>
+            <a:r>
+              <a:rPr lang="en-DE" sz="4800" dirty="0"/>
+              <a:t> Function Revision) - IDE</a:t>
+            </a:r>
+          </a:p>
+        </p:txBody>
+      </p:sp>
     </p:spTree>
     <p:extLst>
       <p:ext uri="{BB962C8B-B14F-4D97-AF65-F5344CB8AC3E}">
-        <p14:creationId xmlns:p14="http://schemas.microsoft.com/office/powerpoint/2010/main" val="3517833194"/>
+        <p14:creationId xmlns:p14="http://schemas.microsoft.com/office/powerpoint/2010/main" val="3124002001"/>
       </p:ext>
     </p:extLst>
   </p:cSld>
@@ -11434,7 +12345,7 @@
           <p:cNvPr id="2" name="Title 1">
             <a:extLst>
               <a:ext uri="{FF2B5EF4-FFF2-40B4-BE49-F238E27FC236}">
-                <a16:creationId xmlns:a16="http://schemas.microsoft.com/office/drawing/2014/main" id="{8FD5AB11-1713-B47B-A2E8-41A530A74480}"/>
+                <a16:creationId xmlns:a16="http://schemas.microsoft.com/office/drawing/2014/main" id="{DE5C233D-3983-4457-6A61-EC968C0C0B84}"/>
               </a:ext>
             </a:extLst>
           </p:cNvPr>
@@ -11450,7 +12361,15 @@
           <a:bodyPr/>
           <a:lstStyle/>
           <a:p>
-            <a:endParaRPr lang="en-DE"/>
+            <a:r>
+              <a:rPr lang="en-DE" dirty="0"/>
+              <a:t>Shallow </a:t>
+            </a:r>
+            <a:r>
+              <a:rPr lang="en-DE" dirty="0" err="1"/>
+              <a:t>COpy</a:t>
+            </a:r>
+            <a:endParaRPr lang="en-DE" dirty="0"/>
           </a:p>
         </p:txBody>
       </p:sp>
@@ -11459,7 +12378,7 @@
           <p:cNvPr id="3" name="Content Placeholder 2">
             <a:extLst>
               <a:ext uri="{FF2B5EF4-FFF2-40B4-BE49-F238E27FC236}">
-                <a16:creationId xmlns:a16="http://schemas.microsoft.com/office/drawing/2014/main" id="{0739E2E6-AE0A-0973-0024-1BCF1EA820F2}"/>
+                <a16:creationId xmlns:a16="http://schemas.microsoft.com/office/drawing/2014/main" id="{34D7C599-6EBB-CF03-7772-7B20AC551559}"/>
               </a:ext>
             </a:extLst>
           </p:cNvPr>
@@ -11475,14 +12394,27 @@
           <a:bodyPr/>
           <a:lstStyle/>
           <a:p>
-            <a:endParaRPr lang="en-DE"/>
+            <a:pPr marL="0" indent="0">
+              <a:buNone/>
+            </a:pPr>
+            <a:endParaRPr lang="en-DE" dirty="0"/>
+          </a:p>
+          <a:p>
+            <a:pPr marL="0" indent="0">
+              <a:buNone/>
+            </a:pPr>
+            <a:r>
+              <a:rPr lang="en-GB" dirty="0"/>
+              <a:t>In a shallow copy, the copying process copies the values of the data as they are, including any pointers. This means if the original object had pointers pointing to dynamically allocated memory, the copy will have pointers pointing to the same memory address. This can lead to issues such as double frees or dangling pointers when one of the objects is destroyed and deallocates the memory that the other object's pointer still refers to.</a:t>
+            </a:r>
+            <a:endParaRPr lang="en-DE" dirty="0"/>
           </a:p>
         </p:txBody>
       </p:sp>
     </p:spTree>
     <p:extLst>
       <p:ext uri="{BB962C8B-B14F-4D97-AF65-F5344CB8AC3E}">
-        <p14:creationId xmlns:p14="http://schemas.microsoft.com/office/powerpoint/2010/main" val="4275900750"/>
+        <p14:creationId xmlns:p14="http://schemas.microsoft.com/office/powerpoint/2010/main" val="3619701361"/>
       </p:ext>
     </p:extLst>
   </p:cSld>
@@ -11627,6 +12559,228 @@
           <p:cNvPr id="2" name="Title 1">
             <a:extLst>
               <a:ext uri="{FF2B5EF4-FFF2-40B4-BE49-F238E27FC236}">
+                <a16:creationId xmlns:a16="http://schemas.microsoft.com/office/drawing/2014/main" id="{A289B284-D687-7E54-3C44-1BD7B6C17CF5}"/>
+              </a:ext>
+            </a:extLst>
+          </p:cNvPr>
+          <p:cNvSpPr>
+            <a:spLocks noGrp="1"/>
+          </p:cNvSpPr>
+          <p:nvPr>
+            <p:ph type="title"/>
+          </p:nvPr>
+        </p:nvSpPr>
+        <p:spPr>
+          <a:xfrm>
+            <a:off x="1066800" y="2624328"/>
+            <a:ext cx="10058400" cy="1609344"/>
+          </a:xfrm>
+        </p:spPr>
+        <p:txBody>
+          <a:bodyPr/>
+          <a:lstStyle/>
+          <a:p>
+            <a:pPr algn="ctr"/>
+            <a:r>
+              <a:rPr lang="en-DE" dirty="0"/>
+              <a:t>IDE</a:t>
+            </a:r>
+          </a:p>
+        </p:txBody>
+      </p:sp>
+    </p:spTree>
+    <p:extLst>
+      <p:ext uri="{BB962C8B-B14F-4D97-AF65-F5344CB8AC3E}">
+        <p14:creationId xmlns:p14="http://schemas.microsoft.com/office/powerpoint/2010/main" val="2042090409"/>
+      </p:ext>
+    </p:extLst>
+  </p:cSld>
+  <p:clrMapOvr>
+    <a:masterClrMapping/>
+  </p:clrMapOvr>
+</p:sld>
+</file>
+
+<file path=ppt/slides/slide51.xml><?xml version="1.0" encoding="utf-8"?>
+<p:sld xmlns:a="http://schemas.openxmlformats.org/drawingml/2006/main" xmlns:r="http://schemas.openxmlformats.org/officeDocument/2006/relationships" xmlns:p="http://schemas.openxmlformats.org/presentationml/2006/main">
+  <p:cSld>
+    <p:spTree>
+      <p:nvGrpSpPr>
+        <p:cNvPr id="1" name=""/>
+        <p:cNvGrpSpPr/>
+        <p:nvPr/>
+      </p:nvGrpSpPr>
+      <p:grpSpPr>
+        <a:xfrm>
+          <a:off x="0" y="0"/>
+          <a:ext cx="0" cy="0"/>
+          <a:chOff x="0" y="0"/>
+          <a:chExt cx="0" cy="0"/>
+        </a:xfrm>
+      </p:grpSpPr>
+      <p:sp>
+        <p:nvSpPr>
+          <p:cNvPr id="2" name="Title 1">
+            <a:extLst>
+              <a:ext uri="{FF2B5EF4-FFF2-40B4-BE49-F238E27FC236}">
+                <a16:creationId xmlns:a16="http://schemas.microsoft.com/office/drawing/2014/main" id="{D31BAD17-9B18-A85C-10E4-C675C7946342}"/>
+              </a:ext>
+            </a:extLst>
+          </p:cNvPr>
+          <p:cNvSpPr>
+            <a:spLocks noGrp="1"/>
+          </p:cNvSpPr>
+          <p:nvPr>
+            <p:ph type="title"/>
+          </p:nvPr>
+        </p:nvSpPr>
+        <p:spPr/>
+        <p:txBody>
+          <a:bodyPr/>
+          <a:lstStyle/>
+          <a:p>
+            <a:r>
+              <a:rPr lang="en-DE" dirty="0"/>
+              <a:t>Deep Copy</a:t>
+            </a:r>
+          </a:p>
+        </p:txBody>
+      </p:sp>
+      <p:sp>
+        <p:nvSpPr>
+          <p:cNvPr id="3" name="Content Placeholder 2">
+            <a:extLst>
+              <a:ext uri="{FF2B5EF4-FFF2-40B4-BE49-F238E27FC236}">
+                <a16:creationId xmlns:a16="http://schemas.microsoft.com/office/drawing/2014/main" id="{B5F52DCD-B90D-DA40-4BC0-8185FCBC830F}"/>
+              </a:ext>
+            </a:extLst>
+          </p:cNvPr>
+          <p:cNvSpPr>
+            <a:spLocks noGrp="1"/>
+          </p:cNvSpPr>
+          <p:nvPr>
+            <p:ph idx="1"/>
+          </p:nvPr>
+        </p:nvSpPr>
+        <p:spPr/>
+        <p:txBody>
+          <a:bodyPr/>
+          <a:lstStyle/>
+          <a:p>
+            <a:r>
+              <a:rPr lang="en-GB" dirty="0"/>
+              <a:t>A deep copy, on the other hand, not only copies the values of the data but also duplicates anything that is pointed to by the pointers in the object. This means if the original object had pointers to dynamically allocated memory, the copy will create its own separate copy of that memory. Each object will thus manage its own dynamically allocated memory, preventing the issues that arise with </a:t>
+            </a:r>
+            <a:r>
+              <a:rPr lang="en-GB" dirty="0" err="1"/>
+              <a:t>shallo</a:t>
+            </a:r>
+            <a:r>
+              <a:rPr lang="en-DE" dirty="0"/>
+              <a:t>w copies</a:t>
+            </a:r>
+          </a:p>
+        </p:txBody>
+      </p:sp>
+    </p:spTree>
+    <p:extLst>
+      <p:ext uri="{BB962C8B-B14F-4D97-AF65-F5344CB8AC3E}">
+        <p14:creationId xmlns:p14="http://schemas.microsoft.com/office/powerpoint/2010/main" val="3332410685"/>
+      </p:ext>
+    </p:extLst>
+  </p:cSld>
+  <p:clrMapOvr>
+    <a:masterClrMapping/>
+  </p:clrMapOvr>
+</p:sld>
+</file>
+
+<file path=ppt/slides/slide52.xml><?xml version="1.0" encoding="utf-8"?>
+<p:sld xmlns:a="http://schemas.openxmlformats.org/drawingml/2006/main" xmlns:r="http://schemas.openxmlformats.org/officeDocument/2006/relationships" xmlns:p="http://schemas.openxmlformats.org/presentationml/2006/main">
+  <p:cSld>
+    <p:spTree>
+      <p:nvGrpSpPr>
+        <p:cNvPr id="1" name=""/>
+        <p:cNvGrpSpPr/>
+        <p:nvPr/>
+      </p:nvGrpSpPr>
+      <p:grpSpPr>
+        <a:xfrm>
+          <a:off x="0" y="0"/>
+          <a:ext cx="0" cy="0"/>
+          <a:chOff x="0" y="0"/>
+          <a:chExt cx="0" cy="0"/>
+        </a:xfrm>
+      </p:grpSpPr>
+      <p:sp>
+        <p:nvSpPr>
+          <p:cNvPr id="2" name="Title 1">
+            <a:extLst>
+              <a:ext uri="{FF2B5EF4-FFF2-40B4-BE49-F238E27FC236}">
+                <a16:creationId xmlns:a16="http://schemas.microsoft.com/office/drawing/2014/main" id="{A289B284-D687-7E54-3C44-1BD7B6C17CF5}"/>
+              </a:ext>
+            </a:extLst>
+          </p:cNvPr>
+          <p:cNvSpPr>
+            <a:spLocks noGrp="1"/>
+          </p:cNvSpPr>
+          <p:nvPr>
+            <p:ph type="title"/>
+          </p:nvPr>
+        </p:nvSpPr>
+        <p:spPr>
+          <a:xfrm>
+            <a:off x="1066800" y="2624328"/>
+            <a:ext cx="10058400" cy="1609344"/>
+          </a:xfrm>
+        </p:spPr>
+        <p:txBody>
+          <a:bodyPr/>
+          <a:lstStyle/>
+          <a:p>
+            <a:pPr algn="ctr"/>
+            <a:r>
+              <a:rPr lang="en-DE" dirty="0"/>
+              <a:t>IDE</a:t>
+            </a:r>
+          </a:p>
+        </p:txBody>
+      </p:sp>
+    </p:spTree>
+    <p:extLst>
+      <p:ext uri="{BB962C8B-B14F-4D97-AF65-F5344CB8AC3E}">
+        <p14:creationId xmlns:p14="http://schemas.microsoft.com/office/powerpoint/2010/main" val="2301315016"/>
+      </p:ext>
+    </p:extLst>
+  </p:cSld>
+  <p:clrMapOvr>
+    <a:masterClrMapping/>
+  </p:clrMapOvr>
+</p:sld>
+</file>
+
+<file path=ppt/slides/slide53.xml><?xml version="1.0" encoding="utf-8"?>
+<p:sld xmlns:a="http://schemas.openxmlformats.org/drawingml/2006/main" xmlns:r="http://schemas.openxmlformats.org/officeDocument/2006/relationships" xmlns:p="http://schemas.openxmlformats.org/presentationml/2006/main">
+  <p:cSld>
+    <p:spTree>
+      <p:nvGrpSpPr>
+        <p:cNvPr id="1" name=""/>
+        <p:cNvGrpSpPr/>
+        <p:nvPr/>
+      </p:nvGrpSpPr>
+      <p:grpSpPr>
+        <a:xfrm>
+          <a:off x="0" y="0"/>
+          <a:ext cx="0" cy="0"/>
+          <a:chOff x="0" y="0"/>
+          <a:chExt cx="0" cy="0"/>
+        </a:xfrm>
+      </p:grpSpPr>
+      <p:sp>
+        <p:nvSpPr>
+          <p:cNvPr id="2" name="Title 1">
+            <a:extLst>
+              <a:ext uri="{FF2B5EF4-FFF2-40B4-BE49-F238E27FC236}">
                 <a16:creationId xmlns:a16="http://schemas.microsoft.com/office/drawing/2014/main" id="{8E6A345B-2B72-2A12-00F9-6CA4E995B6FA}"/>
               </a:ext>
             </a:extLst>
@@ -11668,7 +12822,67 @@
 </p:sld>
 </file>
 
-<file path=ppt/slides/slide51.xml><?xml version="1.0" encoding="utf-8"?>
+<file path=ppt/slides/slide54.xml><?xml version="1.0" encoding="utf-8"?>
+<p:sld xmlns:a="http://schemas.openxmlformats.org/drawingml/2006/main" xmlns:r="http://schemas.openxmlformats.org/officeDocument/2006/relationships" xmlns:p="http://schemas.openxmlformats.org/presentationml/2006/main">
+  <p:cSld>
+    <p:spTree>
+      <p:nvGrpSpPr>
+        <p:cNvPr id="1" name=""/>
+        <p:cNvGrpSpPr/>
+        <p:nvPr/>
+      </p:nvGrpSpPr>
+      <p:grpSpPr>
+        <a:xfrm>
+          <a:off x="0" y="0"/>
+          <a:ext cx="0" cy="0"/>
+          <a:chOff x="0" y="0"/>
+          <a:chExt cx="0" cy="0"/>
+        </a:xfrm>
+      </p:grpSpPr>
+      <p:pic>
+        <p:nvPicPr>
+          <p:cNvPr id="5" name="Picture 4">
+            <a:extLst>
+              <a:ext uri="{FF2B5EF4-FFF2-40B4-BE49-F238E27FC236}">
+                <a16:creationId xmlns:a16="http://schemas.microsoft.com/office/drawing/2014/main" id="{B22C8CBF-A409-FF11-A032-9439690D95D1}"/>
+              </a:ext>
+            </a:extLst>
+          </p:cNvPr>
+          <p:cNvPicPr>
+            <a:picLocks noChangeAspect="1"/>
+          </p:cNvPicPr>
+          <p:nvPr/>
+        </p:nvPicPr>
+        <p:blipFill>
+          <a:blip r:embed="rId2"/>
+          <a:stretch>
+            <a:fillRect/>
+          </a:stretch>
+        </p:blipFill>
+        <p:spPr>
+          <a:xfrm>
+            <a:off x="837466" y="1014075"/>
+            <a:ext cx="10517068" cy="4829849"/>
+          </a:xfrm>
+          <a:prstGeom prst="rect">
+            <a:avLst/>
+          </a:prstGeom>
+        </p:spPr>
+      </p:pic>
+    </p:spTree>
+    <p:extLst>
+      <p:ext uri="{BB962C8B-B14F-4D97-AF65-F5344CB8AC3E}">
+        <p14:creationId xmlns:p14="http://schemas.microsoft.com/office/powerpoint/2010/main" val="1232532264"/>
+      </p:ext>
+    </p:extLst>
+  </p:cSld>
+  <p:clrMapOvr>
+    <a:masterClrMapping/>
+  </p:clrMapOvr>
+</p:sld>
+</file>
+
+<file path=ppt/slides/slide55.xml><?xml version="1.0" encoding="utf-8"?>
 <p:sld xmlns:a="http://schemas.openxmlformats.org/drawingml/2006/main" xmlns:r="http://schemas.openxmlformats.org/officeDocument/2006/relationships" xmlns:p="http://schemas.openxmlformats.org/presentationml/2006/main">
   <p:cSld>
     <p:spTree>
@@ -11778,7 +12992,7 @@
 </p:sld>
 </file>
 
-<file path=ppt/slides/slide52.xml><?xml version="1.0" encoding="utf-8"?>
+<file path=ppt/slides/slide56.xml><?xml version="1.0" encoding="utf-8"?>
 <p:sld xmlns:a="http://schemas.openxmlformats.org/drawingml/2006/main" xmlns:r="http://schemas.openxmlformats.org/officeDocument/2006/relationships" xmlns:p="http://schemas.openxmlformats.org/presentationml/2006/main">
   <p:cSld>
     <p:spTree>
@@ -11795,60 +13009,220 @@
           <a:chExt cx="0" cy="0"/>
         </a:xfrm>
       </p:grpSpPr>
-      <p:sp>
-        <p:nvSpPr>
-          <p:cNvPr id="2" name="Title 1">
+      <p:pic>
+        <p:nvPicPr>
+          <p:cNvPr id="5" name="Picture 4">
             <a:extLst>
               <a:ext uri="{FF2B5EF4-FFF2-40B4-BE49-F238E27FC236}">
-                <a16:creationId xmlns:a16="http://schemas.microsoft.com/office/drawing/2014/main" id="{EAAC4D36-C874-E453-6402-6825E0280269}"/>
+                <a16:creationId xmlns:a16="http://schemas.microsoft.com/office/drawing/2014/main" id="{163F4213-7812-FFE1-03B4-8A5A121BAA83}"/>
               </a:ext>
             </a:extLst>
           </p:cNvPr>
-          <p:cNvSpPr>
-            <a:spLocks noGrp="1"/>
-          </p:cNvSpPr>
-          <p:nvPr>
-            <p:ph type="title"/>
-          </p:nvPr>
-        </p:nvSpPr>
-        <p:spPr/>
-        <p:txBody>
-          <a:bodyPr/>
-          <a:lstStyle/>
-          <a:p>
-            <a:endParaRPr lang="en-DE"/>
-          </a:p>
-        </p:txBody>
-      </p:sp>
-      <p:sp>
-        <p:nvSpPr>
-          <p:cNvPr id="3" name="Content Placeholder 2">
+          <p:cNvPicPr>
+            <a:picLocks noChangeAspect="1"/>
+          </p:cNvPicPr>
+          <p:nvPr/>
+        </p:nvPicPr>
+        <p:blipFill>
+          <a:blip r:embed="rId2"/>
+          <a:stretch>
+            <a:fillRect/>
+          </a:stretch>
+        </p:blipFill>
+        <p:spPr>
+          <a:xfrm>
+            <a:off x="1389993" y="704470"/>
+            <a:ext cx="9412013" cy="5449060"/>
+          </a:xfrm>
+          <a:prstGeom prst="rect">
+            <a:avLst/>
+          </a:prstGeom>
+        </p:spPr>
+      </p:pic>
+    </p:spTree>
+    <p:extLst>
+      <p:ext uri="{BB962C8B-B14F-4D97-AF65-F5344CB8AC3E}">
+        <p14:creationId xmlns:p14="http://schemas.microsoft.com/office/powerpoint/2010/main" val="686239712"/>
+      </p:ext>
+    </p:extLst>
+  </p:cSld>
+  <p:clrMapOvr>
+    <a:masterClrMapping/>
+  </p:clrMapOvr>
+</p:sld>
+</file>
+
+<file path=ppt/slides/slide57.xml><?xml version="1.0" encoding="utf-8"?>
+<p:sld xmlns:a="http://schemas.openxmlformats.org/drawingml/2006/main" xmlns:r="http://schemas.openxmlformats.org/officeDocument/2006/relationships" xmlns:p="http://schemas.openxmlformats.org/presentationml/2006/main">
+  <p:cSld>
+    <p:spTree>
+      <p:nvGrpSpPr>
+        <p:cNvPr id="1" name=""/>
+        <p:cNvGrpSpPr/>
+        <p:nvPr/>
+      </p:nvGrpSpPr>
+      <p:grpSpPr>
+        <a:xfrm>
+          <a:off x="0" y="0"/>
+          <a:ext cx="0" cy="0"/>
+          <a:chOff x="0" y="0"/>
+          <a:chExt cx="0" cy="0"/>
+        </a:xfrm>
+      </p:grpSpPr>
+      <p:pic>
+        <p:nvPicPr>
+          <p:cNvPr id="5" name="Picture 4">
             <a:extLst>
               <a:ext uri="{FF2B5EF4-FFF2-40B4-BE49-F238E27FC236}">
-                <a16:creationId xmlns:a16="http://schemas.microsoft.com/office/drawing/2014/main" id="{F4199887-6288-94C6-A997-FACB65D31FB0}"/>
+                <a16:creationId xmlns:a16="http://schemas.microsoft.com/office/drawing/2014/main" id="{FDC741CB-C051-863E-74A2-06597864CDCA}"/>
               </a:ext>
             </a:extLst>
           </p:cNvPr>
-          <p:cNvSpPr>
-            <a:spLocks noGrp="1"/>
-          </p:cNvSpPr>
-          <p:nvPr>
-            <p:ph idx="1"/>
-          </p:nvPr>
-        </p:nvSpPr>
-        <p:spPr/>
-        <p:txBody>
-          <a:bodyPr/>
-          <a:lstStyle/>
-          <a:p>
-            <a:endParaRPr lang="en-DE"/>
-          </a:p>
-        </p:txBody>
-      </p:sp>
+          <p:cNvPicPr>
+            <a:picLocks noChangeAspect="1"/>
+          </p:cNvPicPr>
+          <p:nvPr/>
+        </p:nvPicPr>
+        <p:blipFill>
+          <a:blip r:embed="rId2"/>
+          <a:stretch>
+            <a:fillRect/>
+          </a:stretch>
+        </p:blipFill>
+        <p:spPr>
+          <a:xfrm>
+            <a:off x="1051808" y="852128"/>
+            <a:ext cx="10088383" cy="5153744"/>
+          </a:xfrm>
+          <a:prstGeom prst="rect">
+            <a:avLst/>
+          </a:prstGeom>
+        </p:spPr>
+      </p:pic>
+    </p:spTree>
+    <p:extLst>
+      <p:ext uri="{BB962C8B-B14F-4D97-AF65-F5344CB8AC3E}">
+        <p14:creationId xmlns:p14="http://schemas.microsoft.com/office/powerpoint/2010/main" val="2990180671"/>
+      </p:ext>
+    </p:extLst>
+  </p:cSld>
+  <p:clrMapOvr>
+    <a:masterClrMapping/>
+  </p:clrMapOvr>
+</p:sld>
+</file>
+
+<file path=ppt/slides/slide58.xml><?xml version="1.0" encoding="utf-8"?>
+<p:sld xmlns:a="http://schemas.openxmlformats.org/drawingml/2006/main" xmlns:r="http://schemas.openxmlformats.org/officeDocument/2006/relationships" xmlns:p="http://schemas.openxmlformats.org/presentationml/2006/main">
+  <p:cSld>
+    <p:spTree>
+      <p:nvGrpSpPr>
+        <p:cNvPr id="1" name=""/>
+        <p:cNvGrpSpPr/>
+        <p:nvPr/>
+      </p:nvGrpSpPr>
+      <p:grpSpPr>
+        <a:xfrm>
+          <a:off x="0" y="0"/>
+          <a:ext cx="0" cy="0"/>
+          <a:chOff x="0" y="0"/>
+          <a:chExt cx="0" cy="0"/>
+        </a:xfrm>
+      </p:grpSpPr>
+      <p:pic>
+        <p:nvPicPr>
+          <p:cNvPr id="5" name="Picture 4">
+            <a:extLst>
+              <a:ext uri="{FF2B5EF4-FFF2-40B4-BE49-F238E27FC236}">
+                <a16:creationId xmlns:a16="http://schemas.microsoft.com/office/drawing/2014/main" id="{A064E0DC-35C9-B813-3FF4-1D95BA3156AF}"/>
+              </a:ext>
+            </a:extLst>
+          </p:cNvPr>
+          <p:cNvPicPr>
+            <a:picLocks noChangeAspect="1"/>
+          </p:cNvPicPr>
+          <p:nvPr/>
+        </p:nvPicPr>
+        <p:blipFill>
+          <a:blip r:embed="rId2"/>
+          <a:stretch>
+            <a:fillRect/>
+          </a:stretch>
+        </p:blipFill>
+        <p:spPr>
+          <a:xfrm>
+            <a:off x="475465" y="404390"/>
+            <a:ext cx="11241069" cy="6049219"/>
+          </a:xfrm>
+          <a:prstGeom prst="rect">
+            <a:avLst/>
+          </a:prstGeom>
+        </p:spPr>
+      </p:pic>
     </p:spTree>
     <p:extLst>
       <p:ext uri="{BB962C8B-B14F-4D97-AF65-F5344CB8AC3E}">
         <p14:creationId xmlns:p14="http://schemas.microsoft.com/office/powerpoint/2010/main" val="254851748"/>
+      </p:ext>
+    </p:extLst>
+  </p:cSld>
+  <p:clrMapOvr>
+    <a:masterClrMapping/>
+  </p:clrMapOvr>
+</p:sld>
+</file>
+
+<file path=ppt/slides/slide59.xml><?xml version="1.0" encoding="utf-8"?>
+<p:sld xmlns:a="http://schemas.openxmlformats.org/drawingml/2006/main" xmlns:r="http://schemas.openxmlformats.org/officeDocument/2006/relationships" xmlns:p="http://schemas.openxmlformats.org/presentationml/2006/main">
+  <p:cSld>
+    <p:spTree>
+      <p:nvGrpSpPr>
+        <p:cNvPr id="1" name=""/>
+        <p:cNvGrpSpPr/>
+        <p:nvPr/>
+      </p:nvGrpSpPr>
+      <p:grpSpPr>
+        <a:xfrm>
+          <a:off x="0" y="0"/>
+          <a:ext cx="0" cy="0"/>
+          <a:chOff x="0" y="0"/>
+          <a:chExt cx="0" cy="0"/>
+        </a:xfrm>
+      </p:grpSpPr>
+      <p:pic>
+        <p:nvPicPr>
+          <p:cNvPr id="5" name="Picture 4">
+            <a:extLst>
+              <a:ext uri="{FF2B5EF4-FFF2-40B4-BE49-F238E27FC236}">
+                <a16:creationId xmlns:a16="http://schemas.microsoft.com/office/drawing/2014/main" id="{9A58E2D5-20DD-7908-5E06-0FF7473BE285}"/>
+              </a:ext>
+            </a:extLst>
+          </p:cNvPr>
+          <p:cNvPicPr>
+            <a:picLocks noChangeAspect="1"/>
+          </p:cNvPicPr>
+          <p:nvPr/>
+        </p:nvPicPr>
+        <p:blipFill>
+          <a:blip r:embed="rId2"/>
+          <a:stretch>
+            <a:fillRect/>
+          </a:stretch>
+        </p:blipFill>
+        <p:spPr>
+          <a:xfrm>
+            <a:off x="504044" y="475838"/>
+            <a:ext cx="11183911" cy="5906324"/>
+          </a:xfrm>
+          <a:prstGeom prst="rect">
+            <a:avLst/>
+          </a:prstGeom>
+        </p:spPr>
+      </p:pic>
+    </p:spTree>
+    <p:extLst>
+      <p:ext uri="{BB962C8B-B14F-4D97-AF65-F5344CB8AC3E}">
+        <p14:creationId xmlns:p14="http://schemas.microsoft.com/office/powerpoint/2010/main" val="4181277028"/>
       </p:ext>
     </p:extLst>
   </p:cSld>
@@ -11989,6 +13363,622 @@
 </p:sld>
 </file>
 
+<file path=ppt/slides/slide60.xml><?xml version="1.0" encoding="utf-8"?>
+<p:sld xmlns:a="http://schemas.openxmlformats.org/drawingml/2006/main" xmlns:r="http://schemas.openxmlformats.org/officeDocument/2006/relationships" xmlns:p="http://schemas.openxmlformats.org/presentationml/2006/main">
+  <p:cSld>
+    <p:spTree>
+      <p:nvGrpSpPr>
+        <p:cNvPr id="1" name=""/>
+        <p:cNvGrpSpPr/>
+        <p:nvPr/>
+      </p:nvGrpSpPr>
+      <p:grpSpPr>
+        <a:xfrm>
+          <a:off x="0" y="0"/>
+          <a:ext cx="0" cy="0"/>
+          <a:chOff x="0" y="0"/>
+          <a:chExt cx="0" cy="0"/>
+        </a:xfrm>
+      </p:grpSpPr>
+      <p:sp>
+        <p:nvSpPr>
+          <p:cNvPr id="2" name="Title 1">
+            <a:extLst>
+              <a:ext uri="{FF2B5EF4-FFF2-40B4-BE49-F238E27FC236}">
+                <a16:creationId xmlns:a16="http://schemas.microsoft.com/office/drawing/2014/main" id="{A289B284-D687-7E54-3C44-1BD7B6C17CF5}"/>
+              </a:ext>
+            </a:extLst>
+          </p:cNvPr>
+          <p:cNvSpPr>
+            <a:spLocks noGrp="1"/>
+          </p:cNvSpPr>
+          <p:nvPr>
+            <p:ph type="title"/>
+          </p:nvPr>
+        </p:nvSpPr>
+        <p:spPr>
+          <a:xfrm>
+            <a:off x="1066800" y="2624328"/>
+            <a:ext cx="10058400" cy="1609344"/>
+          </a:xfrm>
+        </p:spPr>
+        <p:txBody>
+          <a:bodyPr/>
+          <a:lstStyle/>
+          <a:p>
+            <a:pPr algn="ctr"/>
+            <a:r>
+              <a:rPr lang="en-DE" dirty="0"/>
+              <a:t>IDE</a:t>
+            </a:r>
+          </a:p>
+        </p:txBody>
+      </p:sp>
+    </p:spTree>
+    <p:extLst>
+      <p:ext uri="{BB962C8B-B14F-4D97-AF65-F5344CB8AC3E}">
+        <p14:creationId xmlns:p14="http://schemas.microsoft.com/office/powerpoint/2010/main" val="2327412446"/>
+      </p:ext>
+    </p:extLst>
+  </p:cSld>
+  <p:clrMapOvr>
+    <a:masterClrMapping/>
+  </p:clrMapOvr>
+</p:sld>
+</file>
+
+<file path=ppt/slides/slide61.xml><?xml version="1.0" encoding="utf-8"?>
+<p:sld xmlns:a="http://schemas.openxmlformats.org/drawingml/2006/main" xmlns:r="http://schemas.openxmlformats.org/officeDocument/2006/relationships" xmlns:p="http://schemas.openxmlformats.org/presentationml/2006/main">
+  <p:cSld>
+    <p:spTree>
+      <p:nvGrpSpPr>
+        <p:cNvPr id="1" name=""/>
+        <p:cNvGrpSpPr/>
+        <p:nvPr/>
+      </p:nvGrpSpPr>
+      <p:grpSpPr>
+        <a:xfrm>
+          <a:off x="0" y="0"/>
+          <a:ext cx="0" cy="0"/>
+          <a:chOff x="0" y="0"/>
+          <a:chExt cx="0" cy="0"/>
+        </a:xfrm>
+      </p:grpSpPr>
+      <p:sp>
+        <p:nvSpPr>
+          <p:cNvPr id="2" name="Title 1">
+            <a:extLst>
+              <a:ext uri="{FF2B5EF4-FFF2-40B4-BE49-F238E27FC236}">
+                <a16:creationId xmlns:a16="http://schemas.microsoft.com/office/drawing/2014/main" id="{E37562E7-EDB1-184E-8C39-824F0AE8EA89}"/>
+              </a:ext>
+            </a:extLst>
+          </p:cNvPr>
+          <p:cNvSpPr>
+            <a:spLocks noGrp="1"/>
+          </p:cNvSpPr>
+          <p:nvPr>
+            <p:ph type="title"/>
+          </p:nvPr>
+        </p:nvSpPr>
+        <p:spPr>
+          <a:xfrm>
+            <a:off x="1066800" y="2624328"/>
+            <a:ext cx="10058400" cy="1609344"/>
+          </a:xfrm>
+        </p:spPr>
+        <p:txBody>
+          <a:bodyPr/>
+          <a:lstStyle/>
+          <a:p>
+            <a:pPr algn="ctr"/>
+            <a:r>
+              <a:rPr lang="en-DE" dirty="0"/>
+              <a:t>Assignment 6</a:t>
+            </a:r>
+          </a:p>
+        </p:txBody>
+      </p:sp>
+    </p:spTree>
+    <p:extLst>
+      <p:ext uri="{BB962C8B-B14F-4D97-AF65-F5344CB8AC3E}">
+        <p14:creationId xmlns:p14="http://schemas.microsoft.com/office/powerpoint/2010/main" val="1383194841"/>
+      </p:ext>
+    </p:extLst>
+  </p:cSld>
+  <p:clrMapOvr>
+    <a:masterClrMapping/>
+  </p:clrMapOvr>
+</p:sld>
+</file>
+
+<file path=ppt/slides/slide62.xml><?xml version="1.0" encoding="utf-8"?>
+<p:sld xmlns:a="http://schemas.openxmlformats.org/drawingml/2006/main" xmlns:r="http://schemas.openxmlformats.org/officeDocument/2006/relationships" xmlns:p="http://schemas.openxmlformats.org/presentationml/2006/main">
+  <p:cSld>
+    <p:spTree>
+      <p:nvGrpSpPr>
+        <p:cNvPr id="1" name=""/>
+        <p:cNvGrpSpPr/>
+        <p:nvPr/>
+      </p:nvGrpSpPr>
+      <p:grpSpPr>
+        <a:xfrm>
+          <a:off x="0" y="0"/>
+          <a:ext cx="0" cy="0"/>
+          <a:chOff x="0" y="0"/>
+          <a:chExt cx="0" cy="0"/>
+        </a:xfrm>
+      </p:grpSpPr>
+      <p:sp>
+        <p:nvSpPr>
+          <p:cNvPr id="2" name="Title 1">
+            <a:extLst>
+              <a:ext uri="{FF2B5EF4-FFF2-40B4-BE49-F238E27FC236}">
+                <a16:creationId xmlns:a16="http://schemas.microsoft.com/office/drawing/2014/main" id="{A289B284-D687-7E54-3C44-1BD7B6C17CF5}"/>
+              </a:ext>
+            </a:extLst>
+          </p:cNvPr>
+          <p:cNvSpPr>
+            <a:spLocks noGrp="1"/>
+          </p:cNvSpPr>
+          <p:nvPr>
+            <p:ph type="title"/>
+          </p:nvPr>
+        </p:nvSpPr>
+        <p:spPr>
+          <a:xfrm>
+            <a:off x="1066800" y="2624328"/>
+            <a:ext cx="10058400" cy="1609344"/>
+          </a:xfrm>
+        </p:spPr>
+        <p:txBody>
+          <a:bodyPr/>
+          <a:lstStyle/>
+          <a:p>
+            <a:pPr algn="ctr"/>
+            <a:r>
+              <a:rPr lang="en-DE" dirty="0"/>
+              <a:t>IDE</a:t>
+            </a:r>
+          </a:p>
+        </p:txBody>
+      </p:sp>
+    </p:spTree>
+    <p:extLst>
+      <p:ext uri="{BB962C8B-B14F-4D97-AF65-F5344CB8AC3E}">
+        <p14:creationId xmlns:p14="http://schemas.microsoft.com/office/powerpoint/2010/main" val="2680101332"/>
+      </p:ext>
+    </p:extLst>
+  </p:cSld>
+  <p:clrMapOvr>
+    <a:masterClrMapping/>
+  </p:clrMapOvr>
+</p:sld>
+</file>
+
+<file path=ppt/slides/slide63.xml><?xml version="1.0" encoding="utf-8"?>
+<p:sld xmlns:a="http://schemas.openxmlformats.org/drawingml/2006/main" xmlns:r="http://schemas.openxmlformats.org/officeDocument/2006/relationships" xmlns:p="http://schemas.openxmlformats.org/presentationml/2006/main">
+  <p:cSld>
+    <p:spTree>
+      <p:nvGrpSpPr>
+        <p:cNvPr id="1" name=""/>
+        <p:cNvGrpSpPr/>
+        <p:nvPr/>
+      </p:nvGrpSpPr>
+      <p:grpSpPr>
+        <a:xfrm>
+          <a:off x="0" y="0"/>
+          <a:ext cx="0" cy="0"/>
+          <a:chOff x="0" y="0"/>
+          <a:chExt cx="0" cy="0"/>
+        </a:xfrm>
+      </p:grpSpPr>
+      <p:sp>
+        <p:nvSpPr>
+          <p:cNvPr id="2" name="Title 1">
+            <a:extLst>
+              <a:ext uri="{FF2B5EF4-FFF2-40B4-BE49-F238E27FC236}">
+                <a16:creationId xmlns:a16="http://schemas.microsoft.com/office/drawing/2014/main" id="{9F5662C2-4C48-78E8-785E-105F9EE68AA2}"/>
+              </a:ext>
+            </a:extLst>
+          </p:cNvPr>
+          <p:cNvSpPr>
+            <a:spLocks noGrp="1"/>
+          </p:cNvSpPr>
+          <p:nvPr>
+            <p:ph type="title"/>
+          </p:nvPr>
+        </p:nvSpPr>
+        <p:spPr>
+          <a:xfrm>
+            <a:off x="1066800" y="2624328"/>
+            <a:ext cx="10058400" cy="1609344"/>
+          </a:xfrm>
+        </p:spPr>
+        <p:txBody>
+          <a:bodyPr/>
+          <a:lstStyle/>
+          <a:p>
+            <a:pPr algn="ctr"/>
+            <a:r>
+              <a:rPr lang="en-DE" dirty="0"/>
+              <a:t>STL</a:t>
+            </a:r>
+          </a:p>
+        </p:txBody>
+      </p:sp>
+    </p:spTree>
+    <p:extLst>
+      <p:ext uri="{BB962C8B-B14F-4D97-AF65-F5344CB8AC3E}">
+        <p14:creationId xmlns:p14="http://schemas.microsoft.com/office/powerpoint/2010/main" val="3691504689"/>
+      </p:ext>
+    </p:extLst>
+  </p:cSld>
+  <p:clrMapOvr>
+    <a:masterClrMapping/>
+  </p:clrMapOvr>
+</p:sld>
+</file>
+
+<file path=ppt/slides/slide64.xml><?xml version="1.0" encoding="utf-8"?>
+<p:sld xmlns:a="http://schemas.openxmlformats.org/drawingml/2006/main" xmlns:r="http://schemas.openxmlformats.org/officeDocument/2006/relationships" xmlns:p="http://schemas.openxmlformats.org/presentationml/2006/main">
+  <p:cSld>
+    <p:spTree>
+      <p:nvGrpSpPr>
+        <p:cNvPr id="1" name=""/>
+        <p:cNvGrpSpPr/>
+        <p:nvPr/>
+      </p:nvGrpSpPr>
+      <p:grpSpPr>
+        <a:xfrm>
+          <a:off x="0" y="0"/>
+          <a:ext cx="0" cy="0"/>
+          <a:chOff x="0" y="0"/>
+          <a:chExt cx="0" cy="0"/>
+        </a:xfrm>
+      </p:grpSpPr>
+      <p:pic>
+        <p:nvPicPr>
+          <p:cNvPr id="5" name="Picture 4">
+            <a:extLst>
+              <a:ext uri="{FF2B5EF4-FFF2-40B4-BE49-F238E27FC236}">
+                <a16:creationId xmlns:a16="http://schemas.microsoft.com/office/drawing/2014/main" id="{3DB967A8-1DD9-1624-011C-F05B2DAAD661}"/>
+              </a:ext>
+            </a:extLst>
+          </p:cNvPr>
+          <p:cNvPicPr>
+            <a:picLocks noChangeAspect="1"/>
+          </p:cNvPicPr>
+          <p:nvPr/>
+        </p:nvPicPr>
+        <p:blipFill>
+          <a:blip r:embed="rId2"/>
+          <a:stretch>
+            <a:fillRect/>
+          </a:stretch>
+        </p:blipFill>
+        <p:spPr>
+          <a:xfrm>
+            <a:off x="1108966" y="1256997"/>
+            <a:ext cx="9974067" cy="4344006"/>
+          </a:xfrm>
+          <a:prstGeom prst="rect">
+            <a:avLst/>
+          </a:prstGeom>
+        </p:spPr>
+      </p:pic>
+    </p:spTree>
+    <p:extLst>
+      <p:ext uri="{BB962C8B-B14F-4D97-AF65-F5344CB8AC3E}">
+        <p14:creationId xmlns:p14="http://schemas.microsoft.com/office/powerpoint/2010/main" val="1387176414"/>
+      </p:ext>
+    </p:extLst>
+  </p:cSld>
+  <p:clrMapOvr>
+    <a:masterClrMapping/>
+  </p:clrMapOvr>
+</p:sld>
+</file>
+
+<file path=ppt/slides/slide65.xml><?xml version="1.0" encoding="utf-8"?>
+<p:sld xmlns:a="http://schemas.openxmlformats.org/drawingml/2006/main" xmlns:r="http://schemas.openxmlformats.org/officeDocument/2006/relationships" xmlns:p="http://schemas.openxmlformats.org/presentationml/2006/main">
+  <p:cSld>
+    <p:spTree>
+      <p:nvGrpSpPr>
+        <p:cNvPr id="1" name=""/>
+        <p:cNvGrpSpPr/>
+        <p:nvPr/>
+      </p:nvGrpSpPr>
+      <p:grpSpPr>
+        <a:xfrm>
+          <a:off x="0" y="0"/>
+          <a:ext cx="0" cy="0"/>
+          <a:chOff x="0" y="0"/>
+          <a:chExt cx="0" cy="0"/>
+        </a:xfrm>
+      </p:grpSpPr>
+      <p:pic>
+        <p:nvPicPr>
+          <p:cNvPr id="5" name="Picture 4">
+            <a:extLst>
+              <a:ext uri="{FF2B5EF4-FFF2-40B4-BE49-F238E27FC236}">
+                <a16:creationId xmlns:a16="http://schemas.microsoft.com/office/drawing/2014/main" id="{8452E4E6-6193-4C64-ED76-99B8B6F5C0E9}"/>
+              </a:ext>
+            </a:extLst>
+          </p:cNvPr>
+          <p:cNvPicPr>
+            <a:picLocks noChangeAspect="1"/>
+          </p:cNvPicPr>
+          <p:nvPr/>
+        </p:nvPicPr>
+        <p:blipFill>
+          <a:blip r:embed="rId2"/>
+          <a:stretch>
+            <a:fillRect/>
+          </a:stretch>
+        </p:blipFill>
+        <p:spPr>
+          <a:xfrm>
+            <a:off x="975598" y="1237944"/>
+            <a:ext cx="10240804" cy="4382112"/>
+          </a:xfrm>
+          <a:prstGeom prst="rect">
+            <a:avLst/>
+          </a:prstGeom>
+        </p:spPr>
+      </p:pic>
+    </p:spTree>
+    <p:extLst>
+      <p:ext uri="{BB962C8B-B14F-4D97-AF65-F5344CB8AC3E}">
+        <p14:creationId xmlns:p14="http://schemas.microsoft.com/office/powerpoint/2010/main" val="226590746"/>
+      </p:ext>
+    </p:extLst>
+  </p:cSld>
+  <p:clrMapOvr>
+    <a:masterClrMapping/>
+  </p:clrMapOvr>
+</p:sld>
+</file>
+
+<file path=ppt/slides/slide66.xml><?xml version="1.0" encoding="utf-8"?>
+<p:sld xmlns:a="http://schemas.openxmlformats.org/drawingml/2006/main" xmlns:r="http://schemas.openxmlformats.org/officeDocument/2006/relationships" xmlns:p="http://schemas.openxmlformats.org/presentationml/2006/main">
+  <p:cSld>
+    <p:spTree>
+      <p:nvGrpSpPr>
+        <p:cNvPr id="1" name=""/>
+        <p:cNvGrpSpPr/>
+        <p:nvPr/>
+      </p:nvGrpSpPr>
+      <p:grpSpPr>
+        <a:xfrm>
+          <a:off x="0" y="0"/>
+          <a:ext cx="0" cy="0"/>
+          <a:chOff x="0" y="0"/>
+          <a:chExt cx="0" cy="0"/>
+        </a:xfrm>
+      </p:grpSpPr>
+      <p:pic>
+        <p:nvPicPr>
+          <p:cNvPr id="5" name="Picture 4">
+            <a:extLst>
+              <a:ext uri="{FF2B5EF4-FFF2-40B4-BE49-F238E27FC236}">
+                <a16:creationId xmlns:a16="http://schemas.microsoft.com/office/drawing/2014/main" id="{E578313C-00B3-4A91-4509-604C202D5920}"/>
+              </a:ext>
+            </a:extLst>
+          </p:cNvPr>
+          <p:cNvPicPr>
+            <a:picLocks noChangeAspect="1"/>
+          </p:cNvPicPr>
+          <p:nvPr/>
+        </p:nvPicPr>
+        <p:blipFill>
+          <a:blip r:embed="rId2"/>
+          <a:stretch>
+            <a:fillRect/>
+          </a:stretch>
+        </p:blipFill>
+        <p:spPr>
+          <a:xfrm>
+            <a:off x="1104203" y="847364"/>
+            <a:ext cx="9983593" cy="5163271"/>
+          </a:xfrm>
+          <a:prstGeom prst="rect">
+            <a:avLst/>
+          </a:prstGeom>
+        </p:spPr>
+      </p:pic>
+    </p:spTree>
+    <p:extLst>
+      <p:ext uri="{BB962C8B-B14F-4D97-AF65-F5344CB8AC3E}">
+        <p14:creationId xmlns:p14="http://schemas.microsoft.com/office/powerpoint/2010/main" val="3851631672"/>
+      </p:ext>
+    </p:extLst>
+  </p:cSld>
+  <p:clrMapOvr>
+    <a:masterClrMapping/>
+  </p:clrMapOvr>
+</p:sld>
+</file>
+
+<file path=ppt/slides/slide67.xml><?xml version="1.0" encoding="utf-8"?>
+<p:sld xmlns:a="http://schemas.openxmlformats.org/drawingml/2006/main" xmlns:r="http://schemas.openxmlformats.org/officeDocument/2006/relationships" xmlns:p="http://schemas.openxmlformats.org/presentationml/2006/main">
+  <p:cSld>
+    <p:spTree>
+      <p:nvGrpSpPr>
+        <p:cNvPr id="1" name=""/>
+        <p:cNvGrpSpPr/>
+        <p:nvPr/>
+      </p:nvGrpSpPr>
+      <p:grpSpPr>
+        <a:xfrm>
+          <a:off x="0" y="0"/>
+          <a:ext cx="0" cy="0"/>
+          <a:chOff x="0" y="0"/>
+          <a:chExt cx="0" cy="0"/>
+        </a:xfrm>
+      </p:grpSpPr>
+      <p:pic>
+        <p:nvPicPr>
+          <p:cNvPr id="5" name="Picture 4">
+            <a:extLst>
+              <a:ext uri="{FF2B5EF4-FFF2-40B4-BE49-F238E27FC236}">
+                <a16:creationId xmlns:a16="http://schemas.microsoft.com/office/drawing/2014/main" id="{C1BA9139-A789-9DF2-147E-CA873CFE1FB0}"/>
+              </a:ext>
+            </a:extLst>
+          </p:cNvPr>
+          <p:cNvPicPr>
+            <a:picLocks noChangeAspect="1"/>
+          </p:cNvPicPr>
+          <p:nvPr/>
+        </p:nvPicPr>
+        <p:blipFill>
+          <a:blip r:embed="rId2"/>
+          <a:stretch>
+            <a:fillRect/>
+          </a:stretch>
+        </p:blipFill>
+        <p:spPr>
+          <a:xfrm>
+            <a:off x="870808" y="1485629"/>
+            <a:ext cx="10450383" cy="3886742"/>
+          </a:xfrm>
+          <a:prstGeom prst="rect">
+            <a:avLst/>
+          </a:prstGeom>
+        </p:spPr>
+      </p:pic>
+    </p:spTree>
+    <p:extLst>
+      <p:ext uri="{BB962C8B-B14F-4D97-AF65-F5344CB8AC3E}">
+        <p14:creationId xmlns:p14="http://schemas.microsoft.com/office/powerpoint/2010/main" val="2541978443"/>
+      </p:ext>
+    </p:extLst>
+  </p:cSld>
+  <p:clrMapOvr>
+    <a:masterClrMapping/>
+  </p:clrMapOvr>
+</p:sld>
+</file>
+
+<file path=ppt/slides/slide68.xml><?xml version="1.0" encoding="utf-8"?>
+<p:sld xmlns:a="http://schemas.openxmlformats.org/drawingml/2006/main" xmlns:r="http://schemas.openxmlformats.org/officeDocument/2006/relationships" xmlns:p="http://schemas.openxmlformats.org/presentationml/2006/main">
+  <p:cSld>
+    <p:spTree>
+      <p:nvGrpSpPr>
+        <p:cNvPr id="1" name=""/>
+        <p:cNvGrpSpPr/>
+        <p:nvPr/>
+      </p:nvGrpSpPr>
+      <p:grpSpPr>
+        <a:xfrm>
+          <a:off x="0" y="0"/>
+          <a:ext cx="0" cy="0"/>
+          <a:chOff x="0" y="0"/>
+          <a:chExt cx="0" cy="0"/>
+        </a:xfrm>
+      </p:grpSpPr>
+      <p:pic>
+        <p:nvPicPr>
+          <p:cNvPr id="5" name="Picture 4">
+            <a:extLst>
+              <a:ext uri="{FF2B5EF4-FFF2-40B4-BE49-F238E27FC236}">
+                <a16:creationId xmlns:a16="http://schemas.microsoft.com/office/drawing/2014/main" id="{EA56D9F8-DF6A-84E8-0015-7B8EB645D08C}"/>
+              </a:ext>
+            </a:extLst>
+          </p:cNvPr>
+          <p:cNvPicPr>
+            <a:picLocks noChangeAspect="1"/>
+          </p:cNvPicPr>
+          <p:nvPr/>
+        </p:nvPicPr>
+        <p:blipFill>
+          <a:blip r:embed="rId2"/>
+          <a:stretch>
+            <a:fillRect/>
+          </a:stretch>
+        </p:blipFill>
+        <p:spPr>
+          <a:xfrm>
+            <a:off x="1004177" y="956917"/>
+            <a:ext cx="10183646" cy="4944165"/>
+          </a:xfrm>
+          <a:prstGeom prst="rect">
+            <a:avLst/>
+          </a:prstGeom>
+        </p:spPr>
+      </p:pic>
+    </p:spTree>
+    <p:extLst>
+      <p:ext uri="{BB962C8B-B14F-4D97-AF65-F5344CB8AC3E}">
+        <p14:creationId xmlns:p14="http://schemas.microsoft.com/office/powerpoint/2010/main" val="1981852436"/>
+      </p:ext>
+    </p:extLst>
+  </p:cSld>
+  <p:clrMapOvr>
+    <a:masterClrMapping/>
+  </p:clrMapOvr>
+</p:sld>
+</file>
+
+<file path=ppt/slides/slide69.xml><?xml version="1.0" encoding="utf-8"?>
+<p:sld xmlns:a="http://schemas.openxmlformats.org/drawingml/2006/main" xmlns:r="http://schemas.openxmlformats.org/officeDocument/2006/relationships" xmlns:p="http://schemas.openxmlformats.org/presentationml/2006/main">
+  <p:cSld>
+    <p:spTree>
+      <p:nvGrpSpPr>
+        <p:cNvPr id="1" name=""/>
+        <p:cNvGrpSpPr/>
+        <p:nvPr/>
+      </p:nvGrpSpPr>
+      <p:grpSpPr>
+        <a:xfrm>
+          <a:off x="0" y="0"/>
+          <a:ext cx="0" cy="0"/>
+          <a:chOff x="0" y="0"/>
+          <a:chExt cx="0" cy="0"/>
+        </a:xfrm>
+      </p:grpSpPr>
+      <p:pic>
+        <p:nvPicPr>
+          <p:cNvPr id="5" name="Picture 4">
+            <a:extLst>
+              <a:ext uri="{FF2B5EF4-FFF2-40B4-BE49-F238E27FC236}">
+                <a16:creationId xmlns:a16="http://schemas.microsoft.com/office/drawing/2014/main" id="{AD5D3869-512B-A1C8-D6BF-B86921AB023D}"/>
+              </a:ext>
+            </a:extLst>
+          </p:cNvPr>
+          <p:cNvPicPr>
+            <a:picLocks noChangeAspect="1"/>
+          </p:cNvPicPr>
+          <p:nvPr/>
+        </p:nvPicPr>
+        <p:blipFill>
+          <a:blip r:embed="rId2"/>
+          <a:stretch>
+            <a:fillRect/>
+          </a:stretch>
+        </p:blipFill>
+        <p:spPr>
+          <a:xfrm>
+            <a:off x="1223282" y="1018838"/>
+            <a:ext cx="9745435" cy="4820323"/>
+          </a:xfrm>
+          <a:prstGeom prst="rect">
+            <a:avLst/>
+          </a:prstGeom>
+        </p:spPr>
+      </p:pic>
+    </p:spTree>
+    <p:extLst>
+      <p:ext uri="{BB962C8B-B14F-4D97-AF65-F5344CB8AC3E}">
+        <p14:creationId xmlns:p14="http://schemas.microsoft.com/office/powerpoint/2010/main" val="1613527126"/>
+      </p:ext>
+    </p:extLst>
+  </p:cSld>
+  <p:clrMapOvr>
+    <a:masterClrMapping/>
+  </p:clrMapOvr>
+</p:sld>
+</file>
+
 <file path=ppt/slides/slide7.xml><?xml version="1.0" encoding="utf-8"?>
 <p:sld xmlns:a="http://schemas.openxmlformats.org/drawingml/2006/main" xmlns:r="http://schemas.openxmlformats.org/officeDocument/2006/relationships" xmlns:p="http://schemas.openxmlformats.org/presentationml/2006/main">
   <p:cSld>
@@ -12183,6 +14173,250 @@
     <p:extLst>
       <p:ext uri="{BB962C8B-B14F-4D97-AF65-F5344CB8AC3E}">
         <p14:creationId xmlns:p14="http://schemas.microsoft.com/office/powerpoint/2010/main" val="740436085"/>
+      </p:ext>
+    </p:extLst>
+  </p:cSld>
+  <p:clrMapOvr>
+    <a:masterClrMapping/>
+  </p:clrMapOvr>
+</p:sld>
+</file>
+
+<file path=ppt/slides/slide70.xml><?xml version="1.0" encoding="utf-8"?>
+<p:sld xmlns:a="http://schemas.openxmlformats.org/drawingml/2006/main" xmlns:r="http://schemas.openxmlformats.org/officeDocument/2006/relationships" xmlns:p="http://schemas.openxmlformats.org/presentationml/2006/main">
+  <p:cSld>
+    <p:spTree>
+      <p:nvGrpSpPr>
+        <p:cNvPr id="1" name=""/>
+        <p:cNvGrpSpPr/>
+        <p:nvPr/>
+      </p:nvGrpSpPr>
+      <p:grpSpPr>
+        <a:xfrm>
+          <a:off x="0" y="0"/>
+          <a:ext cx="0" cy="0"/>
+          <a:chOff x="0" y="0"/>
+          <a:chExt cx="0" cy="0"/>
+        </a:xfrm>
+      </p:grpSpPr>
+      <p:pic>
+        <p:nvPicPr>
+          <p:cNvPr id="5" name="Picture 4">
+            <a:extLst>
+              <a:ext uri="{FF2B5EF4-FFF2-40B4-BE49-F238E27FC236}">
+                <a16:creationId xmlns:a16="http://schemas.microsoft.com/office/drawing/2014/main" id="{7B81A9D6-E0F9-FC4B-F24B-7AE88DE796B2}"/>
+              </a:ext>
+            </a:extLst>
+          </p:cNvPr>
+          <p:cNvPicPr>
+            <a:picLocks noChangeAspect="1"/>
+          </p:cNvPicPr>
+          <p:nvPr/>
+        </p:nvPicPr>
+        <p:blipFill>
+          <a:blip r:embed="rId2"/>
+          <a:stretch>
+            <a:fillRect/>
+          </a:stretch>
+        </p:blipFill>
+        <p:spPr>
+          <a:xfrm>
+            <a:off x="1137545" y="952154"/>
+            <a:ext cx="9916909" cy="4953691"/>
+          </a:xfrm>
+          <a:prstGeom prst="rect">
+            <a:avLst/>
+          </a:prstGeom>
+        </p:spPr>
+      </p:pic>
+    </p:spTree>
+    <p:extLst>
+      <p:ext uri="{BB962C8B-B14F-4D97-AF65-F5344CB8AC3E}">
+        <p14:creationId xmlns:p14="http://schemas.microsoft.com/office/powerpoint/2010/main" val="1761819958"/>
+      </p:ext>
+    </p:extLst>
+  </p:cSld>
+  <p:clrMapOvr>
+    <a:masterClrMapping/>
+  </p:clrMapOvr>
+</p:sld>
+</file>
+
+<file path=ppt/slides/slide71.xml><?xml version="1.0" encoding="utf-8"?>
+<p:sld xmlns:a="http://schemas.openxmlformats.org/drawingml/2006/main" xmlns:r="http://schemas.openxmlformats.org/officeDocument/2006/relationships" xmlns:p="http://schemas.openxmlformats.org/presentationml/2006/main">
+  <p:cSld>
+    <p:spTree>
+      <p:nvGrpSpPr>
+        <p:cNvPr id="1" name=""/>
+        <p:cNvGrpSpPr/>
+        <p:nvPr/>
+      </p:nvGrpSpPr>
+      <p:grpSpPr>
+        <a:xfrm>
+          <a:off x="0" y="0"/>
+          <a:ext cx="0" cy="0"/>
+          <a:chOff x="0" y="0"/>
+          <a:chExt cx="0" cy="0"/>
+        </a:xfrm>
+      </p:grpSpPr>
+      <p:pic>
+        <p:nvPicPr>
+          <p:cNvPr id="5" name="Picture 4">
+            <a:extLst>
+              <a:ext uri="{FF2B5EF4-FFF2-40B4-BE49-F238E27FC236}">
+                <a16:creationId xmlns:a16="http://schemas.microsoft.com/office/drawing/2014/main" id="{BD4B5D33-5988-DC4A-E016-B0C3E07BD6A1}"/>
+              </a:ext>
+            </a:extLst>
+          </p:cNvPr>
+          <p:cNvPicPr>
+            <a:picLocks noChangeAspect="1"/>
+          </p:cNvPicPr>
+          <p:nvPr/>
+        </p:nvPicPr>
+        <p:blipFill>
+          <a:blip r:embed="rId2"/>
+          <a:stretch>
+            <a:fillRect/>
+          </a:stretch>
+        </p:blipFill>
+        <p:spPr>
+          <a:xfrm>
+            <a:off x="1147072" y="1042654"/>
+            <a:ext cx="9897856" cy="4772691"/>
+          </a:xfrm>
+          <a:prstGeom prst="rect">
+            <a:avLst/>
+          </a:prstGeom>
+        </p:spPr>
+      </p:pic>
+    </p:spTree>
+    <p:extLst>
+      <p:ext uri="{BB962C8B-B14F-4D97-AF65-F5344CB8AC3E}">
+        <p14:creationId xmlns:p14="http://schemas.microsoft.com/office/powerpoint/2010/main" val="3070829101"/>
+      </p:ext>
+    </p:extLst>
+  </p:cSld>
+  <p:clrMapOvr>
+    <a:masterClrMapping/>
+  </p:clrMapOvr>
+</p:sld>
+</file>
+
+<file path=ppt/slides/slide72.xml><?xml version="1.0" encoding="utf-8"?>
+<p:sld xmlns:a="http://schemas.openxmlformats.org/drawingml/2006/main" xmlns:r="http://schemas.openxmlformats.org/officeDocument/2006/relationships" xmlns:p="http://schemas.openxmlformats.org/presentationml/2006/main">
+  <p:cSld>
+    <p:spTree>
+      <p:nvGrpSpPr>
+        <p:cNvPr id="1" name=""/>
+        <p:cNvGrpSpPr/>
+        <p:nvPr/>
+      </p:nvGrpSpPr>
+      <p:grpSpPr>
+        <a:xfrm>
+          <a:off x="0" y="0"/>
+          <a:ext cx="0" cy="0"/>
+          <a:chOff x="0" y="0"/>
+          <a:chExt cx="0" cy="0"/>
+        </a:xfrm>
+      </p:grpSpPr>
+      <p:pic>
+        <p:nvPicPr>
+          <p:cNvPr id="5" name="Picture 4">
+            <a:extLst>
+              <a:ext uri="{FF2B5EF4-FFF2-40B4-BE49-F238E27FC236}">
+                <a16:creationId xmlns:a16="http://schemas.microsoft.com/office/drawing/2014/main" id="{C1A1C155-88CD-B498-8C97-84E7DD970DD3}"/>
+              </a:ext>
+            </a:extLst>
+          </p:cNvPr>
+          <p:cNvPicPr>
+            <a:picLocks noChangeAspect="1"/>
+          </p:cNvPicPr>
+          <p:nvPr/>
+        </p:nvPicPr>
+        <p:blipFill>
+          <a:blip r:embed="rId2"/>
+          <a:stretch>
+            <a:fillRect/>
+          </a:stretch>
+        </p:blipFill>
+        <p:spPr>
+          <a:xfrm>
+            <a:off x="813650" y="1023400"/>
+            <a:ext cx="10564699" cy="4791744"/>
+          </a:xfrm>
+          <a:prstGeom prst="rect">
+            <a:avLst/>
+          </a:prstGeom>
+        </p:spPr>
+      </p:pic>
+    </p:spTree>
+    <p:extLst>
+      <p:ext uri="{BB962C8B-B14F-4D97-AF65-F5344CB8AC3E}">
+        <p14:creationId xmlns:p14="http://schemas.microsoft.com/office/powerpoint/2010/main" val="1457175203"/>
+      </p:ext>
+    </p:extLst>
+  </p:cSld>
+  <p:clrMapOvr>
+    <a:masterClrMapping/>
+  </p:clrMapOvr>
+</p:sld>
+</file>
+
+<file path=ppt/slides/slide73.xml><?xml version="1.0" encoding="utf-8"?>
+<p:sld xmlns:a="http://schemas.openxmlformats.org/drawingml/2006/main" xmlns:r="http://schemas.openxmlformats.org/officeDocument/2006/relationships" xmlns:p="http://schemas.openxmlformats.org/presentationml/2006/main">
+  <p:cSld>
+    <p:spTree>
+      <p:nvGrpSpPr>
+        <p:cNvPr id="1" name=""/>
+        <p:cNvGrpSpPr/>
+        <p:nvPr/>
+      </p:nvGrpSpPr>
+      <p:grpSpPr>
+        <a:xfrm>
+          <a:off x="0" y="0"/>
+          <a:ext cx="0" cy="0"/>
+          <a:chOff x="0" y="0"/>
+          <a:chExt cx="0" cy="0"/>
+        </a:xfrm>
+      </p:grpSpPr>
+      <p:sp>
+        <p:nvSpPr>
+          <p:cNvPr id="2" name="Title 1">
+            <a:extLst>
+              <a:ext uri="{FF2B5EF4-FFF2-40B4-BE49-F238E27FC236}">
+                <a16:creationId xmlns:a16="http://schemas.microsoft.com/office/drawing/2014/main" id="{A289B284-D687-7E54-3C44-1BD7B6C17CF5}"/>
+              </a:ext>
+            </a:extLst>
+          </p:cNvPr>
+          <p:cNvSpPr>
+            <a:spLocks noGrp="1"/>
+          </p:cNvSpPr>
+          <p:nvPr>
+            <p:ph type="title"/>
+          </p:nvPr>
+        </p:nvSpPr>
+        <p:spPr>
+          <a:xfrm>
+            <a:off x="1066800" y="2624328"/>
+            <a:ext cx="10058400" cy="1609344"/>
+          </a:xfrm>
+        </p:spPr>
+        <p:txBody>
+          <a:bodyPr/>
+          <a:lstStyle/>
+          <a:p>
+            <a:pPr algn="ctr"/>
+            <a:r>
+              <a:rPr lang="en-DE" dirty="0"/>
+              <a:t>IDE</a:t>
+            </a:r>
+          </a:p>
+        </p:txBody>
+      </p:sp>
+    </p:spTree>
+    <p:extLst>
+      <p:ext uri="{BB962C8B-B14F-4D97-AF65-F5344CB8AC3E}">
+        <p14:creationId xmlns:p14="http://schemas.microsoft.com/office/powerpoint/2010/main" val="3251990548"/>
       </p:ext>
     </p:extLst>
   </p:cSld>

--- a/C++/Tutoring/Lectures/Script.pptx
+++ b/C++/Tutoring/Lectures/Script.pptx
@@ -65,19 +65,30 @@
     <p:sldId id="303" r:id="rId59"/>
     <p:sldId id="320" r:id="rId60"/>
     <p:sldId id="334" r:id="rId61"/>
-    <p:sldId id="321" r:id="rId62"/>
-    <p:sldId id="333" r:id="rId63"/>
-    <p:sldId id="322" r:id="rId64"/>
-    <p:sldId id="323" r:id="rId65"/>
-    <p:sldId id="324" r:id="rId66"/>
-    <p:sldId id="325" r:id="rId67"/>
-    <p:sldId id="326" r:id="rId68"/>
-    <p:sldId id="327" r:id="rId69"/>
-    <p:sldId id="328" r:id="rId70"/>
-    <p:sldId id="329" r:id="rId71"/>
-    <p:sldId id="330" r:id="rId72"/>
-    <p:sldId id="331" r:id="rId73"/>
-    <p:sldId id="332" r:id="rId74"/>
+    <p:sldId id="333" r:id="rId62"/>
+    <p:sldId id="322" r:id="rId63"/>
+    <p:sldId id="323" r:id="rId64"/>
+    <p:sldId id="324" r:id="rId65"/>
+    <p:sldId id="325" r:id="rId66"/>
+    <p:sldId id="326" r:id="rId67"/>
+    <p:sldId id="327" r:id="rId68"/>
+    <p:sldId id="328" r:id="rId69"/>
+    <p:sldId id="329" r:id="rId70"/>
+    <p:sldId id="330" r:id="rId71"/>
+    <p:sldId id="331" r:id="rId72"/>
+    <p:sldId id="332" r:id="rId73"/>
+    <p:sldId id="343" r:id="rId74"/>
+    <p:sldId id="342" r:id="rId75"/>
+    <p:sldId id="337" r:id="rId76"/>
+    <p:sldId id="338" r:id="rId77"/>
+    <p:sldId id="339" r:id="rId78"/>
+    <p:sldId id="340" r:id="rId79"/>
+    <p:sldId id="341" r:id="rId80"/>
+    <p:sldId id="346" r:id="rId81"/>
+    <p:sldId id="347" r:id="rId82"/>
+    <p:sldId id="345" r:id="rId83"/>
+    <p:sldId id="321" r:id="rId84"/>
+    <p:sldId id="344" r:id="rId85"/>
   </p:sldIdLst>
   <p:sldSz cx="12192000" cy="6858000"/>
   <p:notesSz cx="6858000" cy="9144000"/>
@@ -993,7 +1004,7 @@
           <a:p>
             <a:fld id="{0531EBD0-97ED-4A12-B0C8-E7A5E7F3144B}" type="datetimeFigureOut">
               <a:rPr lang="en-DE" smtClean="0"/>
-              <a:t>16/04/2024</a:t>
+              <a:t>23/04/2024</a:t>
             </a:fld>
             <a:endParaRPr lang="en-DE"/>
           </a:p>
@@ -1172,7 +1183,7 @@
           <a:p>
             <a:fld id="{0531EBD0-97ED-4A12-B0C8-E7A5E7F3144B}" type="datetimeFigureOut">
               <a:rPr lang="en-DE" smtClean="0"/>
-              <a:t>16/04/2024</a:t>
+              <a:t>23/04/2024</a:t>
             </a:fld>
             <a:endParaRPr lang="en-DE"/>
           </a:p>
@@ -1352,7 +1363,7 @@
           <a:p>
             <a:fld id="{0531EBD0-97ED-4A12-B0C8-E7A5E7F3144B}" type="datetimeFigureOut">
               <a:rPr lang="en-DE" smtClean="0"/>
-              <a:t>16/04/2024</a:t>
+              <a:t>23/04/2024</a:t>
             </a:fld>
             <a:endParaRPr lang="en-DE"/>
           </a:p>
@@ -1522,7 +1533,7 @@
           <a:p>
             <a:fld id="{0531EBD0-97ED-4A12-B0C8-E7A5E7F3144B}" type="datetimeFigureOut">
               <a:rPr lang="en-DE" smtClean="0"/>
-              <a:t>16/04/2024</a:t>
+              <a:t>23/04/2024</a:t>
             </a:fld>
             <a:endParaRPr lang="en-DE"/>
           </a:p>
@@ -1835,7 +1846,7 @@
           <a:p>
             <a:fld id="{0531EBD0-97ED-4A12-B0C8-E7A5E7F3144B}" type="datetimeFigureOut">
               <a:rPr lang="en-DE" smtClean="0"/>
-              <a:t>16/04/2024</a:t>
+              <a:t>23/04/2024</a:t>
             </a:fld>
             <a:endParaRPr lang="en-DE"/>
           </a:p>
@@ -2221,7 +2232,7 @@
           <a:p>
             <a:fld id="{0531EBD0-97ED-4A12-B0C8-E7A5E7F3144B}" type="datetimeFigureOut">
               <a:rPr lang="en-DE" smtClean="0"/>
-              <a:t>16/04/2024</a:t>
+              <a:t>23/04/2024</a:t>
             </a:fld>
             <a:endParaRPr lang="en-DE"/>
           </a:p>
@@ -2655,7 +2666,7 @@
           <a:p>
             <a:fld id="{0531EBD0-97ED-4A12-B0C8-E7A5E7F3144B}" type="datetimeFigureOut">
               <a:rPr lang="en-DE" smtClean="0"/>
-              <a:t>16/04/2024</a:t>
+              <a:t>23/04/2024</a:t>
             </a:fld>
             <a:endParaRPr lang="en-DE"/>
           </a:p>
@@ -2773,7 +2784,7 @@
           <a:p>
             <a:fld id="{0531EBD0-97ED-4A12-B0C8-E7A5E7F3144B}" type="datetimeFigureOut">
               <a:rPr lang="en-DE" smtClean="0"/>
-              <a:t>16/04/2024</a:t>
+              <a:t>23/04/2024</a:t>
             </a:fld>
             <a:endParaRPr lang="en-DE"/>
           </a:p>
@@ -2868,7 +2879,7 @@
           <a:p>
             <a:fld id="{0531EBD0-97ED-4A12-B0C8-E7A5E7F3144B}" type="datetimeFigureOut">
               <a:rPr lang="en-DE" smtClean="0"/>
-              <a:t>16/04/2024</a:t>
+              <a:t>23/04/2024</a:t>
             </a:fld>
             <a:endParaRPr lang="en-DE"/>
           </a:p>
@@ -3218,7 +3229,7 @@
           <a:p>
             <a:fld id="{0531EBD0-97ED-4A12-B0C8-E7A5E7F3144B}" type="datetimeFigureOut">
               <a:rPr lang="en-DE" smtClean="0"/>
-              <a:t>16/04/2024</a:t>
+              <a:t>23/04/2024</a:t>
             </a:fld>
             <a:endParaRPr lang="en-DE"/>
           </a:p>
@@ -3643,7 +3654,7 @@
           <a:p>
             <a:fld id="{0531EBD0-97ED-4A12-B0C8-E7A5E7F3144B}" type="datetimeFigureOut">
               <a:rPr lang="en-DE" smtClean="0"/>
-              <a:t>16/04/2024</a:t>
+              <a:t>23/04/2024</a:t>
             </a:fld>
             <a:endParaRPr lang="en-DE"/>
           </a:p>
@@ -3924,7 +3935,7 @@
           <a:p>
             <a:fld id="{0531EBD0-97ED-4A12-B0C8-E7A5E7F3144B}" type="datetimeFigureOut">
               <a:rPr lang="en-DE" smtClean="0"/>
-              <a:t>16/04/2024</a:t>
+              <a:t>23/04/2024</a:t>
             </a:fld>
             <a:endParaRPr lang="en-DE"/>
           </a:p>
@@ -13449,7 +13460,7 @@
           <p:cNvPr id="2" name="Title 1">
             <a:extLst>
               <a:ext uri="{FF2B5EF4-FFF2-40B4-BE49-F238E27FC236}">
-                <a16:creationId xmlns:a16="http://schemas.microsoft.com/office/drawing/2014/main" id="{E37562E7-EDB1-184E-8C39-824F0AE8EA89}"/>
+                <a16:creationId xmlns:a16="http://schemas.microsoft.com/office/drawing/2014/main" id="{A289B284-D687-7E54-3C44-1BD7B6C17CF5}"/>
               </a:ext>
             </a:extLst>
           </p:cNvPr>
@@ -13473,7 +13484,7 @@
             <a:pPr algn="ctr"/>
             <a:r>
               <a:rPr lang="en-DE" dirty="0"/>
-              <a:t>Assignment 6</a:t>
+              <a:t>IDE</a:t>
             </a:r>
           </a:p>
         </p:txBody>
@@ -13481,7 +13492,7 @@
     </p:spTree>
     <p:extLst>
       <p:ext uri="{BB962C8B-B14F-4D97-AF65-F5344CB8AC3E}">
-        <p14:creationId xmlns:p14="http://schemas.microsoft.com/office/powerpoint/2010/main" val="1383194841"/>
+        <p14:creationId xmlns:p14="http://schemas.microsoft.com/office/powerpoint/2010/main" val="2680101332"/>
       </p:ext>
     </p:extLst>
   </p:cSld>
@@ -13513,70 +13524,6 @@
           <p:cNvPr id="2" name="Title 1">
             <a:extLst>
               <a:ext uri="{FF2B5EF4-FFF2-40B4-BE49-F238E27FC236}">
-                <a16:creationId xmlns:a16="http://schemas.microsoft.com/office/drawing/2014/main" id="{A289B284-D687-7E54-3C44-1BD7B6C17CF5}"/>
-              </a:ext>
-            </a:extLst>
-          </p:cNvPr>
-          <p:cNvSpPr>
-            <a:spLocks noGrp="1"/>
-          </p:cNvSpPr>
-          <p:nvPr>
-            <p:ph type="title"/>
-          </p:nvPr>
-        </p:nvSpPr>
-        <p:spPr>
-          <a:xfrm>
-            <a:off x="1066800" y="2624328"/>
-            <a:ext cx="10058400" cy="1609344"/>
-          </a:xfrm>
-        </p:spPr>
-        <p:txBody>
-          <a:bodyPr/>
-          <a:lstStyle/>
-          <a:p>
-            <a:pPr algn="ctr"/>
-            <a:r>
-              <a:rPr lang="en-DE" dirty="0"/>
-              <a:t>IDE</a:t>
-            </a:r>
-          </a:p>
-        </p:txBody>
-      </p:sp>
-    </p:spTree>
-    <p:extLst>
-      <p:ext uri="{BB962C8B-B14F-4D97-AF65-F5344CB8AC3E}">
-        <p14:creationId xmlns:p14="http://schemas.microsoft.com/office/powerpoint/2010/main" val="2680101332"/>
-      </p:ext>
-    </p:extLst>
-  </p:cSld>
-  <p:clrMapOvr>
-    <a:masterClrMapping/>
-  </p:clrMapOvr>
-</p:sld>
-</file>
-
-<file path=ppt/slides/slide63.xml><?xml version="1.0" encoding="utf-8"?>
-<p:sld xmlns:a="http://schemas.openxmlformats.org/drawingml/2006/main" xmlns:r="http://schemas.openxmlformats.org/officeDocument/2006/relationships" xmlns:p="http://schemas.openxmlformats.org/presentationml/2006/main">
-  <p:cSld>
-    <p:spTree>
-      <p:nvGrpSpPr>
-        <p:cNvPr id="1" name=""/>
-        <p:cNvGrpSpPr/>
-        <p:nvPr/>
-      </p:nvGrpSpPr>
-      <p:grpSpPr>
-        <a:xfrm>
-          <a:off x="0" y="0"/>
-          <a:ext cx="0" cy="0"/>
-          <a:chOff x="0" y="0"/>
-          <a:chExt cx="0" cy="0"/>
-        </a:xfrm>
-      </p:grpSpPr>
-      <p:sp>
-        <p:nvSpPr>
-          <p:cNvPr id="2" name="Title 1">
-            <a:extLst>
-              <a:ext uri="{FF2B5EF4-FFF2-40B4-BE49-F238E27FC236}">
                 <a16:creationId xmlns:a16="http://schemas.microsoft.com/office/drawing/2014/main" id="{9F5662C2-4C48-78E8-785E-105F9EE68AA2}"/>
               </a:ext>
             </a:extLst>
@@ -13619,7 +13566,7 @@
 </p:sld>
 </file>
 
-<file path=ppt/slides/slide64.xml><?xml version="1.0" encoding="utf-8"?>
+<file path=ppt/slides/slide63.xml><?xml version="1.0" encoding="utf-8"?>
 <p:sld xmlns:a="http://schemas.openxmlformats.org/drawingml/2006/main" xmlns:r="http://schemas.openxmlformats.org/officeDocument/2006/relationships" xmlns:p="http://schemas.openxmlformats.org/presentationml/2006/main">
   <p:cSld>
     <p:spTree>
@@ -13679,7 +13626,7 @@
 </p:sld>
 </file>
 
-<file path=ppt/slides/slide65.xml><?xml version="1.0" encoding="utf-8"?>
+<file path=ppt/slides/slide64.xml><?xml version="1.0" encoding="utf-8"?>
 <p:sld xmlns:a="http://schemas.openxmlformats.org/drawingml/2006/main" xmlns:r="http://schemas.openxmlformats.org/officeDocument/2006/relationships" xmlns:p="http://schemas.openxmlformats.org/presentationml/2006/main">
   <p:cSld>
     <p:spTree>
@@ -13739,7 +13686,7 @@
 </p:sld>
 </file>
 
-<file path=ppt/slides/slide66.xml><?xml version="1.0" encoding="utf-8"?>
+<file path=ppt/slides/slide65.xml><?xml version="1.0" encoding="utf-8"?>
 <p:sld xmlns:a="http://schemas.openxmlformats.org/drawingml/2006/main" xmlns:r="http://schemas.openxmlformats.org/officeDocument/2006/relationships" xmlns:p="http://schemas.openxmlformats.org/presentationml/2006/main">
   <p:cSld>
     <p:spTree>
@@ -13799,7 +13746,7 @@
 </p:sld>
 </file>
 
-<file path=ppt/slides/slide67.xml><?xml version="1.0" encoding="utf-8"?>
+<file path=ppt/slides/slide66.xml><?xml version="1.0" encoding="utf-8"?>
 <p:sld xmlns:a="http://schemas.openxmlformats.org/drawingml/2006/main" xmlns:r="http://schemas.openxmlformats.org/officeDocument/2006/relationships" xmlns:p="http://schemas.openxmlformats.org/presentationml/2006/main">
   <p:cSld>
     <p:spTree>
@@ -13859,7 +13806,7 @@
 </p:sld>
 </file>
 
-<file path=ppt/slides/slide68.xml><?xml version="1.0" encoding="utf-8"?>
+<file path=ppt/slides/slide67.xml><?xml version="1.0" encoding="utf-8"?>
 <p:sld xmlns:a="http://schemas.openxmlformats.org/drawingml/2006/main" xmlns:r="http://schemas.openxmlformats.org/officeDocument/2006/relationships" xmlns:p="http://schemas.openxmlformats.org/presentationml/2006/main">
   <p:cSld>
     <p:spTree>
@@ -13919,7 +13866,7 @@
 </p:sld>
 </file>
 
-<file path=ppt/slides/slide69.xml><?xml version="1.0" encoding="utf-8"?>
+<file path=ppt/slides/slide68.xml><?xml version="1.0" encoding="utf-8"?>
 <p:sld xmlns:a="http://schemas.openxmlformats.org/drawingml/2006/main" xmlns:r="http://schemas.openxmlformats.org/officeDocument/2006/relationships" xmlns:p="http://schemas.openxmlformats.org/presentationml/2006/main">
   <p:cSld>
     <p:spTree>
@@ -13979,210 +13926,7 @@
 </p:sld>
 </file>
 
-<file path=ppt/slides/slide7.xml><?xml version="1.0" encoding="utf-8"?>
-<p:sld xmlns:a="http://schemas.openxmlformats.org/drawingml/2006/main" xmlns:r="http://schemas.openxmlformats.org/officeDocument/2006/relationships" xmlns:p="http://schemas.openxmlformats.org/presentationml/2006/main">
-  <p:cSld>
-    <p:spTree>
-      <p:nvGrpSpPr>
-        <p:cNvPr id="1" name=""/>
-        <p:cNvGrpSpPr/>
-        <p:nvPr/>
-      </p:nvGrpSpPr>
-      <p:grpSpPr>
-        <a:xfrm>
-          <a:off x="0" y="0"/>
-          <a:ext cx="0" cy="0"/>
-          <a:chOff x="0" y="0"/>
-          <a:chExt cx="0" cy="0"/>
-        </a:xfrm>
-      </p:grpSpPr>
-      <p:sp>
-        <p:nvSpPr>
-          <p:cNvPr id="2" name="Title 1">
-            <a:extLst>
-              <a:ext uri="{FF2B5EF4-FFF2-40B4-BE49-F238E27FC236}">
-                <a16:creationId xmlns:a16="http://schemas.microsoft.com/office/drawing/2014/main" id="{AF47AA73-57F8-4CC2-40EB-A6E1F66B0696}"/>
-              </a:ext>
-            </a:extLst>
-          </p:cNvPr>
-          <p:cNvSpPr>
-            <a:spLocks noGrp="1"/>
-          </p:cNvSpPr>
-          <p:nvPr>
-            <p:ph type="title"/>
-          </p:nvPr>
-        </p:nvSpPr>
-        <p:spPr/>
-        <p:txBody>
-          <a:bodyPr/>
-          <a:lstStyle/>
-          <a:p>
-            <a:r>
-              <a:rPr lang="en-DE" dirty="0"/>
-              <a:t>Question 2</a:t>
-            </a:r>
-          </a:p>
-        </p:txBody>
-      </p:sp>
-      <p:sp>
-        <p:nvSpPr>
-          <p:cNvPr id="3" name="Content Placeholder 2">
-            <a:extLst>
-              <a:ext uri="{FF2B5EF4-FFF2-40B4-BE49-F238E27FC236}">
-                <a16:creationId xmlns:a16="http://schemas.microsoft.com/office/drawing/2014/main" id="{23FA3528-E87C-B5BF-497E-FC26051E130D}"/>
-              </a:ext>
-            </a:extLst>
-          </p:cNvPr>
-          <p:cNvSpPr>
-            <a:spLocks noGrp="1"/>
-          </p:cNvSpPr>
-          <p:nvPr>
-            <p:ph idx="1"/>
-          </p:nvPr>
-        </p:nvSpPr>
-        <p:spPr/>
-        <p:txBody>
-          <a:bodyPr/>
-          <a:lstStyle/>
-          <a:p>
-            <a:r>
-              <a:rPr lang="en-DE" dirty="0"/>
-              <a:t>How to optim</a:t>
-            </a:r>
-            <a:r>
-              <a:rPr lang="en-GB" dirty="0" err="1"/>
-              <a:t>i</a:t>
-            </a:r>
-            <a:r>
-              <a:rPr lang="en-DE" dirty="0"/>
-              <a:t>ze your cheat sheet its maximum potential</a:t>
-            </a:r>
-          </a:p>
-          <a:p>
-            <a:pPr lvl="1"/>
-            <a:r>
-              <a:rPr lang="en-DE" b="1" dirty="0"/>
-              <a:t>Draft 1 </a:t>
-            </a:r>
-            <a:r>
-              <a:rPr lang="en-DE" dirty="0"/>
-              <a:t>– Find all the keywords from t</a:t>
-            </a:r>
-            <a:r>
-              <a:rPr lang="en-GB" dirty="0"/>
-              <a:t>he</a:t>
-            </a:r>
-            <a:r>
-              <a:rPr lang="en-DE" dirty="0"/>
-              <a:t> script (Recommended – Split all the big topics in different notebooks on your IPAD/Paper Based Notebook)</a:t>
-            </a:r>
-            <a:br>
-              <a:rPr lang="en-DE" dirty="0"/>
-            </a:br>
-            <a:endParaRPr lang="en-DE" dirty="0"/>
-          </a:p>
-          <a:p>
-            <a:pPr lvl="1"/>
-            <a:r>
-              <a:rPr lang="en-DE" b="1" dirty="0"/>
-              <a:t>Draft 2</a:t>
-            </a:r>
-            <a:r>
-              <a:rPr lang="en-DE" dirty="0"/>
-              <a:t> – After looking over all the past exams, find the common questions asked by the Prof. </a:t>
-            </a:r>
-            <a:r>
-              <a:rPr lang="en-GB" dirty="0"/>
-              <a:t>A</a:t>
-            </a:r>
-            <a:r>
-              <a:rPr lang="en-DE" dirty="0" err="1"/>
-              <a:t>nd</a:t>
-            </a:r>
-            <a:r>
-              <a:rPr lang="en-DE" dirty="0"/>
-              <a:t> rep</a:t>
-            </a:r>
-            <a:r>
-              <a:rPr lang="en-GB" dirty="0"/>
-              <a:t>la</a:t>
-            </a:r>
-            <a:r>
-              <a:rPr lang="en-DE" dirty="0" err="1"/>
-              <a:t>ce</a:t>
-            </a:r>
-            <a:r>
-              <a:rPr lang="en-DE" dirty="0"/>
-              <a:t> that with draft 1</a:t>
-            </a:r>
-            <a:br>
-              <a:rPr lang="en-DE" dirty="0"/>
-            </a:br>
-            <a:endParaRPr lang="en-DE" dirty="0"/>
-          </a:p>
-          <a:p>
-            <a:pPr lvl="1"/>
-            <a:r>
-              <a:rPr lang="en-DE" b="1" dirty="0"/>
-              <a:t>Draft 3 </a:t>
-            </a:r>
-            <a:r>
-              <a:rPr lang="en-DE" dirty="0"/>
-              <a:t>– You will notice over the period of time, some concepts would get very easy to remember, be</a:t>
-            </a:r>
-            <a:r>
-              <a:rPr lang="en-GB" dirty="0"/>
-              <a:t>ca</a:t>
-            </a:r>
-            <a:r>
-              <a:rPr lang="en-DE" dirty="0"/>
-              <a:t>use you would be using it in real life programming questions (So Remove those extra Info.)</a:t>
-            </a:r>
-            <a:br>
-              <a:rPr lang="en-DE" dirty="0"/>
-            </a:br>
-            <a:endParaRPr lang="en-DE" dirty="0"/>
-          </a:p>
-          <a:p>
-            <a:pPr lvl="1"/>
-            <a:r>
-              <a:rPr lang="en-DE" b="1" dirty="0"/>
-              <a:t>Final Draft – </a:t>
-            </a:r>
-            <a:r>
-              <a:rPr lang="en-DE" dirty="0"/>
-              <a:t>Make sure to put all the past exam questions especially the </a:t>
-            </a:r>
-            <a:r>
-              <a:rPr lang="en-DE" dirty="0" err="1"/>
-              <a:t>the</a:t>
-            </a:r>
-            <a:r>
-              <a:rPr lang="en-GB" dirty="0"/>
-              <a:t>or</a:t>
-            </a:r>
-            <a:r>
-              <a:rPr lang="en-DE" dirty="0"/>
-              <a:t>y on your cheat sheet.</a:t>
-            </a:r>
-            <a:endParaRPr lang="en-DE" b="1" dirty="0"/>
-          </a:p>
-        </p:txBody>
-      </p:sp>
-    </p:spTree>
-    <p:extLst>
-      <p:ext uri="{BB962C8B-B14F-4D97-AF65-F5344CB8AC3E}">
-        <p14:creationId xmlns:p14="http://schemas.microsoft.com/office/powerpoint/2010/main" val="740436085"/>
-      </p:ext>
-    </p:extLst>
-  </p:cSld>
-  <p:clrMapOvr>
-    <a:masterClrMapping/>
-  </p:clrMapOvr>
-</p:sld>
-</file>
-
-<file path=ppt/slides/slide70.xml><?xml version="1.0" encoding="utf-8"?>
+<file path=ppt/slides/slide69.xml><?xml version="1.0" encoding="utf-8"?>
 <p:sld xmlns:a="http://schemas.openxmlformats.org/drawingml/2006/main" xmlns:r="http://schemas.openxmlformats.org/officeDocument/2006/relationships" xmlns:p="http://schemas.openxmlformats.org/presentationml/2006/main">
   <p:cSld>
     <p:spTree>
@@ -14242,7 +13986,210 @@
 </p:sld>
 </file>
 
-<file path=ppt/slides/slide71.xml><?xml version="1.0" encoding="utf-8"?>
+<file path=ppt/slides/slide7.xml><?xml version="1.0" encoding="utf-8"?>
+<p:sld xmlns:a="http://schemas.openxmlformats.org/drawingml/2006/main" xmlns:r="http://schemas.openxmlformats.org/officeDocument/2006/relationships" xmlns:p="http://schemas.openxmlformats.org/presentationml/2006/main">
+  <p:cSld>
+    <p:spTree>
+      <p:nvGrpSpPr>
+        <p:cNvPr id="1" name=""/>
+        <p:cNvGrpSpPr/>
+        <p:nvPr/>
+      </p:nvGrpSpPr>
+      <p:grpSpPr>
+        <a:xfrm>
+          <a:off x="0" y="0"/>
+          <a:ext cx="0" cy="0"/>
+          <a:chOff x="0" y="0"/>
+          <a:chExt cx="0" cy="0"/>
+        </a:xfrm>
+      </p:grpSpPr>
+      <p:sp>
+        <p:nvSpPr>
+          <p:cNvPr id="2" name="Title 1">
+            <a:extLst>
+              <a:ext uri="{FF2B5EF4-FFF2-40B4-BE49-F238E27FC236}">
+                <a16:creationId xmlns:a16="http://schemas.microsoft.com/office/drawing/2014/main" id="{AF47AA73-57F8-4CC2-40EB-A6E1F66B0696}"/>
+              </a:ext>
+            </a:extLst>
+          </p:cNvPr>
+          <p:cNvSpPr>
+            <a:spLocks noGrp="1"/>
+          </p:cNvSpPr>
+          <p:nvPr>
+            <p:ph type="title"/>
+          </p:nvPr>
+        </p:nvSpPr>
+        <p:spPr/>
+        <p:txBody>
+          <a:bodyPr/>
+          <a:lstStyle/>
+          <a:p>
+            <a:r>
+              <a:rPr lang="en-DE" dirty="0"/>
+              <a:t>Question 2</a:t>
+            </a:r>
+          </a:p>
+        </p:txBody>
+      </p:sp>
+      <p:sp>
+        <p:nvSpPr>
+          <p:cNvPr id="3" name="Content Placeholder 2">
+            <a:extLst>
+              <a:ext uri="{FF2B5EF4-FFF2-40B4-BE49-F238E27FC236}">
+                <a16:creationId xmlns:a16="http://schemas.microsoft.com/office/drawing/2014/main" id="{23FA3528-E87C-B5BF-497E-FC26051E130D}"/>
+              </a:ext>
+            </a:extLst>
+          </p:cNvPr>
+          <p:cNvSpPr>
+            <a:spLocks noGrp="1"/>
+          </p:cNvSpPr>
+          <p:nvPr>
+            <p:ph idx="1"/>
+          </p:nvPr>
+        </p:nvSpPr>
+        <p:spPr/>
+        <p:txBody>
+          <a:bodyPr/>
+          <a:lstStyle/>
+          <a:p>
+            <a:r>
+              <a:rPr lang="en-DE" dirty="0"/>
+              <a:t>How to optim</a:t>
+            </a:r>
+            <a:r>
+              <a:rPr lang="en-GB" dirty="0" err="1"/>
+              <a:t>i</a:t>
+            </a:r>
+            <a:r>
+              <a:rPr lang="en-DE" dirty="0"/>
+              <a:t>ze your cheat sheet its maximum potential</a:t>
+            </a:r>
+          </a:p>
+          <a:p>
+            <a:pPr lvl="1"/>
+            <a:r>
+              <a:rPr lang="en-DE" b="1" dirty="0"/>
+              <a:t>Draft 1 </a:t>
+            </a:r>
+            <a:r>
+              <a:rPr lang="en-DE" dirty="0"/>
+              <a:t>– Find all the keywords from t</a:t>
+            </a:r>
+            <a:r>
+              <a:rPr lang="en-GB" dirty="0"/>
+              <a:t>he</a:t>
+            </a:r>
+            <a:r>
+              <a:rPr lang="en-DE" dirty="0"/>
+              <a:t> script (Recommended – Split all the big topics in different notebooks on your IPAD/Paper Based Notebook)</a:t>
+            </a:r>
+            <a:br>
+              <a:rPr lang="en-DE" dirty="0"/>
+            </a:br>
+            <a:endParaRPr lang="en-DE" dirty="0"/>
+          </a:p>
+          <a:p>
+            <a:pPr lvl="1"/>
+            <a:r>
+              <a:rPr lang="en-DE" b="1" dirty="0"/>
+              <a:t>Draft 2</a:t>
+            </a:r>
+            <a:r>
+              <a:rPr lang="en-DE" dirty="0"/>
+              <a:t> – After looking over all the past exams, find the common questions asked by the Prof. </a:t>
+            </a:r>
+            <a:r>
+              <a:rPr lang="en-GB" dirty="0"/>
+              <a:t>A</a:t>
+            </a:r>
+            <a:r>
+              <a:rPr lang="en-DE" dirty="0" err="1"/>
+              <a:t>nd</a:t>
+            </a:r>
+            <a:r>
+              <a:rPr lang="en-DE" dirty="0"/>
+              <a:t> rep</a:t>
+            </a:r>
+            <a:r>
+              <a:rPr lang="en-GB" dirty="0"/>
+              <a:t>la</a:t>
+            </a:r>
+            <a:r>
+              <a:rPr lang="en-DE" dirty="0" err="1"/>
+              <a:t>ce</a:t>
+            </a:r>
+            <a:r>
+              <a:rPr lang="en-DE" dirty="0"/>
+              <a:t> that with draft 1</a:t>
+            </a:r>
+            <a:br>
+              <a:rPr lang="en-DE" dirty="0"/>
+            </a:br>
+            <a:endParaRPr lang="en-DE" dirty="0"/>
+          </a:p>
+          <a:p>
+            <a:pPr lvl="1"/>
+            <a:r>
+              <a:rPr lang="en-DE" b="1" dirty="0"/>
+              <a:t>Draft 3 </a:t>
+            </a:r>
+            <a:r>
+              <a:rPr lang="en-DE" dirty="0"/>
+              <a:t>– You will notice over the period of time, some concepts would get very easy to remember, be</a:t>
+            </a:r>
+            <a:r>
+              <a:rPr lang="en-GB" dirty="0"/>
+              <a:t>ca</a:t>
+            </a:r>
+            <a:r>
+              <a:rPr lang="en-DE" dirty="0"/>
+              <a:t>use you would be using it in real life programming questions (So Remove those extra Info.)</a:t>
+            </a:r>
+            <a:br>
+              <a:rPr lang="en-DE" dirty="0"/>
+            </a:br>
+            <a:endParaRPr lang="en-DE" dirty="0"/>
+          </a:p>
+          <a:p>
+            <a:pPr lvl="1"/>
+            <a:r>
+              <a:rPr lang="en-DE" b="1" dirty="0"/>
+              <a:t>Final Draft – </a:t>
+            </a:r>
+            <a:r>
+              <a:rPr lang="en-DE" dirty="0"/>
+              <a:t>Make sure to put all the past exam questions especially the </a:t>
+            </a:r>
+            <a:r>
+              <a:rPr lang="en-DE" dirty="0" err="1"/>
+              <a:t>the</a:t>
+            </a:r>
+            <a:r>
+              <a:rPr lang="en-GB" dirty="0"/>
+              <a:t>or</a:t>
+            </a:r>
+            <a:r>
+              <a:rPr lang="en-DE" dirty="0"/>
+              <a:t>y on your cheat sheet.</a:t>
+            </a:r>
+            <a:endParaRPr lang="en-DE" b="1" dirty="0"/>
+          </a:p>
+        </p:txBody>
+      </p:sp>
+    </p:spTree>
+    <p:extLst>
+      <p:ext uri="{BB962C8B-B14F-4D97-AF65-F5344CB8AC3E}">
+        <p14:creationId xmlns:p14="http://schemas.microsoft.com/office/powerpoint/2010/main" val="740436085"/>
+      </p:ext>
+    </p:extLst>
+  </p:cSld>
+  <p:clrMapOvr>
+    <a:masterClrMapping/>
+  </p:clrMapOvr>
+</p:sld>
+</file>
+
+<file path=ppt/slides/slide70.xml><?xml version="1.0" encoding="utf-8"?>
 <p:sld xmlns:a="http://schemas.openxmlformats.org/drawingml/2006/main" xmlns:r="http://schemas.openxmlformats.org/officeDocument/2006/relationships" xmlns:p="http://schemas.openxmlformats.org/presentationml/2006/main">
   <p:cSld>
     <p:spTree>
@@ -14302,7 +14249,7 @@
 </p:sld>
 </file>
 
-<file path=ppt/slides/slide72.xml><?xml version="1.0" encoding="utf-8"?>
+<file path=ppt/slides/slide71.xml><?xml version="1.0" encoding="utf-8"?>
 <p:sld xmlns:a="http://schemas.openxmlformats.org/drawingml/2006/main" xmlns:r="http://schemas.openxmlformats.org/officeDocument/2006/relationships" xmlns:p="http://schemas.openxmlformats.org/presentationml/2006/main">
   <p:cSld>
     <p:spTree>
@@ -14362,7 +14309,7 @@
 </p:sld>
 </file>
 
-<file path=ppt/slides/slide73.xml><?xml version="1.0" encoding="utf-8"?>
+<file path=ppt/slides/slide72.xml><?xml version="1.0" encoding="utf-8"?>
 <p:sld xmlns:a="http://schemas.openxmlformats.org/drawingml/2006/main" xmlns:r="http://schemas.openxmlformats.org/officeDocument/2006/relationships" xmlns:p="http://schemas.openxmlformats.org/presentationml/2006/main">
   <p:cSld>
     <p:spTree>
@@ -14417,6 +14364,1537 @@
     <p:extLst>
       <p:ext uri="{BB962C8B-B14F-4D97-AF65-F5344CB8AC3E}">
         <p14:creationId xmlns:p14="http://schemas.microsoft.com/office/powerpoint/2010/main" val="3251990548"/>
+      </p:ext>
+    </p:extLst>
+  </p:cSld>
+  <p:clrMapOvr>
+    <a:masterClrMapping/>
+  </p:clrMapOvr>
+</p:sld>
+</file>
+
+<file path=ppt/slides/slide73.xml><?xml version="1.0" encoding="utf-8"?>
+<p:sld xmlns:a="http://schemas.openxmlformats.org/drawingml/2006/main" xmlns:r="http://schemas.openxmlformats.org/officeDocument/2006/relationships" xmlns:p="http://schemas.openxmlformats.org/presentationml/2006/main">
+  <p:cSld>
+    <p:bg>
+      <p:bgPr>
+        <a:solidFill>
+          <a:schemeClr val="bg1"/>
+        </a:solidFill>
+        <a:effectLst/>
+      </p:bgPr>
+    </p:bg>
+    <p:spTree>
+      <p:nvGrpSpPr>
+        <p:cNvPr id="1" name=""/>
+        <p:cNvGrpSpPr/>
+        <p:nvPr/>
+      </p:nvGrpSpPr>
+      <p:grpSpPr>
+        <a:xfrm>
+          <a:off x="0" y="0"/>
+          <a:ext cx="0" cy="0"/>
+          <a:chOff x="0" y="0"/>
+          <a:chExt cx="0" cy="0"/>
+        </a:xfrm>
+      </p:grpSpPr>
+      <p:sp>
+        <p:nvSpPr>
+          <p:cNvPr id="19" name="Rectangle 18">
+            <a:extLst>
+              <a:ext uri="{FF2B5EF4-FFF2-40B4-BE49-F238E27FC236}">
+                <a16:creationId xmlns:a16="http://schemas.microsoft.com/office/drawing/2014/main" id="{9A3D0CE2-91FF-49B3-A5D8-181E900D7501}"/>
+              </a:ext>
+              <a:ext uri="{C183D7F6-B498-43B3-948B-1728B52AA6E4}">
+                <adec:decorative xmlns:adec="http://schemas.microsoft.com/office/drawing/2017/decorative" val="1"/>
+              </a:ext>
+            </a:extLst>
+          </p:cNvPr>
+          <p:cNvSpPr>
+            <a:spLocks noGrp="1" noRot="1" noChangeAspect="1" noMove="1" noResize="1" noEditPoints="1" noAdjustHandles="1" noChangeArrowheads="1" noChangeShapeType="1" noTextEdit="1"/>
+          </p:cNvSpPr>
+          <p:nvPr>
+            <p:extLst>
+              <p:ext uri="{386F3935-93C4-4BCD-93E2-E3B085C9AB24}">
+                <p16:designElem xmlns:p16="http://schemas.microsoft.com/office/powerpoint/2015/main" val="1"/>
+              </p:ext>
+            </p:extLst>
+          </p:nvPr>
+        </p:nvSpPr>
+        <p:spPr>
+          <a:xfrm>
+            <a:off x="920834" y="1346946"/>
+            <a:ext cx="10222992" cy="80683"/>
+          </a:xfrm>
+          <a:prstGeom prst="rect">
+            <a:avLst/>
+          </a:prstGeom>
+          <a:blipFill dpi="0" rotWithShape="1">
+            <a:blip r:embed="rId2">
+              <a:alphaModFix amt="85000"/>
+              <a:lum bright="70000" contrast="-70000"/>
+              <a:extLst>
+                <a:ext uri="{BEBA8EAE-BF5A-486C-A8C5-ECC9F3942E4B}">
+                  <a14:imgProps xmlns:a14="http://schemas.microsoft.com/office/drawing/2010/main">
+                    <a14:imgLayer r:embed="rId3">
+                      <a14:imgEffect>
+                        <a14:sharpenSoften amount="61000"/>
+                      </a14:imgEffect>
+                    </a14:imgLayer>
+                  </a14:imgProps>
+                </a:ext>
+                <a:ext uri="{28A0092B-C50C-407E-A947-70E740481C1C}">
+                  <a14:useLocalDpi xmlns:a14="http://schemas.microsoft.com/office/drawing/2010/main" val="0"/>
+                </a:ext>
+              </a:extLst>
+            </a:blip>
+            <a:srcRect/>
+            <a:tile tx="0" ty="-762000" sx="92000" sy="89000" flip="xy" algn="ctr"/>
+          </a:blipFill>
+          <a:ln>
+            <a:noFill/>
+          </a:ln>
+        </p:spPr>
+        <p:style>
+          <a:lnRef idx="2">
+            <a:schemeClr val="accent1">
+              <a:shade val="50000"/>
+            </a:schemeClr>
+          </a:lnRef>
+          <a:fillRef idx="1">
+            <a:schemeClr val="accent1"/>
+          </a:fillRef>
+          <a:effectRef idx="0">
+            <a:schemeClr val="accent1"/>
+          </a:effectRef>
+          <a:fontRef idx="minor">
+            <a:schemeClr val="lt1"/>
+          </a:fontRef>
+        </p:style>
+        <p:txBody>
+          <a:bodyPr/>
+          <a:lstStyle/>
+          <a:p>
+            <a:endParaRPr lang="de-DE"/>
+          </a:p>
+        </p:txBody>
+      </p:sp>
+      <p:sp>
+        <p:nvSpPr>
+          <p:cNvPr id="21" name="Rectangle 20">
+            <a:extLst>
+              <a:ext uri="{FF2B5EF4-FFF2-40B4-BE49-F238E27FC236}">
+                <a16:creationId xmlns:a16="http://schemas.microsoft.com/office/drawing/2014/main" id="{58AEBD96-C315-4F53-9D9E-0E20E993EBFA}"/>
+              </a:ext>
+              <a:ext uri="{C183D7F6-B498-43B3-948B-1728B52AA6E4}">
+                <adec:decorative xmlns:adec="http://schemas.microsoft.com/office/drawing/2017/decorative" val="1"/>
+              </a:ext>
+            </a:extLst>
+          </p:cNvPr>
+          <p:cNvSpPr>
+            <a:spLocks noGrp="1" noRot="1" noChangeAspect="1" noMove="1" noResize="1" noEditPoints="1" noAdjustHandles="1" noChangeArrowheads="1" noChangeShapeType="1" noTextEdit="1"/>
+          </p:cNvSpPr>
+          <p:nvPr>
+            <p:extLst>
+              <p:ext uri="{386F3935-93C4-4BCD-93E2-E3B085C9AB24}">
+                <p16:designElem xmlns:p16="http://schemas.microsoft.com/office/powerpoint/2015/main" val="1"/>
+              </p:ext>
+            </p:extLst>
+          </p:nvPr>
+        </p:nvSpPr>
+        <p:spPr>
+          <a:xfrm>
+            <a:off x="920834" y="4299696"/>
+            <a:ext cx="10222992" cy="80683"/>
+          </a:xfrm>
+          <a:prstGeom prst="rect">
+            <a:avLst/>
+          </a:prstGeom>
+          <a:blipFill dpi="0" rotWithShape="1">
+            <a:blip r:embed="rId2">
+              <a:alphaModFix amt="85000"/>
+              <a:lum bright="70000" contrast="-70000"/>
+              <a:extLst>
+                <a:ext uri="{BEBA8EAE-BF5A-486C-A8C5-ECC9F3942E4B}">
+                  <a14:imgProps xmlns:a14="http://schemas.microsoft.com/office/drawing/2010/main">
+                    <a14:imgLayer r:embed="rId3">
+                      <a14:imgEffect>
+                        <a14:sharpenSoften amount="61000"/>
+                      </a14:imgEffect>
+                    </a14:imgLayer>
+                  </a14:imgProps>
+                </a:ext>
+                <a:ext uri="{28A0092B-C50C-407E-A947-70E740481C1C}">
+                  <a14:useLocalDpi xmlns:a14="http://schemas.microsoft.com/office/drawing/2010/main" val="0"/>
+                </a:ext>
+              </a:extLst>
+            </a:blip>
+            <a:srcRect/>
+            <a:tile tx="0" ty="-717550" sx="92000" sy="89000" flip="xy" algn="ctr"/>
+          </a:blipFill>
+          <a:ln>
+            <a:noFill/>
+          </a:ln>
+        </p:spPr>
+        <p:style>
+          <a:lnRef idx="2">
+            <a:schemeClr val="accent1">
+              <a:shade val="50000"/>
+            </a:schemeClr>
+          </a:lnRef>
+          <a:fillRef idx="1">
+            <a:schemeClr val="accent1"/>
+          </a:fillRef>
+          <a:effectRef idx="0">
+            <a:schemeClr val="accent1"/>
+          </a:effectRef>
+          <a:fontRef idx="minor">
+            <a:schemeClr val="lt1"/>
+          </a:fontRef>
+        </p:style>
+        <p:txBody>
+          <a:bodyPr/>
+          <a:lstStyle/>
+          <a:p>
+            <a:endParaRPr lang="de-DE"/>
+          </a:p>
+        </p:txBody>
+      </p:sp>
+      <p:sp>
+        <p:nvSpPr>
+          <p:cNvPr id="23" name="Rectangle 22">
+            <a:extLst>
+              <a:ext uri="{FF2B5EF4-FFF2-40B4-BE49-F238E27FC236}">
+                <a16:creationId xmlns:a16="http://schemas.microsoft.com/office/drawing/2014/main" id="{78916AAA-66F6-4DFA-88ED-7E27CF6B8DAD}"/>
+              </a:ext>
+              <a:ext uri="{C183D7F6-B498-43B3-948B-1728B52AA6E4}">
+                <adec:decorative xmlns:adec="http://schemas.microsoft.com/office/drawing/2017/decorative" val="1"/>
+              </a:ext>
+            </a:extLst>
+          </p:cNvPr>
+          <p:cNvSpPr>
+            <a:spLocks noGrp="1" noRot="1" noChangeAspect="1" noMove="1" noResize="1" noEditPoints="1" noAdjustHandles="1" noChangeArrowheads="1" noChangeShapeType="1" noTextEdit="1"/>
+          </p:cNvSpPr>
+          <p:nvPr>
+            <p:extLst>
+              <p:ext uri="{386F3935-93C4-4BCD-93E2-E3B085C9AB24}">
+                <p16:designElem xmlns:p16="http://schemas.microsoft.com/office/powerpoint/2015/main" val="1"/>
+              </p:ext>
+            </p:extLst>
+          </p:nvPr>
+        </p:nvSpPr>
+        <p:spPr>
+          <a:xfrm>
+            <a:off x="920834" y="1484779"/>
+            <a:ext cx="10222992" cy="2743200"/>
+          </a:xfrm>
+          <a:prstGeom prst="rect">
+            <a:avLst/>
+          </a:prstGeom>
+          <a:blipFill dpi="0" rotWithShape="1">
+            <a:blip r:embed="rId2">
+              <a:alphaModFix amt="85000"/>
+              <a:lum bright="70000" contrast="-70000"/>
+              <a:extLst>
+                <a:ext uri="{BEBA8EAE-BF5A-486C-A8C5-ECC9F3942E4B}">
+                  <a14:imgProps xmlns:a14="http://schemas.microsoft.com/office/drawing/2010/main">
+                    <a14:imgLayer r:embed="rId3">
+                      <a14:imgEffect>
+                        <a14:sharpenSoften amount="61000"/>
+                      </a14:imgEffect>
+                    </a14:imgLayer>
+                  </a14:imgProps>
+                </a:ext>
+                <a:ext uri="{28A0092B-C50C-407E-A947-70E740481C1C}">
+                  <a14:useLocalDpi xmlns:a14="http://schemas.microsoft.com/office/drawing/2010/main" val="0"/>
+                </a:ext>
+              </a:extLst>
+            </a:blip>
+            <a:srcRect/>
+            <a:tile tx="0" ty="-704850" sx="92000" sy="89000" flip="xy" algn="ctr"/>
+          </a:blipFill>
+          <a:ln>
+            <a:noFill/>
+          </a:ln>
+        </p:spPr>
+        <p:style>
+          <a:lnRef idx="2">
+            <a:schemeClr val="accent1">
+              <a:shade val="50000"/>
+            </a:schemeClr>
+          </a:lnRef>
+          <a:fillRef idx="1">
+            <a:schemeClr val="accent1"/>
+          </a:fillRef>
+          <a:effectRef idx="0">
+            <a:schemeClr val="accent1"/>
+          </a:effectRef>
+          <a:fontRef idx="minor">
+            <a:schemeClr val="lt1"/>
+          </a:fontRef>
+        </p:style>
+        <p:txBody>
+          <a:bodyPr/>
+          <a:lstStyle/>
+          <a:p>
+            <a:endParaRPr lang="de-DE"/>
+          </a:p>
+        </p:txBody>
+      </p:sp>
+      <p:grpSp>
+        <p:nvGrpSpPr>
+          <p:cNvPr id="25" name="Group 24">
+            <a:extLst>
+              <a:ext uri="{FF2B5EF4-FFF2-40B4-BE49-F238E27FC236}">
+                <a16:creationId xmlns:a16="http://schemas.microsoft.com/office/drawing/2014/main" id="{A137D43F-BAD6-47F1-AA65-AEEA38A2FF30}"/>
+              </a:ext>
+              <a:ext uri="{C183D7F6-B498-43B3-948B-1728B52AA6E4}">
+                <adec:decorative xmlns:adec="http://schemas.microsoft.com/office/drawing/2017/decorative" val="1"/>
+              </a:ext>
+            </a:extLst>
+          </p:cNvPr>
+          <p:cNvGrpSpPr>
+            <a:grpSpLocks noGrp="1" noUngrp="1" noRot="1" noChangeAspect="1" noMove="1" noResize="1"/>
+          </p:cNvGrpSpPr>
+          <p:nvPr>
+            <p:extLst>
+              <p:ext uri="{386F3935-93C4-4BCD-93E2-E3B085C9AB24}">
+                <p16:designElem xmlns:p16="http://schemas.microsoft.com/office/powerpoint/2015/main" val="1"/>
+              </p:ext>
+            </p:extLst>
+          </p:nvPr>
+        </p:nvGrpSpPr>
+        <p:grpSpPr>
+          <a:xfrm>
+            <a:off x="9649215" y="4068923"/>
+            <a:ext cx="1080904" cy="1080902"/>
+            <a:chOff x="9685338" y="4460675"/>
+            <a:chExt cx="1080904" cy="1080902"/>
+          </a:xfrm>
+        </p:grpSpPr>
+        <p:sp>
+          <p:nvSpPr>
+            <p:cNvPr id="26" name="Oval 25">
+              <a:extLst>
+                <a:ext uri="{FF2B5EF4-FFF2-40B4-BE49-F238E27FC236}">
+                  <a16:creationId xmlns:a16="http://schemas.microsoft.com/office/drawing/2014/main" id="{D512C9B2-6B22-4211-A940-FCD7C2CD0BEA}"/>
+                </a:ext>
+                <a:ext uri="{C183D7F6-B498-43B3-948B-1728B52AA6E4}">
+                  <adec:decorative xmlns:adec="http://schemas.microsoft.com/office/drawing/2017/decorative" val="1"/>
+                </a:ext>
+              </a:extLst>
+            </p:cNvPr>
+            <p:cNvSpPr/>
+            <p:nvPr>
+              <p:extLst>
+                <p:ext uri="{386F3935-93C4-4BCD-93E2-E3B085C9AB24}">
+                  <p16:designElem xmlns:p16="http://schemas.microsoft.com/office/powerpoint/2015/main" val="1"/>
+                </p:ext>
+              </p:extLst>
+            </p:nvPr>
+          </p:nvSpPr>
+          <p:spPr>
+            <a:xfrm>
+              <a:off x="9685338" y="4460675"/>
+              <a:ext cx="1080904" cy="1080902"/>
+            </a:xfrm>
+            <a:prstGeom prst="ellipse">
+              <a:avLst/>
+            </a:prstGeom>
+            <a:blipFill dpi="0" rotWithShape="1">
+              <a:blip r:embed="rId4">
+                <a:duotone>
+                  <a:schemeClr val="accent1">
+                    <a:shade val="45000"/>
+                    <a:satMod val="135000"/>
+                  </a:schemeClr>
+                  <a:prstClr val="white"/>
+                </a:duotone>
+                <a:extLst>
+                  <a:ext uri="{BEBA8EAE-BF5A-486C-A8C5-ECC9F3942E4B}">
+                    <a14:imgProps xmlns:a14="http://schemas.microsoft.com/office/drawing/2010/main">
+                      <a14:imgLayer r:embed="rId5">
+                        <a14:imgEffect>
+                          <a14:saturation sat="95000"/>
+                        </a14:imgEffect>
+                      </a14:imgLayer>
+                    </a14:imgProps>
+                  </a:ext>
+                </a:extLst>
+              </a:blip>
+              <a:srcRect/>
+              <a:tile tx="0" ty="0" sx="85000" sy="85000" flip="none" algn="tl"/>
+            </a:blipFill>
+            <a:ln w="25400" cap="flat" cmpd="sng" algn="ctr">
+              <a:noFill/>
+              <a:prstDash val="solid"/>
+            </a:ln>
+            <a:effectLst/>
+          </p:spPr>
+          <p:txBody>
+            <a:bodyPr/>
+            <a:lstStyle/>
+            <a:p>
+              <a:endParaRPr lang="de-DE"/>
+            </a:p>
+          </p:txBody>
+        </p:sp>
+        <p:sp>
+          <p:nvSpPr>
+            <p:cNvPr id="27" name="Oval 26">
+              <a:extLst>
+                <a:ext uri="{FF2B5EF4-FFF2-40B4-BE49-F238E27FC236}">
+                  <a16:creationId xmlns:a16="http://schemas.microsoft.com/office/drawing/2014/main" id="{85F7DB84-CDE7-46F8-90DD-9D048A7D52D1}"/>
+                </a:ext>
+                <a:ext uri="{C183D7F6-B498-43B3-948B-1728B52AA6E4}">
+                  <adec:decorative xmlns:adec="http://schemas.microsoft.com/office/drawing/2017/decorative" val="1"/>
+                </a:ext>
+              </a:extLst>
+            </p:cNvPr>
+            <p:cNvSpPr/>
+            <p:nvPr>
+              <p:extLst>
+                <p:ext uri="{386F3935-93C4-4BCD-93E2-E3B085C9AB24}">
+                  <p16:designElem xmlns:p16="http://schemas.microsoft.com/office/powerpoint/2015/main" val="1"/>
+                </p:ext>
+              </p:extLst>
+            </p:nvPr>
+          </p:nvSpPr>
+          <p:spPr>
+            <a:xfrm>
+              <a:off x="9793429" y="4568765"/>
+              <a:ext cx="864723" cy="864722"/>
+            </a:xfrm>
+            <a:prstGeom prst="ellipse">
+              <a:avLst/>
+            </a:prstGeom>
+            <a:noFill/>
+            <a:ln w="25400" cap="flat" cmpd="sng" algn="ctr">
+              <a:solidFill>
+                <a:sysClr val="window" lastClr="FFFFFF"/>
+              </a:solidFill>
+              <a:prstDash val="solid"/>
+            </a:ln>
+            <a:effectLst/>
+          </p:spPr>
+          <p:txBody>
+            <a:bodyPr/>
+            <a:lstStyle/>
+            <a:p>
+              <a:endParaRPr lang="de-DE"/>
+            </a:p>
+          </p:txBody>
+        </p:sp>
+      </p:grpSp>
+      <p:sp useBgFill="1">
+        <p:nvSpPr>
+          <p:cNvPr id="29" name="Rectangle 28">
+            <a:extLst>
+              <a:ext uri="{FF2B5EF4-FFF2-40B4-BE49-F238E27FC236}">
+                <a16:creationId xmlns:a16="http://schemas.microsoft.com/office/drawing/2014/main" id="{E8035907-EB9C-4E11-8A9B-D25B0AD8D749}"/>
+              </a:ext>
+              <a:ext uri="{C183D7F6-B498-43B3-948B-1728B52AA6E4}">
+                <adec:decorative xmlns:adec="http://schemas.microsoft.com/office/drawing/2017/decorative" val="1"/>
+              </a:ext>
+            </a:extLst>
+          </p:cNvPr>
+          <p:cNvSpPr>
+            <a:spLocks noGrp="1" noRot="1" noChangeAspect="1" noMove="1" noResize="1" noEditPoints="1" noAdjustHandles="1" noChangeArrowheads="1" noChangeShapeType="1" noTextEdit="1"/>
+          </p:cNvSpPr>
+          <p:nvPr>
+            <p:extLst>
+              <p:ext uri="{386F3935-93C4-4BCD-93E2-E3B085C9AB24}">
+                <p16:designElem xmlns:p16="http://schemas.microsoft.com/office/powerpoint/2015/main" val="1"/>
+              </p:ext>
+            </p:extLst>
+          </p:nvPr>
+        </p:nvSpPr>
+        <p:spPr bwMode="white">
+          <a:xfrm>
+            <a:off x="3048" y="0"/>
+            <a:ext cx="12188952" cy="6858001"/>
+          </a:xfrm>
+          <a:prstGeom prst="rect">
+            <a:avLst/>
+          </a:prstGeom>
+          <a:ln>
+            <a:noFill/>
+          </a:ln>
+        </p:spPr>
+        <p:style>
+          <a:lnRef idx="2">
+            <a:schemeClr val="accent1">
+              <a:shade val="50000"/>
+            </a:schemeClr>
+          </a:lnRef>
+          <a:fillRef idx="1">
+            <a:schemeClr val="accent1"/>
+          </a:fillRef>
+          <a:effectRef idx="0">
+            <a:schemeClr val="accent1"/>
+          </a:effectRef>
+          <a:fontRef idx="minor">
+            <a:schemeClr val="lt1"/>
+          </a:fontRef>
+        </p:style>
+        <p:txBody>
+          <a:bodyPr rot="0" spcFirstLastPara="0" vert="horz" wrap="square" lIns="91440" tIns="45720" rIns="91440" bIns="45720" numCol="1" spcCol="0" rtlCol="0" fromWordArt="0" anchor="ctr" anchorCtr="0" forceAA="0" compatLnSpc="1">
+            <a:prstTxWarp prst="textNoShape">
+              <a:avLst/>
+            </a:prstTxWarp>
+            <a:noAutofit/>
+          </a:bodyPr>
+          <a:lstStyle>
+            <a:defPPr>
+              <a:defRPr lang="en-US"/>
+            </a:defPPr>
+            <a:lvl1pPr marL="0" algn="l" defTabSz="914400" rtl="0" eaLnBrk="1" latinLnBrk="0" hangingPunct="1">
+              <a:defRPr sz="1800" kern="1200">
+                <a:solidFill>
+                  <a:schemeClr val="lt1"/>
+                </a:solidFill>
+                <a:latin typeface="+mn-lt"/>
+                <a:ea typeface="+mn-ea"/>
+                <a:cs typeface="+mn-cs"/>
+              </a:defRPr>
+            </a:lvl1pPr>
+            <a:lvl2pPr marL="457200" algn="l" defTabSz="914400" rtl="0" eaLnBrk="1" latinLnBrk="0" hangingPunct="1">
+              <a:defRPr sz="1800" kern="1200">
+                <a:solidFill>
+                  <a:schemeClr val="lt1"/>
+                </a:solidFill>
+                <a:latin typeface="+mn-lt"/>
+                <a:ea typeface="+mn-ea"/>
+                <a:cs typeface="+mn-cs"/>
+              </a:defRPr>
+            </a:lvl2pPr>
+            <a:lvl3pPr marL="914400" algn="l" defTabSz="914400" rtl="0" eaLnBrk="1" latinLnBrk="0" hangingPunct="1">
+              <a:defRPr sz="1800" kern="1200">
+                <a:solidFill>
+                  <a:schemeClr val="lt1"/>
+                </a:solidFill>
+                <a:latin typeface="+mn-lt"/>
+                <a:ea typeface="+mn-ea"/>
+                <a:cs typeface="+mn-cs"/>
+              </a:defRPr>
+            </a:lvl3pPr>
+            <a:lvl4pPr marL="1371600" algn="l" defTabSz="914400" rtl="0" eaLnBrk="1" latinLnBrk="0" hangingPunct="1">
+              <a:defRPr sz="1800" kern="1200">
+                <a:solidFill>
+                  <a:schemeClr val="lt1"/>
+                </a:solidFill>
+                <a:latin typeface="+mn-lt"/>
+                <a:ea typeface="+mn-ea"/>
+                <a:cs typeface="+mn-cs"/>
+              </a:defRPr>
+            </a:lvl4pPr>
+            <a:lvl5pPr marL="1828800" algn="l" defTabSz="914400" rtl="0" eaLnBrk="1" latinLnBrk="0" hangingPunct="1">
+              <a:defRPr sz="1800" kern="1200">
+                <a:solidFill>
+                  <a:schemeClr val="lt1"/>
+                </a:solidFill>
+                <a:latin typeface="+mn-lt"/>
+                <a:ea typeface="+mn-ea"/>
+                <a:cs typeface="+mn-cs"/>
+              </a:defRPr>
+            </a:lvl5pPr>
+            <a:lvl6pPr marL="2286000" algn="l" defTabSz="914400" rtl="0" eaLnBrk="1" latinLnBrk="0" hangingPunct="1">
+              <a:defRPr sz="1800" kern="1200">
+                <a:solidFill>
+                  <a:schemeClr val="lt1"/>
+                </a:solidFill>
+                <a:latin typeface="+mn-lt"/>
+                <a:ea typeface="+mn-ea"/>
+                <a:cs typeface="+mn-cs"/>
+              </a:defRPr>
+            </a:lvl6pPr>
+            <a:lvl7pPr marL="2743200" algn="l" defTabSz="914400" rtl="0" eaLnBrk="1" latinLnBrk="0" hangingPunct="1">
+              <a:defRPr sz="1800" kern="1200">
+                <a:solidFill>
+                  <a:schemeClr val="lt1"/>
+                </a:solidFill>
+                <a:latin typeface="+mn-lt"/>
+                <a:ea typeface="+mn-ea"/>
+                <a:cs typeface="+mn-cs"/>
+              </a:defRPr>
+            </a:lvl7pPr>
+            <a:lvl8pPr marL="3200400" algn="l" defTabSz="914400" rtl="0" eaLnBrk="1" latinLnBrk="0" hangingPunct="1">
+              <a:defRPr sz="1800" kern="1200">
+                <a:solidFill>
+                  <a:schemeClr val="lt1"/>
+                </a:solidFill>
+                <a:latin typeface="+mn-lt"/>
+                <a:ea typeface="+mn-ea"/>
+                <a:cs typeface="+mn-cs"/>
+              </a:defRPr>
+            </a:lvl8pPr>
+            <a:lvl9pPr marL="3657600" algn="l" defTabSz="914400" rtl="0" eaLnBrk="1" latinLnBrk="0" hangingPunct="1">
+              <a:defRPr sz="1800" kern="1200">
+                <a:solidFill>
+                  <a:schemeClr val="lt1"/>
+                </a:solidFill>
+                <a:latin typeface="+mn-lt"/>
+                <a:ea typeface="+mn-ea"/>
+                <a:cs typeface="+mn-cs"/>
+              </a:defRPr>
+            </a:lvl9pPr>
+          </a:lstStyle>
+          <a:p>
+            <a:pPr algn="ctr"/>
+            <a:endParaRPr lang="en-US"/>
+          </a:p>
+        </p:txBody>
+      </p:sp>
+      <p:grpSp>
+        <p:nvGrpSpPr>
+          <p:cNvPr id="31" name="Group 30">
+            <a:extLst>
+              <a:ext uri="{FF2B5EF4-FFF2-40B4-BE49-F238E27FC236}">
+                <a16:creationId xmlns:a16="http://schemas.microsoft.com/office/drawing/2014/main" id="{B4CFDD4A-4FA1-4CD9-90D5-E253C2040BA3}"/>
+              </a:ext>
+              <a:ext uri="{C183D7F6-B498-43B3-948B-1728B52AA6E4}">
+                <adec:decorative xmlns:adec="http://schemas.microsoft.com/office/drawing/2017/decorative" val="1"/>
+              </a:ext>
+            </a:extLst>
+          </p:cNvPr>
+          <p:cNvGrpSpPr>
+            <a:grpSpLocks noGrp="1" noUngrp="1" noRot="1" noChangeAspect="1" noMove="1" noResize="1"/>
+          </p:cNvGrpSpPr>
+          <p:nvPr>
+            <p:extLst>
+              <p:ext uri="{386F3935-93C4-4BCD-93E2-E3B085C9AB24}">
+                <p16:designElem xmlns:p16="http://schemas.microsoft.com/office/powerpoint/2015/main" val="1"/>
+              </p:ext>
+            </p:extLst>
+          </p:nvPr>
+        </p:nvGrpSpPr>
+        <p:grpSpPr>
+          <a:xfrm>
+            <a:off x="1314818" y="720071"/>
+            <a:ext cx="5417868" cy="5417858"/>
+            <a:chOff x="1311770" y="720071"/>
+            <a:chExt cx="5417868" cy="5417858"/>
+          </a:xfrm>
+        </p:grpSpPr>
+        <p:sp>
+          <p:nvSpPr>
+            <p:cNvPr id="32" name="Oval 31">
+              <a:extLst>
+                <a:ext uri="{FF2B5EF4-FFF2-40B4-BE49-F238E27FC236}">
+                  <a16:creationId xmlns:a16="http://schemas.microsoft.com/office/drawing/2014/main" id="{4AB5B6FA-7B4F-437A-9C78-144C7DCD1EC6}"/>
+                </a:ext>
+                <a:ext uri="{C183D7F6-B498-43B3-948B-1728B52AA6E4}">
+                  <adec:decorative xmlns:adec="http://schemas.microsoft.com/office/drawing/2017/decorative" val="1"/>
+                </a:ext>
+              </a:extLst>
+            </p:cNvPr>
+            <p:cNvSpPr/>
+            <p:nvPr>
+              <p:extLst>
+                <p:ext uri="{386F3935-93C4-4BCD-93E2-E3B085C9AB24}">
+                  <p16:designElem xmlns:p16="http://schemas.microsoft.com/office/powerpoint/2015/main" val="1"/>
+                </p:ext>
+              </p:extLst>
+            </p:nvPr>
+          </p:nvSpPr>
+          <p:spPr>
+            <a:xfrm>
+              <a:off x="1311770" y="720071"/>
+              <a:ext cx="5417868" cy="5417858"/>
+            </a:xfrm>
+            <a:prstGeom prst="ellipse">
+              <a:avLst/>
+            </a:prstGeom>
+            <a:blipFill dpi="0" rotWithShape="1">
+              <a:blip r:embed="rId6">
+                <a:duotone>
+                  <a:schemeClr val="accent1">
+                    <a:shade val="45000"/>
+                    <a:satMod val="135000"/>
+                  </a:schemeClr>
+                  <a:prstClr val="white"/>
+                </a:duotone>
+                <a:extLst>
+                  <a:ext uri="{BEBA8EAE-BF5A-486C-A8C5-ECC9F3942E4B}">
+                    <a14:imgProps xmlns:a14="http://schemas.microsoft.com/office/drawing/2010/main">
+                      <a14:imgLayer r:embed="rId7">
+                        <a14:imgEffect>
+                          <a14:saturation sat="400000"/>
+                        </a14:imgEffect>
+                        <a14:imgEffect>
+                          <a14:brightnessContrast bright="-40000" contrast="40000"/>
+                        </a14:imgEffect>
+                      </a14:imgLayer>
+                    </a14:imgProps>
+                  </a:ext>
+                </a:extLst>
+              </a:blip>
+              <a:srcRect/>
+              <a:tile tx="0" ty="0" sx="85000" sy="85000" flip="none" algn="tl"/>
+            </a:blipFill>
+            <a:ln w="25400" cap="flat" cmpd="sng" algn="ctr">
+              <a:noFill/>
+              <a:prstDash val="solid"/>
+            </a:ln>
+            <a:effectLst/>
+          </p:spPr>
+          <p:txBody>
+            <a:bodyPr lIns="0" tIns="0" rIns="0" bIns="0" rtlCol="0" anchor="ctr"/>
+            <a:lstStyle/>
+            <a:p>
+              <a:pPr marL="0" marR="0" lvl="0" indent="0" algn="ctr" defTabSz="914400" eaLnBrk="1" fontAlgn="auto" latinLnBrk="0" hangingPunct="1">
+                <a:lnSpc>
+                  <a:spcPct val="100000"/>
+                </a:lnSpc>
+                <a:spcBef>
+                  <a:spcPts val="0"/>
+                </a:spcBef>
+                <a:spcAft>
+                  <a:spcPts val="0"/>
+                </a:spcAft>
+                <a:buClrTx/>
+                <a:buSzTx/>
+                <a:buFontTx/>
+                <a:buNone/>
+                <a:tabLst/>
+                <a:defRPr/>
+              </a:pPr>
+              <a:endParaRPr kumimoji="0" lang="en-US" sz="2000" b="0" i="0" u="none" strike="noStrike" kern="0" cap="none" spc="0" normalizeH="0" baseline="0" noProof="0" dirty="0">
+                <a:ln>
+                  <a:noFill/>
+                </a:ln>
+                <a:solidFill>
+                  <a:prstClr val="white"/>
+                </a:solidFill>
+                <a:effectLst/>
+                <a:uLnTx/>
+                <a:uFillTx/>
+                <a:latin typeface="Rockwell Extra Bold" pitchFamily="18" charset="0"/>
+                <a:ea typeface="+mn-ea"/>
+                <a:cs typeface="+mn-cs"/>
+              </a:endParaRPr>
+            </a:p>
+          </p:txBody>
+        </p:sp>
+        <p:sp>
+          <p:nvSpPr>
+            <p:cNvPr id="33" name="Oval 32">
+              <a:extLst>
+                <a:ext uri="{FF2B5EF4-FFF2-40B4-BE49-F238E27FC236}">
+                  <a16:creationId xmlns:a16="http://schemas.microsoft.com/office/drawing/2014/main" id="{A4199C21-6AE0-4F6F-AA96-6FFF97BB95EB}"/>
+                </a:ext>
+                <a:ext uri="{C183D7F6-B498-43B3-948B-1728B52AA6E4}">
+                  <adec:decorative xmlns:adec="http://schemas.microsoft.com/office/drawing/2017/decorative" val="1"/>
+                </a:ext>
+              </a:extLst>
+            </p:cNvPr>
+            <p:cNvSpPr/>
+            <p:nvPr>
+              <p:extLst>
+                <p:ext uri="{386F3935-93C4-4BCD-93E2-E3B085C9AB24}">
+                  <p16:designElem xmlns:p16="http://schemas.microsoft.com/office/powerpoint/2015/main" val="1"/>
+                </p:ext>
+              </p:extLst>
+            </p:nvPr>
+          </p:nvSpPr>
+          <p:spPr>
+            <a:xfrm>
+              <a:off x="1598390" y="1006688"/>
+              <a:ext cx="4844628" cy="4844620"/>
+            </a:xfrm>
+            <a:prstGeom prst="ellipse">
+              <a:avLst/>
+            </a:prstGeom>
+            <a:noFill/>
+            <a:ln w="25400" cap="flat" cmpd="sng" algn="ctr">
+              <a:solidFill>
+                <a:sysClr val="window" lastClr="FFFFFF"/>
+              </a:solidFill>
+              <a:prstDash val="solid"/>
+            </a:ln>
+            <a:effectLst/>
+          </p:spPr>
+          <p:txBody>
+            <a:bodyPr rtlCol="0" anchor="ctr"/>
+            <a:lstStyle/>
+            <a:p>
+              <a:pPr marL="0" marR="0" lvl="0" indent="0" algn="ctr" defTabSz="914400" eaLnBrk="1" fontAlgn="auto" latinLnBrk="0" hangingPunct="1">
+                <a:lnSpc>
+                  <a:spcPct val="100000"/>
+                </a:lnSpc>
+                <a:spcBef>
+                  <a:spcPts val="0"/>
+                </a:spcBef>
+                <a:spcAft>
+                  <a:spcPts val="0"/>
+                </a:spcAft>
+                <a:buClrTx/>
+                <a:buSzTx/>
+                <a:buFontTx/>
+                <a:buNone/>
+                <a:tabLst/>
+                <a:defRPr/>
+              </a:pPr>
+              <a:endParaRPr kumimoji="0" lang="en-US" sz="1800" b="0" i="0" u="none" strike="noStrike" kern="0" cap="none" spc="0" normalizeH="0" baseline="0" noProof="0" dirty="0">
+                <a:ln>
+                  <a:noFill/>
+                </a:ln>
+                <a:solidFill>
+                  <a:prstClr val="white"/>
+                </a:solidFill>
+                <a:effectLst/>
+                <a:uLnTx/>
+                <a:uFillTx/>
+                <a:latin typeface="Calibri"/>
+                <a:ea typeface="+mn-ea"/>
+                <a:cs typeface="+mn-cs"/>
+              </a:endParaRPr>
+            </a:p>
+          </p:txBody>
+        </p:sp>
+      </p:grpSp>
+      <p:sp>
+        <p:nvSpPr>
+          <p:cNvPr id="2" name="Title 1">
+            <a:extLst>
+              <a:ext uri="{FF2B5EF4-FFF2-40B4-BE49-F238E27FC236}">
+                <a16:creationId xmlns:a16="http://schemas.microsoft.com/office/drawing/2014/main" id="{8C86F699-5358-7797-070C-77E53687727B}"/>
+              </a:ext>
+            </a:extLst>
+          </p:cNvPr>
+          <p:cNvSpPr>
+            <a:spLocks noGrp="1"/>
+          </p:cNvSpPr>
+          <p:nvPr>
+            <p:ph type="title"/>
+          </p:nvPr>
+        </p:nvSpPr>
+        <p:spPr>
+          <a:xfrm>
+            <a:off x="1717507" y="1316890"/>
+            <a:ext cx="4606394" cy="4224216"/>
+          </a:xfrm>
+        </p:spPr>
+        <p:txBody>
+          <a:bodyPr vert="horz" lIns="91440" tIns="45720" rIns="91440" bIns="45720" rtlCol="0" anchor="ctr">
+            <a:normAutofit/>
+          </a:bodyPr>
+          <a:lstStyle/>
+          <a:p>
+            <a:pPr algn="ctr">
+              <a:lnSpc>
+                <a:spcPct val="80000"/>
+              </a:lnSpc>
+            </a:pPr>
+            <a:r>
+              <a:rPr lang="en-US" sz="6000">
+                <a:solidFill>
+                  <a:srgbClr val="FFFFFF"/>
+                </a:solidFill>
+              </a:rPr>
+              <a:t>Day 4</a:t>
+            </a:r>
+          </a:p>
+        </p:txBody>
+      </p:sp>
+      <p:sp>
+        <p:nvSpPr>
+          <p:cNvPr id="35" name="Rectangle 34">
+            <a:extLst>
+              <a:ext uri="{FF2B5EF4-FFF2-40B4-BE49-F238E27FC236}">
+                <a16:creationId xmlns:a16="http://schemas.microsoft.com/office/drawing/2014/main" id="{D9C69FA7-0958-4ED9-A0DF-E87A0C137BF5}"/>
+              </a:ext>
+              <a:ext uri="{C183D7F6-B498-43B3-948B-1728B52AA6E4}">
+                <adec:decorative xmlns:adec="http://schemas.microsoft.com/office/drawing/2017/decorative" val="1"/>
+              </a:ext>
+            </a:extLst>
+          </p:cNvPr>
+          <p:cNvSpPr>
+            <a:spLocks noGrp="1" noRot="1" noChangeAspect="1" noMove="1" noResize="1" noEditPoints="1" noAdjustHandles="1" noChangeArrowheads="1" noChangeShapeType="1" noTextEdit="1"/>
+          </p:cNvSpPr>
+          <p:nvPr>
+            <p:extLst>
+              <p:ext uri="{386F3935-93C4-4BCD-93E2-E3B085C9AB24}">
+                <p16:designElem xmlns:p16="http://schemas.microsoft.com/office/powerpoint/2015/main" val="1"/>
+              </p:ext>
+            </p:extLst>
+          </p:nvPr>
+        </p:nvSpPr>
+        <p:spPr>
+          <a:xfrm rot="5400000">
+            <a:off x="5545208" y="3388657"/>
+            <a:ext cx="3657600" cy="80683"/>
+          </a:xfrm>
+          <a:prstGeom prst="rect">
+            <a:avLst/>
+          </a:prstGeom>
+          <a:blipFill dpi="0" rotWithShape="1">
+            <a:blip r:embed="rId2">
+              <a:alphaModFix amt="85000"/>
+              <a:lum bright="70000" contrast="-70000"/>
+              <a:extLst>
+                <a:ext uri="{BEBA8EAE-BF5A-486C-A8C5-ECC9F3942E4B}">
+                  <a14:imgProps xmlns:a14="http://schemas.microsoft.com/office/drawing/2010/main">
+                    <a14:imgLayer r:embed="rId3">
+                      <a14:imgEffect>
+                        <a14:sharpenSoften amount="61000"/>
+                      </a14:imgEffect>
+                    </a14:imgLayer>
+                  </a14:imgProps>
+                </a:ext>
+                <a:ext uri="{28A0092B-C50C-407E-A947-70E740481C1C}">
+                  <a14:useLocalDpi xmlns:a14="http://schemas.microsoft.com/office/drawing/2010/main" val="0"/>
+                </a:ext>
+              </a:extLst>
+            </a:blip>
+            <a:srcRect/>
+            <a:tile tx="0" ty="-717550" sx="92000" sy="89000" flip="xy" algn="ctr"/>
+          </a:blipFill>
+          <a:ln>
+            <a:noFill/>
+          </a:ln>
+        </p:spPr>
+        <p:style>
+          <a:lnRef idx="2">
+            <a:schemeClr val="accent1">
+              <a:shade val="50000"/>
+            </a:schemeClr>
+          </a:lnRef>
+          <a:fillRef idx="1">
+            <a:schemeClr val="accent1"/>
+          </a:fillRef>
+          <a:effectRef idx="0">
+            <a:schemeClr val="accent1"/>
+          </a:effectRef>
+          <a:fontRef idx="minor">
+            <a:schemeClr val="lt1"/>
+          </a:fontRef>
+        </p:style>
+        <p:txBody>
+          <a:bodyPr/>
+          <a:lstStyle/>
+          <a:p>
+            <a:endParaRPr lang="de-DE"/>
+          </a:p>
+        </p:txBody>
+      </p:sp>
+    </p:spTree>
+    <p:extLst>
+      <p:ext uri="{BB962C8B-B14F-4D97-AF65-F5344CB8AC3E}">
+        <p14:creationId xmlns:p14="http://schemas.microsoft.com/office/powerpoint/2010/main" val="69040688"/>
+      </p:ext>
+    </p:extLst>
+  </p:cSld>
+  <p:clrMapOvr>
+    <a:masterClrMapping/>
+  </p:clrMapOvr>
+  <p:timing>
+    <p:tnLst>
+      <p:par>
+        <p:cTn id="1" dur="indefinite" restart="never" nodeType="tmRoot">
+          <p:childTnLst>
+            <p:seq concurrent="1" nextAc="seek">
+              <p:cTn id="2" dur="indefinite" nodeType="mainSeq">
+                <p:childTnLst>
+                  <p:par>
+                    <p:cTn id="3" fill="hold">
+                      <p:stCondLst>
+                        <p:cond delay="indefinite"/>
+                        <p:cond evt="onBegin" delay="0">
+                          <p:tn val="2"/>
+                        </p:cond>
+                      </p:stCondLst>
+                      <p:childTnLst>
+                        <p:par>
+                          <p:cTn id="4" fill="hold">
+                            <p:stCondLst>
+                              <p:cond delay="0"/>
+                            </p:stCondLst>
+                            <p:childTnLst>
+                              <p:par>
+                                <p:cTn id="5" presetID="10" presetClass="entr" presetSubtype="0" fill="hold" grpId="0" nodeType="withEffect">
+                                  <p:stCondLst>
+                                    <p:cond delay="500"/>
+                                  </p:stCondLst>
+                                  <p:iterate type="wd">
+                                    <p:tmPct val="15000"/>
+                                  </p:iterate>
+                                  <p:childTnLst>
+                                    <p:set>
+                                      <p:cBhvr>
+                                        <p:cTn id="6" dur="1" fill="hold">
+                                          <p:stCondLst>
+                                            <p:cond delay="0"/>
+                                          </p:stCondLst>
+                                        </p:cTn>
+                                        <p:tgtEl>
+                                          <p:spTgt spid="2"/>
+                                        </p:tgtEl>
+                                        <p:attrNameLst>
+                                          <p:attrName>style.visibility</p:attrName>
+                                        </p:attrNameLst>
+                                      </p:cBhvr>
+                                      <p:to>
+                                        <p:strVal val="visible"/>
+                                      </p:to>
+                                    </p:set>
+                                    <p:animEffect transition="in" filter="fade">
+                                      <p:cBhvr>
+                                        <p:cTn id="7" dur="1000"/>
+                                        <p:tgtEl>
+                                          <p:spTgt spid="2"/>
+                                        </p:tgtEl>
+                                      </p:cBhvr>
+                                    </p:animEffect>
+                                  </p:childTnLst>
+                                </p:cTn>
+                              </p:par>
+                            </p:childTnLst>
+                          </p:cTn>
+                        </p:par>
+                      </p:childTnLst>
+                    </p:cTn>
+                  </p:par>
+                </p:childTnLst>
+              </p:cTn>
+              <p:prevCondLst>
+                <p:cond evt="onPrev" delay="0">
+                  <p:tgtEl>
+                    <p:sldTgt/>
+                  </p:tgtEl>
+                </p:cond>
+              </p:prevCondLst>
+              <p:nextCondLst>
+                <p:cond evt="onNext" delay="0">
+                  <p:tgtEl>
+                    <p:sldTgt/>
+                  </p:tgtEl>
+                </p:cond>
+              </p:nextCondLst>
+            </p:seq>
+          </p:childTnLst>
+        </p:cTn>
+      </p:par>
+    </p:tnLst>
+    <p:bldLst>
+      <p:bldP spid="2" grpId="0"/>
+    </p:bldLst>
+  </p:timing>
+</p:sld>
+</file>
+
+<file path=ppt/slides/slide74.xml><?xml version="1.0" encoding="utf-8"?>
+<p:sld xmlns:a="http://schemas.openxmlformats.org/drawingml/2006/main" xmlns:r="http://schemas.openxmlformats.org/officeDocument/2006/relationships" xmlns:p="http://schemas.openxmlformats.org/presentationml/2006/main">
+  <p:cSld>
+    <p:spTree>
+      <p:nvGrpSpPr>
+        <p:cNvPr id="1" name=""/>
+        <p:cNvGrpSpPr/>
+        <p:nvPr/>
+      </p:nvGrpSpPr>
+      <p:grpSpPr>
+        <a:xfrm>
+          <a:off x="0" y="0"/>
+          <a:ext cx="0" cy="0"/>
+          <a:chOff x="0" y="0"/>
+          <a:chExt cx="0" cy="0"/>
+        </a:xfrm>
+      </p:grpSpPr>
+      <p:sp>
+        <p:nvSpPr>
+          <p:cNvPr id="2" name="Title 1">
+            <a:extLst>
+              <a:ext uri="{FF2B5EF4-FFF2-40B4-BE49-F238E27FC236}">
+                <a16:creationId xmlns:a16="http://schemas.microsoft.com/office/drawing/2014/main" id="{A0363103-4C52-C255-81CA-6737B4DBEC25}"/>
+              </a:ext>
+            </a:extLst>
+          </p:cNvPr>
+          <p:cNvSpPr>
+            <a:spLocks noGrp="1"/>
+          </p:cNvSpPr>
+          <p:nvPr>
+            <p:ph type="title"/>
+          </p:nvPr>
+        </p:nvSpPr>
+        <p:spPr/>
+        <p:txBody>
+          <a:bodyPr/>
+          <a:lstStyle/>
+          <a:p>
+            <a:r>
+              <a:rPr lang="en-DE" dirty="0"/>
+              <a:t>Further Topics</a:t>
+            </a:r>
+            <a:endParaRPr lang="de-DE" dirty="0"/>
+          </a:p>
+        </p:txBody>
+      </p:sp>
+      <p:sp>
+        <p:nvSpPr>
+          <p:cNvPr id="3" name="Content Placeholder 2">
+            <a:extLst>
+              <a:ext uri="{FF2B5EF4-FFF2-40B4-BE49-F238E27FC236}">
+                <a16:creationId xmlns:a16="http://schemas.microsoft.com/office/drawing/2014/main" id="{8E70215C-1FFE-308F-B6D7-1E91E7C452CC}"/>
+              </a:ext>
+            </a:extLst>
+          </p:cNvPr>
+          <p:cNvSpPr>
+            <a:spLocks noGrp="1"/>
+          </p:cNvSpPr>
+          <p:nvPr>
+            <p:ph idx="1"/>
+          </p:nvPr>
+        </p:nvSpPr>
+        <p:spPr/>
+        <p:txBody>
+          <a:bodyPr/>
+          <a:lstStyle/>
+          <a:p>
+            <a:r>
+              <a:rPr lang="en-DE" dirty="0"/>
+              <a:t>Inheritance</a:t>
+            </a:r>
+          </a:p>
+          <a:p>
+            <a:r>
+              <a:rPr lang="en-DE" dirty="0"/>
+              <a:t>Overloading Operators</a:t>
+            </a:r>
+          </a:p>
+          <a:p>
+            <a:r>
+              <a:rPr lang="en-DE" dirty="0"/>
+              <a:t>Assignment 6</a:t>
+            </a:r>
+          </a:p>
+          <a:p>
+            <a:r>
+              <a:rPr lang="en-DE" dirty="0"/>
+              <a:t>Test Yourself</a:t>
+            </a:r>
+          </a:p>
+        </p:txBody>
+      </p:sp>
+    </p:spTree>
+    <p:extLst>
+      <p:ext uri="{BB962C8B-B14F-4D97-AF65-F5344CB8AC3E}">
+        <p14:creationId xmlns:p14="http://schemas.microsoft.com/office/powerpoint/2010/main" val="2372405743"/>
+      </p:ext>
+    </p:extLst>
+  </p:cSld>
+  <p:clrMapOvr>
+    <a:masterClrMapping/>
+  </p:clrMapOvr>
+</p:sld>
+</file>
+
+<file path=ppt/slides/slide75.xml><?xml version="1.0" encoding="utf-8"?>
+<p:sld xmlns:a="http://schemas.openxmlformats.org/drawingml/2006/main" xmlns:r="http://schemas.openxmlformats.org/officeDocument/2006/relationships" xmlns:p="http://schemas.openxmlformats.org/presentationml/2006/main">
+  <p:cSld>
+    <p:spTree>
+      <p:nvGrpSpPr>
+        <p:cNvPr id="1" name=""/>
+        <p:cNvGrpSpPr/>
+        <p:nvPr/>
+      </p:nvGrpSpPr>
+      <p:grpSpPr>
+        <a:xfrm>
+          <a:off x="0" y="0"/>
+          <a:ext cx="0" cy="0"/>
+          <a:chOff x="0" y="0"/>
+          <a:chExt cx="0" cy="0"/>
+        </a:xfrm>
+      </p:grpSpPr>
+      <p:sp>
+        <p:nvSpPr>
+          <p:cNvPr id="2" name="Title 1">
+            <a:extLst>
+              <a:ext uri="{FF2B5EF4-FFF2-40B4-BE49-F238E27FC236}">
+                <a16:creationId xmlns:a16="http://schemas.microsoft.com/office/drawing/2014/main" id="{7990933B-A0F7-3C0F-1665-210F179ED097}"/>
+              </a:ext>
+            </a:extLst>
+          </p:cNvPr>
+          <p:cNvSpPr>
+            <a:spLocks noGrp="1"/>
+          </p:cNvSpPr>
+          <p:nvPr>
+            <p:ph type="title"/>
+          </p:nvPr>
+        </p:nvSpPr>
+        <p:spPr>
+          <a:xfrm>
+            <a:off x="1066800" y="31483"/>
+            <a:ext cx="10058400" cy="1609344"/>
+          </a:xfrm>
+        </p:spPr>
+        <p:txBody>
+          <a:bodyPr/>
+          <a:lstStyle/>
+          <a:p>
+            <a:pPr algn="ctr"/>
+            <a:r>
+              <a:rPr lang="en-DE" dirty="0"/>
+              <a:t>Dynamic Cast</a:t>
+            </a:r>
+            <a:endParaRPr lang="de-DE" dirty="0"/>
+          </a:p>
+        </p:txBody>
+      </p:sp>
+      <p:pic>
+        <p:nvPicPr>
+          <p:cNvPr id="5" name="Content Placeholder 4">
+            <a:extLst>
+              <a:ext uri="{FF2B5EF4-FFF2-40B4-BE49-F238E27FC236}">
+                <a16:creationId xmlns:a16="http://schemas.microsoft.com/office/drawing/2014/main" id="{EE7B4AFF-2D1F-2C04-A608-9BB25BC80FD0}"/>
+              </a:ext>
+            </a:extLst>
+          </p:cNvPr>
+          <p:cNvPicPr>
+            <a:picLocks noGrp="1" noChangeAspect="1"/>
+          </p:cNvPicPr>
+          <p:nvPr>
+            <p:ph idx="1"/>
+          </p:nvPr>
+        </p:nvPicPr>
+        <p:blipFill>
+          <a:blip r:embed="rId2"/>
+          <a:stretch>
+            <a:fillRect/>
+          </a:stretch>
+        </p:blipFill>
+        <p:spPr>
+          <a:xfrm>
+            <a:off x="1789305" y="1282700"/>
+            <a:ext cx="8613389" cy="5398823"/>
+          </a:xfrm>
+        </p:spPr>
+      </p:pic>
+    </p:spTree>
+    <p:extLst>
+      <p:ext uri="{BB962C8B-B14F-4D97-AF65-F5344CB8AC3E}">
+        <p14:creationId xmlns:p14="http://schemas.microsoft.com/office/powerpoint/2010/main" val="3719361982"/>
+      </p:ext>
+    </p:extLst>
+  </p:cSld>
+  <p:clrMapOvr>
+    <a:masterClrMapping/>
+  </p:clrMapOvr>
+</p:sld>
+</file>
+
+<file path=ppt/slides/slide76.xml><?xml version="1.0" encoding="utf-8"?>
+<p:sld xmlns:a="http://schemas.openxmlformats.org/drawingml/2006/main" xmlns:r="http://schemas.openxmlformats.org/officeDocument/2006/relationships" xmlns:p="http://schemas.openxmlformats.org/presentationml/2006/main">
+  <p:cSld>
+    <p:spTree>
+      <p:nvGrpSpPr>
+        <p:cNvPr id="1" name=""/>
+        <p:cNvGrpSpPr/>
+        <p:nvPr/>
+      </p:nvGrpSpPr>
+      <p:grpSpPr>
+        <a:xfrm>
+          <a:off x="0" y="0"/>
+          <a:ext cx="0" cy="0"/>
+          <a:chOff x="0" y="0"/>
+          <a:chExt cx="0" cy="0"/>
+        </a:xfrm>
+      </p:grpSpPr>
+      <p:sp>
+        <p:nvSpPr>
+          <p:cNvPr id="2" name="Title 1">
+            <a:extLst>
+              <a:ext uri="{FF2B5EF4-FFF2-40B4-BE49-F238E27FC236}">
+                <a16:creationId xmlns:a16="http://schemas.microsoft.com/office/drawing/2014/main" id="{0E8FFCEC-5C39-266F-7382-6E2D4FB8F799}"/>
+              </a:ext>
+            </a:extLst>
+          </p:cNvPr>
+          <p:cNvSpPr>
+            <a:spLocks noGrp="1"/>
+          </p:cNvSpPr>
+          <p:nvPr>
+            <p:ph type="title"/>
+          </p:nvPr>
+        </p:nvSpPr>
+        <p:spPr>
+          <a:xfrm>
+            <a:off x="1069848" y="484632"/>
+            <a:ext cx="10058400" cy="954701"/>
+          </a:xfrm>
+        </p:spPr>
+        <p:txBody>
+          <a:bodyPr/>
+          <a:lstStyle/>
+          <a:p>
+            <a:pPr algn="ctr"/>
+            <a:r>
+              <a:rPr lang="en-DE" dirty="0"/>
+              <a:t>Static cast</a:t>
+            </a:r>
+            <a:endParaRPr lang="de-DE" dirty="0"/>
+          </a:p>
+        </p:txBody>
+      </p:sp>
+      <p:sp>
+        <p:nvSpPr>
+          <p:cNvPr id="3" name="Content Placeholder 2">
+            <a:extLst>
+              <a:ext uri="{FF2B5EF4-FFF2-40B4-BE49-F238E27FC236}">
+                <a16:creationId xmlns:a16="http://schemas.microsoft.com/office/drawing/2014/main" id="{526D3482-41F2-6385-589B-C3E7BD0C81F7}"/>
+              </a:ext>
+            </a:extLst>
+          </p:cNvPr>
+          <p:cNvSpPr>
+            <a:spLocks noGrp="1"/>
+          </p:cNvSpPr>
+          <p:nvPr>
+            <p:ph idx="1"/>
+          </p:nvPr>
+        </p:nvSpPr>
+        <p:spPr/>
+        <p:txBody>
+          <a:bodyPr/>
+          <a:lstStyle/>
+          <a:p>
+            <a:endParaRPr lang="de-DE" dirty="0"/>
+          </a:p>
+        </p:txBody>
+      </p:sp>
+    </p:spTree>
+    <p:extLst>
+      <p:ext uri="{BB962C8B-B14F-4D97-AF65-F5344CB8AC3E}">
+        <p14:creationId xmlns:p14="http://schemas.microsoft.com/office/powerpoint/2010/main" val="2903112226"/>
+      </p:ext>
+    </p:extLst>
+  </p:cSld>
+  <p:clrMapOvr>
+    <a:masterClrMapping/>
+  </p:clrMapOvr>
+</p:sld>
+</file>
+
+<file path=ppt/slides/slide77.xml><?xml version="1.0" encoding="utf-8"?>
+<p:sld xmlns:a="http://schemas.openxmlformats.org/drawingml/2006/main" xmlns:r="http://schemas.openxmlformats.org/officeDocument/2006/relationships" xmlns:p="http://schemas.openxmlformats.org/presentationml/2006/main">
+  <p:cSld>
+    <p:spTree>
+      <p:nvGrpSpPr>
+        <p:cNvPr id="1" name=""/>
+        <p:cNvGrpSpPr/>
+        <p:nvPr/>
+      </p:nvGrpSpPr>
+      <p:grpSpPr>
+        <a:xfrm>
+          <a:off x="0" y="0"/>
+          <a:ext cx="0" cy="0"/>
+          <a:chOff x="0" y="0"/>
+          <a:chExt cx="0" cy="0"/>
+        </a:xfrm>
+      </p:grpSpPr>
+      <p:pic>
+        <p:nvPicPr>
+          <p:cNvPr id="5" name="Content Placeholder 4">
+            <a:extLst>
+              <a:ext uri="{FF2B5EF4-FFF2-40B4-BE49-F238E27FC236}">
+                <a16:creationId xmlns:a16="http://schemas.microsoft.com/office/drawing/2014/main" id="{DCFCB3C8-7A7A-804A-009F-0B9ADDD948F0}"/>
+              </a:ext>
+            </a:extLst>
+          </p:cNvPr>
+          <p:cNvPicPr>
+            <a:picLocks noGrp="1" noChangeAspect="1"/>
+          </p:cNvPicPr>
+          <p:nvPr>
+            <p:ph idx="1"/>
+          </p:nvPr>
+        </p:nvPicPr>
+        <p:blipFill>
+          <a:blip r:embed="rId2"/>
+          <a:stretch>
+            <a:fillRect/>
+          </a:stretch>
+        </p:blipFill>
+        <p:spPr>
+          <a:xfrm>
+            <a:off x="476745" y="324344"/>
+            <a:ext cx="11238510" cy="5619255"/>
+          </a:xfrm>
+        </p:spPr>
+      </p:pic>
+    </p:spTree>
+    <p:extLst>
+      <p:ext uri="{BB962C8B-B14F-4D97-AF65-F5344CB8AC3E}">
+        <p14:creationId xmlns:p14="http://schemas.microsoft.com/office/powerpoint/2010/main" val="3680811506"/>
+      </p:ext>
+    </p:extLst>
+  </p:cSld>
+  <p:clrMapOvr>
+    <a:masterClrMapping/>
+  </p:clrMapOvr>
+</p:sld>
+</file>
+
+<file path=ppt/slides/slide78.xml><?xml version="1.0" encoding="utf-8"?>
+<p:sld xmlns:a="http://schemas.openxmlformats.org/drawingml/2006/main" xmlns:r="http://schemas.openxmlformats.org/officeDocument/2006/relationships" xmlns:p="http://schemas.openxmlformats.org/presentationml/2006/main">
+  <p:cSld>
+    <p:spTree>
+      <p:nvGrpSpPr>
+        <p:cNvPr id="1" name=""/>
+        <p:cNvGrpSpPr/>
+        <p:nvPr/>
+      </p:nvGrpSpPr>
+      <p:grpSpPr>
+        <a:xfrm>
+          <a:off x="0" y="0"/>
+          <a:ext cx="0" cy="0"/>
+          <a:chOff x="0" y="0"/>
+          <a:chExt cx="0" cy="0"/>
+        </a:xfrm>
+      </p:grpSpPr>
+      <p:sp>
+        <p:nvSpPr>
+          <p:cNvPr id="2" name="Title 1">
+            <a:extLst>
+              <a:ext uri="{FF2B5EF4-FFF2-40B4-BE49-F238E27FC236}">
+                <a16:creationId xmlns:a16="http://schemas.microsoft.com/office/drawing/2014/main" id="{517DCA7E-5297-0B4F-8F6D-58CE396F5D3D}"/>
+              </a:ext>
+            </a:extLst>
+          </p:cNvPr>
+          <p:cNvSpPr>
+            <a:spLocks noGrp="1"/>
+          </p:cNvSpPr>
+          <p:nvPr>
+            <p:ph type="title"/>
+          </p:nvPr>
+        </p:nvSpPr>
+        <p:spPr/>
+        <p:txBody>
+          <a:bodyPr/>
+          <a:lstStyle/>
+          <a:p>
+            <a:r>
+              <a:rPr lang="en-DE" dirty="0"/>
+              <a:t>Object Slicing</a:t>
+            </a:r>
+            <a:endParaRPr lang="de-DE" dirty="0"/>
+          </a:p>
+        </p:txBody>
+      </p:sp>
+      <p:sp>
+        <p:nvSpPr>
+          <p:cNvPr id="3" name="Content Placeholder 2">
+            <a:extLst>
+              <a:ext uri="{FF2B5EF4-FFF2-40B4-BE49-F238E27FC236}">
+                <a16:creationId xmlns:a16="http://schemas.microsoft.com/office/drawing/2014/main" id="{CD073F02-0237-8C3C-8E78-88629D340AF6}"/>
+              </a:ext>
+            </a:extLst>
+          </p:cNvPr>
+          <p:cNvSpPr>
+            <a:spLocks noGrp="1"/>
+          </p:cNvSpPr>
+          <p:nvPr>
+            <p:ph idx="1"/>
+          </p:nvPr>
+        </p:nvSpPr>
+        <p:spPr/>
+        <p:txBody>
+          <a:bodyPr/>
+          <a:lstStyle/>
+          <a:p>
+            <a:endParaRPr lang="de-DE"/>
+          </a:p>
+        </p:txBody>
+      </p:sp>
+    </p:spTree>
+    <p:extLst>
+      <p:ext uri="{BB962C8B-B14F-4D97-AF65-F5344CB8AC3E}">
+        <p14:creationId xmlns:p14="http://schemas.microsoft.com/office/powerpoint/2010/main" val="3843405532"/>
+      </p:ext>
+    </p:extLst>
+  </p:cSld>
+  <p:clrMapOvr>
+    <a:masterClrMapping/>
+  </p:clrMapOvr>
+</p:sld>
+</file>
+
+<file path=ppt/slides/slide79.xml><?xml version="1.0" encoding="utf-8"?>
+<p:sld xmlns:a="http://schemas.openxmlformats.org/drawingml/2006/main" xmlns:r="http://schemas.openxmlformats.org/officeDocument/2006/relationships" xmlns:p="http://schemas.openxmlformats.org/presentationml/2006/main">
+  <p:cSld>
+    <p:spTree>
+      <p:nvGrpSpPr>
+        <p:cNvPr id="1" name=""/>
+        <p:cNvGrpSpPr/>
+        <p:nvPr/>
+      </p:nvGrpSpPr>
+      <p:grpSpPr>
+        <a:xfrm>
+          <a:off x="0" y="0"/>
+          <a:ext cx="0" cy="0"/>
+          <a:chOff x="0" y="0"/>
+          <a:chExt cx="0" cy="0"/>
+        </a:xfrm>
+      </p:grpSpPr>
+      <p:sp>
+        <p:nvSpPr>
+          <p:cNvPr id="2" name="Title 1">
+            <a:extLst>
+              <a:ext uri="{FF2B5EF4-FFF2-40B4-BE49-F238E27FC236}">
+                <a16:creationId xmlns:a16="http://schemas.microsoft.com/office/drawing/2014/main" id="{2F036595-1F68-7B97-FBE7-2F031505FA0D}"/>
+              </a:ext>
+            </a:extLst>
+          </p:cNvPr>
+          <p:cNvSpPr>
+            <a:spLocks noGrp="1"/>
+          </p:cNvSpPr>
+          <p:nvPr>
+            <p:ph type="title"/>
+          </p:nvPr>
+        </p:nvSpPr>
+        <p:spPr/>
+        <p:txBody>
+          <a:bodyPr/>
+          <a:lstStyle/>
+          <a:p>
+            <a:pPr algn="ctr"/>
+            <a:r>
+              <a:rPr lang="en-DE" dirty="0"/>
+              <a:t>Rule of 3</a:t>
+            </a:r>
+            <a:endParaRPr lang="de-DE" dirty="0"/>
+          </a:p>
+        </p:txBody>
+      </p:sp>
+      <p:pic>
+        <p:nvPicPr>
+          <p:cNvPr id="5" name="Content Placeholder 4">
+            <a:extLst>
+              <a:ext uri="{FF2B5EF4-FFF2-40B4-BE49-F238E27FC236}">
+                <a16:creationId xmlns:a16="http://schemas.microsoft.com/office/drawing/2014/main" id="{39FA2EA6-3328-0EE4-39D4-A8BA0B6F113C}"/>
+              </a:ext>
+            </a:extLst>
+          </p:cNvPr>
+          <p:cNvPicPr>
+            <a:picLocks noGrp="1" noChangeAspect="1"/>
+          </p:cNvPicPr>
+          <p:nvPr>
+            <p:ph idx="1"/>
+          </p:nvPr>
+        </p:nvPicPr>
+        <p:blipFill>
+          <a:blip r:embed="rId2"/>
+          <a:stretch>
+            <a:fillRect/>
+          </a:stretch>
+        </p:blipFill>
+        <p:spPr>
+          <a:xfrm>
+            <a:off x="1301934" y="2288710"/>
+            <a:ext cx="9588132" cy="3143049"/>
+          </a:xfrm>
+        </p:spPr>
+      </p:pic>
+    </p:spTree>
+    <p:extLst>
+      <p:ext uri="{BB962C8B-B14F-4D97-AF65-F5344CB8AC3E}">
+        <p14:creationId xmlns:p14="http://schemas.microsoft.com/office/powerpoint/2010/main" val="2369295152"/>
       </p:ext>
     </p:extLst>
   </p:cSld>
@@ -14545,6 +16023,456 @@
     <p:extLst>
       <p:ext uri="{BB962C8B-B14F-4D97-AF65-F5344CB8AC3E}">
         <p14:creationId xmlns:p14="http://schemas.microsoft.com/office/powerpoint/2010/main" val="1197272603"/>
+      </p:ext>
+    </p:extLst>
+  </p:cSld>
+  <p:clrMapOvr>
+    <a:masterClrMapping/>
+  </p:clrMapOvr>
+</p:sld>
+</file>
+
+<file path=ppt/slides/slide80.xml><?xml version="1.0" encoding="utf-8"?>
+<p:sld xmlns:a="http://schemas.openxmlformats.org/drawingml/2006/main" xmlns:r="http://schemas.openxmlformats.org/officeDocument/2006/relationships" xmlns:p="http://schemas.openxmlformats.org/presentationml/2006/main">
+  <p:cSld>
+    <p:spTree>
+      <p:nvGrpSpPr>
+        <p:cNvPr id="1" name=""/>
+        <p:cNvGrpSpPr/>
+        <p:nvPr/>
+      </p:nvGrpSpPr>
+      <p:grpSpPr>
+        <a:xfrm>
+          <a:off x="0" y="0"/>
+          <a:ext cx="0" cy="0"/>
+          <a:chOff x="0" y="0"/>
+          <a:chExt cx="0" cy="0"/>
+        </a:xfrm>
+      </p:grpSpPr>
+      <p:sp>
+        <p:nvSpPr>
+          <p:cNvPr id="2" name="Title 1">
+            <a:extLst>
+              <a:ext uri="{FF2B5EF4-FFF2-40B4-BE49-F238E27FC236}">
+                <a16:creationId xmlns:a16="http://schemas.microsoft.com/office/drawing/2014/main" id="{66A85103-886F-AF35-D6AD-AC134189028F}"/>
+              </a:ext>
+            </a:extLst>
+          </p:cNvPr>
+          <p:cNvSpPr>
+            <a:spLocks noGrp="1"/>
+          </p:cNvSpPr>
+          <p:nvPr>
+            <p:ph type="title"/>
+          </p:nvPr>
+        </p:nvSpPr>
+        <p:spPr/>
+        <p:txBody>
+          <a:bodyPr>
+            <a:normAutofit/>
+          </a:bodyPr>
+          <a:lstStyle/>
+          <a:p>
+            <a:pPr algn="ctr" fontAlgn="base"/>
+            <a:r>
+              <a:rPr lang="en-GB" dirty="0"/>
+              <a:t>Friend Class and Function in C++</a:t>
+            </a:r>
+            <a:endParaRPr lang="de-DE" dirty="0"/>
+          </a:p>
+        </p:txBody>
+      </p:sp>
+      <p:pic>
+        <p:nvPicPr>
+          <p:cNvPr id="1026" name="Picture 2">
+            <a:extLst>
+              <a:ext uri="{FF2B5EF4-FFF2-40B4-BE49-F238E27FC236}">
+                <a16:creationId xmlns:a16="http://schemas.microsoft.com/office/drawing/2014/main" id="{4E58E196-3AF8-3740-2F1D-AE74D86514CB}"/>
+              </a:ext>
+            </a:extLst>
+          </p:cNvPr>
+          <p:cNvPicPr>
+            <a:picLocks noChangeAspect="1" noChangeArrowheads="1"/>
+          </p:cNvPicPr>
+          <p:nvPr/>
+        </p:nvPicPr>
+        <p:blipFill>
+          <a:blip r:embed="rId2">
+            <a:extLst>
+              <a:ext uri="{28A0092B-C50C-407E-A947-70E740481C1C}">
+                <a14:useLocalDpi xmlns:a14="http://schemas.microsoft.com/office/drawing/2010/main" val="0"/>
+              </a:ext>
+            </a:extLst>
+          </a:blip>
+          <a:srcRect/>
+          <a:stretch>
+            <a:fillRect/>
+          </a:stretch>
+        </p:blipFill>
+        <p:spPr bwMode="auto">
+          <a:xfrm>
+            <a:off x="1060785" y="2093976"/>
+            <a:ext cx="10067463" cy="4225395"/>
+          </a:xfrm>
+          <a:prstGeom prst="rect">
+            <a:avLst/>
+          </a:prstGeom>
+          <a:noFill/>
+          <a:extLst>
+            <a:ext uri="{909E8E84-426E-40DD-AFC4-6F175D3DCCD1}">
+              <a14:hiddenFill xmlns:a14="http://schemas.microsoft.com/office/drawing/2010/main">
+                <a:solidFill>
+                  <a:srgbClr val="FFFFFF"/>
+                </a:solidFill>
+              </a14:hiddenFill>
+            </a:ext>
+          </a:extLst>
+        </p:spPr>
+      </p:pic>
+    </p:spTree>
+    <p:extLst>
+      <p:ext uri="{BB962C8B-B14F-4D97-AF65-F5344CB8AC3E}">
+        <p14:creationId xmlns:p14="http://schemas.microsoft.com/office/powerpoint/2010/main" val="3017284977"/>
+      </p:ext>
+    </p:extLst>
+  </p:cSld>
+  <p:clrMapOvr>
+    <a:masterClrMapping/>
+  </p:clrMapOvr>
+</p:sld>
+</file>
+
+<file path=ppt/slides/slide81.xml><?xml version="1.0" encoding="utf-8"?>
+<p:sld xmlns:a="http://schemas.openxmlformats.org/drawingml/2006/main" xmlns:r="http://schemas.openxmlformats.org/officeDocument/2006/relationships" xmlns:p="http://schemas.openxmlformats.org/presentationml/2006/main">
+  <p:cSld>
+    <p:spTree>
+      <p:nvGrpSpPr>
+        <p:cNvPr id="1" name=""/>
+        <p:cNvGrpSpPr/>
+        <p:nvPr/>
+      </p:nvGrpSpPr>
+      <p:grpSpPr>
+        <a:xfrm>
+          <a:off x="0" y="0"/>
+          <a:ext cx="0" cy="0"/>
+          <a:chOff x="0" y="0"/>
+          <a:chExt cx="0" cy="0"/>
+        </a:xfrm>
+      </p:grpSpPr>
+      <p:sp>
+        <p:nvSpPr>
+          <p:cNvPr id="2" name="Title 1">
+            <a:extLst>
+              <a:ext uri="{FF2B5EF4-FFF2-40B4-BE49-F238E27FC236}">
+                <a16:creationId xmlns:a16="http://schemas.microsoft.com/office/drawing/2014/main" id="{48360869-0148-0189-6627-83D7833CE705}"/>
+              </a:ext>
+            </a:extLst>
+          </p:cNvPr>
+          <p:cNvSpPr>
+            <a:spLocks noGrp="1"/>
+          </p:cNvSpPr>
+          <p:nvPr>
+            <p:ph type="title"/>
+          </p:nvPr>
+        </p:nvSpPr>
+        <p:spPr/>
+        <p:txBody>
+          <a:bodyPr/>
+          <a:lstStyle/>
+          <a:p>
+            <a:endParaRPr lang="de-DE"/>
+          </a:p>
+        </p:txBody>
+      </p:sp>
+      <p:sp>
+        <p:nvSpPr>
+          <p:cNvPr id="3" name="Content Placeholder 2">
+            <a:extLst>
+              <a:ext uri="{FF2B5EF4-FFF2-40B4-BE49-F238E27FC236}">
+                <a16:creationId xmlns:a16="http://schemas.microsoft.com/office/drawing/2014/main" id="{41A9A849-0794-FDF2-18F0-CAB9FB12C76C}"/>
+              </a:ext>
+            </a:extLst>
+          </p:cNvPr>
+          <p:cNvSpPr>
+            <a:spLocks noGrp="1"/>
+          </p:cNvSpPr>
+          <p:nvPr>
+            <p:ph idx="1"/>
+          </p:nvPr>
+        </p:nvSpPr>
+        <p:spPr/>
+        <p:txBody>
+          <a:bodyPr/>
+          <a:lstStyle/>
+          <a:p>
+            <a:endParaRPr lang="de-DE" dirty="0"/>
+          </a:p>
+        </p:txBody>
+      </p:sp>
+      <p:pic>
+        <p:nvPicPr>
+          <p:cNvPr id="2050" name="Picture 2" descr="Friend Function in C++ with Example">
+            <a:extLst>
+              <a:ext uri="{FF2B5EF4-FFF2-40B4-BE49-F238E27FC236}">
+                <a16:creationId xmlns:a16="http://schemas.microsoft.com/office/drawing/2014/main" id="{F3852C75-EC6C-F84F-C9E5-643BB92EA387}"/>
+              </a:ext>
+            </a:extLst>
+          </p:cNvPr>
+          <p:cNvPicPr>
+            <a:picLocks noChangeAspect="1" noChangeArrowheads="1"/>
+          </p:cNvPicPr>
+          <p:nvPr/>
+        </p:nvPicPr>
+        <p:blipFill>
+          <a:blip r:embed="rId2">
+            <a:extLst>
+              <a:ext uri="{28A0092B-C50C-407E-A947-70E740481C1C}">
+                <a14:useLocalDpi xmlns:a14="http://schemas.microsoft.com/office/drawing/2010/main" val="0"/>
+              </a:ext>
+            </a:extLst>
+          </a:blip>
+          <a:srcRect/>
+          <a:stretch>
+            <a:fillRect/>
+          </a:stretch>
+        </p:blipFill>
+        <p:spPr bwMode="auto">
+          <a:xfrm>
+            <a:off x="-1" y="113145"/>
+            <a:ext cx="12192001" cy="6059055"/>
+          </a:xfrm>
+          <a:prstGeom prst="rect">
+            <a:avLst/>
+          </a:prstGeom>
+          <a:noFill/>
+          <a:extLst>
+            <a:ext uri="{909E8E84-426E-40DD-AFC4-6F175D3DCCD1}">
+              <a14:hiddenFill xmlns:a14="http://schemas.microsoft.com/office/drawing/2010/main">
+                <a:solidFill>
+                  <a:srgbClr val="FFFFFF"/>
+                </a:solidFill>
+              </a14:hiddenFill>
+            </a:ext>
+          </a:extLst>
+        </p:spPr>
+      </p:pic>
+    </p:spTree>
+    <p:extLst>
+      <p:ext uri="{BB962C8B-B14F-4D97-AF65-F5344CB8AC3E}">
+        <p14:creationId xmlns:p14="http://schemas.microsoft.com/office/powerpoint/2010/main" val="2066320127"/>
+      </p:ext>
+    </p:extLst>
+  </p:cSld>
+  <p:clrMapOvr>
+    <a:masterClrMapping/>
+  </p:clrMapOvr>
+</p:sld>
+</file>
+
+<file path=ppt/slides/slide82.xml><?xml version="1.0" encoding="utf-8"?>
+<p:sld xmlns:a="http://schemas.openxmlformats.org/drawingml/2006/main" xmlns:r="http://schemas.openxmlformats.org/officeDocument/2006/relationships" xmlns:p="http://schemas.openxmlformats.org/presentationml/2006/main">
+  <p:cSld>
+    <p:spTree>
+      <p:nvGrpSpPr>
+        <p:cNvPr id="1" name=""/>
+        <p:cNvGrpSpPr/>
+        <p:nvPr/>
+      </p:nvGrpSpPr>
+      <p:grpSpPr>
+        <a:xfrm>
+          <a:off x="0" y="0"/>
+          <a:ext cx="0" cy="0"/>
+          <a:chOff x="0" y="0"/>
+          <a:chExt cx="0" cy="0"/>
+        </a:xfrm>
+      </p:grpSpPr>
+      <p:sp>
+        <p:nvSpPr>
+          <p:cNvPr id="2" name="Title 1">
+            <a:extLst>
+              <a:ext uri="{FF2B5EF4-FFF2-40B4-BE49-F238E27FC236}">
+                <a16:creationId xmlns:a16="http://schemas.microsoft.com/office/drawing/2014/main" id="{A289B284-D687-7E54-3C44-1BD7B6C17CF5}"/>
+              </a:ext>
+            </a:extLst>
+          </p:cNvPr>
+          <p:cNvSpPr>
+            <a:spLocks noGrp="1"/>
+          </p:cNvSpPr>
+          <p:nvPr>
+            <p:ph type="title"/>
+          </p:nvPr>
+        </p:nvSpPr>
+        <p:spPr>
+          <a:xfrm>
+            <a:off x="1007533" y="2213864"/>
+            <a:ext cx="10058400" cy="2430272"/>
+          </a:xfrm>
+        </p:spPr>
+        <p:txBody>
+          <a:bodyPr>
+            <a:normAutofit/>
+          </a:bodyPr>
+          <a:lstStyle/>
+          <a:p>
+            <a:pPr algn="ctr"/>
+            <a:r>
+              <a:rPr lang="en-DE" dirty="0"/>
+              <a:t>IDE  (Rule of 3) + Vectors</a:t>
+            </a:r>
+            <a:br>
+              <a:rPr lang="en-DE" dirty="0"/>
+            </a:br>
+            <a:endParaRPr lang="en-DE" dirty="0"/>
+          </a:p>
+        </p:txBody>
+      </p:sp>
+    </p:spTree>
+    <p:extLst>
+      <p:ext uri="{BB962C8B-B14F-4D97-AF65-F5344CB8AC3E}">
+        <p14:creationId xmlns:p14="http://schemas.microsoft.com/office/powerpoint/2010/main" val="2443976679"/>
+      </p:ext>
+    </p:extLst>
+  </p:cSld>
+  <p:clrMapOvr>
+    <a:masterClrMapping/>
+  </p:clrMapOvr>
+</p:sld>
+</file>
+
+<file path=ppt/slides/slide83.xml><?xml version="1.0" encoding="utf-8"?>
+<p:sld xmlns:a="http://schemas.openxmlformats.org/drawingml/2006/main" xmlns:r="http://schemas.openxmlformats.org/officeDocument/2006/relationships" xmlns:p="http://schemas.openxmlformats.org/presentationml/2006/main">
+  <p:cSld>
+    <p:spTree>
+      <p:nvGrpSpPr>
+        <p:cNvPr id="1" name=""/>
+        <p:cNvGrpSpPr/>
+        <p:nvPr/>
+      </p:nvGrpSpPr>
+      <p:grpSpPr>
+        <a:xfrm>
+          <a:off x="0" y="0"/>
+          <a:ext cx="0" cy="0"/>
+          <a:chOff x="0" y="0"/>
+          <a:chExt cx="0" cy="0"/>
+        </a:xfrm>
+      </p:grpSpPr>
+      <p:sp>
+        <p:nvSpPr>
+          <p:cNvPr id="2" name="Title 1">
+            <a:extLst>
+              <a:ext uri="{FF2B5EF4-FFF2-40B4-BE49-F238E27FC236}">
+                <a16:creationId xmlns:a16="http://schemas.microsoft.com/office/drawing/2014/main" id="{E37562E7-EDB1-184E-8C39-824F0AE8EA89}"/>
+              </a:ext>
+            </a:extLst>
+          </p:cNvPr>
+          <p:cNvSpPr>
+            <a:spLocks noGrp="1"/>
+          </p:cNvSpPr>
+          <p:nvPr>
+            <p:ph type="title"/>
+          </p:nvPr>
+        </p:nvSpPr>
+        <p:spPr>
+          <a:xfrm>
+            <a:off x="1066800" y="2624328"/>
+            <a:ext cx="10058400" cy="1609344"/>
+          </a:xfrm>
+        </p:spPr>
+        <p:txBody>
+          <a:bodyPr/>
+          <a:lstStyle/>
+          <a:p>
+            <a:pPr algn="ctr"/>
+            <a:r>
+              <a:rPr lang="en-DE" dirty="0"/>
+              <a:t>Assignment 6</a:t>
+            </a:r>
+          </a:p>
+        </p:txBody>
+      </p:sp>
+    </p:spTree>
+    <p:extLst>
+      <p:ext uri="{BB962C8B-B14F-4D97-AF65-F5344CB8AC3E}">
+        <p14:creationId xmlns:p14="http://schemas.microsoft.com/office/powerpoint/2010/main" val="1383194841"/>
+      </p:ext>
+    </p:extLst>
+  </p:cSld>
+  <p:clrMapOvr>
+    <a:masterClrMapping/>
+  </p:clrMapOvr>
+</p:sld>
+</file>
+
+<file path=ppt/slides/slide84.xml><?xml version="1.0" encoding="utf-8"?>
+<p:sld xmlns:a="http://schemas.openxmlformats.org/drawingml/2006/main" xmlns:r="http://schemas.openxmlformats.org/officeDocument/2006/relationships" xmlns:p="http://schemas.openxmlformats.org/presentationml/2006/main">
+  <p:cSld>
+    <p:spTree>
+      <p:nvGrpSpPr>
+        <p:cNvPr id="1" name=""/>
+        <p:cNvGrpSpPr/>
+        <p:nvPr/>
+      </p:nvGrpSpPr>
+      <p:grpSpPr>
+        <a:xfrm>
+          <a:off x="0" y="0"/>
+          <a:ext cx="0" cy="0"/>
+          <a:chOff x="0" y="0"/>
+          <a:chExt cx="0" cy="0"/>
+        </a:xfrm>
+      </p:grpSpPr>
+      <p:sp>
+        <p:nvSpPr>
+          <p:cNvPr id="2" name="Title 1">
+            <a:extLst>
+              <a:ext uri="{FF2B5EF4-FFF2-40B4-BE49-F238E27FC236}">
+                <a16:creationId xmlns:a16="http://schemas.microsoft.com/office/drawing/2014/main" id="{E0CE3FC2-117E-3F75-4F0E-B96352CC8EEE}"/>
+              </a:ext>
+            </a:extLst>
+          </p:cNvPr>
+          <p:cNvSpPr>
+            <a:spLocks noGrp="1"/>
+          </p:cNvSpPr>
+          <p:nvPr>
+            <p:ph type="title"/>
+          </p:nvPr>
+        </p:nvSpPr>
+        <p:spPr/>
+        <p:txBody>
+          <a:bodyPr/>
+          <a:lstStyle/>
+          <a:p>
+            <a:endParaRPr lang="de-DE" dirty="0"/>
+          </a:p>
+        </p:txBody>
+      </p:sp>
+      <p:sp>
+        <p:nvSpPr>
+          <p:cNvPr id="3" name="Content Placeholder 2">
+            <a:extLst>
+              <a:ext uri="{FF2B5EF4-FFF2-40B4-BE49-F238E27FC236}">
+                <a16:creationId xmlns:a16="http://schemas.microsoft.com/office/drawing/2014/main" id="{0FDF22DE-11C0-9157-482C-4C1468D01FA0}"/>
+              </a:ext>
+            </a:extLst>
+          </p:cNvPr>
+          <p:cNvSpPr>
+            <a:spLocks noGrp="1"/>
+          </p:cNvSpPr>
+          <p:nvPr>
+            <p:ph idx="1"/>
+          </p:nvPr>
+        </p:nvSpPr>
+        <p:spPr/>
+        <p:txBody>
+          <a:bodyPr/>
+          <a:lstStyle/>
+          <a:p>
+            <a:endParaRPr lang="de-DE"/>
+          </a:p>
+        </p:txBody>
+      </p:sp>
+    </p:spTree>
+    <p:extLst>
+      <p:ext uri="{BB962C8B-B14F-4D97-AF65-F5344CB8AC3E}">
+        <p14:creationId xmlns:p14="http://schemas.microsoft.com/office/powerpoint/2010/main" val="770348993"/>
       </p:ext>
     </p:extLst>
   </p:cSld>

--- a/C++/Tutoring/Lectures/Script.pptx
+++ b/C++/Tutoring/Lectures/Script.pptx
@@ -78,17 +78,20 @@
     <p:sldId id="331" r:id="rId72"/>
     <p:sldId id="332" r:id="rId73"/>
     <p:sldId id="343" r:id="rId74"/>
-    <p:sldId id="342" r:id="rId75"/>
-    <p:sldId id="337" r:id="rId76"/>
+    <p:sldId id="351" r:id="rId75"/>
+    <p:sldId id="342" r:id="rId76"/>
     <p:sldId id="338" r:id="rId77"/>
-    <p:sldId id="339" r:id="rId78"/>
-    <p:sldId id="340" r:id="rId79"/>
-    <p:sldId id="341" r:id="rId80"/>
-    <p:sldId id="346" r:id="rId81"/>
-    <p:sldId id="347" r:id="rId82"/>
-    <p:sldId id="345" r:id="rId83"/>
-    <p:sldId id="321" r:id="rId84"/>
-    <p:sldId id="344" r:id="rId85"/>
+    <p:sldId id="348" r:id="rId78"/>
+    <p:sldId id="337" r:id="rId79"/>
+    <p:sldId id="339" r:id="rId80"/>
+    <p:sldId id="350" r:id="rId81"/>
+    <p:sldId id="340" r:id="rId82"/>
+    <p:sldId id="341" r:id="rId83"/>
+    <p:sldId id="346" r:id="rId84"/>
+    <p:sldId id="347" r:id="rId85"/>
+    <p:sldId id="349" r:id="rId86"/>
+    <p:sldId id="345" r:id="rId87"/>
+    <p:sldId id="321" r:id="rId88"/>
   </p:sldIdLst>
   <p:sldSz cx="12192000" cy="6858000"/>
   <p:notesSz cx="6858000" cy="9144000"/>
@@ -15405,7 +15408,7 @@
           <p:cNvPr id="2" name="Title 1">
             <a:extLst>
               <a:ext uri="{FF2B5EF4-FFF2-40B4-BE49-F238E27FC236}">
-                <a16:creationId xmlns:a16="http://schemas.microsoft.com/office/drawing/2014/main" id="{A0363103-4C52-C255-81CA-6737B4DBEC25}"/>
+                <a16:creationId xmlns:a16="http://schemas.microsoft.com/office/drawing/2014/main" id="{3B635A88-DFA0-C907-C576-CAF324F15274}"/>
               </a:ext>
             </a:extLst>
           </p:cNvPr>
@@ -15416,69 +15419,29 @@
             <p:ph type="title"/>
           </p:nvPr>
         </p:nvSpPr>
-        <p:spPr/>
+        <p:spPr>
+          <a:xfrm>
+            <a:off x="1066800" y="2624328"/>
+            <a:ext cx="10058400" cy="1609344"/>
+          </a:xfrm>
+        </p:spPr>
         <p:txBody>
           <a:bodyPr/>
           <a:lstStyle/>
           <a:p>
+            <a:pPr algn="ctr"/>
             <a:r>
               <a:rPr lang="en-DE" dirty="0"/>
-              <a:t>Further Topics</a:t>
+              <a:t>Fast Quiz</a:t>
             </a:r>
             <a:endParaRPr lang="de-DE" dirty="0"/>
-          </a:p>
-        </p:txBody>
-      </p:sp>
-      <p:sp>
-        <p:nvSpPr>
-          <p:cNvPr id="3" name="Content Placeholder 2">
-            <a:extLst>
-              <a:ext uri="{FF2B5EF4-FFF2-40B4-BE49-F238E27FC236}">
-                <a16:creationId xmlns:a16="http://schemas.microsoft.com/office/drawing/2014/main" id="{8E70215C-1FFE-308F-B6D7-1E91E7C452CC}"/>
-              </a:ext>
-            </a:extLst>
-          </p:cNvPr>
-          <p:cNvSpPr>
-            <a:spLocks noGrp="1"/>
-          </p:cNvSpPr>
-          <p:nvPr>
-            <p:ph idx="1"/>
-          </p:nvPr>
-        </p:nvSpPr>
-        <p:spPr/>
-        <p:txBody>
-          <a:bodyPr/>
-          <a:lstStyle/>
-          <a:p>
-            <a:r>
-              <a:rPr lang="en-DE" dirty="0"/>
-              <a:t>Inheritance</a:t>
-            </a:r>
-          </a:p>
-          <a:p>
-            <a:r>
-              <a:rPr lang="en-DE" dirty="0"/>
-              <a:t>Overloading Operators</a:t>
-            </a:r>
-          </a:p>
-          <a:p>
-            <a:r>
-              <a:rPr lang="en-DE" dirty="0"/>
-              <a:t>Assignment 6</a:t>
-            </a:r>
-          </a:p>
-          <a:p>
-            <a:r>
-              <a:rPr lang="en-DE" dirty="0"/>
-              <a:t>Test Yourself</a:t>
-            </a:r>
           </a:p>
         </p:txBody>
       </p:sp>
     </p:spTree>
     <p:extLst>
       <p:ext uri="{BB962C8B-B14F-4D97-AF65-F5344CB8AC3E}">
-        <p14:creationId xmlns:p14="http://schemas.microsoft.com/office/powerpoint/2010/main" val="2372405743"/>
+        <p14:creationId xmlns:p14="http://schemas.microsoft.com/office/powerpoint/2010/main" val="2401606263"/>
       </p:ext>
     </p:extLst>
   </p:cSld>
@@ -15510,7 +15473,7 @@
           <p:cNvPr id="2" name="Title 1">
             <a:extLst>
               <a:ext uri="{FF2B5EF4-FFF2-40B4-BE49-F238E27FC236}">
-                <a16:creationId xmlns:a16="http://schemas.microsoft.com/office/drawing/2014/main" id="{7990933B-A0F7-3C0F-1665-210F179ED097}"/>
+                <a16:creationId xmlns:a16="http://schemas.microsoft.com/office/drawing/2014/main" id="{A0363103-4C52-C255-81CA-6737B4DBEC25}"/>
               </a:ext>
             </a:extLst>
           </p:cNvPr>
@@ -15521,58 +15484,87 @@
             <p:ph type="title"/>
           </p:nvPr>
         </p:nvSpPr>
-        <p:spPr>
-          <a:xfrm>
-            <a:off x="1066800" y="31483"/>
-            <a:ext cx="10058400" cy="1609344"/>
-          </a:xfrm>
-        </p:spPr>
+        <p:spPr/>
         <p:txBody>
           <a:bodyPr/>
           <a:lstStyle/>
           <a:p>
-            <a:pPr algn="ctr"/>
             <a:r>
               <a:rPr lang="en-DE" dirty="0"/>
-              <a:t>Dynamic Cast</a:t>
+              <a:t>Further Topics</a:t>
             </a:r>
             <a:endParaRPr lang="de-DE" dirty="0"/>
           </a:p>
         </p:txBody>
       </p:sp>
-      <p:pic>
-        <p:nvPicPr>
-          <p:cNvPr id="5" name="Content Placeholder 4">
+      <p:sp>
+        <p:nvSpPr>
+          <p:cNvPr id="3" name="Content Placeholder 2">
             <a:extLst>
               <a:ext uri="{FF2B5EF4-FFF2-40B4-BE49-F238E27FC236}">
-                <a16:creationId xmlns:a16="http://schemas.microsoft.com/office/drawing/2014/main" id="{EE7B4AFF-2D1F-2C04-A608-9BB25BC80FD0}"/>
+                <a16:creationId xmlns:a16="http://schemas.microsoft.com/office/drawing/2014/main" id="{8E70215C-1FFE-308F-B6D7-1E91E7C452CC}"/>
               </a:ext>
             </a:extLst>
           </p:cNvPr>
-          <p:cNvPicPr>
-            <a:picLocks noGrp="1" noChangeAspect="1"/>
-          </p:cNvPicPr>
+          <p:cNvSpPr>
+            <a:spLocks noGrp="1"/>
+          </p:cNvSpPr>
           <p:nvPr>
             <p:ph idx="1"/>
           </p:nvPr>
-        </p:nvPicPr>
-        <p:blipFill>
-          <a:blip r:embed="rId2"/>
-          <a:stretch>
-            <a:fillRect/>
-          </a:stretch>
-        </p:blipFill>
-        <p:spPr>
-          <a:xfrm>
-            <a:off x="1789305" y="1282700"/>
-            <a:ext cx="8613389" cy="5398823"/>
-          </a:xfrm>
-        </p:spPr>
-      </p:pic>
+        </p:nvSpPr>
+        <p:spPr/>
+        <p:txBody>
+          <a:bodyPr/>
+          <a:lstStyle/>
+          <a:p>
+            <a:r>
+              <a:rPr lang="en-DE" dirty="0"/>
+              <a:t>Inheritance</a:t>
+            </a:r>
+          </a:p>
+          <a:p>
+            <a:r>
+              <a:rPr lang="en-DE" dirty="0"/>
+              <a:t>Polymorphism </a:t>
+            </a:r>
+          </a:p>
+          <a:p>
+            <a:r>
+              <a:rPr lang="en-DE" dirty="0"/>
+              <a:t>Overloading Operators</a:t>
+            </a:r>
+          </a:p>
+          <a:p>
+            <a:r>
+              <a:rPr lang="en-DE" dirty="0"/>
+              <a:t>Summary – W</a:t>
+            </a:r>
+            <a:r>
+              <a:rPr lang="en-GB" dirty="0" err="1"/>
+              <a:t>i</a:t>
+            </a:r>
+            <a:r>
+              <a:rPr lang="en-DE" dirty="0" err="1"/>
+              <a:t>th</a:t>
+            </a:r>
+            <a:r>
+              <a:rPr lang="en-DE" dirty="0"/>
+              <a:t> Code</a:t>
+            </a:r>
+          </a:p>
+          <a:p>
+            <a:r>
+              <a:rPr lang="en-DE" dirty="0"/>
+              <a:t>Test Yourself</a:t>
+            </a:r>
+          </a:p>
+        </p:txBody>
+      </p:sp>
     </p:spTree>
     <p:extLst>
       <p:ext uri="{BB962C8B-B14F-4D97-AF65-F5344CB8AC3E}">
-        <p14:creationId xmlns:p14="http://schemas.microsoft.com/office/powerpoint/2010/main" val="3719361982"/>
+        <p14:creationId xmlns:p14="http://schemas.microsoft.com/office/powerpoint/2010/main" val="2372405743"/>
       </p:ext>
     </p:extLst>
   </p:cSld>
@@ -15585,6 +15577,14 @@
 <file path=ppt/slides/slide76.xml><?xml version="1.0" encoding="utf-8"?>
 <p:sld xmlns:a="http://schemas.openxmlformats.org/drawingml/2006/main" xmlns:r="http://schemas.openxmlformats.org/officeDocument/2006/relationships" xmlns:p="http://schemas.openxmlformats.org/presentationml/2006/main">
   <p:cSld>
+    <p:bg>
+      <p:bgPr>
+        <a:solidFill>
+          <a:schemeClr val="bg1"/>
+        </a:solidFill>
+        <a:effectLst/>
+      </p:bgPr>
+    </p:bg>
     <p:spTree>
       <p:nvGrpSpPr>
         <p:cNvPr id="1" name=""/>
@@ -15601,6 +15601,88 @@
       </p:grpSpPr>
       <p:sp>
         <p:nvSpPr>
+          <p:cNvPr id="10" name="Rectangle 9">
+            <a:extLst>
+              <a:ext uri="{FF2B5EF4-FFF2-40B4-BE49-F238E27FC236}">
+                <a16:creationId xmlns:a16="http://schemas.microsoft.com/office/drawing/2014/main" id="{F3AF35CD-DA30-4E34-B0F3-32C27766DA05}"/>
+              </a:ext>
+              <a:ext uri="{C183D7F6-B498-43B3-948B-1728B52AA6E4}">
+                <adec:decorative xmlns:adec="http://schemas.microsoft.com/office/drawing/2017/decorative" val="1"/>
+              </a:ext>
+            </a:extLst>
+          </p:cNvPr>
+          <p:cNvSpPr>
+            <a:spLocks noGrp="1" noRot="1" noChangeAspect="1" noMove="1" noResize="1" noEditPoints="1" noAdjustHandles="1" noChangeArrowheads="1" noChangeShapeType="1" noTextEdit="1"/>
+          </p:cNvSpPr>
+          <p:nvPr>
+            <p:extLst>
+              <p:ext uri="{386F3935-93C4-4BCD-93E2-E3B085C9AB24}">
+                <p16:designElem xmlns:p16="http://schemas.microsoft.com/office/powerpoint/2015/main" val="1"/>
+              </p:ext>
+            </p:extLst>
+          </p:nvPr>
+        </p:nvSpPr>
+        <p:spPr>
+          <a:xfrm>
+            <a:off x="7836310" y="0"/>
+            <a:ext cx="4355689" cy="6857999"/>
+          </a:xfrm>
+          <a:prstGeom prst="rect">
+            <a:avLst/>
+          </a:prstGeom>
+          <a:blipFill dpi="0" rotWithShape="1">
+            <a:blip r:embed="rId2">
+              <a:alphaModFix amt="60000"/>
+              <a:lum bright="70000" contrast="-70000"/>
+              <a:extLst>
+                <a:ext uri="{BEBA8EAE-BF5A-486C-A8C5-ECC9F3942E4B}">
+                  <a14:imgProps xmlns:a14="http://schemas.microsoft.com/office/drawing/2010/main">
+                    <a14:imgLayer r:embed="rId3">
+                      <a14:imgEffect>
+                        <a14:sharpenSoften amount="61000"/>
+                      </a14:imgEffect>
+                    </a14:imgLayer>
+                  </a14:imgProps>
+                </a:ext>
+                <a:ext uri="{28A0092B-C50C-407E-A947-70E740481C1C}">
+                  <a14:useLocalDpi xmlns:a14="http://schemas.microsoft.com/office/drawing/2010/main" val="0"/>
+                </a:ext>
+              </a:extLst>
+            </a:blip>
+            <a:srcRect/>
+            <a:tile tx="0" ty="-704850" sx="92000" sy="89000" flip="xy" algn="ctr"/>
+          </a:blipFill>
+          <a:ln>
+            <a:noFill/>
+          </a:ln>
+        </p:spPr>
+        <p:style>
+          <a:lnRef idx="2">
+            <a:schemeClr val="accent1">
+              <a:shade val="50000"/>
+            </a:schemeClr>
+          </a:lnRef>
+          <a:fillRef idx="1">
+            <a:schemeClr val="accent1"/>
+          </a:fillRef>
+          <a:effectRef idx="0">
+            <a:schemeClr val="accent1"/>
+          </a:effectRef>
+          <a:fontRef idx="minor">
+            <a:schemeClr val="lt1"/>
+          </a:fontRef>
+        </p:style>
+        <p:txBody>
+          <a:bodyPr rtlCol="0" anchor="ctr"/>
+          <a:lstStyle/>
+          <a:p>
+            <a:pPr algn="ctr"/>
+            <a:endParaRPr lang="en-US"/>
+          </a:p>
+        </p:txBody>
+      </p:sp>
+      <p:sp>
+        <p:nvSpPr>
           <p:cNvPr id="2" name="Title 1">
             <a:extLst>
               <a:ext uri="{FF2B5EF4-FFF2-40B4-BE49-F238E27FC236}">
@@ -15617,23 +15699,57 @@
         </p:nvSpPr>
         <p:spPr>
           <a:xfrm>
-            <a:off x="1069848" y="484632"/>
-            <a:ext cx="10058400" cy="954701"/>
+            <a:off x="8156350" y="484632"/>
+            <a:ext cx="3544035" cy="1609344"/>
           </a:xfrm>
+          <a:ln>
+            <a:noFill/>
+          </a:ln>
         </p:spPr>
         <p:txBody>
-          <a:bodyPr/>
+          <a:bodyPr>
+            <a:normAutofit/>
+          </a:bodyPr>
           <a:lstStyle/>
           <a:p>
-            <a:pPr algn="ctr"/>
-            <a:r>
-              <a:rPr lang="en-DE" dirty="0"/>
+            <a:r>
+              <a:rPr lang="en-DE" sz="3200"/>
               <a:t>Static cast</a:t>
             </a:r>
-            <a:endParaRPr lang="de-DE" dirty="0"/>
+            <a:endParaRPr lang="de-DE" sz="3200"/>
           </a:p>
         </p:txBody>
       </p:sp>
+      <p:pic>
+        <p:nvPicPr>
+          <p:cNvPr id="5" name="Picture 4">
+            <a:extLst>
+              <a:ext uri="{FF2B5EF4-FFF2-40B4-BE49-F238E27FC236}">
+                <a16:creationId xmlns:a16="http://schemas.microsoft.com/office/drawing/2014/main" id="{72E03262-09A3-BD41-F2D4-774DDCE618D4}"/>
+              </a:ext>
+            </a:extLst>
+          </p:cNvPr>
+          <p:cNvPicPr>
+            <a:picLocks noChangeAspect="1"/>
+          </p:cNvPicPr>
+          <p:nvPr/>
+        </p:nvPicPr>
+        <p:blipFill>
+          <a:blip r:embed="rId4"/>
+          <a:stretch>
+            <a:fillRect/>
+          </a:stretch>
+        </p:blipFill>
+        <p:spPr>
+          <a:xfrm>
+            <a:off x="245745" y="760503"/>
+            <a:ext cx="7418991" cy="5638432"/>
+          </a:xfrm>
+          <a:prstGeom prst="rect">
+            <a:avLst/>
+          </a:prstGeom>
+        </p:spPr>
+      </p:pic>
       <p:sp>
         <p:nvSpPr>
           <p:cNvPr id="3" name="Content Placeholder 2">
@@ -15650,15 +15766,232 @@
             <p:ph idx="1"/>
           </p:nvPr>
         </p:nvSpPr>
-        <p:spPr/>
+        <p:spPr>
+          <a:xfrm>
+            <a:off x="8156351" y="2121408"/>
+            <a:ext cx="3544034" cy="4050792"/>
+          </a:xfrm>
+        </p:spPr>
         <p:txBody>
-          <a:bodyPr/>
+          <a:bodyPr>
+            <a:normAutofit/>
+          </a:bodyPr>
           <a:lstStyle/>
           <a:p>
-            <a:endParaRPr lang="de-DE" dirty="0"/>
+            <a:r>
+              <a:rPr lang="en-GB" sz="1600" dirty="0"/>
+              <a:t>Compile-time cast</a:t>
+            </a:r>
+          </a:p>
+          <a:p>
+            <a:r>
+              <a:rPr lang="en-GB" sz="1600" dirty="0"/>
+              <a:t>Handles implicit conversions between types (e.g., int to float, pointer to void*)</a:t>
+            </a:r>
+          </a:p>
+          <a:p>
+            <a:r>
+              <a:rPr lang="en-GB" sz="1600" dirty="0"/>
+              <a:t>Calls explicit conversion functions when necessary</a:t>
+            </a:r>
+            <a:endParaRPr lang="de-DE" sz="1600" dirty="0"/>
           </a:p>
         </p:txBody>
       </p:sp>
+      <p:grpSp>
+        <p:nvGrpSpPr>
+          <p:cNvPr id="12" name="Group 11">
+            <a:extLst>
+              <a:ext uri="{FF2B5EF4-FFF2-40B4-BE49-F238E27FC236}">
+                <a16:creationId xmlns:a16="http://schemas.microsoft.com/office/drawing/2014/main" id="{BCFC42DC-2C46-47C4-BC61-530557385DBD}"/>
+              </a:ext>
+              <a:ext uri="{C183D7F6-B498-43B3-948B-1728B52AA6E4}">
+                <adec:decorative xmlns:adec="http://schemas.microsoft.com/office/drawing/2017/decorative" val="1"/>
+              </a:ext>
+            </a:extLst>
+          </p:cNvPr>
+          <p:cNvGrpSpPr>
+            <a:grpSpLocks noGrp="1" noUngrp="1" noRot="1" noChangeAspect="1" noMove="1" noResize="1"/>
+          </p:cNvGrpSpPr>
+          <p:nvPr>
+            <p:extLst>
+              <p:ext uri="{386F3935-93C4-4BCD-93E2-E3B085C9AB24}">
+                <p16:designElem xmlns:p16="http://schemas.microsoft.com/office/powerpoint/2015/main" val="1"/>
+              </p:ext>
+            </p:extLst>
+          </p:nvPr>
+        </p:nvGrpSpPr>
+        <p:grpSpPr>
+          <a:xfrm>
+            <a:off x="11401725" y="6229681"/>
+            <a:ext cx="457200" cy="457200"/>
+            <a:chOff x="11361456" y="6195813"/>
+            <a:chExt cx="548640" cy="548640"/>
+          </a:xfrm>
+        </p:grpSpPr>
+        <p:sp>
+          <p:nvSpPr>
+            <p:cNvPr id="13" name="Oval 12">
+              <a:extLst>
+                <a:ext uri="{FF2B5EF4-FFF2-40B4-BE49-F238E27FC236}">
+                  <a16:creationId xmlns:a16="http://schemas.microsoft.com/office/drawing/2014/main" id="{54B91A37-AA1F-4966-8ACF-93023547DA92}"/>
+                </a:ext>
+                <a:ext uri="{C183D7F6-B498-43B3-948B-1728B52AA6E4}">
+                  <adec:decorative xmlns:adec="http://schemas.microsoft.com/office/drawing/2017/decorative" val="1"/>
+                </a:ext>
+              </a:extLst>
+            </p:cNvPr>
+            <p:cNvSpPr/>
+            <p:nvPr>
+              <p:extLst>
+                <p:ext uri="{386F3935-93C4-4BCD-93E2-E3B085C9AB24}">
+                  <p16:designElem xmlns:p16="http://schemas.microsoft.com/office/powerpoint/2015/main" val="1"/>
+                </p:ext>
+              </p:extLst>
+            </p:nvPr>
+          </p:nvSpPr>
+          <p:spPr>
+            <a:xfrm>
+              <a:off x="11361456" y="6195813"/>
+              <a:ext cx="548640" cy="548640"/>
+            </a:xfrm>
+            <a:prstGeom prst="ellipse">
+              <a:avLst/>
+            </a:prstGeom>
+            <a:blipFill dpi="0" rotWithShape="1">
+              <a:blip r:embed="rId5">
+                <a:duotone>
+                  <a:schemeClr val="accent1">
+                    <a:shade val="45000"/>
+                    <a:satMod val="135000"/>
+                  </a:schemeClr>
+                  <a:prstClr val="white"/>
+                </a:duotone>
+              </a:blip>
+              <a:srcRect/>
+              <a:tile tx="50800" ty="0" sx="85000" sy="85000" flip="none" algn="tl"/>
+            </a:blipFill>
+            <a:ln w="25400" cap="flat" cmpd="sng" algn="ctr">
+              <a:noFill/>
+              <a:prstDash val="solid"/>
+            </a:ln>
+            <a:effectLst/>
+          </p:spPr>
+          <p:txBody>
+            <a:bodyPr lIns="0" tIns="0" rIns="0" bIns="0" rtlCol="0" anchor="ctr"/>
+            <a:lstStyle/>
+            <a:p>
+              <a:pPr marL="0" marR="0" lvl="0" indent="0" algn="ctr" defTabSz="914400" eaLnBrk="1" fontAlgn="auto" latinLnBrk="0" hangingPunct="1">
+                <a:lnSpc>
+                  <a:spcPct val="100000"/>
+                </a:lnSpc>
+                <a:spcBef>
+                  <a:spcPts val="0"/>
+                </a:spcBef>
+                <a:spcAft>
+                  <a:spcPts val="0"/>
+                </a:spcAft>
+                <a:buClrTx/>
+                <a:buSzTx/>
+                <a:buFontTx/>
+                <a:buNone/>
+                <a:tabLst/>
+                <a:defRPr/>
+              </a:pPr>
+              <a:endParaRPr kumimoji="0" lang="en-US" sz="2000" b="0" i="0" u="none" strike="noStrike" kern="0" cap="none" spc="0" normalizeH="0" baseline="0" noProof="0" dirty="0">
+                <a:ln>
+                  <a:noFill/>
+                </a:ln>
+                <a:solidFill>
+                  <a:prstClr val="white"/>
+                </a:solidFill>
+                <a:effectLst/>
+                <a:uLnTx/>
+                <a:uFillTx/>
+                <a:latin typeface="Rockwell Extra Bold" pitchFamily="18" charset="0"/>
+                <a:ea typeface="+mn-ea"/>
+                <a:cs typeface="+mn-cs"/>
+              </a:endParaRPr>
+            </a:p>
+          </p:txBody>
+        </p:sp>
+        <p:sp>
+          <p:nvSpPr>
+            <p:cNvPr id="14" name="Oval 13">
+              <a:extLst>
+                <a:ext uri="{FF2B5EF4-FFF2-40B4-BE49-F238E27FC236}">
+                  <a16:creationId xmlns:a16="http://schemas.microsoft.com/office/drawing/2014/main" id="{17B17AC5-0931-432F-9A4A-DDCFAA010ABC}"/>
+                </a:ext>
+                <a:ext uri="{C183D7F6-B498-43B3-948B-1728B52AA6E4}">
+                  <adec:decorative xmlns:adec="http://schemas.microsoft.com/office/drawing/2017/decorative" val="1"/>
+                </a:ext>
+              </a:extLst>
+            </p:cNvPr>
+            <p:cNvSpPr/>
+            <p:nvPr>
+              <p:extLst>
+                <p:ext uri="{386F3935-93C4-4BCD-93E2-E3B085C9AB24}">
+                  <p16:designElem xmlns:p16="http://schemas.microsoft.com/office/powerpoint/2015/main" val="1"/>
+                </p:ext>
+              </p:extLst>
+            </p:nvPr>
+          </p:nvSpPr>
+          <p:spPr>
+            <a:xfrm>
+              <a:off x="11396488" y="6230844"/>
+              <a:ext cx="478576" cy="478578"/>
+            </a:xfrm>
+            <a:prstGeom prst="ellipse">
+              <a:avLst/>
+            </a:prstGeom>
+            <a:noFill/>
+            <a:ln w="12700" cap="flat" cmpd="sng" algn="ctr">
+              <a:solidFill>
+                <a:srgbClr val="FFFFFF"/>
+              </a:solidFill>
+              <a:prstDash val="solid"/>
+            </a:ln>
+            <a:effectLst/>
+          </p:spPr>
+          <p:txBody>
+            <a:bodyPr rtlCol="0" anchor="ctr"/>
+            <a:lstStyle/>
+            <a:p>
+              <a:pPr marL="0" marR="0" lvl="0" indent="0" algn="ctr" defTabSz="914400" eaLnBrk="1" fontAlgn="auto" latinLnBrk="0" hangingPunct="1">
+                <a:lnSpc>
+                  <a:spcPct val="100000"/>
+                </a:lnSpc>
+                <a:spcBef>
+                  <a:spcPts val="0"/>
+                </a:spcBef>
+                <a:spcAft>
+                  <a:spcPts val="0"/>
+                </a:spcAft>
+                <a:buClrTx/>
+                <a:buSzTx/>
+                <a:buFontTx/>
+                <a:buNone/>
+                <a:tabLst/>
+                <a:defRPr/>
+              </a:pPr>
+              <a:endParaRPr kumimoji="0" lang="en-US" sz="1800" b="0" i="0" u="none" strike="noStrike" kern="0" cap="none" spc="0" normalizeH="0" baseline="0" noProof="0" dirty="0">
+                <a:ln>
+                  <a:noFill/>
+                </a:ln>
+                <a:solidFill>
+                  <a:prstClr val="white"/>
+                </a:solidFill>
+                <a:effectLst/>
+                <a:uLnTx/>
+                <a:uFillTx/>
+                <a:latin typeface="Calibri"/>
+                <a:ea typeface="+mn-ea"/>
+                <a:cs typeface="+mn-cs"/>
+              </a:endParaRPr>
+            </a:p>
+          </p:txBody>
+        </p:sp>
+      </p:grpSp>
     </p:spTree>
     <p:extLst>
       <p:ext uri="{BB962C8B-B14F-4D97-AF65-F5344CB8AC3E}">
@@ -15691,19 +16024,17 @@
       </p:grpSpPr>
       <p:pic>
         <p:nvPicPr>
-          <p:cNvPr id="5" name="Content Placeholder 4">
+          <p:cNvPr id="5" name="Picture 4">
             <a:extLst>
               <a:ext uri="{FF2B5EF4-FFF2-40B4-BE49-F238E27FC236}">
-                <a16:creationId xmlns:a16="http://schemas.microsoft.com/office/drawing/2014/main" id="{DCFCB3C8-7A7A-804A-009F-0B9ADDD948F0}"/>
+                <a16:creationId xmlns:a16="http://schemas.microsoft.com/office/drawing/2014/main" id="{2E486629-EC0A-40A9-CD98-5DE395F335E2}"/>
               </a:ext>
             </a:extLst>
           </p:cNvPr>
           <p:cNvPicPr>
-            <a:picLocks noGrp="1" noChangeAspect="1"/>
+            <a:picLocks noChangeAspect="1"/>
           </p:cNvPicPr>
-          <p:nvPr>
-            <p:ph idx="1"/>
-          </p:nvPr>
+          <p:nvPr/>
         </p:nvPicPr>
         <p:blipFill>
           <a:blip r:embed="rId2"/>
@@ -15713,15 +16044,18 @@
         </p:blipFill>
         <p:spPr>
           <a:xfrm>
-            <a:off x="476745" y="324344"/>
-            <a:ext cx="11238510" cy="5619255"/>
+            <a:off x="1923142" y="0"/>
+            <a:ext cx="8345715" cy="6858000"/>
           </a:xfrm>
+          <a:prstGeom prst="rect">
+            <a:avLst/>
+          </a:prstGeom>
         </p:spPr>
       </p:pic>
     </p:spTree>
     <p:extLst>
       <p:ext uri="{BB962C8B-B14F-4D97-AF65-F5344CB8AC3E}">
-        <p14:creationId xmlns:p14="http://schemas.microsoft.com/office/powerpoint/2010/main" val="3680811506"/>
+        <p14:creationId xmlns:p14="http://schemas.microsoft.com/office/powerpoint/2010/main" val="1684239538"/>
       </p:ext>
     </p:extLst>
   </p:cSld>
@@ -15753,7 +16087,7 @@
           <p:cNvPr id="2" name="Title 1">
             <a:extLst>
               <a:ext uri="{FF2B5EF4-FFF2-40B4-BE49-F238E27FC236}">
-                <a16:creationId xmlns:a16="http://schemas.microsoft.com/office/drawing/2014/main" id="{517DCA7E-5297-0B4F-8F6D-58CE396F5D3D}"/>
+                <a16:creationId xmlns:a16="http://schemas.microsoft.com/office/drawing/2014/main" id="{7990933B-A0F7-3C0F-1665-210F179ED097}"/>
               </a:ext>
             </a:extLst>
           </p:cNvPr>
@@ -15764,48 +16098,58 @@
             <p:ph type="title"/>
           </p:nvPr>
         </p:nvSpPr>
-        <p:spPr/>
+        <p:spPr>
+          <a:xfrm>
+            <a:off x="1066800" y="31483"/>
+            <a:ext cx="10058400" cy="1609344"/>
+          </a:xfrm>
+        </p:spPr>
         <p:txBody>
           <a:bodyPr/>
           <a:lstStyle/>
           <a:p>
+            <a:pPr algn="ctr"/>
             <a:r>
               <a:rPr lang="en-DE" dirty="0"/>
-              <a:t>Object Slicing</a:t>
+              <a:t>Dynamic Cast</a:t>
             </a:r>
             <a:endParaRPr lang="de-DE" dirty="0"/>
           </a:p>
         </p:txBody>
       </p:sp>
-      <p:sp>
-        <p:nvSpPr>
-          <p:cNvPr id="3" name="Content Placeholder 2">
+      <p:pic>
+        <p:nvPicPr>
+          <p:cNvPr id="5" name="Content Placeholder 4">
             <a:extLst>
               <a:ext uri="{FF2B5EF4-FFF2-40B4-BE49-F238E27FC236}">
-                <a16:creationId xmlns:a16="http://schemas.microsoft.com/office/drawing/2014/main" id="{CD073F02-0237-8C3C-8E78-88629D340AF6}"/>
+                <a16:creationId xmlns:a16="http://schemas.microsoft.com/office/drawing/2014/main" id="{EE7B4AFF-2D1F-2C04-A608-9BB25BC80FD0}"/>
               </a:ext>
             </a:extLst>
           </p:cNvPr>
-          <p:cNvSpPr>
-            <a:spLocks noGrp="1"/>
-          </p:cNvSpPr>
+          <p:cNvPicPr>
+            <a:picLocks noGrp="1" noChangeAspect="1"/>
+          </p:cNvPicPr>
           <p:nvPr>
             <p:ph idx="1"/>
           </p:nvPr>
-        </p:nvSpPr>
-        <p:spPr/>
-        <p:txBody>
-          <a:bodyPr/>
-          <a:lstStyle/>
-          <a:p>
-            <a:endParaRPr lang="de-DE"/>
-          </a:p>
-        </p:txBody>
-      </p:sp>
+        </p:nvPicPr>
+        <p:blipFill>
+          <a:blip r:embed="rId2"/>
+          <a:stretch>
+            <a:fillRect/>
+          </a:stretch>
+        </p:blipFill>
+        <p:spPr>
+          <a:xfrm>
+            <a:off x="1789305" y="1282700"/>
+            <a:ext cx="8613389" cy="5398823"/>
+          </a:xfrm>
+        </p:spPr>
+      </p:pic>
     </p:spTree>
     <p:extLst>
       <p:ext uri="{BB962C8B-B14F-4D97-AF65-F5344CB8AC3E}">
-        <p14:creationId xmlns:p14="http://schemas.microsoft.com/office/powerpoint/2010/main" val="3843405532"/>
+        <p14:creationId xmlns:p14="http://schemas.microsoft.com/office/powerpoint/2010/main" val="3719361982"/>
       </p:ext>
     </p:extLst>
   </p:cSld>
@@ -15832,42 +16176,12 @@
           <a:chExt cx="0" cy="0"/>
         </a:xfrm>
       </p:grpSpPr>
-      <p:sp>
-        <p:nvSpPr>
-          <p:cNvPr id="2" name="Title 1">
-            <a:extLst>
-              <a:ext uri="{FF2B5EF4-FFF2-40B4-BE49-F238E27FC236}">
-                <a16:creationId xmlns:a16="http://schemas.microsoft.com/office/drawing/2014/main" id="{2F036595-1F68-7B97-FBE7-2F031505FA0D}"/>
-              </a:ext>
-            </a:extLst>
-          </p:cNvPr>
-          <p:cNvSpPr>
-            <a:spLocks noGrp="1"/>
-          </p:cNvSpPr>
-          <p:nvPr>
-            <p:ph type="title"/>
-          </p:nvPr>
-        </p:nvSpPr>
-        <p:spPr/>
-        <p:txBody>
-          <a:bodyPr/>
-          <a:lstStyle/>
-          <a:p>
-            <a:pPr algn="ctr"/>
-            <a:r>
-              <a:rPr lang="en-DE" dirty="0"/>
-              <a:t>Rule of 3</a:t>
-            </a:r>
-            <a:endParaRPr lang="de-DE" dirty="0"/>
-          </a:p>
-        </p:txBody>
-      </p:sp>
       <p:pic>
         <p:nvPicPr>
           <p:cNvPr id="5" name="Content Placeholder 4">
             <a:extLst>
               <a:ext uri="{FF2B5EF4-FFF2-40B4-BE49-F238E27FC236}">
-                <a16:creationId xmlns:a16="http://schemas.microsoft.com/office/drawing/2014/main" id="{39FA2EA6-3328-0EE4-39D4-A8BA0B6F113C}"/>
+                <a16:creationId xmlns:a16="http://schemas.microsoft.com/office/drawing/2014/main" id="{DCFCB3C8-7A7A-804A-009F-0B9ADDD948F0}"/>
               </a:ext>
             </a:extLst>
           </p:cNvPr>
@@ -15886,15 +16200,15 @@
         </p:blipFill>
         <p:spPr>
           <a:xfrm>
-            <a:off x="1301934" y="2288710"/>
-            <a:ext cx="9588132" cy="3143049"/>
+            <a:off x="476745" y="324344"/>
+            <a:ext cx="11238510" cy="5619255"/>
           </a:xfrm>
         </p:spPr>
       </p:pic>
     </p:spTree>
     <p:extLst>
       <p:ext uri="{BB962C8B-B14F-4D97-AF65-F5344CB8AC3E}">
-        <p14:creationId xmlns:p14="http://schemas.microsoft.com/office/powerpoint/2010/main" val="2369295152"/>
+        <p14:creationId xmlns:p14="http://schemas.microsoft.com/office/powerpoint/2010/main" val="3680811506"/>
       </p:ext>
     </p:extLst>
   </p:cSld>
@@ -16033,6 +16347,297 @@
 </file>
 
 <file path=ppt/slides/slide80.xml><?xml version="1.0" encoding="utf-8"?>
+<p:sld xmlns:a="http://schemas.openxmlformats.org/drawingml/2006/main" xmlns:r="http://schemas.openxmlformats.org/officeDocument/2006/relationships" xmlns:p="http://schemas.openxmlformats.org/presentationml/2006/main">
+  <p:cSld>
+    <p:spTree>
+      <p:nvGrpSpPr>
+        <p:cNvPr id="1" name=""/>
+        <p:cNvGrpSpPr/>
+        <p:nvPr/>
+      </p:nvGrpSpPr>
+      <p:grpSpPr>
+        <a:xfrm>
+          <a:off x="0" y="0"/>
+          <a:ext cx="0" cy="0"/>
+          <a:chOff x="0" y="0"/>
+          <a:chExt cx="0" cy="0"/>
+        </a:xfrm>
+      </p:grpSpPr>
+      <p:sp>
+        <p:nvSpPr>
+          <p:cNvPr id="2" name="Title 1">
+            <a:extLst>
+              <a:ext uri="{FF2B5EF4-FFF2-40B4-BE49-F238E27FC236}">
+                <a16:creationId xmlns:a16="http://schemas.microsoft.com/office/drawing/2014/main" id="{A289B284-D687-7E54-3C44-1BD7B6C17CF5}"/>
+              </a:ext>
+            </a:extLst>
+          </p:cNvPr>
+          <p:cNvSpPr>
+            <a:spLocks noGrp="1"/>
+          </p:cNvSpPr>
+          <p:nvPr>
+            <p:ph type="title"/>
+          </p:nvPr>
+        </p:nvSpPr>
+        <p:spPr>
+          <a:xfrm>
+            <a:off x="1066800" y="2624328"/>
+            <a:ext cx="10058400" cy="1609344"/>
+          </a:xfrm>
+        </p:spPr>
+        <p:txBody>
+          <a:bodyPr/>
+          <a:lstStyle/>
+          <a:p>
+            <a:pPr algn="ctr"/>
+            <a:r>
+              <a:rPr lang="en-DE" dirty="0"/>
+              <a:t>IDE – Casting</a:t>
+            </a:r>
+          </a:p>
+        </p:txBody>
+      </p:sp>
+    </p:spTree>
+    <p:extLst>
+      <p:ext uri="{BB962C8B-B14F-4D97-AF65-F5344CB8AC3E}">
+        <p14:creationId xmlns:p14="http://schemas.microsoft.com/office/powerpoint/2010/main" val="1770974693"/>
+      </p:ext>
+    </p:extLst>
+  </p:cSld>
+  <p:clrMapOvr>
+    <a:masterClrMapping/>
+  </p:clrMapOvr>
+</p:sld>
+</file>
+
+<file path=ppt/slides/slide81.xml><?xml version="1.0" encoding="utf-8"?>
+<p:sld xmlns:a="http://schemas.openxmlformats.org/drawingml/2006/main" xmlns:r="http://schemas.openxmlformats.org/officeDocument/2006/relationships" xmlns:p="http://schemas.openxmlformats.org/presentationml/2006/main">
+  <p:cSld>
+    <p:spTree>
+      <p:nvGrpSpPr>
+        <p:cNvPr id="1" name=""/>
+        <p:cNvGrpSpPr/>
+        <p:nvPr/>
+      </p:nvGrpSpPr>
+      <p:grpSpPr>
+        <a:xfrm>
+          <a:off x="0" y="0"/>
+          <a:ext cx="0" cy="0"/>
+          <a:chOff x="0" y="0"/>
+          <a:chExt cx="0" cy="0"/>
+        </a:xfrm>
+      </p:grpSpPr>
+      <p:sp>
+        <p:nvSpPr>
+          <p:cNvPr id="2" name="Title 1">
+            <a:extLst>
+              <a:ext uri="{FF2B5EF4-FFF2-40B4-BE49-F238E27FC236}">
+                <a16:creationId xmlns:a16="http://schemas.microsoft.com/office/drawing/2014/main" id="{517DCA7E-5297-0B4F-8F6D-58CE396F5D3D}"/>
+              </a:ext>
+            </a:extLst>
+          </p:cNvPr>
+          <p:cNvSpPr>
+            <a:spLocks noGrp="1"/>
+          </p:cNvSpPr>
+          <p:nvPr>
+            <p:ph type="title"/>
+          </p:nvPr>
+        </p:nvSpPr>
+        <p:spPr>
+          <a:xfrm>
+            <a:off x="1066799" y="155957"/>
+            <a:ext cx="10058400" cy="1609344"/>
+          </a:xfrm>
+        </p:spPr>
+        <p:txBody>
+          <a:bodyPr/>
+          <a:lstStyle/>
+          <a:p>
+            <a:pPr algn="ctr"/>
+            <a:r>
+              <a:rPr lang="en-DE" dirty="0"/>
+              <a:t>Object Slicing</a:t>
+            </a:r>
+            <a:endParaRPr lang="de-DE" dirty="0"/>
+          </a:p>
+        </p:txBody>
+      </p:sp>
+      <p:pic>
+        <p:nvPicPr>
+          <p:cNvPr id="5" name="Content Placeholder 4">
+            <a:extLst>
+              <a:ext uri="{FF2B5EF4-FFF2-40B4-BE49-F238E27FC236}">
+                <a16:creationId xmlns:a16="http://schemas.microsoft.com/office/drawing/2014/main" id="{5860C107-08E8-DA43-12CF-C9E31458DB71}"/>
+              </a:ext>
+            </a:extLst>
+          </p:cNvPr>
+          <p:cNvPicPr>
+            <a:picLocks noGrp="1" noChangeAspect="1"/>
+          </p:cNvPicPr>
+          <p:nvPr>
+            <p:ph idx="1"/>
+          </p:nvPr>
+        </p:nvPicPr>
+        <p:blipFill>
+          <a:blip r:embed="rId2"/>
+          <a:stretch>
+            <a:fillRect/>
+          </a:stretch>
+        </p:blipFill>
+        <p:spPr>
+          <a:xfrm>
+            <a:off x="2456581" y="1553635"/>
+            <a:ext cx="7278835" cy="4051300"/>
+          </a:xfrm>
+        </p:spPr>
+      </p:pic>
+      <p:sp>
+        <p:nvSpPr>
+          <p:cNvPr id="7" name="TextBox 6">
+            <a:extLst>
+              <a:ext uri="{FF2B5EF4-FFF2-40B4-BE49-F238E27FC236}">
+                <a16:creationId xmlns:a16="http://schemas.microsoft.com/office/drawing/2014/main" id="{FA9EEAD5-3F6E-DEE6-DDB6-5CBF8E2BA362}"/>
+              </a:ext>
+            </a:extLst>
+          </p:cNvPr>
+          <p:cNvSpPr txBox="1"/>
+          <p:nvPr/>
+        </p:nvSpPr>
+        <p:spPr>
+          <a:xfrm>
+            <a:off x="3639417" y="6080667"/>
+            <a:ext cx="4361583" cy="369332"/>
+          </a:xfrm>
+          <a:prstGeom prst="rect">
+            <a:avLst/>
+          </a:prstGeom>
+          <a:noFill/>
+        </p:spPr>
+        <p:txBody>
+          <a:bodyPr wrap="square">
+            <a:spAutoFit/>
+          </a:bodyPr>
+          <a:lstStyle/>
+          <a:p>
+            <a:r>
+              <a:rPr lang="en-GB" dirty="0">
+                <a:hlinkClick r:id="rId3"/>
+              </a:rPr>
+              <a:t>Object Slicing in C++ - </a:t>
+            </a:r>
+            <a:r>
+              <a:rPr lang="en-GB" dirty="0" err="1">
+                <a:hlinkClick r:id="rId3"/>
+              </a:rPr>
+              <a:t>GeeksforGeeks</a:t>
+            </a:r>
+            <a:endParaRPr lang="de-DE" dirty="0"/>
+          </a:p>
+        </p:txBody>
+      </p:sp>
+    </p:spTree>
+    <p:extLst>
+      <p:ext uri="{BB962C8B-B14F-4D97-AF65-F5344CB8AC3E}">
+        <p14:creationId xmlns:p14="http://schemas.microsoft.com/office/powerpoint/2010/main" val="3843405532"/>
+      </p:ext>
+    </p:extLst>
+  </p:cSld>
+  <p:clrMapOvr>
+    <a:masterClrMapping/>
+  </p:clrMapOvr>
+</p:sld>
+</file>
+
+<file path=ppt/slides/slide82.xml><?xml version="1.0" encoding="utf-8"?>
+<p:sld xmlns:a="http://schemas.openxmlformats.org/drawingml/2006/main" xmlns:r="http://schemas.openxmlformats.org/officeDocument/2006/relationships" xmlns:p="http://schemas.openxmlformats.org/presentationml/2006/main">
+  <p:cSld>
+    <p:spTree>
+      <p:nvGrpSpPr>
+        <p:cNvPr id="1" name=""/>
+        <p:cNvGrpSpPr/>
+        <p:nvPr/>
+      </p:nvGrpSpPr>
+      <p:grpSpPr>
+        <a:xfrm>
+          <a:off x="0" y="0"/>
+          <a:ext cx="0" cy="0"/>
+          <a:chOff x="0" y="0"/>
+          <a:chExt cx="0" cy="0"/>
+        </a:xfrm>
+      </p:grpSpPr>
+      <p:sp>
+        <p:nvSpPr>
+          <p:cNvPr id="2" name="Title 1">
+            <a:extLst>
+              <a:ext uri="{FF2B5EF4-FFF2-40B4-BE49-F238E27FC236}">
+                <a16:creationId xmlns:a16="http://schemas.microsoft.com/office/drawing/2014/main" id="{2F036595-1F68-7B97-FBE7-2F031505FA0D}"/>
+              </a:ext>
+            </a:extLst>
+          </p:cNvPr>
+          <p:cNvSpPr>
+            <a:spLocks noGrp="1"/>
+          </p:cNvSpPr>
+          <p:nvPr>
+            <p:ph type="title"/>
+          </p:nvPr>
+        </p:nvSpPr>
+        <p:spPr/>
+        <p:txBody>
+          <a:bodyPr/>
+          <a:lstStyle/>
+          <a:p>
+            <a:pPr algn="ctr"/>
+            <a:r>
+              <a:rPr lang="en-DE" dirty="0"/>
+              <a:t>Rule of 3</a:t>
+            </a:r>
+            <a:endParaRPr lang="de-DE" dirty="0"/>
+          </a:p>
+        </p:txBody>
+      </p:sp>
+      <p:pic>
+        <p:nvPicPr>
+          <p:cNvPr id="5" name="Content Placeholder 4">
+            <a:extLst>
+              <a:ext uri="{FF2B5EF4-FFF2-40B4-BE49-F238E27FC236}">
+                <a16:creationId xmlns:a16="http://schemas.microsoft.com/office/drawing/2014/main" id="{39FA2EA6-3328-0EE4-39D4-A8BA0B6F113C}"/>
+              </a:ext>
+            </a:extLst>
+          </p:cNvPr>
+          <p:cNvPicPr>
+            <a:picLocks noGrp="1" noChangeAspect="1"/>
+          </p:cNvPicPr>
+          <p:nvPr>
+            <p:ph idx="1"/>
+          </p:nvPr>
+        </p:nvPicPr>
+        <p:blipFill>
+          <a:blip r:embed="rId2"/>
+          <a:stretch>
+            <a:fillRect/>
+          </a:stretch>
+        </p:blipFill>
+        <p:spPr>
+          <a:xfrm>
+            <a:off x="1301934" y="2288710"/>
+            <a:ext cx="9588132" cy="3143049"/>
+          </a:xfrm>
+        </p:spPr>
+      </p:pic>
+    </p:spTree>
+    <p:extLst>
+      <p:ext uri="{BB962C8B-B14F-4D97-AF65-F5344CB8AC3E}">
+        <p14:creationId xmlns:p14="http://schemas.microsoft.com/office/powerpoint/2010/main" val="2369295152"/>
+      </p:ext>
+    </p:extLst>
+  </p:cSld>
+  <p:clrMapOvr>
+    <a:masterClrMapping/>
+  </p:clrMapOvr>
+</p:sld>
+</file>
+
+<file path=ppt/slides/slide83.xml><?xml version="1.0" encoding="utf-8"?>
 <p:sld xmlns:a="http://schemas.openxmlformats.org/drawingml/2006/main" xmlns:r="http://schemas.openxmlformats.org/officeDocument/2006/relationships" xmlns:p="http://schemas.openxmlformats.org/presentationml/2006/main">
   <p:cSld>
     <p:spTree>
@@ -16141,7 +16746,7 @@
 </p:sld>
 </file>
 
-<file path=ppt/slides/slide81.xml><?xml version="1.0" encoding="utf-8"?>
+<file path=ppt/slides/slide84.xml><?xml version="1.0" encoding="utf-8"?>
 <p:sld xmlns:a="http://schemas.openxmlformats.org/drawingml/2006/main" xmlns:r="http://schemas.openxmlformats.org/officeDocument/2006/relationships" xmlns:p="http://schemas.openxmlformats.org/presentationml/2006/main">
   <p:cSld>
     <p:spTree>
@@ -16268,7 +16873,7 @@
 </p:sld>
 </file>
 
-<file path=ppt/slides/slide82.xml><?xml version="1.0" encoding="utf-8"?>
+<file path=ppt/slides/slide85.xml><?xml version="1.0" encoding="utf-8"?>
 <p:sld xmlns:a="http://schemas.openxmlformats.org/drawingml/2006/main" xmlns:r="http://schemas.openxmlformats.org/officeDocument/2006/relationships" xmlns:p="http://schemas.openxmlformats.org/presentationml/2006/main">
   <p:cSld>
     <p:spTree>
@@ -16303,32 +16908,26 @@
         </p:nvSpPr>
         <p:spPr>
           <a:xfrm>
-            <a:off x="1007533" y="2213864"/>
-            <a:ext cx="10058400" cy="2430272"/>
+            <a:off x="1066800" y="2624328"/>
+            <a:ext cx="10058400" cy="1609344"/>
           </a:xfrm>
         </p:spPr>
         <p:txBody>
-          <a:bodyPr>
-            <a:normAutofit/>
-          </a:bodyPr>
+          <a:bodyPr/>
           <a:lstStyle/>
           <a:p>
             <a:pPr algn="ctr"/>
             <a:r>
               <a:rPr lang="en-DE" dirty="0"/>
-              <a:t>IDE  (Rule of 3) + Vectors</a:t>
-            </a:r>
-            <a:br>
-              <a:rPr lang="en-DE" dirty="0"/>
-            </a:br>
-            <a:endParaRPr lang="en-DE" dirty="0"/>
+              <a:t>IDE – Friend Function</a:t>
+            </a:r>
           </a:p>
         </p:txBody>
       </p:sp>
     </p:spTree>
     <p:extLst>
       <p:ext uri="{BB962C8B-B14F-4D97-AF65-F5344CB8AC3E}">
-        <p14:creationId xmlns:p14="http://schemas.microsoft.com/office/powerpoint/2010/main" val="2443976679"/>
+        <p14:creationId xmlns:p14="http://schemas.microsoft.com/office/powerpoint/2010/main" val="1600000042"/>
       </p:ext>
     </p:extLst>
   </p:cSld>
@@ -16338,7 +16937,7 @@
 </p:sld>
 </file>
 
-<file path=ppt/slides/slide83.xml><?xml version="1.0" encoding="utf-8"?>
+<file path=ppt/slides/slide86.xml><?xml version="1.0" encoding="utf-8"?>
 <p:sld xmlns:a="http://schemas.openxmlformats.org/drawingml/2006/main" xmlns:r="http://schemas.openxmlformats.org/officeDocument/2006/relationships" xmlns:p="http://schemas.openxmlformats.org/presentationml/2006/main">
   <p:cSld>
     <p:spTree>
@@ -16360,7 +16959,7 @@
           <p:cNvPr id="2" name="Title 1">
             <a:extLst>
               <a:ext uri="{FF2B5EF4-FFF2-40B4-BE49-F238E27FC236}">
-                <a16:creationId xmlns:a16="http://schemas.microsoft.com/office/drawing/2014/main" id="{E37562E7-EDB1-184E-8C39-824F0AE8EA89}"/>
+                <a16:creationId xmlns:a16="http://schemas.microsoft.com/office/drawing/2014/main" id="{A289B284-D687-7E54-3C44-1BD7B6C17CF5}"/>
               </a:ext>
             </a:extLst>
           </p:cNvPr>
@@ -16373,26 +16972,32 @@
         </p:nvSpPr>
         <p:spPr>
           <a:xfrm>
-            <a:off x="1066800" y="2624328"/>
-            <a:ext cx="10058400" cy="1609344"/>
+            <a:off x="1007533" y="2213864"/>
+            <a:ext cx="10058400" cy="2430272"/>
           </a:xfrm>
         </p:spPr>
         <p:txBody>
-          <a:bodyPr/>
+          <a:bodyPr>
+            <a:normAutofit/>
+          </a:bodyPr>
           <a:lstStyle/>
           <a:p>
             <a:pPr algn="ctr"/>
             <a:r>
               <a:rPr lang="en-DE" dirty="0"/>
-              <a:t>Assignment 6</a:t>
-            </a:r>
+              <a:t>IDE  (Rule of 3) + Vectors</a:t>
+            </a:r>
+            <a:br>
+              <a:rPr lang="en-DE" dirty="0"/>
+            </a:br>
+            <a:endParaRPr lang="en-DE" dirty="0"/>
           </a:p>
         </p:txBody>
       </p:sp>
     </p:spTree>
     <p:extLst>
       <p:ext uri="{BB962C8B-B14F-4D97-AF65-F5344CB8AC3E}">
-        <p14:creationId xmlns:p14="http://schemas.microsoft.com/office/powerpoint/2010/main" val="1383194841"/>
+        <p14:creationId xmlns:p14="http://schemas.microsoft.com/office/powerpoint/2010/main" val="2443976679"/>
       </p:ext>
     </p:extLst>
   </p:cSld>
@@ -16402,7 +17007,7 @@
 </p:sld>
 </file>
 
-<file path=ppt/slides/slide84.xml><?xml version="1.0" encoding="utf-8"?>
+<file path=ppt/slides/slide87.xml><?xml version="1.0" encoding="utf-8"?>
 <p:sld xmlns:a="http://schemas.openxmlformats.org/drawingml/2006/main" xmlns:r="http://schemas.openxmlformats.org/officeDocument/2006/relationships" xmlns:p="http://schemas.openxmlformats.org/presentationml/2006/main">
   <p:cSld>
     <p:spTree>
@@ -16424,7 +17029,7 @@
           <p:cNvPr id="2" name="Title 1">
             <a:extLst>
               <a:ext uri="{FF2B5EF4-FFF2-40B4-BE49-F238E27FC236}">
-                <a16:creationId xmlns:a16="http://schemas.microsoft.com/office/drawing/2014/main" id="{E0CE3FC2-117E-3F75-4F0E-B96352CC8EEE}"/>
+                <a16:creationId xmlns:a16="http://schemas.microsoft.com/office/drawing/2014/main" id="{E37562E7-EDB1-184E-8C39-824F0AE8EA89}"/>
               </a:ext>
             </a:extLst>
           </p:cNvPr>
@@ -16435,44 +17040,28 @@
             <p:ph type="title"/>
           </p:nvPr>
         </p:nvSpPr>
-        <p:spPr/>
+        <p:spPr>
+          <a:xfrm>
+            <a:off x="1066800" y="2624328"/>
+            <a:ext cx="10058400" cy="1609344"/>
+          </a:xfrm>
+        </p:spPr>
         <p:txBody>
           <a:bodyPr/>
           <a:lstStyle/>
           <a:p>
-            <a:endParaRPr lang="de-DE" dirty="0"/>
-          </a:p>
-        </p:txBody>
-      </p:sp>
-      <p:sp>
-        <p:nvSpPr>
-          <p:cNvPr id="3" name="Content Placeholder 2">
-            <a:extLst>
-              <a:ext uri="{FF2B5EF4-FFF2-40B4-BE49-F238E27FC236}">
-                <a16:creationId xmlns:a16="http://schemas.microsoft.com/office/drawing/2014/main" id="{0FDF22DE-11C0-9157-482C-4C1468D01FA0}"/>
-              </a:ext>
-            </a:extLst>
-          </p:cNvPr>
-          <p:cNvSpPr>
-            <a:spLocks noGrp="1"/>
-          </p:cNvSpPr>
-          <p:nvPr>
-            <p:ph idx="1"/>
-          </p:nvPr>
-        </p:nvSpPr>
-        <p:spPr/>
-        <p:txBody>
-          <a:bodyPr/>
-          <a:lstStyle/>
-          <a:p>
-            <a:endParaRPr lang="de-DE"/>
+            <a:pPr algn="ctr"/>
+            <a:r>
+              <a:rPr lang="en-DE" dirty="0"/>
+              <a:t>Assignment 6</a:t>
+            </a:r>
           </a:p>
         </p:txBody>
       </p:sp>
     </p:spTree>
     <p:extLst>
       <p:ext uri="{BB962C8B-B14F-4D97-AF65-F5344CB8AC3E}">
-        <p14:creationId xmlns:p14="http://schemas.microsoft.com/office/powerpoint/2010/main" val="770348993"/>
+        <p14:creationId xmlns:p14="http://schemas.microsoft.com/office/powerpoint/2010/main" val="1383194841"/>
       </p:ext>
     </p:extLst>
   </p:cSld>

--- a/C++/Tutoring/Lectures/Script.pptx
+++ b/C++/Tutoring/Lectures/Script.pptx
@@ -78,20 +78,19 @@
     <p:sldId id="331" r:id="rId72"/>
     <p:sldId id="332" r:id="rId73"/>
     <p:sldId id="343" r:id="rId74"/>
-    <p:sldId id="351" r:id="rId75"/>
-    <p:sldId id="342" r:id="rId76"/>
-    <p:sldId id="338" r:id="rId77"/>
-    <p:sldId id="348" r:id="rId78"/>
-    <p:sldId id="337" r:id="rId79"/>
-    <p:sldId id="339" r:id="rId80"/>
-    <p:sldId id="350" r:id="rId81"/>
-    <p:sldId id="340" r:id="rId82"/>
-    <p:sldId id="341" r:id="rId83"/>
-    <p:sldId id="346" r:id="rId84"/>
-    <p:sldId id="347" r:id="rId85"/>
-    <p:sldId id="349" r:id="rId86"/>
-    <p:sldId id="345" r:id="rId87"/>
-    <p:sldId id="321" r:id="rId88"/>
+    <p:sldId id="342" r:id="rId75"/>
+    <p:sldId id="338" r:id="rId76"/>
+    <p:sldId id="348" r:id="rId77"/>
+    <p:sldId id="337" r:id="rId78"/>
+    <p:sldId id="339" r:id="rId79"/>
+    <p:sldId id="350" r:id="rId80"/>
+    <p:sldId id="340" r:id="rId81"/>
+    <p:sldId id="341" r:id="rId82"/>
+    <p:sldId id="346" r:id="rId83"/>
+    <p:sldId id="347" r:id="rId84"/>
+    <p:sldId id="349" r:id="rId85"/>
+    <p:sldId id="345" r:id="rId86"/>
+    <p:sldId id="321" r:id="rId87"/>
   </p:sldIdLst>
   <p:sldSz cx="12192000" cy="6858000"/>
   <p:notesSz cx="6858000" cy="9144000"/>
@@ -15408,71 +15407,6 @@
           <p:cNvPr id="2" name="Title 1">
             <a:extLst>
               <a:ext uri="{FF2B5EF4-FFF2-40B4-BE49-F238E27FC236}">
-                <a16:creationId xmlns:a16="http://schemas.microsoft.com/office/drawing/2014/main" id="{3B635A88-DFA0-C907-C576-CAF324F15274}"/>
-              </a:ext>
-            </a:extLst>
-          </p:cNvPr>
-          <p:cNvSpPr>
-            <a:spLocks noGrp="1"/>
-          </p:cNvSpPr>
-          <p:nvPr>
-            <p:ph type="title"/>
-          </p:nvPr>
-        </p:nvSpPr>
-        <p:spPr>
-          <a:xfrm>
-            <a:off x="1066800" y="2624328"/>
-            <a:ext cx="10058400" cy="1609344"/>
-          </a:xfrm>
-        </p:spPr>
-        <p:txBody>
-          <a:bodyPr/>
-          <a:lstStyle/>
-          <a:p>
-            <a:pPr algn="ctr"/>
-            <a:r>
-              <a:rPr lang="en-DE" dirty="0"/>
-              <a:t>Fast Quiz</a:t>
-            </a:r>
-            <a:endParaRPr lang="de-DE" dirty="0"/>
-          </a:p>
-        </p:txBody>
-      </p:sp>
-    </p:spTree>
-    <p:extLst>
-      <p:ext uri="{BB962C8B-B14F-4D97-AF65-F5344CB8AC3E}">
-        <p14:creationId xmlns:p14="http://schemas.microsoft.com/office/powerpoint/2010/main" val="2401606263"/>
-      </p:ext>
-    </p:extLst>
-  </p:cSld>
-  <p:clrMapOvr>
-    <a:masterClrMapping/>
-  </p:clrMapOvr>
-</p:sld>
-</file>
-
-<file path=ppt/slides/slide75.xml><?xml version="1.0" encoding="utf-8"?>
-<p:sld xmlns:a="http://schemas.openxmlformats.org/drawingml/2006/main" xmlns:r="http://schemas.openxmlformats.org/officeDocument/2006/relationships" xmlns:p="http://schemas.openxmlformats.org/presentationml/2006/main">
-  <p:cSld>
-    <p:spTree>
-      <p:nvGrpSpPr>
-        <p:cNvPr id="1" name=""/>
-        <p:cNvGrpSpPr/>
-        <p:nvPr/>
-      </p:nvGrpSpPr>
-      <p:grpSpPr>
-        <a:xfrm>
-          <a:off x="0" y="0"/>
-          <a:ext cx="0" cy="0"/>
-          <a:chOff x="0" y="0"/>
-          <a:chExt cx="0" cy="0"/>
-        </a:xfrm>
-      </p:grpSpPr>
-      <p:sp>
-        <p:nvSpPr>
-          <p:cNvPr id="2" name="Title 1">
-            <a:extLst>
-              <a:ext uri="{FF2B5EF4-FFF2-40B4-BE49-F238E27FC236}">
                 <a16:creationId xmlns:a16="http://schemas.microsoft.com/office/drawing/2014/main" id="{A0363103-4C52-C255-81CA-6737B4DBEC25}"/>
               </a:ext>
             </a:extLst>
@@ -15574,7 +15508,7 @@
 </p:sld>
 </file>
 
-<file path=ppt/slides/slide76.xml><?xml version="1.0" encoding="utf-8"?>
+<file path=ppt/slides/slide75.xml><?xml version="1.0" encoding="utf-8"?>
 <p:sld xmlns:a="http://schemas.openxmlformats.org/drawingml/2006/main" xmlns:r="http://schemas.openxmlformats.org/officeDocument/2006/relationships" xmlns:p="http://schemas.openxmlformats.org/presentationml/2006/main">
   <p:cSld>
     <p:bg>
@@ -16005,7 +15939,7 @@
 </p:sld>
 </file>
 
-<file path=ppt/slides/slide77.xml><?xml version="1.0" encoding="utf-8"?>
+<file path=ppt/slides/slide76.xml><?xml version="1.0" encoding="utf-8"?>
 <p:sld xmlns:a="http://schemas.openxmlformats.org/drawingml/2006/main" xmlns:r="http://schemas.openxmlformats.org/officeDocument/2006/relationships" xmlns:p="http://schemas.openxmlformats.org/presentationml/2006/main">
   <p:cSld>
     <p:spTree>
@@ -16065,7 +15999,7 @@
 </p:sld>
 </file>
 
-<file path=ppt/slides/slide78.xml><?xml version="1.0" encoding="utf-8"?>
+<file path=ppt/slides/slide77.xml><?xml version="1.0" encoding="utf-8"?>
 <p:sld xmlns:a="http://schemas.openxmlformats.org/drawingml/2006/main" xmlns:r="http://schemas.openxmlformats.org/officeDocument/2006/relationships" xmlns:p="http://schemas.openxmlformats.org/presentationml/2006/main">
   <p:cSld>
     <p:spTree>
@@ -16159,7 +16093,7 @@
 </p:sld>
 </file>
 
-<file path=ppt/slides/slide79.xml><?xml version="1.0" encoding="utf-8"?>
+<file path=ppt/slides/slide78.xml><?xml version="1.0" encoding="utf-8"?>
 <p:sld xmlns:a="http://schemas.openxmlformats.org/drawingml/2006/main" xmlns:r="http://schemas.openxmlformats.org/officeDocument/2006/relationships" xmlns:p="http://schemas.openxmlformats.org/presentationml/2006/main">
   <p:cSld>
     <p:spTree>
@@ -16209,6 +16143,70 @@
     <p:extLst>
       <p:ext uri="{BB962C8B-B14F-4D97-AF65-F5344CB8AC3E}">
         <p14:creationId xmlns:p14="http://schemas.microsoft.com/office/powerpoint/2010/main" val="3680811506"/>
+      </p:ext>
+    </p:extLst>
+  </p:cSld>
+  <p:clrMapOvr>
+    <a:masterClrMapping/>
+  </p:clrMapOvr>
+</p:sld>
+</file>
+
+<file path=ppt/slides/slide79.xml><?xml version="1.0" encoding="utf-8"?>
+<p:sld xmlns:a="http://schemas.openxmlformats.org/drawingml/2006/main" xmlns:r="http://schemas.openxmlformats.org/officeDocument/2006/relationships" xmlns:p="http://schemas.openxmlformats.org/presentationml/2006/main">
+  <p:cSld>
+    <p:spTree>
+      <p:nvGrpSpPr>
+        <p:cNvPr id="1" name=""/>
+        <p:cNvGrpSpPr/>
+        <p:nvPr/>
+      </p:nvGrpSpPr>
+      <p:grpSpPr>
+        <a:xfrm>
+          <a:off x="0" y="0"/>
+          <a:ext cx="0" cy="0"/>
+          <a:chOff x="0" y="0"/>
+          <a:chExt cx="0" cy="0"/>
+        </a:xfrm>
+      </p:grpSpPr>
+      <p:sp>
+        <p:nvSpPr>
+          <p:cNvPr id="2" name="Title 1">
+            <a:extLst>
+              <a:ext uri="{FF2B5EF4-FFF2-40B4-BE49-F238E27FC236}">
+                <a16:creationId xmlns:a16="http://schemas.microsoft.com/office/drawing/2014/main" id="{A289B284-D687-7E54-3C44-1BD7B6C17CF5}"/>
+              </a:ext>
+            </a:extLst>
+          </p:cNvPr>
+          <p:cNvSpPr>
+            <a:spLocks noGrp="1"/>
+          </p:cNvSpPr>
+          <p:nvPr>
+            <p:ph type="title"/>
+          </p:nvPr>
+        </p:nvSpPr>
+        <p:spPr>
+          <a:xfrm>
+            <a:off x="1066800" y="2624328"/>
+            <a:ext cx="10058400" cy="1609344"/>
+          </a:xfrm>
+        </p:spPr>
+        <p:txBody>
+          <a:bodyPr/>
+          <a:lstStyle/>
+          <a:p>
+            <a:pPr algn="ctr"/>
+            <a:r>
+              <a:rPr lang="en-DE" dirty="0"/>
+              <a:t>IDE – Casting</a:t>
+            </a:r>
+          </a:p>
+        </p:txBody>
+      </p:sp>
+    </p:spTree>
+    <p:extLst>
+      <p:ext uri="{BB962C8B-B14F-4D97-AF65-F5344CB8AC3E}">
+        <p14:creationId xmlns:p14="http://schemas.microsoft.com/office/powerpoint/2010/main" val="1770974693"/>
       </p:ext>
     </p:extLst>
   </p:cSld>
@@ -16368,7 +16366,7 @@
           <p:cNvPr id="2" name="Title 1">
             <a:extLst>
               <a:ext uri="{FF2B5EF4-FFF2-40B4-BE49-F238E27FC236}">
-                <a16:creationId xmlns:a16="http://schemas.microsoft.com/office/drawing/2014/main" id="{A289B284-D687-7E54-3C44-1BD7B6C17CF5}"/>
+                <a16:creationId xmlns:a16="http://schemas.microsoft.com/office/drawing/2014/main" id="{517DCA7E-5297-0B4F-8F6D-58CE396F5D3D}"/>
               </a:ext>
             </a:extLst>
           </p:cNvPr>
@@ -16381,7 +16379,7 @@
         </p:nvSpPr>
         <p:spPr>
           <a:xfrm>
-            <a:off x="1066800" y="2624328"/>
+            <a:off x="1066799" y="155957"/>
             <a:ext cx="10058400" cy="1609344"/>
           </a:xfrm>
         </p:spPr>
@@ -16392,15 +16390,89 @@
             <a:pPr algn="ctr"/>
             <a:r>
               <a:rPr lang="en-DE" dirty="0"/>
-              <a:t>IDE – Casting</a:t>
-            </a:r>
+              <a:t>Object Slicing</a:t>
+            </a:r>
+            <a:endParaRPr lang="de-DE" dirty="0"/>
+          </a:p>
+        </p:txBody>
+      </p:sp>
+      <p:pic>
+        <p:nvPicPr>
+          <p:cNvPr id="5" name="Content Placeholder 4">
+            <a:extLst>
+              <a:ext uri="{FF2B5EF4-FFF2-40B4-BE49-F238E27FC236}">
+                <a16:creationId xmlns:a16="http://schemas.microsoft.com/office/drawing/2014/main" id="{5860C107-08E8-DA43-12CF-C9E31458DB71}"/>
+              </a:ext>
+            </a:extLst>
+          </p:cNvPr>
+          <p:cNvPicPr>
+            <a:picLocks noGrp="1" noChangeAspect="1"/>
+          </p:cNvPicPr>
+          <p:nvPr>
+            <p:ph idx="1"/>
+          </p:nvPr>
+        </p:nvPicPr>
+        <p:blipFill>
+          <a:blip r:embed="rId2"/>
+          <a:stretch>
+            <a:fillRect/>
+          </a:stretch>
+        </p:blipFill>
+        <p:spPr>
+          <a:xfrm>
+            <a:off x="2456581" y="1553635"/>
+            <a:ext cx="7278835" cy="4051300"/>
+          </a:xfrm>
+        </p:spPr>
+      </p:pic>
+      <p:sp>
+        <p:nvSpPr>
+          <p:cNvPr id="7" name="TextBox 6">
+            <a:extLst>
+              <a:ext uri="{FF2B5EF4-FFF2-40B4-BE49-F238E27FC236}">
+                <a16:creationId xmlns:a16="http://schemas.microsoft.com/office/drawing/2014/main" id="{FA9EEAD5-3F6E-DEE6-DDB6-5CBF8E2BA362}"/>
+              </a:ext>
+            </a:extLst>
+          </p:cNvPr>
+          <p:cNvSpPr txBox="1"/>
+          <p:nvPr/>
+        </p:nvSpPr>
+        <p:spPr>
+          <a:xfrm>
+            <a:off x="3639417" y="6080667"/>
+            <a:ext cx="4361583" cy="369332"/>
+          </a:xfrm>
+          <a:prstGeom prst="rect">
+            <a:avLst/>
+          </a:prstGeom>
+          <a:noFill/>
+        </p:spPr>
+        <p:txBody>
+          <a:bodyPr wrap="square">
+            <a:spAutoFit/>
+          </a:bodyPr>
+          <a:lstStyle/>
+          <a:p>
+            <a:r>
+              <a:rPr lang="en-GB" dirty="0">
+                <a:hlinkClick r:id="rId3"/>
+              </a:rPr>
+              <a:t>Object Slicing in C++ - </a:t>
+            </a:r>
+            <a:r>
+              <a:rPr lang="en-GB" dirty="0" err="1">
+                <a:hlinkClick r:id="rId3"/>
+              </a:rPr>
+              <a:t>GeeksforGeeks</a:t>
+            </a:r>
+            <a:endParaRPr lang="de-DE" dirty="0"/>
           </a:p>
         </p:txBody>
       </p:sp>
     </p:spTree>
     <p:extLst>
       <p:ext uri="{BB962C8B-B14F-4D97-AF65-F5344CB8AC3E}">
-        <p14:creationId xmlns:p14="http://schemas.microsoft.com/office/powerpoint/2010/main" val="1770974693"/>
+        <p14:creationId xmlns:p14="http://schemas.microsoft.com/office/powerpoint/2010/main" val="3843405532"/>
       </p:ext>
     </p:extLst>
   </p:cSld>
@@ -16432,144 +16504,6 @@
           <p:cNvPr id="2" name="Title 1">
             <a:extLst>
               <a:ext uri="{FF2B5EF4-FFF2-40B4-BE49-F238E27FC236}">
-                <a16:creationId xmlns:a16="http://schemas.microsoft.com/office/drawing/2014/main" id="{517DCA7E-5297-0B4F-8F6D-58CE396F5D3D}"/>
-              </a:ext>
-            </a:extLst>
-          </p:cNvPr>
-          <p:cNvSpPr>
-            <a:spLocks noGrp="1"/>
-          </p:cNvSpPr>
-          <p:nvPr>
-            <p:ph type="title"/>
-          </p:nvPr>
-        </p:nvSpPr>
-        <p:spPr>
-          <a:xfrm>
-            <a:off x="1066799" y="155957"/>
-            <a:ext cx="10058400" cy="1609344"/>
-          </a:xfrm>
-        </p:spPr>
-        <p:txBody>
-          <a:bodyPr/>
-          <a:lstStyle/>
-          <a:p>
-            <a:pPr algn="ctr"/>
-            <a:r>
-              <a:rPr lang="en-DE" dirty="0"/>
-              <a:t>Object Slicing</a:t>
-            </a:r>
-            <a:endParaRPr lang="de-DE" dirty="0"/>
-          </a:p>
-        </p:txBody>
-      </p:sp>
-      <p:pic>
-        <p:nvPicPr>
-          <p:cNvPr id="5" name="Content Placeholder 4">
-            <a:extLst>
-              <a:ext uri="{FF2B5EF4-FFF2-40B4-BE49-F238E27FC236}">
-                <a16:creationId xmlns:a16="http://schemas.microsoft.com/office/drawing/2014/main" id="{5860C107-08E8-DA43-12CF-C9E31458DB71}"/>
-              </a:ext>
-            </a:extLst>
-          </p:cNvPr>
-          <p:cNvPicPr>
-            <a:picLocks noGrp="1" noChangeAspect="1"/>
-          </p:cNvPicPr>
-          <p:nvPr>
-            <p:ph idx="1"/>
-          </p:nvPr>
-        </p:nvPicPr>
-        <p:blipFill>
-          <a:blip r:embed="rId2"/>
-          <a:stretch>
-            <a:fillRect/>
-          </a:stretch>
-        </p:blipFill>
-        <p:spPr>
-          <a:xfrm>
-            <a:off x="2456581" y="1553635"/>
-            <a:ext cx="7278835" cy="4051300"/>
-          </a:xfrm>
-        </p:spPr>
-      </p:pic>
-      <p:sp>
-        <p:nvSpPr>
-          <p:cNvPr id="7" name="TextBox 6">
-            <a:extLst>
-              <a:ext uri="{FF2B5EF4-FFF2-40B4-BE49-F238E27FC236}">
-                <a16:creationId xmlns:a16="http://schemas.microsoft.com/office/drawing/2014/main" id="{FA9EEAD5-3F6E-DEE6-DDB6-5CBF8E2BA362}"/>
-              </a:ext>
-            </a:extLst>
-          </p:cNvPr>
-          <p:cNvSpPr txBox="1"/>
-          <p:nvPr/>
-        </p:nvSpPr>
-        <p:spPr>
-          <a:xfrm>
-            <a:off x="3639417" y="6080667"/>
-            <a:ext cx="4361583" cy="369332"/>
-          </a:xfrm>
-          <a:prstGeom prst="rect">
-            <a:avLst/>
-          </a:prstGeom>
-          <a:noFill/>
-        </p:spPr>
-        <p:txBody>
-          <a:bodyPr wrap="square">
-            <a:spAutoFit/>
-          </a:bodyPr>
-          <a:lstStyle/>
-          <a:p>
-            <a:r>
-              <a:rPr lang="en-GB" dirty="0">
-                <a:hlinkClick r:id="rId3"/>
-              </a:rPr>
-              <a:t>Object Slicing in C++ - </a:t>
-            </a:r>
-            <a:r>
-              <a:rPr lang="en-GB" dirty="0" err="1">
-                <a:hlinkClick r:id="rId3"/>
-              </a:rPr>
-              <a:t>GeeksforGeeks</a:t>
-            </a:r>
-            <a:endParaRPr lang="de-DE" dirty="0"/>
-          </a:p>
-        </p:txBody>
-      </p:sp>
-    </p:spTree>
-    <p:extLst>
-      <p:ext uri="{BB962C8B-B14F-4D97-AF65-F5344CB8AC3E}">
-        <p14:creationId xmlns:p14="http://schemas.microsoft.com/office/powerpoint/2010/main" val="3843405532"/>
-      </p:ext>
-    </p:extLst>
-  </p:cSld>
-  <p:clrMapOvr>
-    <a:masterClrMapping/>
-  </p:clrMapOvr>
-</p:sld>
-</file>
-
-<file path=ppt/slides/slide82.xml><?xml version="1.0" encoding="utf-8"?>
-<p:sld xmlns:a="http://schemas.openxmlformats.org/drawingml/2006/main" xmlns:r="http://schemas.openxmlformats.org/officeDocument/2006/relationships" xmlns:p="http://schemas.openxmlformats.org/presentationml/2006/main">
-  <p:cSld>
-    <p:spTree>
-      <p:nvGrpSpPr>
-        <p:cNvPr id="1" name=""/>
-        <p:cNvGrpSpPr/>
-        <p:nvPr/>
-      </p:nvGrpSpPr>
-      <p:grpSpPr>
-        <a:xfrm>
-          <a:off x="0" y="0"/>
-          <a:ext cx="0" cy="0"/>
-          <a:chOff x="0" y="0"/>
-          <a:chExt cx="0" cy="0"/>
-        </a:xfrm>
-      </p:grpSpPr>
-      <p:sp>
-        <p:nvSpPr>
-          <p:cNvPr id="2" name="Title 1">
-            <a:extLst>
-              <a:ext uri="{FF2B5EF4-FFF2-40B4-BE49-F238E27FC236}">
                 <a16:creationId xmlns:a16="http://schemas.microsoft.com/office/drawing/2014/main" id="{2F036595-1F68-7B97-FBE7-2F031505FA0D}"/>
               </a:ext>
             </a:extLst>
@@ -16637,7 +16571,7 @@
 </p:sld>
 </file>
 
-<file path=ppt/slides/slide83.xml><?xml version="1.0" encoding="utf-8"?>
+<file path=ppt/slides/slide82.xml><?xml version="1.0" encoding="utf-8"?>
 <p:sld xmlns:a="http://schemas.openxmlformats.org/drawingml/2006/main" xmlns:r="http://schemas.openxmlformats.org/officeDocument/2006/relationships" xmlns:p="http://schemas.openxmlformats.org/presentationml/2006/main">
   <p:cSld>
     <p:spTree>
@@ -16746,7 +16680,7 @@
 </p:sld>
 </file>
 
-<file path=ppt/slides/slide84.xml><?xml version="1.0" encoding="utf-8"?>
+<file path=ppt/slides/slide83.xml><?xml version="1.0" encoding="utf-8"?>
 <p:sld xmlns:a="http://schemas.openxmlformats.org/drawingml/2006/main" xmlns:r="http://schemas.openxmlformats.org/officeDocument/2006/relationships" xmlns:p="http://schemas.openxmlformats.org/presentationml/2006/main">
   <p:cSld>
     <p:spTree>
@@ -16873,6 +16807,70 @@
 </p:sld>
 </file>
 
+<file path=ppt/slides/slide84.xml><?xml version="1.0" encoding="utf-8"?>
+<p:sld xmlns:a="http://schemas.openxmlformats.org/drawingml/2006/main" xmlns:r="http://schemas.openxmlformats.org/officeDocument/2006/relationships" xmlns:p="http://schemas.openxmlformats.org/presentationml/2006/main">
+  <p:cSld>
+    <p:spTree>
+      <p:nvGrpSpPr>
+        <p:cNvPr id="1" name=""/>
+        <p:cNvGrpSpPr/>
+        <p:nvPr/>
+      </p:nvGrpSpPr>
+      <p:grpSpPr>
+        <a:xfrm>
+          <a:off x="0" y="0"/>
+          <a:ext cx="0" cy="0"/>
+          <a:chOff x="0" y="0"/>
+          <a:chExt cx="0" cy="0"/>
+        </a:xfrm>
+      </p:grpSpPr>
+      <p:sp>
+        <p:nvSpPr>
+          <p:cNvPr id="2" name="Title 1">
+            <a:extLst>
+              <a:ext uri="{FF2B5EF4-FFF2-40B4-BE49-F238E27FC236}">
+                <a16:creationId xmlns:a16="http://schemas.microsoft.com/office/drawing/2014/main" id="{A289B284-D687-7E54-3C44-1BD7B6C17CF5}"/>
+              </a:ext>
+            </a:extLst>
+          </p:cNvPr>
+          <p:cNvSpPr>
+            <a:spLocks noGrp="1"/>
+          </p:cNvSpPr>
+          <p:nvPr>
+            <p:ph type="title"/>
+          </p:nvPr>
+        </p:nvSpPr>
+        <p:spPr>
+          <a:xfrm>
+            <a:off x="1066800" y="2624328"/>
+            <a:ext cx="10058400" cy="1609344"/>
+          </a:xfrm>
+        </p:spPr>
+        <p:txBody>
+          <a:bodyPr/>
+          <a:lstStyle/>
+          <a:p>
+            <a:pPr algn="ctr"/>
+            <a:r>
+              <a:rPr lang="en-DE" dirty="0"/>
+              <a:t>IDE – Friend Function</a:t>
+            </a:r>
+          </a:p>
+        </p:txBody>
+      </p:sp>
+    </p:spTree>
+    <p:extLst>
+      <p:ext uri="{BB962C8B-B14F-4D97-AF65-F5344CB8AC3E}">
+        <p14:creationId xmlns:p14="http://schemas.microsoft.com/office/powerpoint/2010/main" val="1600000042"/>
+      </p:ext>
+    </p:extLst>
+  </p:cSld>
+  <p:clrMapOvr>
+    <a:masterClrMapping/>
+  </p:clrMapOvr>
+</p:sld>
+</file>
+
 <file path=ppt/slides/slide85.xml><?xml version="1.0" encoding="utf-8"?>
 <p:sld xmlns:a="http://schemas.openxmlformats.org/drawingml/2006/main" xmlns:r="http://schemas.openxmlformats.org/officeDocument/2006/relationships" xmlns:p="http://schemas.openxmlformats.org/presentationml/2006/main">
   <p:cSld>
@@ -16908,70 +16906,6 @@
         </p:nvSpPr>
         <p:spPr>
           <a:xfrm>
-            <a:off x="1066800" y="2624328"/>
-            <a:ext cx="10058400" cy="1609344"/>
-          </a:xfrm>
-        </p:spPr>
-        <p:txBody>
-          <a:bodyPr/>
-          <a:lstStyle/>
-          <a:p>
-            <a:pPr algn="ctr"/>
-            <a:r>
-              <a:rPr lang="en-DE" dirty="0"/>
-              <a:t>IDE – Friend Function</a:t>
-            </a:r>
-          </a:p>
-        </p:txBody>
-      </p:sp>
-    </p:spTree>
-    <p:extLst>
-      <p:ext uri="{BB962C8B-B14F-4D97-AF65-F5344CB8AC3E}">
-        <p14:creationId xmlns:p14="http://schemas.microsoft.com/office/powerpoint/2010/main" val="1600000042"/>
-      </p:ext>
-    </p:extLst>
-  </p:cSld>
-  <p:clrMapOvr>
-    <a:masterClrMapping/>
-  </p:clrMapOvr>
-</p:sld>
-</file>
-
-<file path=ppt/slides/slide86.xml><?xml version="1.0" encoding="utf-8"?>
-<p:sld xmlns:a="http://schemas.openxmlformats.org/drawingml/2006/main" xmlns:r="http://schemas.openxmlformats.org/officeDocument/2006/relationships" xmlns:p="http://schemas.openxmlformats.org/presentationml/2006/main">
-  <p:cSld>
-    <p:spTree>
-      <p:nvGrpSpPr>
-        <p:cNvPr id="1" name=""/>
-        <p:cNvGrpSpPr/>
-        <p:nvPr/>
-      </p:nvGrpSpPr>
-      <p:grpSpPr>
-        <a:xfrm>
-          <a:off x="0" y="0"/>
-          <a:ext cx="0" cy="0"/>
-          <a:chOff x="0" y="0"/>
-          <a:chExt cx="0" cy="0"/>
-        </a:xfrm>
-      </p:grpSpPr>
-      <p:sp>
-        <p:nvSpPr>
-          <p:cNvPr id="2" name="Title 1">
-            <a:extLst>
-              <a:ext uri="{FF2B5EF4-FFF2-40B4-BE49-F238E27FC236}">
-                <a16:creationId xmlns:a16="http://schemas.microsoft.com/office/drawing/2014/main" id="{A289B284-D687-7E54-3C44-1BD7B6C17CF5}"/>
-              </a:ext>
-            </a:extLst>
-          </p:cNvPr>
-          <p:cNvSpPr>
-            <a:spLocks noGrp="1"/>
-          </p:cNvSpPr>
-          <p:nvPr>
-            <p:ph type="title"/>
-          </p:nvPr>
-        </p:nvSpPr>
-        <p:spPr>
-          <a:xfrm>
             <a:off x="1007533" y="2213864"/>
             <a:ext cx="10058400" cy="2430272"/>
           </a:xfrm>
@@ -17007,7 +16941,7 @@
 </p:sld>
 </file>
 
-<file path=ppt/slides/slide87.xml><?xml version="1.0" encoding="utf-8"?>
+<file path=ppt/slides/slide86.xml><?xml version="1.0" encoding="utf-8"?>
 <p:sld xmlns:a="http://schemas.openxmlformats.org/drawingml/2006/main" xmlns:r="http://schemas.openxmlformats.org/officeDocument/2006/relationships" xmlns:p="http://schemas.openxmlformats.org/presentationml/2006/main">
   <p:cSld>
     <p:spTree>
